--- a/clase4/teoricas_4a6.pptx
+++ b/clase4/teoricas_4a6.pptx
@@ -22348,8 +22348,8 @@
           <a:chExt cx="0" cy="0"/>
         </a:xfrm>
       </p:grpSpPr>
-      <mc:AlternateContent xmlns:mc="http://schemas.openxmlformats.org/markup-compatibility/2006" xmlns:a14="http://schemas.microsoft.com/office/drawing/2010/main">
-        <mc:Choice Requires="a14">
+      <mc:AlternateContent xmlns:mc="http://schemas.openxmlformats.org/markup-compatibility/2006">
+        <mc:Choice xmlns:a14="http://schemas.microsoft.com/office/drawing/2010/main" Requires="a14">
           <p:sp>
             <p:nvSpPr>
               <p:cNvPr id="153" name="Google Shape;153;p27"/>
@@ -22411,12 +22411,13 @@
                   </a:rPr>
                 </a:br>
                 <a:r>
-                  <a:rPr lang="es-MX" sz="1600" b="1" dirty="0">
+                  <a:rPr lang="es-MX" sz="1600" dirty="0">
                     <a:solidFill>
                       <a:schemeClr val="accent3"/>
                     </a:solidFill>
+                    <a:latin typeface="+mj-lt"/>
                   </a:rPr>
-                  <a:t>Idea: </a:t>
+                  <a:t>Para variables continuas, </a:t>
                 </a:r>
                 <a:r>
                   <a:rPr lang="es-MX" sz="1600" dirty="0">
@@ -22424,7 +22425,7 @@
                       <a:schemeClr val="accent3"/>
                     </a:solidFill>
                   </a:rPr>
-                  <a:t>Se asume que las distribuciones de X para cada clase de Y son normales con una media propia y una varianza común</a:t>
+                  <a:t>se asume que las distribuciones de X para cada clase de Y son normales con una media propia y una varianza común</a:t>
                 </a:r>
                 <a:br>
                   <a:rPr lang="es-MX" sz="1600" dirty="0">
@@ -22832,7 +22833,7 @@
             </p:txBody>
           </p:sp>
         </mc:Choice>
-        <mc:Fallback xmlns="">
+        <mc:Fallback>
           <p:sp>
             <p:nvSpPr>
               <p:cNvPr id="153" name="Google Shape;153;p27"/>

--- a/clase4/teoricas_4a6.pptx
+++ b/clase4/teoricas_4a6.pptx
@@ -943,7 +943,7 @@
               </a:spcAft>
               <a:buNone/>
             </a:pPr>
-            <a:endParaRPr/>
+            <a:endParaRPr dirty="0"/>
           </a:p>
         </p:txBody>
       </p:sp>
@@ -1052,7 +1052,7 @@
               </a:spcAft>
               <a:buNone/>
             </a:pPr>
-            <a:endParaRPr/>
+            <a:endParaRPr dirty="0"/>
           </a:p>
         </p:txBody>
       </p:sp>
@@ -1156,7 +1156,7 @@
               </a:spcAft>
               <a:buNone/>
             </a:pPr>
-            <a:endParaRPr/>
+            <a:endParaRPr dirty="0"/>
           </a:p>
         </p:txBody>
       </p:sp>
@@ -1260,7 +1260,7 @@
               </a:spcAft>
               <a:buNone/>
             </a:pPr>
-            <a:endParaRPr/>
+            <a:endParaRPr dirty="0"/>
           </a:p>
         </p:txBody>
       </p:sp>
@@ -1369,7 +1369,7 @@
               </a:spcAft>
               <a:buNone/>
             </a:pPr>
-            <a:endParaRPr/>
+            <a:endParaRPr dirty="0"/>
           </a:p>
         </p:txBody>
       </p:sp>
@@ -1478,7 +1478,7 @@
               </a:spcAft>
               <a:buNone/>
             </a:pPr>
-            <a:endParaRPr/>
+            <a:endParaRPr dirty="0"/>
           </a:p>
         </p:txBody>
       </p:sp>
@@ -1587,7 +1587,7 @@
               </a:spcAft>
               <a:buNone/>
             </a:pPr>
-            <a:endParaRPr/>
+            <a:endParaRPr dirty="0"/>
           </a:p>
         </p:txBody>
       </p:sp>
@@ -1696,7 +1696,7 @@
               </a:spcAft>
               <a:buNone/>
             </a:pPr>
-            <a:endParaRPr/>
+            <a:endParaRPr dirty="0"/>
           </a:p>
         </p:txBody>
       </p:sp>
@@ -1805,7 +1805,7 @@
               </a:spcAft>
               <a:buNone/>
             </a:pPr>
-            <a:endParaRPr/>
+            <a:endParaRPr dirty="0"/>
           </a:p>
         </p:txBody>
       </p:sp>
@@ -1914,7 +1914,7 @@
               </a:spcAft>
               <a:buNone/>
             </a:pPr>
-            <a:endParaRPr/>
+            <a:endParaRPr dirty="0"/>
           </a:p>
         </p:txBody>
       </p:sp>
@@ -2023,7 +2023,7 @@
               </a:spcAft>
               <a:buNone/>
             </a:pPr>
-            <a:endParaRPr/>
+            <a:endParaRPr dirty="0"/>
           </a:p>
         </p:txBody>
       </p:sp>
@@ -2127,7 +2127,7 @@
               </a:spcAft>
               <a:buNone/>
             </a:pPr>
-            <a:endParaRPr/>
+            <a:endParaRPr dirty="0"/>
           </a:p>
         </p:txBody>
       </p:sp>
@@ -2236,7 +2236,7 @@
               </a:spcAft>
               <a:buNone/>
             </a:pPr>
-            <a:endParaRPr/>
+            <a:endParaRPr dirty="0"/>
           </a:p>
         </p:txBody>
       </p:sp>
@@ -2340,7 +2340,7 @@
               </a:spcAft>
               <a:buNone/>
             </a:pPr>
-            <a:endParaRPr/>
+            <a:endParaRPr dirty="0"/>
           </a:p>
         </p:txBody>
       </p:sp>
@@ -2449,7 +2449,7 @@
               </a:spcAft>
               <a:buNone/>
             </a:pPr>
-            <a:endParaRPr/>
+            <a:endParaRPr dirty="0"/>
           </a:p>
         </p:txBody>
       </p:sp>
@@ -2558,7 +2558,7 @@
               </a:spcAft>
               <a:buNone/>
             </a:pPr>
-            <a:endParaRPr/>
+            <a:endParaRPr dirty="0"/>
           </a:p>
         </p:txBody>
       </p:sp>
@@ -2667,7 +2667,7 @@
               </a:spcAft>
               <a:buNone/>
             </a:pPr>
-            <a:endParaRPr/>
+            <a:endParaRPr dirty="0"/>
           </a:p>
         </p:txBody>
       </p:sp>
@@ -2776,7 +2776,7 @@
               </a:spcAft>
               <a:buNone/>
             </a:pPr>
-            <a:endParaRPr/>
+            <a:endParaRPr dirty="0"/>
           </a:p>
         </p:txBody>
       </p:sp>
@@ -2885,7 +2885,7 @@
               </a:spcAft>
               <a:buNone/>
             </a:pPr>
-            <a:endParaRPr/>
+            <a:endParaRPr dirty="0"/>
           </a:p>
         </p:txBody>
       </p:sp>
@@ -2994,7 +2994,7 @@
               </a:spcAft>
               <a:buNone/>
             </a:pPr>
-            <a:endParaRPr/>
+            <a:endParaRPr dirty="0"/>
           </a:p>
         </p:txBody>
       </p:sp>
@@ -3103,7 +3103,7 @@
               </a:spcAft>
               <a:buNone/>
             </a:pPr>
-            <a:endParaRPr/>
+            <a:endParaRPr dirty="0"/>
           </a:p>
         </p:txBody>
       </p:sp>
@@ -3212,7 +3212,7 @@
               </a:spcAft>
               <a:buNone/>
             </a:pPr>
-            <a:endParaRPr/>
+            <a:endParaRPr dirty="0"/>
           </a:p>
         </p:txBody>
       </p:sp>
@@ -3316,7 +3316,7 @@
               </a:spcAft>
               <a:buNone/>
             </a:pPr>
-            <a:endParaRPr/>
+            <a:endParaRPr dirty="0"/>
           </a:p>
         </p:txBody>
       </p:sp>
@@ -3425,7 +3425,7 @@
               </a:spcAft>
               <a:buNone/>
             </a:pPr>
-            <a:endParaRPr/>
+            <a:endParaRPr dirty="0"/>
           </a:p>
         </p:txBody>
       </p:sp>
@@ -3534,7 +3534,7 @@
               </a:spcAft>
               <a:buNone/>
             </a:pPr>
-            <a:endParaRPr/>
+            <a:endParaRPr dirty="0"/>
           </a:p>
         </p:txBody>
       </p:sp>
@@ -3752,7 +3752,7 @@
               </a:spcAft>
               <a:buNone/>
             </a:pPr>
-            <a:endParaRPr/>
+            <a:endParaRPr dirty="0"/>
           </a:p>
         </p:txBody>
       </p:sp>
@@ -3861,7 +3861,7 @@
               </a:spcAft>
               <a:buNone/>
             </a:pPr>
-            <a:endParaRPr/>
+            <a:endParaRPr dirty="0"/>
           </a:p>
         </p:txBody>
       </p:sp>
@@ -3970,7 +3970,7 @@
               </a:spcAft>
               <a:buNone/>
             </a:pPr>
-            <a:endParaRPr/>
+            <a:endParaRPr dirty="0"/>
           </a:p>
         </p:txBody>
       </p:sp>
@@ -4079,7 +4079,7 @@
               </a:spcAft>
               <a:buNone/>
             </a:pPr>
-            <a:endParaRPr/>
+            <a:endParaRPr dirty="0"/>
           </a:p>
         </p:txBody>
       </p:sp>
@@ -4188,7 +4188,7 @@
               </a:spcAft>
               <a:buNone/>
             </a:pPr>
-            <a:endParaRPr/>
+            <a:endParaRPr dirty="0"/>
           </a:p>
         </p:txBody>
       </p:sp>
@@ -4406,7 +4406,7 @@
               </a:spcAft>
               <a:buNone/>
             </a:pPr>
-            <a:endParaRPr/>
+            <a:endParaRPr dirty="0"/>
           </a:p>
         </p:txBody>
       </p:sp>
@@ -4996,7 +4996,7 @@
               <a:rPr lang="en-GB"/>
               <a:t>‹Nº›</a:t>
             </a:fld>
-            <a:endParaRPr/>
+            <a:endParaRPr dirty="0"/>
           </a:p>
         </p:txBody>
       </p:sp>
@@ -5061,7 +5061,7 @@
               </a:spcAft>
               <a:buNone/>
             </a:pPr>
-            <a:endParaRPr/>
+            <a:endParaRPr dirty="0"/>
           </a:p>
         </p:txBody>
       </p:sp>
@@ -5400,7 +5400,7 @@
               <a:rPr lang="en-GB"/>
               <a:t>‹Nº›</a:t>
             </a:fld>
-            <a:endParaRPr/>
+            <a:endParaRPr dirty="0"/>
           </a:p>
         </p:txBody>
       </p:sp>
@@ -5504,7 +5504,7 @@
               <a:rPr lang="en-GB"/>
               <a:t>‹Nº›</a:t>
             </a:fld>
-            <a:endParaRPr/>
+            <a:endParaRPr dirty="0"/>
           </a:p>
         </p:txBody>
       </p:sp>
@@ -5870,7 +5870,7 @@
               <a:rPr lang="en-GB"/>
               <a:t>‹Nº›</a:t>
             </a:fld>
-            <a:endParaRPr/>
+            <a:endParaRPr dirty="0"/>
           </a:p>
         </p:txBody>
       </p:sp>
@@ -5935,7 +5935,7 @@
               </a:spcAft>
               <a:buNone/>
             </a:pPr>
-            <a:endParaRPr/>
+            <a:endParaRPr dirty="0"/>
           </a:p>
         </p:txBody>
       </p:sp>
@@ -6272,7 +6272,7 @@
               <a:rPr lang="en-GB"/>
               <a:t>‹Nº›</a:t>
             </a:fld>
-            <a:endParaRPr/>
+            <a:endParaRPr dirty="0"/>
           </a:p>
         </p:txBody>
       </p:sp>
@@ -6763,7 +6763,7 @@
               <a:rPr lang="en-GB"/>
               <a:t>‹Nº›</a:t>
             </a:fld>
-            <a:endParaRPr/>
+            <a:endParaRPr dirty="0"/>
           </a:p>
         </p:txBody>
       </p:sp>
@@ -6996,7 +6996,7 @@
               <a:rPr lang="en-GB"/>
               <a:t>‹Nº›</a:t>
             </a:fld>
-            <a:endParaRPr/>
+            <a:endParaRPr dirty="0"/>
           </a:p>
         </p:txBody>
       </p:sp>
@@ -7358,7 +7358,7 @@
               <a:rPr lang="en-GB"/>
               <a:t>‹Nº›</a:t>
             </a:fld>
-            <a:endParaRPr/>
+            <a:endParaRPr dirty="0"/>
           </a:p>
         </p:txBody>
       </p:sp>
@@ -7599,7 +7599,7 @@
               <a:rPr lang="en-GB"/>
               <a:t>‹Nº›</a:t>
             </a:fld>
-            <a:endParaRPr/>
+            <a:endParaRPr dirty="0"/>
           </a:p>
         </p:txBody>
       </p:sp>
@@ -7664,7 +7664,7 @@
               </a:spcAft>
               <a:buNone/>
             </a:pPr>
-            <a:endParaRPr/>
+            <a:endParaRPr dirty="0"/>
           </a:p>
         </p:txBody>
       </p:sp>
@@ -8282,7 +8282,7 @@
               <a:rPr lang="en-GB"/>
               <a:t>‹Nº›</a:t>
             </a:fld>
-            <a:endParaRPr/>
+            <a:endParaRPr dirty="0"/>
           </a:p>
         </p:txBody>
       </p:sp>
@@ -8430,7 +8430,7 @@
               <a:rPr lang="en-GB"/>
               <a:t>‹Nº›</a:t>
             </a:fld>
-            <a:endParaRPr/>
+            <a:endParaRPr dirty="0"/>
           </a:p>
         </p:txBody>
       </p:sp>
@@ -9127,7 +9127,7 @@
               <a:rPr lang="en-GB"/>
               <a:t>‹Nº›</a:t>
             </a:fld>
-            <a:endParaRPr/>
+            <a:endParaRPr dirty="0"/>
           </a:p>
         </p:txBody>
       </p:sp>
@@ -10271,26 +10271,11 @@
           </a:lstStyle>
           <a:p>
             <a:r>
-              <a:rPr lang="en-GB" sz="2000" dirty="0" err="1">
-                <a:latin typeface="+mj-lt"/>
-              </a:rPr>
-              <a:t>Lectura</a:t>
-            </a:r>
-            <a:r>
               <a:rPr lang="en-GB" sz="2000" dirty="0">
                 <a:latin typeface="+mj-lt"/>
               </a:rPr>
-              <a:t> de </a:t>
+              <a:t>Lectura de coeficientes</a:t>
             </a:r>
-            <a:r>
-              <a:rPr lang="en-GB" sz="2000" dirty="0" err="1">
-                <a:latin typeface="+mj-lt"/>
-              </a:rPr>
-              <a:t>coeficientes</a:t>
-            </a:r>
-            <a:endParaRPr lang="en-GB" sz="2000" dirty="0">
-              <a:latin typeface="+mj-lt"/>
-            </a:endParaRPr>
           </a:p>
           <a:p>
             <a:endParaRPr lang="en-GB" sz="2000" dirty="0">
@@ -10320,7 +10305,7 @@
         </p:blipFill>
         <p:spPr>
           <a:xfrm>
-            <a:off x="1451344" y="324882"/>
+            <a:off x="1451344" y="307312"/>
             <a:ext cx="6103090" cy="3228175"/>
           </a:xfrm>
           <a:prstGeom prst="rect">
@@ -10992,21 +10977,7 @@
                 <a:latin typeface="Prima Nova"/>
                 <a:ea typeface="Cambria Math" panose="02040503050406030204" pitchFamily="18" charset="0"/>
               </a:rPr>
-              <a:t>¿Que pasará con el </a:t>
-            </a:r>
-            <a:r>
-              <a:rPr lang="es-AR" altLang="es-AR" b="1" dirty="0" err="1">
-                <a:latin typeface="Prima Nova"/>
-                <a:ea typeface="Cambria Math" panose="02040503050406030204" pitchFamily="18" charset="0"/>
-              </a:rPr>
-              <a:t>odds</a:t>
-            </a:r>
-            <a:r>
-              <a:rPr lang="es-AR" altLang="es-AR" b="1" dirty="0">
-                <a:latin typeface="Prima Nova"/>
-                <a:ea typeface="Cambria Math" panose="02040503050406030204" pitchFamily="18" charset="0"/>
-              </a:rPr>
-              <a:t> ratio si la persona trabaja 41hs?</a:t>
+              <a:t>¿Que pasará con el odds ratio si la persona trabaja 41hs?</a:t>
             </a:r>
             <a:endParaRPr kumimoji="0" lang="es-AR" altLang="es-AR" sz="2000" b="0" i="0" u="none" strike="noStrike" cap="none" normalizeH="0" baseline="0" dirty="0">
               <a:ln>
@@ -11870,7 +11841,7 @@
           <a:lstStyle/>
           <a:p>
             <a:pPr algn="ctr"/>
-            <a:endParaRPr lang="es-AR"/>
+            <a:endParaRPr lang="es-AR" dirty="0"/>
           </a:p>
         </p:txBody>
       </p:sp>
@@ -11916,7 +11887,7 @@
           <a:lstStyle/>
           <a:p>
             <a:pPr algn="ctr"/>
-            <a:endParaRPr lang="es-AR"/>
+            <a:endParaRPr lang="es-AR" dirty="0"/>
           </a:p>
         </p:txBody>
       </p:sp>
@@ -11968,7 +11939,7 @@
           <a:lstStyle/>
           <a:p>
             <a:pPr algn="ctr"/>
-            <a:endParaRPr lang="es-AR"/>
+            <a:endParaRPr lang="es-AR" dirty="0"/>
           </a:p>
         </p:txBody>
       </p:sp>
@@ -12020,7 +11991,7 @@
           <a:lstStyle/>
           <a:p>
             <a:pPr algn="ctr"/>
-            <a:endParaRPr lang="es-AR"/>
+            <a:endParaRPr lang="es-AR" dirty="0"/>
           </a:p>
         </p:txBody>
       </p:sp>
@@ -12098,15 +12069,7 @@
             </a:r>
             <a:r>
               <a:rPr lang="en-GB" dirty="0"/>
-              <a:t>. El </a:t>
-            </a:r>
-            <a:r>
-              <a:rPr lang="en-GB" dirty="0" err="1"/>
-              <a:t>clasificador</a:t>
-            </a:r>
-            <a:r>
-              <a:rPr lang="en-GB" dirty="0"/>
-              <a:t> de Bayes</a:t>
+              <a:t>. El clasificador de Bayes</a:t>
             </a:r>
           </a:p>
         </p:txBody>
@@ -12178,115 +12141,7 @@
                 </a:solidFill>
                 <a:latin typeface="+mj-lt"/>
               </a:rPr>
-              <a:t>Si </a:t>
-            </a:r>
-            <a:r>
-              <a:rPr lang="en-GB" sz="1600" dirty="0" err="1">
-                <a:solidFill>
-                  <a:schemeClr val="accent3"/>
-                </a:solidFill>
-                <a:latin typeface="+mj-lt"/>
-              </a:rPr>
-              <a:t>conocieramos</a:t>
-            </a:r>
-            <a:r>
-              <a:rPr lang="en-GB" sz="1600" dirty="0">
-                <a:solidFill>
-                  <a:schemeClr val="accent3"/>
-                </a:solidFill>
-                <a:latin typeface="+mj-lt"/>
-              </a:rPr>
-              <a:t> </a:t>
-            </a:r>
-            <a:r>
-              <a:rPr lang="en-GB" sz="1600" dirty="0" err="1">
-                <a:solidFill>
-                  <a:schemeClr val="accent3"/>
-                </a:solidFill>
-                <a:latin typeface="+mj-lt"/>
-              </a:rPr>
-              <a:t>el</a:t>
-            </a:r>
-            <a:r>
-              <a:rPr lang="en-GB" sz="1600" dirty="0">
-                <a:solidFill>
-                  <a:schemeClr val="accent3"/>
-                </a:solidFill>
-                <a:latin typeface="+mj-lt"/>
-              </a:rPr>
-              <a:t> </a:t>
-            </a:r>
-            <a:r>
-              <a:rPr lang="en-GB" sz="1600" dirty="0" err="1">
-                <a:solidFill>
-                  <a:schemeClr val="accent3"/>
-                </a:solidFill>
-                <a:latin typeface="+mj-lt"/>
-              </a:rPr>
-              <a:t>proceso</a:t>
-            </a:r>
-            <a:r>
-              <a:rPr lang="en-GB" sz="1600" dirty="0">
-                <a:solidFill>
-                  <a:schemeClr val="accent3"/>
-                </a:solidFill>
-                <a:latin typeface="+mj-lt"/>
-              </a:rPr>
-              <a:t> </a:t>
-            </a:r>
-            <a:r>
-              <a:rPr lang="en-GB" sz="1600" dirty="0" err="1">
-                <a:solidFill>
-                  <a:schemeClr val="accent3"/>
-                </a:solidFill>
-                <a:latin typeface="+mj-lt"/>
-              </a:rPr>
-              <a:t>generador</a:t>
-            </a:r>
-            <a:r>
-              <a:rPr lang="en-GB" sz="1600" dirty="0">
-                <a:solidFill>
-                  <a:schemeClr val="accent3"/>
-                </a:solidFill>
-                <a:latin typeface="+mj-lt"/>
-              </a:rPr>
-              <a:t> de </a:t>
-            </a:r>
-            <a:r>
-              <a:rPr lang="en-GB" sz="1600" dirty="0" err="1">
-                <a:solidFill>
-                  <a:schemeClr val="accent3"/>
-                </a:solidFill>
-                <a:latin typeface="+mj-lt"/>
-              </a:rPr>
-              <a:t>datos</a:t>
-            </a:r>
-            <a:r>
-              <a:rPr lang="en-GB" sz="1600" dirty="0">
-                <a:solidFill>
-                  <a:schemeClr val="accent3"/>
-                </a:solidFill>
-                <a:latin typeface="+mj-lt"/>
-              </a:rPr>
-              <a:t>, para </a:t>
-            </a:r>
-            <a:r>
-              <a:rPr lang="en-GB" sz="1600" dirty="0" err="1">
-                <a:solidFill>
-                  <a:schemeClr val="accent3"/>
-                </a:solidFill>
-                <a:latin typeface="+mj-lt"/>
-              </a:rPr>
-              <a:t>predecir</a:t>
-            </a:r>
-            <a:r>
-              <a:rPr lang="en-GB" sz="1600" dirty="0">
-                <a:solidFill>
-                  <a:schemeClr val="accent3"/>
-                </a:solidFill>
-                <a:latin typeface="+mj-lt"/>
-              </a:rPr>
-              <a:t> </a:t>
+              <a:t>Si conocieramos el proceso generador de datos, para predecir </a:t>
             </a:r>
             <a:r>
               <a:rPr lang="en-GB" sz="1600" b="1" dirty="0">
@@ -12304,52 +12159,7 @@
                 </a:solidFill>
                 <a:latin typeface="+mj-lt"/>
               </a:rPr>
-              <a:t> </a:t>
-            </a:r>
-            <a:r>
-              <a:rPr lang="en-GB" sz="1600" dirty="0" err="1">
-                <a:solidFill>
-                  <a:schemeClr val="accent3"/>
-                </a:solidFill>
-                <a:latin typeface="+mj-lt"/>
-              </a:rPr>
-              <a:t>podemos</a:t>
-            </a:r>
-            <a:r>
-              <a:rPr lang="en-GB" sz="1600" dirty="0">
-                <a:solidFill>
-                  <a:schemeClr val="accent3"/>
-                </a:solidFill>
-                <a:latin typeface="+mj-lt"/>
-              </a:rPr>
-              <a:t> </a:t>
-            </a:r>
-            <a:r>
-              <a:rPr lang="en-GB" sz="1600" dirty="0" err="1">
-                <a:solidFill>
-                  <a:schemeClr val="accent3"/>
-                </a:solidFill>
-                <a:latin typeface="+mj-lt"/>
-              </a:rPr>
-              <a:t>asignar</a:t>
-            </a:r>
-            <a:r>
-              <a:rPr lang="en-GB" sz="1600" dirty="0">
-                <a:solidFill>
-                  <a:schemeClr val="accent3"/>
-                </a:solidFill>
-                <a:latin typeface="+mj-lt"/>
-              </a:rPr>
-              <a:t> la </a:t>
-            </a:r>
-            <a:r>
-              <a:rPr lang="en-GB" sz="1600" b="1" i="1" dirty="0" err="1">
-                <a:solidFill>
-                  <a:schemeClr val="accent3"/>
-                </a:solidFill>
-                <a:latin typeface="+mj-lt"/>
-              </a:rPr>
-              <a:t>categoría</a:t>
+              <a:t> podemos asignar la </a:t>
             </a:r>
             <a:r>
               <a:rPr lang="en-GB" sz="1600" b="1" i="1" dirty="0">
@@ -12358,25 +12168,7 @@
                 </a:solidFill>
                 <a:latin typeface="+mj-lt"/>
               </a:rPr>
-              <a:t> </a:t>
-            </a:r>
-            <a:r>
-              <a:rPr lang="en-GB" sz="1600" b="1" i="1" dirty="0" err="1">
-                <a:solidFill>
-                  <a:schemeClr val="accent3"/>
-                </a:solidFill>
-                <a:latin typeface="+mj-lt"/>
-              </a:rPr>
-              <a:t>más</a:t>
-            </a:r>
-            <a:r>
-              <a:rPr lang="en-GB" sz="1600" b="1" i="1" dirty="0">
-                <a:solidFill>
-                  <a:schemeClr val="accent3"/>
-                </a:solidFill>
-                <a:latin typeface="+mj-lt"/>
-              </a:rPr>
-              <a:t> probable </a:t>
+              <a:t>categoría más probable </a:t>
             </a:r>
             <a:r>
               <a:rPr lang="en-GB" sz="1600" dirty="0">
@@ -12388,19 +12180,7 @@
                 </a:highlight>
                 <a:latin typeface="+mj-lt"/>
               </a:rPr>
-              <a:t>dadas las X </a:t>
-            </a:r>
-            <a:r>
-              <a:rPr lang="en-GB" sz="1600" dirty="0" err="1">
-                <a:solidFill>
-                  <a:schemeClr val="accent3"/>
-                </a:solidFill>
-                <a:highlight>
-                  <a:schemeClr val="lt2"/>
-                </a:highlight>
-                <a:latin typeface="+mj-lt"/>
-              </a:rPr>
-              <a:t>observadas</a:t>
+              <a:t>dadas las X observadas</a:t>
             </a:r>
             <a:r>
               <a:rPr lang="en-GB" sz="1600" dirty="0">
@@ -12700,16 +12480,10 @@
           </a:lstStyle>
           <a:p>
             <a:r>
-              <a:rPr lang="en-GB" sz="2000" dirty="0" err="1">
-                <a:latin typeface="+mj-lt"/>
-              </a:rPr>
-              <a:t>Clasificador</a:t>
-            </a:r>
-            <a:r>
               <a:rPr lang="en-GB" sz="2000" dirty="0">
                 <a:latin typeface="+mj-lt"/>
               </a:rPr>
-              <a:t> de Bayes</a:t>
+              <a:t>Clasificador de Bayes</a:t>
             </a:r>
           </a:p>
         </p:txBody>
@@ -12817,7 +12591,7 @@
                             <a:defRPr/>
                           </a:pPr>
                           <a:r>
-                            <a:rPr lang="en-GB" sz="1600" b="0" i="0" u="none" strike="noStrike" cap="none" dirty="0" err="1">
+                            <a:rPr lang="en-GB" sz="1600" b="0" i="0" u="none" strike="noStrike" cap="none" dirty="0">
                               <a:solidFill>
                                 <a:schemeClr val="dk2"/>
                               </a:solidFill>
@@ -12847,7 +12621,7 @@
                         <a:lstStyle/>
                         <a:p>
                           <a:r>
-                            <a:rPr lang="en-US" sz="1600" b="0" i="0" u="none" strike="noStrike" cap="none" dirty="0" err="1">
+                            <a:rPr lang="en-US" sz="1600" b="0" i="0" u="none" strike="noStrike" cap="none" dirty="0">
                               <a:solidFill>
                                 <a:schemeClr val="dk2"/>
                               </a:solidFill>
@@ -13104,19 +12878,7 @@
                               <a:cs typeface="Arial"/>
                               <a:sym typeface="Arial"/>
                             </a:rPr>
-                            <a:t>Y = </a:t>
-                          </a:r>
-                          <a:r>
-                            <a:rPr lang="en-US" sz="1600" b="0" i="0" u="none" strike="noStrike" cap="none" dirty="0" err="1">
-                              <a:solidFill>
-                                <a:schemeClr val="accent3"/>
-                              </a:solidFill>
-                              <a:latin typeface="+mj-lt"/>
-                              <a:ea typeface="Cambria Math" panose="02040503050406030204" pitchFamily="18" charset="0"/>
-                              <a:cs typeface="Arial"/>
-                              <a:sym typeface="Arial"/>
-                            </a:rPr>
-                            <a:t>azul</a:t>
+                            <a:t>Y = azul</a:t>
                           </a:r>
                           <a:endParaRPr lang="es-AR" sz="1600" b="0" i="0" u="none" strike="noStrike" cap="none" dirty="0">
                             <a:solidFill>
@@ -13407,19 +13169,7 @@
                               <a:cs typeface="Arial"/>
                               <a:sym typeface="Arial"/>
                             </a:rPr>
-                            <a:t>Y = </a:t>
-                          </a:r>
-                          <a:r>
-                            <a:rPr lang="en-US" sz="1600" b="0" i="0" u="none" strike="noStrike" cap="none" dirty="0" err="1">
-                              <a:solidFill>
-                                <a:schemeClr val="accent3"/>
-                              </a:solidFill>
-                              <a:latin typeface="Arial"/>
-                              <a:ea typeface="Cambria Math" panose="02040503050406030204" pitchFamily="18" charset="0"/>
-                              <a:cs typeface="Arial"/>
-                              <a:sym typeface="Arial"/>
-                            </a:rPr>
-                            <a:t>naranja</a:t>
+                            <a:t>Y = naranja</a:t>
                           </a:r>
                           <a:endParaRPr lang="es-AR" sz="1600" b="0" i="0" u="none" strike="noStrike" cap="none" dirty="0">
                             <a:solidFill>
@@ -14088,39 +13838,7 @@
                   <a:schemeClr val="accent3"/>
                 </a:solidFill>
               </a:rPr>
-              <a:t>“Bayes </a:t>
-            </a:r>
-            <a:r>
-              <a:rPr lang="es-AR" sz="1100" dirty="0" err="1">
-                <a:solidFill>
-                  <a:schemeClr val="accent3"/>
-                </a:solidFill>
-              </a:rPr>
-              <a:t>decision</a:t>
-            </a:r>
-            <a:r>
-              <a:rPr lang="es-AR" sz="1100" dirty="0">
-                <a:solidFill>
-                  <a:schemeClr val="accent3"/>
-                </a:solidFill>
-              </a:rPr>
-              <a:t> </a:t>
-            </a:r>
-            <a:r>
-              <a:rPr lang="es-AR" sz="1100" dirty="0" err="1">
-                <a:solidFill>
-                  <a:schemeClr val="accent3"/>
-                </a:solidFill>
-              </a:rPr>
-              <a:t>boundary</a:t>
-            </a:r>
-            <a:r>
-              <a:rPr lang="es-AR" sz="1100" dirty="0">
-                <a:solidFill>
-                  <a:schemeClr val="accent3"/>
-                </a:solidFill>
-              </a:rPr>
-              <a:t>”</a:t>
+              <a:t>“Bayes decision boundary”</a:t>
             </a:r>
           </a:p>
         </p:txBody>
@@ -14233,7 +13951,7 @@
               </a:rPr>
             </a:br>
             <a:r>
-              <a:rPr lang="en-GB" sz="1600" b="1" dirty="0" err="1">
+              <a:rPr lang="en-GB" sz="1600" b="1" dirty="0">
                 <a:solidFill>
                   <a:schemeClr val="accent3"/>
                 </a:solidFill>
@@ -14248,178 +13966,7 @@
                 </a:solidFill>
                 <a:latin typeface="+mj-lt"/>
               </a:rPr>
-              <a:t>: </a:t>
-            </a:r>
-            <a:r>
-              <a:rPr lang="en-GB" sz="1600" dirty="0" err="1">
-                <a:solidFill>
-                  <a:schemeClr val="accent3"/>
-                </a:solidFill>
-                <a:latin typeface="+mj-lt"/>
-              </a:rPr>
-              <a:t>En</a:t>
-            </a:r>
-            <a:r>
-              <a:rPr lang="en-GB" sz="1600" dirty="0">
-                <a:solidFill>
-                  <a:schemeClr val="accent3"/>
-                </a:solidFill>
-                <a:latin typeface="+mj-lt"/>
-              </a:rPr>
-              <a:t> la </a:t>
-            </a:r>
-            <a:r>
-              <a:rPr lang="en-GB" sz="1600" dirty="0" err="1">
-                <a:solidFill>
-                  <a:schemeClr val="accent3"/>
-                </a:solidFill>
-                <a:latin typeface="+mj-lt"/>
-              </a:rPr>
-              <a:t>práctica</a:t>
-            </a:r>
-            <a:r>
-              <a:rPr lang="en-GB" sz="1600" dirty="0">
-                <a:solidFill>
-                  <a:schemeClr val="accent3"/>
-                </a:solidFill>
-                <a:latin typeface="+mj-lt"/>
-              </a:rPr>
-              <a:t>, </a:t>
-            </a:r>
-            <a:r>
-              <a:rPr lang="en-GB" sz="1600" dirty="0" err="1">
-                <a:solidFill>
-                  <a:schemeClr val="accent3"/>
-                </a:solidFill>
-                <a:latin typeface="+mj-lt"/>
-              </a:rPr>
-              <a:t>casi</a:t>
-            </a:r>
-            <a:r>
-              <a:rPr lang="en-GB" sz="1600" dirty="0">
-                <a:solidFill>
-                  <a:schemeClr val="accent3"/>
-                </a:solidFill>
-                <a:latin typeface="+mj-lt"/>
-              </a:rPr>
-              <a:t> </a:t>
-            </a:r>
-            <a:r>
-              <a:rPr lang="en-GB" sz="1600" dirty="0" err="1">
-                <a:solidFill>
-                  <a:schemeClr val="accent3"/>
-                </a:solidFill>
-                <a:latin typeface="+mj-lt"/>
-              </a:rPr>
-              <a:t>nunca</a:t>
-            </a:r>
-            <a:r>
-              <a:rPr lang="en-GB" sz="1600" dirty="0">
-                <a:solidFill>
-                  <a:schemeClr val="accent3"/>
-                </a:solidFill>
-                <a:latin typeface="+mj-lt"/>
-              </a:rPr>
-              <a:t> </a:t>
-            </a:r>
-            <a:r>
-              <a:rPr lang="en-GB" sz="1600" dirty="0" err="1">
-                <a:solidFill>
-                  <a:schemeClr val="accent3"/>
-                </a:solidFill>
-                <a:latin typeface="+mj-lt"/>
-              </a:rPr>
-              <a:t>conocemos</a:t>
-            </a:r>
-            <a:r>
-              <a:rPr lang="en-GB" sz="1600" dirty="0">
-                <a:solidFill>
-                  <a:schemeClr val="accent3"/>
-                </a:solidFill>
-                <a:latin typeface="+mj-lt"/>
-              </a:rPr>
-              <a:t> </a:t>
-            </a:r>
-            <a:r>
-              <a:rPr lang="en-GB" sz="1600" dirty="0" err="1">
-                <a:solidFill>
-                  <a:schemeClr val="accent3"/>
-                </a:solidFill>
-                <a:latin typeface="+mj-lt"/>
-              </a:rPr>
-              <a:t>efectivamente</a:t>
-            </a:r>
-            <a:r>
-              <a:rPr lang="en-GB" sz="1600" dirty="0">
-                <a:solidFill>
-                  <a:schemeClr val="accent3"/>
-                </a:solidFill>
-                <a:latin typeface="+mj-lt"/>
-              </a:rPr>
-              <a:t> </a:t>
-            </a:r>
-            <a:r>
-              <a:rPr lang="en-GB" sz="1600" dirty="0" err="1">
-                <a:solidFill>
-                  <a:schemeClr val="accent3"/>
-                </a:solidFill>
-                <a:latin typeface="+mj-lt"/>
-              </a:rPr>
-              <a:t>el</a:t>
-            </a:r>
-            <a:r>
-              <a:rPr lang="en-GB" sz="1600" dirty="0">
-                <a:solidFill>
-                  <a:schemeClr val="accent3"/>
-                </a:solidFill>
-                <a:latin typeface="+mj-lt"/>
-              </a:rPr>
-              <a:t> </a:t>
-            </a:r>
-            <a:r>
-              <a:rPr lang="en-GB" sz="1600" dirty="0" err="1">
-                <a:solidFill>
-                  <a:schemeClr val="accent3"/>
-                </a:solidFill>
-                <a:latin typeface="+mj-lt"/>
-              </a:rPr>
-              <a:t>proceso</a:t>
-            </a:r>
-            <a:r>
-              <a:rPr lang="en-GB" sz="1600" dirty="0">
-                <a:solidFill>
-                  <a:schemeClr val="accent3"/>
-                </a:solidFill>
-                <a:latin typeface="+mj-lt"/>
-              </a:rPr>
-              <a:t> </a:t>
-            </a:r>
-            <a:r>
-              <a:rPr lang="en-GB" sz="1600" dirty="0" err="1">
-                <a:solidFill>
-                  <a:schemeClr val="accent3"/>
-                </a:solidFill>
-                <a:latin typeface="+mj-lt"/>
-              </a:rPr>
-              <a:t>generador</a:t>
-            </a:r>
-            <a:r>
-              <a:rPr lang="en-GB" sz="1600" dirty="0">
-                <a:solidFill>
-                  <a:schemeClr val="accent3"/>
-                </a:solidFill>
-                <a:latin typeface="+mj-lt"/>
-              </a:rPr>
-              <a:t> de </a:t>
-            </a:r>
-            <a:r>
-              <a:rPr lang="en-GB" sz="1600" dirty="0" err="1">
-                <a:solidFill>
-                  <a:schemeClr val="accent3"/>
-                </a:solidFill>
-                <a:latin typeface="+mj-lt"/>
-              </a:rPr>
-              <a:t>datos</a:t>
+              <a:t>: En la práctica, casi nunca conocemos efectivamente el proceso generador de datos</a:t>
             </a:r>
             <a:br>
               <a:rPr lang="en-GB" sz="1600" dirty="0">
@@ -14438,22 +13985,13 @@
               </a:rPr>
             </a:br>
             <a:r>
-              <a:rPr lang="en-GB" sz="1600" b="1" dirty="0" err="1">
+              <a:rPr lang="en-GB" sz="1600" b="1" dirty="0">
                 <a:solidFill>
                   <a:schemeClr val="accent3"/>
                 </a:solidFill>
                 <a:latin typeface="+mj-lt"/>
               </a:rPr>
-              <a:t>Clasificador</a:t>
-            </a:r>
-            <a:r>
-              <a:rPr lang="en-GB" sz="1600" b="1" dirty="0">
-                <a:solidFill>
-                  <a:schemeClr val="accent3"/>
-                </a:solidFill>
-                <a:latin typeface="+mj-lt"/>
-              </a:rPr>
-              <a:t> de Bayes</a:t>
+              <a:t>Clasificador de Bayes</a:t>
             </a:r>
             <a:r>
               <a:rPr lang="en-GB" sz="1600" dirty="0">
@@ -14462,16 +14000,16 @@
                 </a:solidFill>
                 <a:latin typeface="+mj-lt"/>
               </a:rPr>
-              <a:t>: Es </a:t>
+              <a:t>: Es una técnica “ideal” que nos sirve para pensar otros modelos que podemos aplicar cuando no conocemos la distribución de </a:t>
             </a:r>
             <a:r>
-              <a:rPr lang="en-GB" sz="1600" dirty="0" err="1">
+              <a:rPr lang="en-GB" sz="1600" i="1" dirty="0">
                 <a:solidFill>
                   <a:schemeClr val="accent3"/>
                 </a:solidFill>
                 <a:latin typeface="+mj-lt"/>
               </a:rPr>
-              <a:t>una</a:t>
+              <a:t>probabilidades condicionales </a:t>
             </a:r>
             <a:r>
               <a:rPr lang="en-GB" sz="1600" dirty="0">
@@ -14480,286 +14018,7 @@
                 </a:solidFill>
                 <a:latin typeface="+mj-lt"/>
               </a:rPr>
-              <a:t> </a:t>
-            </a:r>
-            <a:r>
-              <a:rPr lang="en-GB" sz="1600" dirty="0" err="1">
-                <a:solidFill>
-                  <a:schemeClr val="accent3"/>
-                </a:solidFill>
-                <a:latin typeface="+mj-lt"/>
-              </a:rPr>
-              <a:t>técnica</a:t>
-            </a:r>
-            <a:r>
-              <a:rPr lang="en-GB" sz="1600" dirty="0">
-                <a:solidFill>
-                  <a:schemeClr val="accent3"/>
-                </a:solidFill>
-                <a:latin typeface="+mj-lt"/>
-              </a:rPr>
-              <a:t> “ideal” que </a:t>
-            </a:r>
-            <a:r>
-              <a:rPr lang="en-GB" sz="1600" dirty="0" err="1">
-                <a:solidFill>
-                  <a:schemeClr val="accent3"/>
-                </a:solidFill>
-                <a:latin typeface="+mj-lt"/>
-              </a:rPr>
-              <a:t>nos</a:t>
-            </a:r>
-            <a:r>
-              <a:rPr lang="en-GB" sz="1600" dirty="0">
-                <a:solidFill>
-                  <a:schemeClr val="accent3"/>
-                </a:solidFill>
-                <a:latin typeface="+mj-lt"/>
-              </a:rPr>
-              <a:t> </a:t>
-            </a:r>
-            <a:r>
-              <a:rPr lang="en-GB" sz="1600" dirty="0" err="1">
-                <a:solidFill>
-                  <a:schemeClr val="accent3"/>
-                </a:solidFill>
-                <a:latin typeface="+mj-lt"/>
-              </a:rPr>
-              <a:t>sirve</a:t>
-            </a:r>
-            <a:r>
-              <a:rPr lang="en-GB" sz="1600" dirty="0">
-                <a:solidFill>
-                  <a:schemeClr val="accent3"/>
-                </a:solidFill>
-                <a:latin typeface="+mj-lt"/>
-              </a:rPr>
-              <a:t> para </a:t>
-            </a:r>
-            <a:r>
-              <a:rPr lang="en-GB" sz="1600" dirty="0" err="1">
-                <a:solidFill>
-                  <a:schemeClr val="accent3"/>
-                </a:solidFill>
-                <a:latin typeface="+mj-lt"/>
-              </a:rPr>
-              <a:t>pensar</a:t>
-            </a:r>
-            <a:r>
-              <a:rPr lang="en-GB" sz="1600" dirty="0">
-                <a:solidFill>
-                  <a:schemeClr val="accent3"/>
-                </a:solidFill>
-                <a:latin typeface="+mj-lt"/>
-              </a:rPr>
-              <a:t> </a:t>
-            </a:r>
-            <a:r>
-              <a:rPr lang="en-GB" sz="1600" dirty="0" err="1">
-                <a:solidFill>
-                  <a:schemeClr val="accent3"/>
-                </a:solidFill>
-                <a:latin typeface="+mj-lt"/>
-              </a:rPr>
-              <a:t>otros</a:t>
-            </a:r>
-            <a:r>
-              <a:rPr lang="en-GB" sz="1600" dirty="0">
-                <a:solidFill>
-                  <a:schemeClr val="accent3"/>
-                </a:solidFill>
-                <a:latin typeface="+mj-lt"/>
-              </a:rPr>
-              <a:t> </a:t>
-            </a:r>
-            <a:r>
-              <a:rPr lang="en-GB" sz="1600" dirty="0" err="1">
-                <a:solidFill>
-                  <a:schemeClr val="accent3"/>
-                </a:solidFill>
-                <a:latin typeface="+mj-lt"/>
-              </a:rPr>
-              <a:t>modelos</a:t>
-            </a:r>
-            <a:r>
-              <a:rPr lang="en-GB" sz="1600" dirty="0">
-                <a:solidFill>
-                  <a:schemeClr val="accent3"/>
-                </a:solidFill>
-                <a:latin typeface="+mj-lt"/>
-              </a:rPr>
-              <a:t> que </a:t>
-            </a:r>
-            <a:r>
-              <a:rPr lang="en-GB" sz="1600" dirty="0" err="1">
-                <a:solidFill>
-                  <a:schemeClr val="accent3"/>
-                </a:solidFill>
-                <a:latin typeface="+mj-lt"/>
-              </a:rPr>
-              <a:t>podemos</a:t>
-            </a:r>
-            <a:r>
-              <a:rPr lang="en-GB" sz="1600" dirty="0">
-                <a:solidFill>
-                  <a:schemeClr val="accent3"/>
-                </a:solidFill>
-                <a:latin typeface="+mj-lt"/>
-              </a:rPr>
-              <a:t> </a:t>
-            </a:r>
-            <a:r>
-              <a:rPr lang="en-GB" sz="1600" dirty="0" err="1">
-                <a:solidFill>
-                  <a:schemeClr val="accent3"/>
-                </a:solidFill>
-                <a:latin typeface="+mj-lt"/>
-              </a:rPr>
-              <a:t>aplicar</a:t>
-            </a:r>
-            <a:r>
-              <a:rPr lang="en-GB" sz="1600" dirty="0">
-                <a:solidFill>
-                  <a:schemeClr val="accent3"/>
-                </a:solidFill>
-                <a:latin typeface="+mj-lt"/>
-              </a:rPr>
-              <a:t> </a:t>
-            </a:r>
-            <a:r>
-              <a:rPr lang="en-GB" sz="1600" dirty="0" err="1">
-                <a:solidFill>
-                  <a:schemeClr val="accent3"/>
-                </a:solidFill>
-                <a:latin typeface="+mj-lt"/>
-              </a:rPr>
-              <a:t>cuando</a:t>
-            </a:r>
-            <a:r>
-              <a:rPr lang="en-GB" sz="1600" dirty="0">
-                <a:solidFill>
-                  <a:schemeClr val="accent3"/>
-                </a:solidFill>
-                <a:latin typeface="+mj-lt"/>
-              </a:rPr>
-              <a:t> no </a:t>
-            </a:r>
-            <a:r>
-              <a:rPr lang="en-GB" sz="1600" dirty="0" err="1">
-                <a:solidFill>
-                  <a:schemeClr val="accent3"/>
-                </a:solidFill>
-                <a:latin typeface="+mj-lt"/>
-              </a:rPr>
-              <a:t>conocemos</a:t>
-            </a:r>
-            <a:r>
-              <a:rPr lang="en-GB" sz="1600" dirty="0">
-                <a:solidFill>
-                  <a:schemeClr val="accent3"/>
-                </a:solidFill>
-                <a:latin typeface="+mj-lt"/>
-              </a:rPr>
-              <a:t> la </a:t>
-            </a:r>
-            <a:r>
-              <a:rPr lang="en-GB" sz="1600" dirty="0" err="1">
-                <a:solidFill>
-                  <a:schemeClr val="accent3"/>
-                </a:solidFill>
-                <a:latin typeface="+mj-lt"/>
-              </a:rPr>
-              <a:t>distribución</a:t>
-            </a:r>
-            <a:r>
-              <a:rPr lang="en-GB" sz="1600" dirty="0">
-                <a:solidFill>
-                  <a:schemeClr val="accent3"/>
-                </a:solidFill>
-                <a:latin typeface="+mj-lt"/>
-              </a:rPr>
-              <a:t> de </a:t>
-            </a:r>
-            <a:r>
-              <a:rPr lang="en-GB" sz="1600" i="1" dirty="0" err="1">
-                <a:solidFill>
-                  <a:schemeClr val="accent3"/>
-                </a:solidFill>
-                <a:latin typeface="+mj-lt"/>
-              </a:rPr>
-              <a:t>probabilidades</a:t>
-            </a:r>
-            <a:r>
-              <a:rPr lang="en-GB" sz="1600" i="1" dirty="0">
-                <a:solidFill>
-                  <a:schemeClr val="accent3"/>
-                </a:solidFill>
-                <a:latin typeface="+mj-lt"/>
-              </a:rPr>
-              <a:t> </a:t>
-            </a:r>
-            <a:r>
-              <a:rPr lang="en-GB" sz="1600" i="1" dirty="0" err="1">
-                <a:solidFill>
-                  <a:schemeClr val="accent3"/>
-                </a:solidFill>
-                <a:latin typeface="+mj-lt"/>
-              </a:rPr>
-              <a:t>condicionales</a:t>
-            </a:r>
-            <a:r>
-              <a:rPr lang="en-GB" sz="1600" i="1" dirty="0">
-                <a:solidFill>
-                  <a:schemeClr val="accent3"/>
-                </a:solidFill>
-                <a:latin typeface="+mj-lt"/>
-              </a:rPr>
-              <a:t> </a:t>
-            </a:r>
-            <a:r>
-              <a:rPr lang="en-GB" sz="1600" dirty="0">
-                <a:solidFill>
-                  <a:schemeClr val="accent3"/>
-                </a:solidFill>
-                <a:latin typeface="+mj-lt"/>
-              </a:rPr>
-              <a:t>de </a:t>
-            </a:r>
-            <a:r>
-              <a:rPr lang="en-GB" sz="1600" dirty="0" err="1">
-                <a:solidFill>
-                  <a:schemeClr val="accent3"/>
-                </a:solidFill>
-                <a:latin typeface="+mj-lt"/>
-              </a:rPr>
-              <a:t>los</a:t>
-            </a:r>
-            <a:r>
-              <a:rPr lang="en-GB" sz="1600" dirty="0">
-                <a:solidFill>
-                  <a:schemeClr val="accent3"/>
-                </a:solidFill>
-                <a:latin typeface="+mj-lt"/>
-              </a:rPr>
-              <a:t> </a:t>
-            </a:r>
-            <a:r>
-              <a:rPr lang="en-GB" sz="1600" dirty="0" err="1">
-                <a:solidFill>
-                  <a:schemeClr val="accent3"/>
-                </a:solidFill>
-                <a:latin typeface="+mj-lt"/>
-              </a:rPr>
-              <a:t>datos</a:t>
-            </a:r>
-            <a:r>
-              <a:rPr lang="en-GB" sz="1600" dirty="0">
-                <a:solidFill>
-                  <a:schemeClr val="accent3"/>
-                </a:solidFill>
-                <a:latin typeface="+mj-lt"/>
-              </a:rPr>
-              <a:t>.</a:t>
+              <a:t>de los datos.</a:t>
             </a:r>
             <a:br>
               <a:rPr lang="en-GB" sz="1600" dirty="0">
@@ -15066,16 +14325,10 @@
           </a:lstStyle>
           <a:p>
             <a:r>
-              <a:rPr lang="en-GB" sz="2000" dirty="0" err="1">
-                <a:latin typeface="+mj-lt"/>
-              </a:rPr>
-              <a:t>Clasificador</a:t>
-            </a:r>
-            <a:r>
               <a:rPr lang="en-GB" sz="2000" dirty="0">
                 <a:latin typeface="+mj-lt"/>
               </a:rPr>
-              <a:t> de Bayes</a:t>
+              <a:t>Clasificador de Bayes</a:t>
             </a:r>
           </a:p>
         </p:txBody>
@@ -15146,13 +14399,8 @@
             </a:pPr>
             <a:r>
               <a:rPr lang="en-GB" dirty="0"/>
-              <a:t>I. II. K-Nearest </a:t>
+              <a:t>I. II. K-Nearest Neighbors</a:t>
             </a:r>
-            <a:r>
-              <a:rPr lang="en-GB" dirty="0" err="1"/>
-              <a:t>Neighbors</a:t>
-            </a:r>
-            <a:endParaRPr lang="en-GB" dirty="0"/>
           </a:p>
         </p:txBody>
       </p:sp>
@@ -15215,43 +14463,16 @@
               <a:p>
                 <a:pPr lvl="0"/>
                 <a:r>
-                  <a:rPr lang="en-GB" sz="1600" b="1" dirty="0" err="1">
-                    <a:solidFill>
-                      <a:schemeClr val="accent3"/>
-                    </a:solidFill>
-                    <a:latin typeface="Proxima Nova" panose="020B0604020202020204" charset="0"/>
-                  </a:rPr>
-                  <a:t>Puede</a:t>
-                </a:r>
-                <a:r>
                   <a:rPr lang="en-GB" sz="1600" b="1" dirty="0">
                     <a:solidFill>
                       <a:schemeClr val="accent3"/>
                     </a:solidFill>
                     <a:latin typeface="Proxima Nova" panose="020B0604020202020204" charset="0"/>
                   </a:rPr>
-                  <a:t> </a:t>
-                </a:r>
-                <a:r>
-                  <a:rPr lang="en-GB" sz="1600" b="1" dirty="0" err="1">
-                    <a:solidFill>
-                      <a:schemeClr val="accent3"/>
-                    </a:solidFill>
-                    <a:latin typeface="Proxima Nova" panose="020B0604020202020204" charset="0"/>
-                  </a:rPr>
-                  <a:t>utilizarse</a:t>
+                  <a:t>Puede utilizarse para </a:t>
                 </a:r>
                 <a:r>
                   <a:rPr lang="en-GB" sz="1600" b="1" dirty="0">
-                    <a:solidFill>
-                      <a:schemeClr val="accent3"/>
-                    </a:solidFill>
-                    <a:latin typeface="Proxima Nova" panose="020B0604020202020204" charset="0"/>
-                  </a:rPr>
-                  <a:t> para </a:t>
-                </a:r>
-                <a:r>
-                  <a:rPr lang="en-GB" sz="1600" b="1" dirty="0" err="1">
                     <a:solidFill>
                       <a:schemeClr val="accent3"/>
                     </a:solidFill>
@@ -15272,18 +14493,6 @@
                   <a:t> o </a:t>
                 </a:r>
                 <a:r>
-                  <a:rPr lang="en-GB" sz="1600" b="1" dirty="0" err="1">
-                    <a:solidFill>
-                      <a:schemeClr val="accent3"/>
-                    </a:solidFill>
-                    <a:highlight>
-                      <a:schemeClr val="lt2"/>
-                    </a:highlight>
-                    <a:latin typeface="Proxima Nova" panose="020B0604020202020204" charset="0"/>
-                  </a:rPr>
-                  <a:t>clasificación</a:t>
-                </a:r>
-                <a:r>
                   <a:rPr lang="en-GB" sz="1600" b="1" dirty="0">
                     <a:solidFill>
                       <a:schemeClr val="accent3"/>
@@ -15293,55 +14502,7 @@
                     </a:highlight>
                     <a:latin typeface="Proxima Nova" panose="020B0604020202020204" charset="0"/>
                   </a:rPr>
-                  <a:t> (</a:t>
-                </a:r>
-                <a:r>
-                  <a:rPr lang="en-GB" sz="1600" b="1" dirty="0" err="1">
-                    <a:solidFill>
-                      <a:schemeClr val="accent3"/>
-                    </a:solidFill>
-                    <a:highlight>
-                      <a:schemeClr val="lt2"/>
-                    </a:highlight>
-                    <a:latin typeface="Proxima Nova" panose="020B0604020202020204" charset="0"/>
-                  </a:rPr>
-                  <a:t>supervisada</a:t>
-                </a:r>
-                <a:r>
-                  <a:rPr lang="en-GB" sz="1600" b="1" dirty="0">
-                    <a:solidFill>
-                      <a:schemeClr val="accent3"/>
-                    </a:solidFill>
-                    <a:highlight>
-                      <a:schemeClr val="lt2"/>
-                    </a:highlight>
-                    <a:latin typeface="Proxima Nova" panose="020B0604020202020204" charset="0"/>
-                  </a:rPr>
-                  <a:t> o no </a:t>
-                </a:r>
-                <a:r>
-                  <a:rPr lang="en-GB" sz="1600" b="1" dirty="0" err="1">
-                    <a:solidFill>
-                      <a:schemeClr val="accent3"/>
-                    </a:solidFill>
-                    <a:highlight>
-                      <a:schemeClr val="lt2"/>
-                    </a:highlight>
-                    <a:latin typeface="Proxima Nova" panose="020B0604020202020204" charset="0"/>
-                  </a:rPr>
-                  <a:t>supervisada</a:t>
-                </a:r>
-                <a:r>
-                  <a:rPr lang="en-GB" sz="1600" b="1" dirty="0">
-                    <a:solidFill>
-                      <a:schemeClr val="accent3"/>
-                    </a:solidFill>
-                    <a:highlight>
-                      <a:schemeClr val="lt2"/>
-                    </a:highlight>
-                    <a:latin typeface="Proxima Nova" panose="020B0604020202020204" charset="0"/>
-                  </a:rPr>
-                  <a:t>)</a:t>
+                  <a:t>clasificación (supervisada o no supervisada)</a:t>
                 </a:r>
                 <a:br>
                   <a:rPr lang="en-GB" sz="1600" dirty="0">
@@ -15375,61 +14536,7 @@
                     </a:solidFill>
                     <a:latin typeface="Proxima Nova" panose="020B0604020202020204" charset="0"/>
                   </a:rPr>
-                  <a:t>: para </a:t>
-                </a:r>
-                <a:r>
-                  <a:rPr lang="en-GB" sz="1600" dirty="0" err="1">
-                    <a:solidFill>
-                      <a:schemeClr val="accent3"/>
-                    </a:solidFill>
-                    <a:latin typeface="Proxima Nova" panose="020B0604020202020204" charset="0"/>
-                  </a:rPr>
-                  <a:t>cada</a:t>
-                </a:r>
-                <a:r>
-                  <a:rPr lang="en-GB" sz="1600" dirty="0">
-                    <a:solidFill>
-                      <a:schemeClr val="accent3"/>
-                    </a:solidFill>
-                    <a:latin typeface="Proxima Nova" panose="020B0604020202020204" charset="0"/>
-                  </a:rPr>
-                  <a:t> </a:t>
-                </a:r>
-                <a:r>
-                  <a:rPr lang="en-GB" sz="1600" dirty="0" err="1">
-                    <a:solidFill>
-                      <a:schemeClr val="accent3"/>
-                    </a:solidFill>
-                    <a:latin typeface="Proxima Nova" panose="020B0604020202020204" charset="0"/>
-                  </a:rPr>
-                  <a:t>una</a:t>
-                </a:r>
-                <a:r>
-                  <a:rPr lang="en-GB" sz="1600" dirty="0">
-                    <a:solidFill>
-                      <a:schemeClr val="accent3"/>
-                    </a:solidFill>
-                    <a:latin typeface="Proxima Nova" panose="020B0604020202020204" charset="0"/>
-                  </a:rPr>
-                  <a:t> de las </a:t>
-                </a:r>
-                <a:r>
-                  <a:rPr lang="en-GB" sz="1600" dirty="0" err="1">
-                    <a:solidFill>
-                      <a:schemeClr val="accent3"/>
-                    </a:solidFill>
-                    <a:latin typeface="Proxima Nova" panose="020B0604020202020204" charset="0"/>
-                  </a:rPr>
-                  <a:t>observaciones</a:t>
-                </a:r>
-                <a:r>
-                  <a:rPr lang="en-GB" sz="1600" dirty="0">
-                    <a:solidFill>
-                      <a:schemeClr val="accent3"/>
-                    </a:solidFill>
-                    <a:latin typeface="Proxima Nova" panose="020B0604020202020204" charset="0"/>
-                  </a:rPr>
-                  <a:t> </a:t>
+                  <a:t>: para cada una de las observaciones </a:t>
                 </a:r>
                 <a14:m>
                   <m:oMath xmlns:m="http://schemas.openxmlformats.org/officeDocument/2006/math">
@@ -15497,34 +14604,7 @@
                     </a:solidFill>
                     <a:latin typeface="Proxima Nova" panose="020B0604020202020204" charset="0"/>
                   </a:rPr>
-                  <a:t>vamos a </a:t>
-                </a:r>
-                <a:r>
-                  <a:rPr lang="en-GB" sz="1600" dirty="0" err="1">
-                    <a:solidFill>
-                      <a:schemeClr val="accent3"/>
-                    </a:solidFill>
-                    <a:latin typeface="Proxima Nova" panose="020B0604020202020204" charset="0"/>
-                  </a:rPr>
-                  <a:t>aproximar</a:t>
-                </a:r>
-                <a:r>
-                  <a:rPr lang="en-GB" sz="1600" dirty="0">
-                    <a:solidFill>
-                      <a:schemeClr val="accent3"/>
-                    </a:solidFill>
-                    <a:latin typeface="Proxima Nova" panose="020B0604020202020204" charset="0"/>
-                  </a:rPr>
-                  <a:t> la </a:t>
-                </a:r>
-                <a:r>
-                  <a:rPr lang="en-GB" sz="1600" i="1" dirty="0" err="1">
-                    <a:solidFill>
-                      <a:schemeClr val="accent3"/>
-                    </a:solidFill>
-                    <a:latin typeface="Proxima Nova" panose="020B0604020202020204" charset="0"/>
-                  </a:rPr>
-                  <a:t>probabilidad</a:t>
+                  <a:t>vamos a aproximar la </a:t>
                 </a:r>
                 <a:r>
                   <a:rPr lang="en-GB" sz="1600" i="1" dirty="0">
@@ -15533,25 +14613,7 @@
                     </a:solidFill>
                     <a:latin typeface="Proxima Nova" panose="020B0604020202020204" charset="0"/>
                   </a:rPr>
-                  <a:t> </a:t>
-                </a:r>
-                <a:r>
-                  <a:rPr lang="en-GB" sz="1600" i="1" dirty="0" err="1">
-                    <a:solidFill>
-                      <a:schemeClr val="accent3"/>
-                    </a:solidFill>
-                    <a:latin typeface="Proxima Nova" panose="020B0604020202020204" charset="0"/>
-                  </a:rPr>
-                  <a:t>condicional</a:t>
-                </a:r>
-                <a:r>
-                  <a:rPr lang="en-GB" sz="1600" i="1" dirty="0">
-                    <a:solidFill>
-                      <a:schemeClr val="accent3"/>
-                    </a:solidFill>
-                    <a:latin typeface="Proxima Nova" panose="020B0604020202020204" charset="0"/>
-                  </a:rPr>
-                  <a:t> </a:t>
+                  <a:t>probabilidad condicional </a:t>
                 </a:r>
                 <a:r>
                   <a:rPr lang="es-AR" sz="1600" dirty="0">
@@ -15665,97 +14727,7 @@
                     </a:solidFill>
                     <a:latin typeface="Proxima Nova" panose="020B0604020202020204" charset="0"/>
                   </a:rPr>
-                  <a:t>: </a:t>
-                </a:r>
-                <a:r>
-                  <a:rPr lang="en-GB" sz="1600" dirty="0" err="1">
-                    <a:solidFill>
-                      <a:schemeClr val="accent3"/>
-                    </a:solidFill>
-                    <a:latin typeface="Proxima Nova" panose="020B0604020202020204" charset="0"/>
-                  </a:rPr>
-                  <a:t>Definir</a:t>
-                </a:r>
-                <a:r>
-                  <a:rPr lang="en-GB" sz="1600" dirty="0">
-                    <a:solidFill>
-                      <a:schemeClr val="accent3"/>
-                    </a:solidFill>
-                    <a:latin typeface="Proxima Nova" panose="020B0604020202020204" charset="0"/>
-                  </a:rPr>
-                  <a:t> </a:t>
-                </a:r>
-                <a:r>
-                  <a:rPr lang="en-GB" sz="1600" dirty="0" err="1">
-                    <a:solidFill>
-                      <a:schemeClr val="accent3"/>
-                    </a:solidFill>
-                    <a:latin typeface="Proxima Nova" panose="020B0604020202020204" charset="0"/>
-                  </a:rPr>
-                  <a:t>cantidad</a:t>
-                </a:r>
-                <a:r>
-                  <a:rPr lang="en-GB" sz="1600" dirty="0">
-                    <a:solidFill>
-                      <a:schemeClr val="accent3"/>
-                    </a:solidFill>
-                    <a:latin typeface="Proxima Nova" panose="020B0604020202020204" charset="0"/>
-                  </a:rPr>
-                  <a:t> de </a:t>
-                </a:r>
-                <a:r>
-                  <a:rPr lang="en-GB" sz="1600" dirty="0" err="1">
-                    <a:solidFill>
-                      <a:schemeClr val="accent3"/>
-                    </a:solidFill>
-                    <a:latin typeface="Proxima Nova" panose="020B0604020202020204" charset="0"/>
-                  </a:rPr>
-                  <a:t>vecinos</a:t>
-                </a:r>
-                <a:r>
-                  <a:rPr lang="en-GB" sz="1600" dirty="0">
-                    <a:solidFill>
-                      <a:schemeClr val="accent3"/>
-                    </a:solidFill>
-                    <a:latin typeface="Proxima Nova" panose="020B0604020202020204" charset="0"/>
-                  </a:rPr>
-                  <a:t> </a:t>
-                </a:r>
-                <a:r>
-                  <a:rPr lang="en-GB" sz="1600" dirty="0" err="1">
-                    <a:solidFill>
-                      <a:schemeClr val="accent3"/>
-                    </a:solidFill>
-                    <a:latin typeface="Proxima Nova" panose="020B0604020202020204" charset="0"/>
-                  </a:rPr>
-                  <a:t>cercanos</a:t>
-                </a:r>
-                <a:r>
-                  <a:rPr lang="en-GB" sz="1600" dirty="0">
-                    <a:solidFill>
-                      <a:schemeClr val="accent3"/>
-                    </a:solidFill>
-                    <a:latin typeface="Proxima Nova" panose="020B0604020202020204" charset="0"/>
-                  </a:rPr>
-                  <a:t> a </a:t>
-                </a:r>
-                <a:r>
-                  <a:rPr lang="en-GB" sz="1600" dirty="0" err="1">
-                    <a:solidFill>
-                      <a:schemeClr val="accent3"/>
-                    </a:solidFill>
-                    <a:latin typeface="Proxima Nova" panose="020B0604020202020204" charset="0"/>
-                  </a:rPr>
-                  <a:t>utilizar</a:t>
-                </a:r>
-                <a:r>
-                  <a:rPr lang="en-GB" sz="1600" dirty="0">
-                    <a:solidFill>
-                      <a:schemeClr val="accent3"/>
-                    </a:solidFill>
-                    <a:latin typeface="Proxima Nova" panose="020B0604020202020204" charset="0"/>
-                  </a:rPr>
-                  <a:t> (K)</a:t>
+                  <a:t>: Definir cantidad de vecinos cercanos a utilizar (K)</a:t>
                 </a:r>
                 <a:br>
                   <a:rPr lang="en-GB" sz="1600" dirty="0">
@@ -15789,145 +14761,7 @@
                     </a:solidFill>
                     <a:latin typeface="Proxima Nova" panose="020B0604020202020204" charset="0"/>
                   </a:rPr>
-                  <a:t>: </a:t>
-                </a:r>
-                <a:r>
-                  <a:rPr lang="en-GB" sz="1600" dirty="0" err="1">
-                    <a:solidFill>
-                      <a:schemeClr val="accent3"/>
-                    </a:solidFill>
-                    <a:latin typeface="Proxima Nova" panose="020B0604020202020204" charset="0"/>
-                  </a:rPr>
-                  <a:t>Identificar</a:t>
-                </a:r>
-                <a:r>
-                  <a:rPr lang="en-GB" sz="1600" dirty="0">
-                    <a:solidFill>
-                      <a:schemeClr val="accent3"/>
-                    </a:solidFill>
-                    <a:latin typeface="Proxima Nova" panose="020B0604020202020204" charset="0"/>
-                  </a:rPr>
-                  <a:t> </a:t>
-                </a:r>
-                <a:r>
-                  <a:rPr lang="en-GB" sz="1600" dirty="0" err="1">
-                    <a:solidFill>
-                      <a:schemeClr val="accent3"/>
-                    </a:solidFill>
-                    <a:latin typeface="Proxima Nova" panose="020B0604020202020204" charset="0"/>
-                  </a:rPr>
-                  <a:t>cuales</a:t>
-                </a:r>
-                <a:r>
-                  <a:rPr lang="en-GB" sz="1600" dirty="0">
-                    <a:solidFill>
-                      <a:schemeClr val="accent3"/>
-                    </a:solidFill>
-                    <a:latin typeface="Proxima Nova" panose="020B0604020202020204" charset="0"/>
-                  </a:rPr>
-                  <a:t> son </a:t>
-                </a:r>
-                <a:r>
-                  <a:rPr lang="en-GB" sz="1600" dirty="0" err="1">
-                    <a:solidFill>
-                      <a:schemeClr val="accent3"/>
-                    </a:solidFill>
-                    <a:latin typeface="Proxima Nova" panose="020B0604020202020204" charset="0"/>
-                  </a:rPr>
-                  <a:t>los</a:t>
-                </a:r>
-                <a:r>
-                  <a:rPr lang="en-GB" sz="1600" dirty="0">
-                    <a:solidFill>
-                      <a:schemeClr val="accent3"/>
-                    </a:solidFill>
-                    <a:latin typeface="Proxima Nova" panose="020B0604020202020204" charset="0"/>
-                  </a:rPr>
-                  <a:t> </a:t>
-                </a:r>
-                <a:r>
-                  <a:rPr lang="en-GB" sz="1600" dirty="0" err="1">
-                    <a:solidFill>
-                      <a:schemeClr val="accent3"/>
-                    </a:solidFill>
-                    <a:latin typeface="Proxima Nova" panose="020B0604020202020204" charset="0"/>
-                  </a:rPr>
-                  <a:t>vecinos</a:t>
-                </a:r>
-                <a:r>
-                  <a:rPr lang="en-GB" sz="1600" dirty="0">
-                    <a:solidFill>
-                      <a:schemeClr val="accent3"/>
-                    </a:solidFill>
-                    <a:latin typeface="Proxima Nova" panose="020B0604020202020204" charset="0"/>
-                  </a:rPr>
-                  <a:t> </a:t>
-                </a:r>
-                <a:r>
-                  <a:rPr lang="en-GB" sz="1600" dirty="0" err="1">
-                    <a:solidFill>
-                      <a:schemeClr val="accent3"/>
-                    </a:solidFill>
-                    <a:latin typeface="Proxima Nova" panose="020B0604020202020204" charset="0"/>
-                  </a:rPr>
-                  <a:t>cercanos</a:t>
-                </a:r>
-                <a:r>
-                  <a:rPr lang="en-GB" sz="1600" dirty="0">
-                    <a:solidFill>
-                      <a:schemeClr val="accent3"/>
-                    </a:solidFill>
-                    <a:latin typeface="Proxima Nova" panose="020B0604020202020204" charset="0"/>
-                  </a:rPr>
-                  <a:t> de </a:t>
-                </a:r>
-                <a:r>
-                  <a:rPr lang="en-GB" sz="1600" dirty="0" err="1">
-                    <a:solidFill>
-                      <a:schemeClr val="accent3"/>
-                    </a:solidFill>
-                    <a:latin typeface="Proxima Nova" panose="020B0604020202020204" charset="0"/>
-                  </a:rPr>
-                  <a:t>cada</a:t>
-                </a:r>
-                <a:r>
-                  <a:rPr lang="en-GB" sz="1600" dirty="0">
-                    <a:solidFill>
-                      <a:schemeClr val="accent3"/>
-                    </a:solidFill>
-                    <a:latin typeface="Proxima Nova" panose="020B0604020202020204" charset="0"/>
-                  </a:rPr>
-                  <a:t> </a:t>
-                </a:r>
-                <a:r>
-                  <a:rPr lang="en-GB" sz="1600" dirty="0" err="1">
-                    <a:solidFill>
-                      <a:schemeClr val="accent3"/>
-                    </a:solidFill>
-                    <a:latin typeface="Proxima Nova" panose="020B0604020202020204" charset="0"/>
-                  </a:rPr>
-                  <a:t>observación</a:t>
-                </a:r>
-                <a:r>
-                  <a:rPr lang="en-GB" sz="1600" dirty="0">
-                    <a:solidFill>
-                      <a:schemeClr val="accent3"/>
-                    </a:solidFill>
-                    <a:latin typeface="Proxima Nova" panose="020B0604020202020204" charset="0"/>
-                  </a:rPr>
-                  <a:t>. </a:t>
-                </a:r>
-                <a:r>
-                  <a:rPr lang="en-GB" sz="1600" b="1" dirty="0" err="1">
-                    <a:solidFill>
-                      <a:schemeClr val="accent3"/>
-                    </a:solidFill>
-                    <a:highlight>
-                      <a:schemeClr val="lt2"/>
-                    </a:highlight>
-                    <a:latin typeface="Proxima Nova" panose="020B0604020202020204" charset="0"/>
-                  </a:rPr>
-                  <a:t>Medida</a:t>
+                  <a:t>: Identificar cuales son los vecinos cercanos de cada observación. </a:t>
                 </a:r>
                 <a:r>
                   <a:rPr lang="en-GB" sz="1600" b="1" dirty="0">
@@ -15939,55 +14773,7 @@
                     </a:highlight>
                     <a:latin typeface="Proxima Nova" panose="020B0604020202020204" charset="0"/>
                   </a:rPr>
-                  <a:t> de </a:t>
-                </a:r>
-                <a:r>
-                  <a:rPr lang="en-GB" sz="1600" b="1" dirty="0" err="1">
-                    <a:solidFill>
-                      <a:schemeClr val="accent3"/>
-                    </a:solidFill>
-                    <a:highlight>
-                      <a:schemeClr val="lt2"/>
-                    </a:highlight>
-                    <a:latin typeface="Proxima Nova" panose="020B0604020202020204" charset="0"/>
-                  </a:rPr>
-                  <a:t>distancia</a:t>
-                </a:r>
-                <a:r>
-                  <a:rPr lang="en-GB" sz="1600" b="1" dirty="0">
-                    <a:solidFill>
-                      <a:schemeClr val="accent3"/>
-                    </a:solidFill>
-                    <a:highlight>
-                      <a:schemeClr val="lt2"/>
-                    </a:highlight>
-                    <a:latin typeface="Proxima Nova" panose="020B0604020202020204" charset="0"/>
-                  </a:rPr>
-                  <a:t> (</a:t>
-                </a:r>
-                <a:r>
-                  <a:rPr lang="en-GB" sz="1600" b="1" dirty="0" err="1">
-                    <a:solidFill>
-                      <a:schemeClr val="accent3"/>
-                    </a:solidFill>
-                    <a:highlight>
-                      <a:schemeClr val="lt2"/>
-                    </a:highlight>
-                    <a:latin typeface="Proxima Nova" panose="020B0604020202020204" charset="0"/>
-                  </a:rPr>
-                  <a:t>euclídea</a:t>
-                </a:r>
-                <a:r>
-                  <a:rPr lang="en-GB" sz="1600" b="1" dirty="0">
-                    <a:solidFill>
-                      <a:schemeClr val="accent3"/>
-                    </a:solidFill>
-                    <a:highlight>
-                      <a:schemeClr val="lt2"/>
-                    </a:highlight>
-                    <a:latin typeface="Proxima Nova" panose="020B0604020202020204" charset="0"/>
-                  </a:rPr>
-                  <a:t>)</a:t>
+                  <a:t>Medida de distancia (euclídea)</a:t>
                 </a:r>
                 <a:br>
                   <a:rPr lang="en-GB" sz="1600" b="1" dirty="0">
@@ -16024,133 +14810,7 @@
                     </a:solidFill>
                     <a:latin typeface="Proxima Nova" panose="020B0604020202020204" charset="0"/>
                   </a:rPr>
-                  <a:t>: Se </a:t>
-                </a:r>
-                <a:r>
-                  <a:rPr lang="en-GB" sz="1600" dirty="0" err="1">
-                    <a:solidFill>
-                      <a:schemeClr val="accent3"/>
-                    </a:solidFill>
-                    <a:latin typeface="Proxima Nova" panose="020B0604020202020204" charset="0"/>
-                  </a:rPr>
-                  <a:t>estima</a:t>
-                </a:r>
-                <a:r>
-                  <a:rPr lang="en-GB" sz="1600" dirty="0">
-                    <a:solidFill>
-                      <a:schemeClr val="accent3"/>
-                    </a:solidFill>
-                    <a:latin typeface="Proxima Nova" panose="020B0604020202020204" charset="0"/>
-                  </a:rPr>
-                  <a:t> la </a:t>
-                </a:r>
-                <a:r>
-                  <a:rPr lang="en-GB" sz="1600" dirty="0" err="1">
-                    <a:solidFill>
-                      <a:schemeClr val="accent3"/>
-                    </a:solidFill>
-                    <a:latin typeface="Proxima Nova" panose="020B0604020202020204" charset="0"/>
-                  </a:rPr>
-                  <a:t>probabilidad</a:t>
-                </a:r>
-                <a:r>
-                  <a:rPr lang="en-GB" sz="1600" dirty="0">
-                    <a:solidFill>
-                      <a:schemeClr val="accent3"/>
-                    </a:solidFill>
-                    <a:latin typeface="Proxima Nova" panose="020B0604020202020204" charset="0"/>
-                  </a:rPr>
-                  <a:t> </a:t>
-                </a:r>
-                <a:r>
-                  <a:rPr lang="en-GB" sz="1600" dirty="0" err="1">
-                    <a:solidFill>
-                      <a:schemeClr val="accent3"/>
-                    </a:solidFill>
-                    <a:latin typeface="Proxima Nova" panose="020B0604020202020204" charset="0"/>
-                  </a:rPr>
-                  <a:t>condicional</a:t>
-                </a:r>
-                <a:r>
-                  <a:rPr lang="en-GB" sz="1600" dirty="0">
-                    <a:solidFill>
-                      <a:schemeClr val="accent3"/>
-                    </a:solidFill>
-                    <a:latin typeface="Proxima Nova" panose="020B0604020202020204" charset="0"/>
-                  </a:rPr>
-                  <a:t> de </a:t>
-                </a:r>
-                <a:r>
-                  <a:rPr lang="en-GB" sz="1600" dirty="0" err="1">
-                    <a:solidFill>
-                      <a:schemeClr val="accent3"/>
-                    </a:solidFill>
-                    <a:latin typeface="Proxima Nova" panose="020B0604020202020204" charset="0"/>
-                  </a:rPr>
-                  <a:t>cada</a:t>
-                </a:r>
-                <a:r>
-                  <a:rPr lang="en-GB" sz="1600" dirty="0">
-                    <a:solidFill>
-                      <a:schemeClr val="accent3"/>
-                    </a:solidFill>
-                    <a:latin typeface="Proxima Nova" panose="020B0604020202020204" charset="0"/>
-                  </a:rPr>
-                  <a:t> </a:t>
-                </a:r>
-                <a:r>
-                  <a:rPr lang="en-GB" sz="1600" dirty="0" err="1">
-                    <a:solidFill>
-                      <a:schemeClr val="accent3"/>
-                    </a:solidFill>
-                    <a:latin typeface="Proxima Nova" panose="020B0604020202020204" charset="0"/>
-                  </a:rPr>
-                  <a:t>observación</a:t>
-                </a:r>
-                <a:r>
-                  <a:rPr lang="en-GB" sz="1600" dirty="0">
-                    <a:solidFill>
-                      <a:schemeClr val="accent3"/>
-                    </a:solidFill>
-                    <a:latin typeface="Proxima Nova" panose="020B0604020202020204" charset="0"/>
-                  </a:rPr>
-                  <a:t> de </a:t>
-                </a:r>
-                <a:r>
-                  <a:rPr lang="en-GB" sz="1600" dirty="0" err="1">
-                    <a:solidFill>
-                      <a:schemeClr val="accent3"/>
-                    </a:solidFill>
-                    <a:latin typeface="Proxima Nova" panose="020B0604020202020204" charset="0"/>
-                  </a:rPr>
-                  <a:t>pertenercer</a:t>
-                </a:r>
-                <a:r>
-                  <a:rPr lang="en-GB" sz="1600" dirty="0">
-                    <a:solidFill>
-                      <a:schemeClr val="accent3"/>
-                    </a:solidFill>
-                    <a:latin typeface="Proxima Nova" panose="020B0604020202020204" charset="0"/>
-                  </a:rPr>
-                  <a:t> a la </a:t>
-                </a:r>
-                <a:r>
-                  <a:rPr lang="en-GB" sz="1600" dirty="0" err="1">
-                    <a:solidFill>
-                      <a:schemeClr val="accent3"/>
-                    </a:solidFill>
-                    <a:latin typeface="Proxima Nova" panose="020B0604020202020204" charset="0"/>
-                  </a:rPr>
-                  <a:t>categoría</a:t>
-                </a:r>
-                <a:r>
-                  <a:rPr lang="en-GB" sz="1600" dirty="0">
-                    <a:solidFill>
-                      <a:schemeClr val="accent3"/>
-                    </a:solidFill>
-                    <a:latin typeface="Proxima Nova" panose="020B0604020202020204" charset="0"/>
-                  </a:rPr>
-                  <a:t> </a:t>
+                  <a:t>: Se estima la probabilidad condicional de cada observación de pertenercer a la categoría </a:t>
                 </a:r>
                 <a:r>
                   <a:rPr lang="en-GB" sz="1600" i="1" dirty="0">
@@ -16162,112 +14822,13 @@
                   <a:t>j </a:t>
                 </a:r>
                 <a:r>
-                  <a:rPr lang="en-GB" sz="1600" dirty="0" err="1">
-                    <a:solidFill>
-                      <a:schemeClr val="accent3"/>
-                    </a:solidFill>
-                    <a:latin typeface="Proxima Nova" panose="020B0604020202020204" charset="0"/>
-                  </a:rPr>
-                  <a:t>como</a:t>
-                </a:r>
-                <a:r>
                   <a:rPr lang="en-GB" sz="1600" dirty="0">
                     <a:solidFill>
                       <a:schemeClr val="accent3"/>
                     </a:solidFill>
                     <a:latin typeface="Proxima Nova" panose="020B0604020202020204" charset="0"/>
                   </a:rPr>
-                  <a:t> </a:t>
-                </a:r>
-                <a:r>
-                  <a:rPr lang="en-GB" sz="1600" dirty="0" err="1">
-                    <a:solidFill>
-                      <a:schemeClr val="accent3"/>
-                    </a:solidFill>
-                    <a:latin typeface="Proxima Nova" panose="020B0604020202020204" charset="0"/>
-                  </a:rPr>
-                  <a:t>el</a:t>
-                </a:r>
-                <a:r>
-                  <a:rPr lang="en-GB" sz="1600" dirty="0">
-                    <a:solidFill>
-                      <a:schemeClr val="accent3"/>
-                    </a:solidFill>
-                    <a:latin typeface="Proxima Nova" panose="020B0604020202020204" charset="0"/>
-                  </a:rPr>
-                  <a:t> % de </a:t>
-                </a:r>
-                <a:r>
-                  <a:rPr lang="en-GB" sz="1600" dirty="0" err="1">
-                    <a:solidFill>
-                      <a:schemeClr val="accent3"/>
-                    </a:solidFill>
-                    <a:latin typeface="Proxima Nova" panose="020B0604020202020204" charset="0"/>
-                  </a:rPr>
-                  <a:t>casos</a:t>
-                </a:r>
-                <a:r>
-                  <a:rPr lang="en-GB" sz="1600" dirty="0">
-                    <a:solidFill>
-                      <a:schemeClr val="accent3"/>
-                    </a:solidFill>
-                    <a:latin typeface="Proxima Nova" panose="020B0604020202020204" charset="0"/>
-                  </a:rPr>
-                  <a:t> </a:t>
-                </a:r>
-                <a:r>
-                  <a:rPr lang="en-GB" sz="1600" dirty="0" err="1">
-                    <a:solidFill>
-                      <a:schemeClr val="accent3"/>
-                    </a:solidFill>
-                    <a:latin typeface="Proxima Nova" panose="020B0604020202020204" charset="0"/>
-                  </a:rPr>
-                  <a:t>vecinos</a:t>
-                </a:r>
-                <a:r>
-                  <a:rPr lang="en-GB" sz="1600" dirty="0">
-                    <a:solidFill>
-                      <a:schemeClr val="accent3"/>
-                    </a:solidFill>
-                    <a:latin typeface="Proxima Nova" panose="020B0604020202020204" charset="0"/>
-                  </a:rPr>
-                  <a:t> que </a:t>
-                </a:r>
-                <a:r>
-                  <a:rPr lang="en-GB" sz="1600" dirty="0" err="1">
-                    <a:solidFill>
-                      <a:schemeClr val="accent3"/>
-                    </a:solidFill>
-                    <a:latin typeface="Proxima Nova" panose="020B0604020202020204" charset="0"/>
-                  </a:rPr>
-                  <a:t>efectivamente</a:t>
-                </a:r>
-                <a:r>
-                  <a:rPr lang="en-GB" sz="1600" dirty="0">
-                    <a:solidFill>
-                      <a:schemeClr val="accent3"/>
-                    </a:solidFill>
-                    <a:latin typeface="Proxima Nova" panose="020B0604020202020204" charset="0"/>
-                  </a:rPr>
-                  <a:t> son </a:t>
-                </a:r>
-                <a:r>
-                  <a:rPr lang="en-GB" sz="1600" dirty="0" err="1">
-                    <a:solidFill>
-                      <a:schemeClr val="accent3"/>
-                    </a:solidFill>
-                    <a:latin typeface="Proxima Nova" panose="020B0604020202020204" charset="0"/>
-                  </a:rPr>
-                  <a:t>categoría</a:t>
-                </a:r>
-                <a:r>
-                  <a:rPr lang="en-GB" sz="1600" dirty="0">
-                    <a:solidFill>
-                      <a:schemeClr val="accent3"/>
-                    </a:solidFill>
-                    <a:latin typeface="Proxima Nova" panose="020B0604020202020204" charset="0"/>
-                  </a:rPr>
-                  <a:t> j:</a:t>
+                  <a:t>como el % de casos vecinos que efectivamente son categoría j:</a:t>
                 </a:r>
                 <a:br>
                   <a:rPr lang="en-GB" sz="1600" dirty="0">
@@ -16286,7 +14847,7 @@
                         <m:rPr>
                           <m:nor/>
                         </m:rPr>
-                        <a:rPr lang="en-GB" sz="1600" dirty="0">
+                        <a:rPr lang="en-GB" sz="1600">
                           <a:solidFill>
                             <a:schemeClr val="tx1"/>
                           </a:solidFill>
@@ -16686,127 +15247,7 @@
                       <a:schemeClr val="accent3"/>
                     </a:solidFill>
                   </a:rPr>
-                  <a:t>: Se </a:t>
-                </a:r>
-                <a:r>
-                  <a:rPr lang="en-GB" sz="1600" dirty="0" err="1">
-                    <a:solidFill>
-                      <a:schemeClr val="accent3"/>
-                    </a:solidFill>
-                  </a:rPr>
-                  <a:t>asigna</a:t>
-                </a:r>
-                <a:r>
-                  <a:rPr lang="en-GB" sz="1600" dirty="0">
-                    <a:solidFill>
-                      <a:schemeClr val="accent3"/>
-                    </a:solidFill>
-                  </a:rPr>
-                  <a:t> la </a:t>
-                </a:r>
-                <a:r>
-                  <a:rPr lang="en-GB" sz="1600" dirty="0" err="1">
-                    <a:solidFill>
-                      <a:schemeClr val="accent3"/>
-                    </a:solidFill>
-                  </a:rPr>
-                  <a:t>categoría</a:t>
-                </a:r>
-                <a:r>
-                  <a:rPr lang="en-GB" sz="1600" dirty="0">
-                    <a:solidFill>
-                      <a:schemeClr val="accent3"/>
-                    </a:solidFill>
-                  </a:rPr>
-                  <a:t> </a:t>
-                </a:r>
-                <a:r>
-                  <a:rPr lang="en-GB" sz="1600" dirty="0" err="1">
-                    <a:solidFill>
-                      <a:schemeClr val="accent3"/>
-                    </a:solidFill>
-                  </a:rPr>
-                  <a:t>correspondiente</a:t>
-                </a:r>
-                <a:r>
-                  <a:rPr lang="en-GB" sz="1600" dirty="0">
-                    <a:solidFill>
-                      <a:schemeClr val="accent3"/>
-                    </a:solidFill>
-                  </a:rPr>
-                  <a:t> </a:t>
-                </a:r>
-                <a:r>
-                  <a:rPr lang="en-GB" sz="1600" dirty="0" err="1">
-                    <a:solidFill>
-                      <a:schemeClr val="accent3"/>
-                    </a:solidFill>
-                  </a:rPr>
-                  <a:t>en</a:t>
-                </a:r>
-                <a:r>
-                  <a:rPr lang="en-GB" sz="1600" dirty="0">
-                    <a:solidFill>
-                      <a:schemeClr val="accent3"/>
-                    </a:solidFill>
-                  </a:rPr>
-                  <a:t> </a:t>
-                </a:r>
-                <a:r>
-                  <a:rPr lang="en-GB" sz="1600" dirty="0" err="1">
-                    <a:solidFill>
-                      <a:schemeClr val="accent3"/>
-                    </a:solidFill>
-                  </a:rPr>
-                  <a:t>función</a:t>
-                </a:r>
-                <a:r>
-                  <a:rPr lang="en-GB" sz="1600" dirty="0">
-                    <a:solidFill>
-                      <a:schemeClr val="accent3"/>
-                    </a:solidFill>
-                  </a:rPr>
-                  <a:t> de la </a:t>
-                </a:r>
-                <a:r>
-                  <a:rPr lang="en-GB" sz="1600" dirty="0" err="1">
-                    <a:solidFill>
-                      <a:schemeClr val="accent3"/>
-                    </a:solidFill>
-                  </a:rPr>
-                  <a:t>probabilidad</a:t>
-                </a:r>
-                <a:r>
-                  <a:rPr lang="en-GB" sz="1600" dirty="0">
-                    <a:solidFill>
-                      <a:schemeClr val="accent3"/>
-                    </a:solidFill>
-                  </a:rPr>
-                  <a:t> </a:t>
-                </a:r>
-                <a:r>
-                  <a:rPr lang="en-GB" sz="1600" dirty="0" err="1">
-                    <a:solidFill>
-                      <a:schemeClr val="accent3"/>
-                    </a:solidFill>
-                  </a:rPr>
-                  <a:t>condicional</a:t>
-                </a:r>
-                <a:r>
-                  <a:rPr lang="en-GB" sz="1600" dirty="0">
-                    <a:solidFill>
-                      <a:schemeClr val="accent3"/>
-                    </a:solidFill>
-                  </a:rPr>
-                  <a:t> </a:t>
-                </a:r>
-                <a:r>
-                  <a:rPr lang="en-GB" sz="1600" dirty="0" err="1">
-                    <a:solidFill>
-                      <a:schemeClr val="accent3"/>
-                    </a:solidFill>
-                  </a:rPr>
-                  <a:t>estimada</a:t>
+                  <a:t>: Se asigna la categoría correspondiente en función de la probabilidad condicional estimada</a:t>
                 </a:r>
                 <a:br>
                   <a:rPr lang="en-GB" sz="1600" dirty="0">
@@ -16836,190 +15277,10 @@
                     </a:solidFill>
                     <a:latin typeface="Proxima Nova" panose="020B0604020202020204" charset="0"/>
                   </a:rPr>
-                  <a:t>El </a:t>
-                </a:r>
-                <a:r>
-                  <a:rPr lang="en-GB" sz="1600" b="1" dirty="0" err="1">
-                    <a:solidFill>
-                      <a:schemeClr val="accent3"/>
-                    </a:solidFill>
-                    <a:latin typeface="Proxima Nova" panose="020B0604020202020204" charset="0"/>
-                  </a:rPr>
-                  <a:t>modelo</a:t>
+                  <a:t>El modelo es como una “votación” realizada entre los vecinos cercanos. Se suele asignar </a:t>
                 </a:r>
                 <a:r>
                   <a:rPr lang="en-GB" sz="1600" b="1" dirty="0">
-                    <a:solidFill>
-                      <a:schemeClr val="accent3"/>
-                    </a:solidFill>
-                    <a:latin typeface="Proxima Nova" panose="020B0604020202020204" charset="0"/>
-                  </a:rPr>
-                  <a:t> es </a:t>
-                </a:r>
-                <a:r>
-                  <a:rPr lang="en-GB" sz="1600" b="1" dirty="0" err="1">
-                    <a:solidFill>
-                      <a:schemeClr val="accent3"/>
-                    </a:solidFill>
-                    <a:latin typeface="Proxima Nova" panose="020B0604020202020204" charset="0"/>
-                  </a:rPr>
-                  <a:t>como</a:t>
-                </a:r>
-                <a:r>
-                  <a:rPr lang="en-GB" sz="1600" b="1" dirty="0">
-                    <a:solidFill>
-                      <a:schemeClr val="accent3"/>
-                    </a:solidFill>
-                    <a:latin typeface="Proxima Nova" panose="020B0604020202020204" charset="0"/>
-                  </a:rPr>
-                  <a:t> </a:t>
-                </a:r>
-                <a:r>
-                  <a:rPr lang="en-GB" sz="1600" b="1" dirty="0" err="1">
-                    <a:solidFill>
-                      <a:schemeClr val="accent3"/>
-                    </a:solidFill>
-                    <a:latin typeface="Proxima Nova" panose="020B0604020202020204" charset="0"/>
-                  </a:rPr>
-                  <a:t>una</a:t>
-                </a:r>
-                <a:r>
-                  <a:rPr lang="en-GB" sz="1600" b="1" dirty="0">
-                    <a:solidFill>
-                      <a:schemeClr val="accent3"/>
-                    </a:solidFill>
-                    <a:latin typeface="Proxima Nova" panose="020B0604020202020204" charset="0"/>
-                  </a:rPr>
-                  <a:t> “</a:t>
-                </a:r>
-                <a:r>
-                  <a:rPr lang="en-GB" sz="1600" b="1" dirty="0" err="1">
-                    <a:solidFill>
-                      <a:schemeClr val="accent3"/>
-                    </a:solidFill>
-                    <a:latin typeface="Proxima Nova" panose="020B0604020202020204" charset="0"/>
-                  </a:rPr>
-                  <a:t>votación</a:t>
-                </a:r>
-                <a:r>
-                  <a:rPr lang="en-GB" sz="1600" b="1" dirty="0">
-                    <a:solidFill>
-                      <a:schemeClr val="accent3"/>
-                    </a:solidFill>
-                    <a:latin typeface="Proxima Nova" panose="020B0604020202020204" charset="0"/>
-                  </a:rPr>
-                  <a:t>” </a:t>
-                </a:r>
-                <a:r>
-                  <a:rPr lang="en-GB" sz="1600" b="1" dirty="0" err="1">
-                    <a:solidFill>
-                      <a:schemeClr val="accent3"/>
-                    </a:solidFill>
-                    <a:latin typeface="Proxima Nova" panose="020B0604020202020204" charset="0"/>
-                  </a:rPr>
-                  <a:t>realizada</a:t>
-                </a:r>
-                <a:r>
-                  <a:rPr lang="en-GB" sz="1600" b="1" dirty="0">
-                    <a:solidFill>
-                      <a:schemeClr val="accent3"/>
-                    </a:solidFill>
-                    <a:latin typeface="Proxima Nova" panose="020B0604020202020204" charset="0"/>
-                  </a:rPr>
-                  <a:t> entre </a:t>
-                </a:r>
-                <a:r>
-                  <a:rPr lang="en-GB" sz="1600" b="1" dirty="0" err="1">
-                    <a:solidFill>
-                      <a:schemeClr val="accent3"/>
-                    </a:solidFill>
-                    <a:latin typeface="Proxima Nova" panose="020B0604020202020204" charset="0"/>
-                  </a:rPr>
-                  <a:t>los</a:t>
-                </a:r>
-                <a:r>
-                  <a:rPr lang="en-GB" sz="1600" b="1" dirty="0">
-                    <a:solidFill>
-                      <a:schemeClr val="accent3"/>
-                    </a:solidFill>
-                    <a:latin typeface="Proxima Nova" panose="020B0604020202020204" charset="0"/>
-                  </a:rPr>
-                  <a:t> </a:t>
-                </a:r>
-                <a:r>
-                  <a:rPr lang="en-GB" sz="1600" b="1" dirty="0" err="1">
-                    <a:solidFill>
-                      <a:schemeClr val="accent3"/>
-                    </a:solidFill>
-                    <a:latin typeface="Proxima Nova" panose="020B0604020202020204" charset="0"/>
-                  </a:rPr>
-                  <a:t>vecinos</a:t>
-                </a:r>
-                <a:r>
-                  <a:rPr lang="en-GB" sz="1600" b="1" dirty="0">
-                    <a:solidFill>
-                      <a:schemeClr val="accent3"/>
-                    </a:solidFill>
-                    <a:latin typeface="Proxima Nova" panose="020B0604020202020204" charset="0"/>
-                  </a:rPr>
-                  <a:t> </a:t>
-                </a:r>
-                <a:r>
-                  <a:rPr lang="en-GB" sz="1600" b="1" dirty="0" err="1">
-                    <a:solidFill>
-                      <a:schemeClr val="accent3"/>
-                    </a:solidFill>
-                    <a:latin typeface="Proxima Nova" panose="020B0604020202020204" charset="0"/>
-                  </a:rPr>
-                  <a:t>cercanos</a:t>
-                </a:r>
-                <a:r>
-                  <a:rPr lang="en-GB" sz="1600" b="1" dirty="0">
-                    <a:solidFill>
-                      <a:schemeClr val="accent3"/>
-                    </a:solidFill>
-                    <a:latin typeface="Proxima Nova" panose="020B0604020202020204" charset="0"/>
-                  </a:rPr>
-                  <a:t>. Se </a:t>
-                </a:r>
-                <a:r>
-                  <a:rPr lang="en-GB" sz="1600" b="1" dirty="0" err="1">
-                    <a:solidFill>
-                      <a:schemeClr val="accent3"/>
-                    </a:solidFill>
-                    <a:latin typeface="Proxima Nova" panose="020B0604020202020204" charset="0"/>
-                  </a:rPr>
-                  <a:t>suele</a:t>
-                </a:r>
-                <a:r>
-                  <a:rPr lang="en-GB" sz="1600" b="1" dirty="0">
-                    <a:solidFill>
-                      <a:schemeClr val="accent3"/>
-                    </a:solidFill>
-                    <a:latin typeface="Proxima Nova" panose="020B0604020202020204" charset="0"/>
-                  </a:rPr>
-                  <a:t> </a:t>
-                </a:r>
-                <a:r>
-                  <a:rPr lang="en-GB" sz="1600" b="1" dirty="0" err="1">
-                    <a:solidFill>
-                      <a:schemeClr val="accent3"/>
-                    </a:solidFill>
-                    <a:latin typeface="Proxima Nova" panose="020B0604020202020204" charset="0"/>
-                  </a:rPr>
-                  <a:t>asignar</a:t>
-                </a:r>
-                <a:r>
-                  <a:rPr lang="en-GB" sz="1600" b="1" dirty="0">
-                    <a:solidFill>
-                      <a:schemeClr val="accent3"/>
-                    </a:solidFill>
-                    <a:latin typeface="Proxima Nova" panose="020B0604020202020204" charset="0"/>
-                  </a:rPr>
-                  <a:t> </a:t>
-                </a:r>
-                <a:r>
-                  <a:rPr lang="en-GB" sz="1600" b="1" dirty="0" err="1">
                     <a:solidFill>
                       <a:schemeClr val="accent3"/>
                     </a:solidFill>
@@ -17037,124 +15298,7 @@
                     </a:solidFill>
                     <a:latin typeface="Proxima Nova" panose="020B0604020202020204" charset="0"/>
                   </a:rPr>
-                  <a:t> a </a:t>
-                </a:r>
-                <a:r>
-                  <a:rPr lang="en-GB" sz="1600" b="1" dirty="0" err="1">
-                    <a:solidFill>
-                      <a:schemeClr val="accent3"/>
-                    </a:solidFill>
-                    <a:latin typeface="Proxima Nova" panose="020B0604020202020204" charset="0"/>
-                  </a:rPr>
-                  <a:t>cada</a:t>
-                </a:r>
-                <a:r>
-                  <a:rPr lang="en-GB" sz="1600" b="1" dirty="0">
-                    <a:solidFill>
-                      <a:schemeClr val="accent3"/>
-                    </a:solidFill>
-                    <a:latin typeface="Proxima Nova" panose="020B0604020202020204" charset="0"/>
-                  </a:rPr>
-                  <a:t> </a:t>
-                </a:r>
-                <a:r>
-                  <a:rPr lang="en-GB" sz="1600" b="1" dirty="0" err="1">
-                    <a:solidFill>
-                      <a:schemeClr val="accent3"/>
-                    </a:solidFill>
-                    <a:latin typeface="Proxima Nova" panose="020B0604020202020204" charset="0"/>
-                  </a:rPr>
-                  <a:t>vecino</a:t>
-                </a:r>
-                <a:r>
-                  <a:rPr lang="en-GB" sz="1600" b="1" dirty="0">
-                    <a:solidFill>
-                      <a:schemeClr val="accent3"/>
-                    </a:solidFill>
-                    <a:latin typeface="Proxima Nova" panose="020B0604020202020204" charset="0"/>
-                  </a:rPr>
-                  <a:t> </a:t>
-                </a:r>
-                <a:r>
-                  <a:rPr lang="en-GB" sz="1600" b="1" dirty="0" err="1">
-                    <a:solidFill>
-                      <a:schemeClr val="accent3"/>
-                    </a:solidFill>
-                    <a:latin typeface="Proxima Nova" panose="020B0604020202020204" charset="0"/>
-                  </a:rPr>
-                  <a:t>en</a:t>
-                </a:r>
-                <a:r>
-                  <a:rPr lang="en-GB" sz="1600" b="1" dirty="0">
-                    <a:solidFill>
-                      <a:schemeClr val="accent3"/>
-                    </a:solidFill>
-                    <a:latin typeface="Proxima Nova" panose="020B0604020202020204" charset="0"/>
-                  </a:rPr>
-                  <a:t> </a:t>
-                </a:r>
-                <a:r>
-                  <a:rPr lang="en-GB" sz="1600" b="1" dirty="0" err="1">
-                    <a:solidFill>
-                      <a:schemeClr val="accent3"/>
-                    </a:solidFill>
-                    <a:latin typeface="Proxima Nova" panose="020B0604020202020204" charset="0"/>
-                  </a:rPr>
-                  <a:t>función</a:t>
-                </a:r>
-                <a:r>
-                  <a:rPr lang="en-GB" sz="1600" b="1">
-                    <a:solidFill>
-                      <a:schemeClr val="accent3"/>
-                    </a:solidFill>
-                    <a:latin typeface="Proxima Nova" panose="020B0604020202020204" charset="0"/>
-                  </a:rPr>
-                  <a:t> de </a:t>
-                </a:r>
-                <a:r>
-                  <a:rPr lang="en-GB" sz="1600" b="1" dirty="0">
-                    <a:solidFill>
-                      <a:schemeClr val="accent3"/>
-                    </a:solidFill>
-                    <a:latin typeface="Proxima Nova" panose="020B0604020202020204" charset="0"/>
-                  </a:rPr>
-                  <a:t>la </a:t>
-                </a:r>
-                <a:r>
-                  <a:rPr lang="en-GB" sz="1600" b="1" dirty="0" err="1">
-                    <a:solidFill>
-                      <a:schemeClr val="accent3"/>
-                    </a:solidFill>
-                    <a:latin typeface="Proxima Nova" panose="020B0604020202020204" charset="0"/>
-                  </a:rPr>
-                  <a:t>distancia</a:t>
-                </a:r>
-                <a:r>
-                  <a:rPr lang="en-GB" sz="1600" b="1" dirty="0">
-                    <a:solidFill>
-                      <a:schemeClr val="accent3"/>
-                    </a:solidFill>
-                    <a:latin typeface="Proxima Nova" panose="020B0604020202020204" charset="0"/>
-                  </a:rPr>
-                  <a:t> al punto a </a:t>
-                </a:r>
-                <a:r>
-                  <a:rPr lang="en-GB" sz="1600" b="1" dirty="0" err="1">
-                    <a:solidFill>
-                      <a:schemeClr val="accent3"/>
-                    </a:solidFill>
-                    <a:latin typeface="Proxima Nova" panose="020B0604020202020204" charset="0"/>
-                  </a:rPr>
-                  <a:t>predecir</a:t>
-                </a:r>
-                <a:r>
-                  <a:rPr lang="en-GB" sz="1600" b="1" dirty="0">
-                    <a:solidFill>
-                      <a:schemeClr val="accent3"/>
-                    </a:solidFill>
-                    <a:latin typeface="Proxima Nova" panose="020B0604020202020204" charset="0"/>
-                  </a:rPr>
-                  <a:t> </a:t>
+                  <a:t> a cada vecino en función de la distancia al punto a predecir </a:t>
                 </a:r>
                 <a:br>
                   <a:rPr lang="en-GB" sz="1600" dirty="0">
@@ -17505,41 +15649,8 @@
               <a:rPr lang="en-GB" sz="2000" dirty="0">
                 <a:latin typeface="+mj-lt"/>
               </a:rPr>
-              <a:t>K-Nearest </a:t>
+              <a:t>K-Nearest Neighbors – clasificación supervisada</a:t>
             </a:r>
-            <a:r>
-              <a:rPr lang="en-GB" sz="2000" dirty="0" err="1">
-                <a:latin typeface="+mj-lt"/>
-              </a:rPr>
-              <a:t>Neighbors</a:t>
-            </a:r>
-            <a:r>
-              <a:rPr lang="en-GB" sz="2000" dirty="0">
-                <a:latin typeface="+mj-lt"/>
-              </a:rPr>
-              <a:t> – </a:t>
-            </a:r>
-            <a:r>
-              <a:rPr lang="en-GB" sz="2000" dirty="0" err="1">
-                <a:latin typeface="+mj-lt"/>
-              </a:rPr>
-              <a:t>clasificación</a:t>
-            </a:r>
-            <a:r>
-              <a:rPr lang="en-GB" sz="2000" dirty="0">
-                <a:latin typeface="+mj-lt"/>
-              </a:rPr>
-              <a:t> </a:t>
-            </a:r>
-            <a:r>
-              <a:rPr lang="en-GB" sz="2000" dirty="0" err="1">
-                <a:latin typeface="+mj-lt"/>
-              </a:rPr>
-              <a:t>supervisada</a:t>
-            </a:r>
-            <a:endParaRPr lang="en-GB" sz="2000" dirty="0">
-              <a:latin typeface="+mj-lt"/>
-            </a:endParaRPr>
           </a:p>
         </p:txBody>
       </p:sp>
@@ -17616,16 +15727,7 @@
                     </a:solidFill>
                     <a:latin typeface="+mj-lt"/>
                   </a:rPr>
-                  <a:t>El </a:t>
-                </a:r>
-                <a:r>
-                  <a:rPr lang="en-GB" sz="1600" b="1" dirty="0" err="1">
-                    <a:solidFill>
-                      <a:schemeClr val="accent3"/>
-                    </a:solidFill>
-                    <a:latin typeface="+mj-lt"/>
-                  </a:rPr>
-                  <a:t>problema</a:t>
+                  <a:t>El problema</a:t>
                 </a:r>
                 <a:r>
                   <a:rPr lang="en-GB" sz="1600" dirty="0">
@@ -17634,79 +15736,7 @@
                     </a:solidFill>
                     <a:latin typeface="+mj-lt"/>
                   </a:rPr>
-                  <a:t>: ¿Como </a:t>
-                </a:r>
-                <a:r>
-                  <a:rPr lang="en-GB" sz="1600" dirty="0" err="1">
-                    <a:solidFill>
-                      <a:schemeClr val="accent3"/>
-                    </a:solidFill>
-                    <a:latin typeface="+mj-lt"/>
-                  </a:rPr>
-                  <a:t>clasificar</a:t>
-                </a:r>
-                <a:r>
-                  <a:rPr lang="en-GB" sz="1600" dirty="0">
-                    <a:solidFill>
-                      <a:schemeClr val="accent3"/>
-                    </a:solidFill>
-                    <a:latin typeface="+mj-lt"/>
-                  </a:rPr>
-                  <a:t> a un </a:t>
-                </a:r>
-                <a:r>
-                  <a:rPr lang="en-GB" sz="1600" dirty="0" err="1">
-                    <a:solidFill>
-                      <a:schemeClr val="accent3"/>
-                    </a:solidFill>
-                    <a:latin typeface="+mj-lt"/>
-                  </a:rPr>
-                  <a:t>caso</a:t>
-                </a:r>
-                <a:r>
-                  <a:rPr lang="en-GB" sz="1600" dirty="0">
-                    <a:solidFill>
-                      <a:schemeClr val="accent3"/>
-                    </a:solidFill>
-                    <a:latin typeface="+mj-lt"/>
-                  </a:rPr>
-                  <a:t> </a:t>
-                </a:r>
-                <a:r>
-                  <a:rPr lang="en-GB" sz="1600" dirty="0" err="1">
-                    <a:solidFill>
-                      <a:schemeClr val="accent3"/>
-                    </a:solidFill>
-                    <a:latin typeface="+mj-lt"/>
-                  </a:rPr>
-                  <a:t>como</a:t>
-                </a:r>
-                <a:r>
-                  <a:rPr lang="en-GB" sz="1600" dirty="0">
-                    <a:solidFill>
-                      <a:schemeClr val="accent3"/>
-                    </a:solidFill>
-                    <a:latin typeface="+mj-lt"/>
-                  </a:rPr>
-                  <a:t> </a:t>
-                </a:r>
-                <a:r>
-                  <a:rPr lang="en-GB" sz="1600" dirty="0" err="1">
-                    <a:solidFill>
-                      <a:schemeClr val="accent3"/>
-                    </a:solidFill>
-                    <a:latin typeface="+mj-lt"/>
-                  </a:rPr>
-                  <a:t>el</a:t>
-                </a:r>
-                <a:r>
-                  <a:rPr lang="en-GB" sz="1600" dirty="0">
-                    <a:solidFill>
-                      <a:schemeClr val="accent3"/>
-                    </a:solidFill>
-                    <a:latin typeface="+mj-lt"/>
-                  </a:rPr>
-                  <a:t> x?</a:t>
+                  <a:t>: ¿Como clasificar a un caso como el x?</a:t>
                 </a:r>
                 <a:br>
                   <a:rPr lang="en-GB" sz="1600" dirty="0">
@@ -17736,39 +15766,7 @@
                       <a:schemeClr val="accent3"/>
                     </a:solidFill>
                   </a:rPr>
-                  <a:t>: </a:t>
-                </a:r>
-                <a:r>
-                  <a:rPr lang="en-GB" sz="1600" dirty="0" err="1">
-                    <a:solidFill>
-                      <a:schemeClr val="accent3"/>
-                    </a:solidFill>
-                  </a:rPr>
-                  <a:t>Definimos</a:t>
-                </a:r>
-                <a:r>
-                  <a:rPr lang="en-GB" sz="1600" dirty="0">
-                    <a:solidFill>
-                      <a:schemeClr val="accent3"/>
-                    </a:solidFill>
-                  </a:rPr>
-                  <a:t> K. </a:t>
-                </a:r>
-                <a:r>
-                  <a:rPr lang="en-GB" sz="1600" dirty="0" err="1">
-                    <a:solidFill>
-                      <a:schemeClr val="accent3"/>
-                    </a:solidFill>
-                  </a:rPr>
-                  <a:t>Elegimos</a:t>
-                </a:r>
-                <a:r>
-                  <a:rPr lang="en-GB" sz="1600" dirty="0">
-                    <a:solidFill>
-                      <a:schemeClr val="accent3"/>
-                    </a:solidFill>
-                  </a:rPr>
-                  <a:t> K </a:t>
+                  <a:t>: Definimos K. Elegimos K </a:t>
                 </a:r>
                 <a:r>
                   <a:rPr lang="es-AR" sz="1600" dirty="0">
@@ -17806,71 +15804,7 @@
                       <a:schemeClr val="accent3"/>
                     </a:solidFill>
                   </a:rPr>
-                  <a:t>: </a:t>
-                </a:r>
-                <a:r>
-                  <a:rPr lang="en-GB" sz="1600" dirty="0" err="1">
-                    <a:solidFill>
-                      <a:schemeClr val="accent3"/>
-                    </a:solidFill>
-                  </a:rPr>
-                  <a:t>Identifico</a:t>
-                </a:r>
-                <a:r>
-                  <a:rPr lang="en-GB" sz="1600" dirty="0">
-                    <a:solidFill>
-                      <a:schemeClr val="accent3"/>
-                    </a:solidFill>
-                  </a:rPr>
-                  <a:t> </a:t>
-                </a:r>
-                <a:r>
-                  <a:rPr lang="en-GB" sz="1600" dirty="0" err="1">
-                    <a:solidFill>
-                      <a:schemeClr val="accent3"/>
-                    </a:solidFill>
-                  </a:rPr>
-                  <a:t>los</a:t>
-                </a:r>
-                <a:r>
-                  <a:rPr lang="en-GB" sz="1600" dirty="0">
-                    <a:solidFill>
-                      <a:schemeClr val="accent3"/>
-                    </a:solidFill>
-                  </a:rPr>
-                  <a:t> </a:t>
-                </a:r>
-                <a:r>
-                  <a:rPr lang="en-GB" sz="1600" dirty="0" err="1">
-                    <a:solidFill>
-                      <a:schemeClr val="accent3"/>
-                    </a:solidFill>
-                  </a:rPr>
-                  <a:t>vecinos</a:t>
-                </a:r>
-                <a:r>
-                  <a:rPr lang="en-GB" sz="1600" dirty="0">
-                    <a:solidFill>
-                      <a:schemeClr val="accent3"/>
-                    </a:solidFill>
-                  </a:rPr>
-                  <a:t> </a:t>
-                </a:r>
-                <a:r>
-                  <a:rPr lang="en-GB" sz="1600" dirty="0" err="1">
-                    <a:solidFill>
-                      <a:schemeClr val="accent3"/>
-                    </a:solidFill>
-                  </a:rPr>
-                  <a:t>cercanos</a:t>
-                </a:r>
-                <a:r>
-                  <a:rPr lang="en-GB" sz="1600" dirty="0">
-                    <a:solidFill>
-                      <a:schemeClr val="accent3"/>
-                    </a:solidFill>
-                  </a:rPr>
-                  <a:t> y</a:t>
+                  <a:t>: Identifico los vecinos cercanos y</a:t>
                 </a:r>
                 <a:br>
                   <a:rPr lang="en-GB" sz="1600" dirty="0">
@@ -17880,20 +15814,12 @@
                   </a:rPr>
                 </a:br>
                 <a:r>
-                  <a:rPr lang="en-GB" sz="1600" dirty="0" err="1">
-                    <a:solidFill>
-                      <a:schemeClr val="accent3"/>
-                    </a:solidFill>
-                  </a:rPr>
-                  <a:t>estimo</a:t>
-                </a:r>
-                <a:r>
                   <a:rPr lang="en-GB" sz="1600" dirty="0">
                     <a:solidFill>
                       <a:schemeClr val="accent3"/>
                     </a:solidFill>
                   </a:rPr>
-                  <a:t> </a:t>
+                  <a:t>estimo </a:t>
                 </a:r>
                 <a:r>
                   <a:rPr lang="en-GB" sz="1600" b="1" dirty="0">
@@ -17909,15 +15835,7 @@
                       <a:schemeClr val="accent3"/>
                     </a:solidFill>
                   </a:rPr>
-                  <a:t> </a:t>
-                </a:r>
-                <a:r>
-                  <a:rPr lang="en-GB" sz="1600" dirty="0" err="1">
-                    <a:solidFill>
-                      <a:schemeClr val="accent3"/>
-                    </a:solidFill>
-                  </a:rPr>
-                  <a:t>condicionales</a:t>
+                  <a:t> condicionales</a:t>
                 </a:r>
                 <a:br>
                   <a:rPr lang="en-GB" sz="1600" dirty="0">
@@ -17943,7 +15861,7 @@
                         <m:rPr>
                           <m:nor/>
                         </m:rPr>
-                        <a:rPr lang="en-GB" sz="1600" dirty="0">
+                        <a:rPr lang="en-GB" sz="1600">
                           <a:solidFill>
                             <a:schemeClr val="tx1"/>
                           </a:solidFill>
@@ -18325,7 +16243,7 @@
                         <m:rPr>
                           <m:nor/>
                         </m:rPr>
-                        <a:rPr lang="en-GB" sz="1600" dirty="0">
+                        <a:rPr lang="en-GB" sz="1600">
                           <a:solidFill>
                             <a:schemeClr val="tx1"/>
                           </a:solidFill>
@@ -18555,7 +16473,7 @@
                   <a:t>: Como la </a:t>
                 </a:r>
                 <a:r>
-                  <a:rPr lang="en-GB" sz="1600" b="1" dirty="0" err="1">
+                  <a:rPr lang="en-GB" sz="1600" b="1" dirty="0">
                     <a:solidFill>
                       <a:schemeClr val="accent3"/>
                     </a:solidFill>
@@ -18568,71 +16486,7 @@
                       <a:schemeClr val="accent3"/>
                     </a:solidFill>
                   </a:rPr>
-                  <a:t> es mayor a 0,5 </a:t>
-                </a:r>
-                <a:r>
-                  <a:rPr lang="en-GB" sz="1600" dirty="0" err="1">
-                    <a:solidFill>
-                      <a:schemeClr val="accent3"/>
-                    </a:solidFill>
-                  </a:rPr>
-                  <a:t>asignaría</a:t>
-                </a:r>
-                <a:r>
-                  <a:rPr lang="en-GB" sz="1600" dirty="0">
-                    <a:solidFill>
-                      <a:schemeClr val="accent3"/>
-                    </a:solidFill>
-                  </a:rPr>
-                  <a:t> </a:t>
-                </a:r>
-                <a:r>
-                  <a:rPr lang="en-GB" sz="1600" dirty="0" err="1">
-                    <a:solidFill>
-                      <a:schemeClr val="accent3"/>
-                    </a:solidFill>
-                  </a:rPr>
-                  <a:t>el</a:t>
-                </a:r>
-                <a:r>
-                  <a:rPr lang="en-GB" sz="1600" dirty="0">
-                    <a:solidFill>
-                      <a:schemeClr val="accent3"/>
-                    </a:solidFill>
-                  </a:rPr>
-                  <a:t> </a:t>
-                </a:r>
-                <a:r>
-                  <a:rPr lang="en-GB" sz="1600" dirty="0" err="1">
-                    <a:solidFill>
-                      <a:schemeClr val="accent3"/>
-                    </a:solidFill>
-                  </a:rPr>
-                  <a:t>caso</a:t>
-                </a:r>
-                <a:r>
-                  <a:rPr lang="en-GB" sz="1600" dirty="0">
-                    <a:solidFill>
-                      <a:schemeClr val="accent3"/>
-                    </a:solidFill>
-                  </a:rPr>
-                  <a:t> a “</a:t>
-                </a:r>
-                <a:r>
-                  <a:rPr lang="en-GB" sz="1600" dirty="0" err="1">
-                    <a:solidFill>
-                      <a:schemeClr val="accent3"/>
-                    </a:solidFill>
-                  </a:rPr>
-                  <a:t>azul</a:t>
-                </a:r>
-                <a:r>
-                  <a:rPr lang="en-GB" sz="1600" dirty="0">
-                    <a:solidFill>
-                      <a:schemeClr val="accent3"/>
-                    </a:solidFill>
-                  </a:rPr>
-                  <a:t>”</a:t>
+                  <a:t> es mayor a 0,5 asignaría el caso a “azul”</a:t>
                 </a:r>
                 <a:br>
                   <a:rPr lang="en-GB" sz="1600" dirty="0">
@@ -18654,231 +16508,7 @@
                       <a:schemeClr val="accent3"/>
                     </a:solidFill>
                   </a:rPr>
-                  <a:t>Si </a:t>
-                </a:r>
-                <a:r>
-                  <a:rPr lang="en-GB" sz="1600" b="1" dirty="0" err="1">
-                    <a:solidFill>
-                      <a:schemeClr val="accent3"/>
-                    </a:solidFill>
-                  </a:rPr>
-                  <a:t>generalizo</a:t>
-                </a:r>
-                <a:r>
-                  <a:rPr lang="en-GB" sz="1600" b="1" dirty="0">
-                    <a:solidFill>
-                      <a:schemeClr val="accent3"/>
-                    </a:solidFill>
-                  </a:rPr>
-                  <a:t> </a:t>
-                </a:r>
-                <a:r>
-                  <a:rPr lang="en-GB" sz="1600" b="1" dirty="0" err="1">
-                    <a:solidFill>
-                      <a:schemeClr val="accent3"/>
-                    </a:solidFill>
-                  </a:rPr>
-                  <a:t>este</a:t>
-                </a:r>
-                <a:r>
-                  <a:rPr lang="en-GB" sz="1600" b="1" dirty="0">
-                    <a:solidFill>
-                      <a:schemeClr val="accent3"/>
-                    </a:solidFill>
-                  </a:rPr>
-                  <a:t> </a:t>
-                </a:r>
-                <a:r>
-                  <a:rPr lang="en-GB" sz="1600" b="1" dirty="0" err="1">
-                    <a:solidFill>
-                      <a:schemeClr val="accent3"/>
-                    </a:solidFill>
-                  </a:rPr>
-                  <a:t>método</a:t>
-                </a:r>
-                <a:r>
-                  <a:rPr lang="en-GB" sz="1600" b="1" dirty="0">
-                    <a:solidFill>
-                      <a:schemeClr val="accent3"/>
-                    </a:solidFill>
-                  </a:rPr>
-                  <a:t> </a:t>
-                </a:r>
-                <a:r>
-                  <a:rPr lang="en-GB" sz="1600" b="1" dirty="0" err="1">
-                    <a:solidFill>
-                      <a:schemeClr val="accent3"/>
-                    </a:solidFill>
-                  </a:rPr>
-                  <a:t>puedo</a:t>
-                </a:r>
-                <a:r>
-                  <a:rPr lang="en-GB" sz="1600" b="1" dirty="0">
-                    <a:solidFill>
-                      <a:schemeClr val="accent3"/>
-                    </a:solidFill>
-                  </a:rPr>
-                  <a:t> </a:t>
-                </a:r>
-                <a:r>
-                  <a:rPr lang="en-GB" sz="1600" b="1" dirty="0" err="1">
-                    <a:solidFill>
-                      <a:schemeClr val="accent3"/>
-                    </a:solidFill>
-                  </a:rPr>
-                  <a:t>armar</a:t>
-                </a:r>
-                <a:r>
-                  <a:rPr lang="en-GB" sz="1600" b="1" dirty="0">
-                    <a:solidFill>
-                      <a:schemeClr val="accent3"/>
-                    </a:solidFill>
-                  </a:rPr>
-                  <a:t> </a:t>
-                </a:r>
-                <a:r>
-                  <a:rPr lang="en-GB" sz="1600" b="1" dirty="0" err="1">
-                    <a:solidFill>
-                      <a:schemeClr val="accent3"/>
-                    </a:solidFill>
-                  </a:rPr>
-                  <a:t>una</a:t>
-                </a:r>
-                <a:r>
-                  <a:rPr lang="en-GB" sz="1600" b="1" dirty="0">
-                    <a:solidFill>
-                      <a:schemeClr val="accent3"/>
-                    </a:solidFill>
-                  </a:rPr>
-                  <a:t> </a:t>
-                </a:r>
-                <a:r>
-                  <a:rPr lang="en-GB" sz="1600" b="1" dirty="0" err="1">
-                    <a:solidFill>
-                      <a:schemeClr val="accent3"/>
-                    </a:solidFill>
-                  </a:rPr>
-                  <a:t>grilla</a:t>
-                </a:r>
-                <a:r>
-                  <a:rPr lang="en-GB" sz="1600" b="1" dirty="0">
-                    <a:solidFill>
-                      <a:schemeClr val="accent3"/>
-                    </a:solidFill>
-                  </a:rPr>
-                  <a:t> que </a:t>
-                </a:r>
-                <a:r>
-                  <a:rPr lang="en-GB" sz="1600" b="1" dirty="0" err="1">
-                    <a:solidFill>
-                      <a:schemeClr val="accent3"/>
-                    </a:solidFill>
-                  </a:rPr>
-                  <a:t>contenga</a:t>
-                </a:r>
-                <a:r>
-                  <a:rPr lang="en-GB" sz="1600" b="1" dirty="0">
-                    <a:solidFill>
-                      <a:schemeClr val="accent3"/>
-                    </a:solidFill>
-                  </a:rPr>
-                  <a:t> </a:t>
-                </a:r>
-                <a:r>
-                  <a:rPr lang="en-GB" sz="1600" b="1" dirty="0" err="1">
-                    <a:solidFill>
-                      <a:schemeClr val="accent3"/>
-                    </a:solidFill>
-                  </a:rPr>
-                  <a:t>cual</a:t>
-                </a:r>
-                <a:r>
-                  <a:rPr lang="en-GB" sz="1600" b="1" dirty="0">
-                    <a:solidFill>
-                      <a:schemeClr val="accent3"/>
-                    </a:solidFill>
-                  </a:rPr>
-                  <a:t> </a:t>
-                </a:r>
-                <a:r>
-                  <a:rPr lang="en-GB" sz="1600" b="1" dirty="0" err="1">
-                    <a:solidFill>
-                      <a:schemeClr val="accent3"/>
-                    </a:solidFill>
-                  </a:rPr>
-                  <a:t>sería</a:t>
-                </a:r>
-                <a:r>
-                  <a:rPr lang="en-GB" sz="1600" b="1" dirty="0">
-                    <a:solidFill>
-                      <a:schemeClr val="accent3"/>
-                    </a:solidFill>
-                  </a:rPr>
-                  <a:t> la </a:t>
-                </a:r>
-                <a:r>
-                  <a:rPr lang="en-GB" sz="1600" b="1" dirty="0" err="1">
-                    <a:solidFill>
-                      <a:schemeClr val="accent3"/>
-                    </a:solidFill>
-                  </a:rPr>
-                  <a:t>clasificación</a:t>
-                </a:r>
-                <a:r>
-                  <a:rPr lang="en-GB" sz="1600" b="1" dirty="0">
-                    <a:solidFill>
-                      <a:schemeClr val="accent3"/>
-                    </a:solidFill>
-                  </a:rPr>
-                  <a:t> que le </a:t>
-                </a:r>
-                <a:r>
-                  <a:rPr lang="en-GB" sz="1600" b="1" dirty="0" err="1">
-                    <a:solidFill>
-                      <a:schemeClr val="accent3"/>
-                    </a:solidFill>
-                  </a:rPr>
-                  <a:t>cabe</a:t>
-                </a:r>
-                <a:r>
-                  <a:rPr lang="en-GB" sz="1600" b="1" dirty="0">
-                    <a:solidFill>
-                      <a:schemeClr val="accent3"/>
-                    </a:solidFill>
-                  </a:rPr>
-                  <a:t> a </a:t>
-                </a:r>
-                <a:r>
-                  <a:rPr lang="en-GB" sz="1600" b="1" dirty="0" err="1">
-                    <a:solidFill>
-                      <a:schemeClr val="accent3"/>
-                    </a:solidFill>
-                  </a:rPr>
-                  <a:t>cada</a:t>
-                </a:r>
-                <a:r>
-                  <a:rPr lang="en-GB" sz="1600" b="1" dirty="0">
-                    <a:solidFill>
-                      <a:schemeClr val="accent3"/>
-                    </a:solidFill>
-                  </a:rPr>
-                  <a:t> </a:t>
-                </a:r>
-                <a:r>
-                  <a:rPr lang="en-GB" sz="1600" b="1" dirty="0" err="1">
-                    <a:solidFill>
-                      <a:schemeClr val="accent3"/>
-                    </a:solidFill>
-                  </a:rPr>
-                  <a:t>combinación</a:t>
-                </a:r>
-                <a:r>
-                  <a:rPr lang="en-GB" sz="1600" b="1" dirty="0">
-                    <a:solidFill>
-                      <a:schemeClr val="accent3"/>
-                    </a:solidFill>
-                  </a:rPr>
-                  <a:t> de X1 y X2</a:t>
+                  <a:t>Si generalizo este método puedo armar una grilla que contenga cual sería la clasificación que le cabe a cada combinación de X1 y X2</a:t>
                 </a:r>
                 <a:br>
                   <a:rPr lang="en-GB" sz="1600" dirty="0">
@@ -19057,7 +16687,7 @@
           <a:lstStyle/>
           <a:p>
             <a:pPr algn="ctr"/>
-            <a:endParaRPr lang="es-AR"/>
+            <a:endParaRPr lang="es-AR" dirty="0"/>
           </a:p>
         </p:txBody>
       </p:sp>
@@ -19107,7 +16737,7 @@
           <a:lstStyle/>
           <a:p>
             <a:pPr algn="ctr"/>
-            <a:endParaRPr lang="es-AR"/>
+            <a:endParaRPr lang="es-AR" dirty="0"/>
           </a:p>
         </p:txBody>
       </p:sp>
@@ -19424,41 +17054,8 @@
               <a:rPr lang="en-GB" sz="2000" dirty="0">
                 <a:latin typeface="+mj-lt"/>
               </a:rPr>
-              <a:t>K-Nearest </a:t>
+              <a:t>K-Nearest Neighbors – clasificación supervisada</a:t>
             </a:r>
-            <a:r>
-              <a:rPr lang="en-GB" sz="2000" dirty="0" err="1">
-                <a:latin typeface="+mj-lt"/>
-              </a:rPr>
-              <a:t>Neighbors</a:t>
-            </a:r>
-            <a:r>
-              <a:rPr lang="en-GB" sz="2000" dirty="0">
-                <a:latin typeface="+mj-lt"/>
-              </a:rPr>
-              <a:t> – </a:t>
-            </a:r>
-            <a:r>
-              <a:rPr lang="en-GB" sz="2000" dirty="0" err="1">
-                <a:latin typeface="+mj-lt"/>
-              </a:rPr>
-              <a:t>clasificación</a:t>
-            </a:r>
-            <a:r>
-              <a:rPr lang="en-GB" sz="2000" dirty="0">
-                <a:latin typeface="+mj-lt"/>
-              </a:rPr>
-              <a:t> </a:t>
-            </a:r>
-            <a:r>
-              <a:rPr lang="en-GB" sz="2000" dirty="0" err="1">
-                <a:latin typeface="+mj-lt"/>
-              </a:rPr>
-              <a:t>supervisada</a:t>
-            </a:r>
-            <a:endParaRPr lang="en-GB" sz="2000" dirty="0">
-              <a:latin typeface="+mj-lt"/>
-            </a:endParaRPr>
           </a:p>
         </p:txBody>
       </p:sp>
@@ -19576,135 +17173,7 @@
                   <a:schemeClr val="accent3"/>
                 </a:solidFill>
               </a:rPr>
-              <a:t>¿Que </a:t>
-            </a:r>
-            <a:r>
-              <a:rPr lang="en-GB" sz="1400" b="1" dirty="0" err="1">
-                <a:solidFill>
-                  <a:schemeClr val="accent3"/>
-                </a:solidFill>
-              </a:rPr>
-              <a:t>pasa</a:t>
-            </a:r>
-            <a:r>
-              <a:rPr lang="en-GB" sz="1400" b="1" dirty="0">
-                <a:solidFill>
-                  <a:schemeClr val="accent3"/>
-                </a:solidFill>
-              </a:rPr>
-              <a:t> </a:t>
-            </a:r>
-            <a:r>
-              <a:rPr lang="en-GB" sz="1400" b="1" dirty="0" err="1">
-                <a:solidFill>
-                  <a:schemeClr val="accent3"/>
-                </a:solidFill>
-              </a:rPr>
-              <a:t>cuando</a:t>
-            </a:r>
-            <a:r>
-              <a:rPr lang="en-GB" sz="1400" b="1" dirty="0">
-                <a:solidFill>
-                  <a:schemeClr val="accent3"/>
-                </a:solidFill>
-              </a:rPr>
-              <a:t> </a:t>
-            </a:r>
-            <a:r>
-              <a:rPr lang="en-GB" sz="1400" b="1" dirty="0" err="1">
-                <a:solidFill>
-                  <a:schemeClr val="accent3"/>
-                </a:solidFill>
-              </a:rPr>
-              <a:t>variamos</a:t>
-            </a:r>
-            <a:r>
-              <a:rPr lang="en-GB" sz="1400" b="1" dirty="0">
-                <a:solidFill>
-                  <a:schemeClr val="accent3"/>
-                </a:solidFill>
-              </a:rPr>
-              <a:t> K?, ¿</a:t>
-            </a:r>
-            <a:r>
-              <a:rPr lang="en-GB" sz="1400" b="1" dirty="0" err="1">
-                <a:solidFill>
-                  <a:schemeClr val="accent3"/>
-                </a:solidFill>
-              </a:rPr>
-              <a:t>qué</a:t>
-            </a:r>
-            <a:r>
-              <a:rPr lang="en-GB" sz="1400" b="1" dirty="0">
-                <a:solidFill>
-                  <a:schemeClr val="accent3"/>
-                </a:solidFill>
-              </a:rPr>
-              <a:t> </a:t>
-            </a:r>
-            <a:r>
-              <a:rPr lang="en-GB" sz="1400" b="1" dirty="0" err="1">
-                <a:solidFill>
-                  <a:schemeClr val="accent3"/>
-                </a:solidFill>
-              </a:rPr>
-              <a:t>podemos</a:t>
-            </a:r>
-            <a:r>
-              <a:rPr lang="en-GB" sz="1400" b="1" dirty="0">
-                <a:solidFill>
-                  <a:schemeClr val="accent3"/>
-                </a:solidFill>
-              </a:rPr>
-              <a:t> </a:t>
-            </a:r>
-            <a:r>
-              <a:rPr lang="en-GB" sz="1400" b="1" dirty="0" err="1">
-                <a:solidFill>
-                  <a:schemeClr val="accent3"/>
-                </a:solidFill>
-              </a:rPr>
-              <a:t>decir</a:t>
-            </a:r>
-            <a:r>
-              <a:rPr lang="en-GB" sz="1400" b="1" dirty="0">
-                <a:solidFill>
-                  <a:schemeClr val="accent3"/>
-                </a:solidFill>
-              </a:rPr>
-              <a:t> </a:t>
-            </a:r>
-            <a:r>
-              <a:rPr lang="en-GB" sz="1400" b="1" dirty="0" err="1">
-                <a:solidFill>
-                  <a:schemeClr val="accent3"/>
-                </a:solidFill>
-              </a:rPr>
-              <a:t>sobre</a:t>
-            </a:r>
-            <a:r>
-              <a:rPr lang="en-GB" sz="1400" b="1" dirty="0">
-                <a:solidFill>
-                  <a:schemeClr val="accent3"/>
-                </a:solidFill>
-              </a:rPr>
-              <a:t> </a:t>
-            </a:r>
-            <a:r>
-              <a:rPr lang="en-GB" sz="1400" b="1" dirty="0" err="1">
-                <a:solidFill>
-                  <a:schemeClr val="accent3"/>
-                </a:solidFill>
-              </a:rPr>
-              <a:t>el</a:t>
-            </a:r>
-            <a:r>
-              <a:rPr lang="en-GB" sz="1400" b="1" dirty="0">
-                <a:solidFill>
-                  <a:schemeClr val="accent3"/>
-                </a:solidFill>
-              </a:rPr>
-              <a:t> </a:t>
+              <a:t>¿Que pasa cuando variamos K?, ¿qué podemos decir sobre el </a:t>
             </a:r>
             <a:r>
               <a:rPr lang="en-GB" sz="1400" b="1" i="1" dirty="0">
@@ -19715,100 +17184,12 @@
               <a:t>trade off </a:t>
             </a:r>
             <a:r>
-              <a:rPr lang="en-GB" sz="1400" b="1" dirty="0" err="1">
+              <a:rPr lang="en-GB" sz="1400" b="1" dirty="0">
                 <a:solidFill>
                   <a:schemeClr val="accent3"/>
                 </a:solidFill>
               </a:rPr>
-              <a:t>varianza</a:t>
-            </a:r>
-            <a:r>
-              <a:rPr lang="en-GB" sz="1400" b="1" dirty="0">
-                <a:solidFill>
-                  <a:schemeClr val="accent3"/>
-                </a:solidFill>
-              </a:rPr>
-              <a:t> </a:t>
-            </a:r>
-            <a:r>
-              <a:rPr lang="en-GB" sz="1400" b="1" dirty="0" err="1">
-                <a:solidFill>
-                  <a:schemeClr val="accent3"/>
-                </a:solidFill>
-              </a:rPr>
-              <a:t>desvío</a:t>
-            </a:r>
-            <a:r>
-              <a:rPr lang="en-GB" sz="1400" b="1" dirty="0">
-                <a:solidFill>
-                  <a:schemeClr val="accent3"/>
-                </a:solidFill>
-              </a:rPr>
-              <a:t>?, ¿</a:t>
-            </a:r>
-            <a:r>
-              <a:rPr lang="en-GB" sz="1400" b="1" dirty="0" err="1">
-                <a:solidFill>
-                  <a:schemeClr val="accent3"/>
-                </a:solidFill>
-              </a:rPr>
-              <a:t>Qué</a:t>
-            </a:r>
-            <a:r>
-              <a:rPr lang="en-GB" sz="1400" b="1" dirty="0">
-                <a:solidFill>
-                  <a:schemeClr val="accent3"/>
-                </a:solidFill>
-              </a:rPr>
-              <a:t> </a:t>
-            </a:r>
-            <a:r>
-              <a:rPr lang="en-GB" sz="1400" b="1" dirty="0" err="1">
-                <a:solidFill>
-                  <a:schemeClr val="accent3"/>
-                </a:solidFill>
-              </a:rPr>
-              <a:t>piensan</a:t>
-            </a:r>
-            <a:r>
-              <a:rPr lang="en-GB" sz="1400" b="1" dirty="0">
-                <a:solidFill>
-                  <a:schemeClr val="accent3"/>
-                </a:solidFill>
-              </a:rPr>
-              <a:t> que </a:t>
-            </a:r>
-            <a:r>
-              <a:rPr lang="en-GB" sz="1400" b="1" dirty="0" err="1">
-                <a:solidFill>
-                  <a:schemeClr val="accent3"/>
-                </a:solidFill>
-              </a:rPr>
-              <a:t>puede</a:t>
-            </a:r>
-            <a:r>
-              <a:rPr lang="en-GB" sz="1400" b="1" dirty="0">
-                <a:solidFill>
-                  <a:schemeClr val="accent3"/>
-                </a:solidFill>
-              </a:rPr>
-              <a:t> pasar con </a:t>
-            </a:r>
-            <a:r>
-              <a:rPr lang="en-GB" sz="1400" b="1" dirty="0" err="1">
-                <a:solidFill>
-                  <a:schemeClr val="accent3"/>
-                </a:solidFill>
-              </a:rPr>
-              <a:t>el</a:t>
-            </a:r>
-            <a:r>
-              <a:rPr lang="en-GB" sz="1400" b="1" dirty="0">
-                <a:solidFill>
-                  <a:schemeClr val="accent3"/>
-                </a:solidFill>
-              </a:rPr>
-              <a:t> </a:t>
+              <a:t>varianza desvío?, ¿Qué piensan que puede pasar con el </a:t>
             </a:r>
             <a:r>
               <a:rPr lang="en-GB" sz="1400" b="1" i="1" dirty="0">
@@ -19819,68 +17200,12 @@
               <a:t>error rate </a:t>
             </a:r>
             <a:r>
-              <a:rPr lang="en-GB" sz="1400" b="1" dirty="0" err="1">
+              <a:rPr lang="en-GB" sz="1400" b="1" dirty="0">
                 <a:solidFill>
                   <a:schemeClr val="accent3"/>
                 </a:solidFill>
               </a:rPr>
-              <a:t>en</a:t>
-            </a:r>
-            <a:r>
-              <a:rPr lang="en-GB" sz="1400" b="1" dirty="0">
-                <a:solidFill>
-                  <a:schemeClr val="accent3"/>
-                </a:solidFill>
-              </a:rPr>
-              <a:t> </a:t>
-            </a:r>
-            <a:r>
-              <a:rPr lang="en-GB" sz="1400" b="1" dirty="0" err="1">
-                <a:solidFill>
-                  <a:schemeClr val="accent3"/>
-                </a:solidFill>
-              </a:rPr>
-              <a:t>el</a:t>
-            </a:r>
-            <a:r>
-              <a:rPr lang="en-GB" sz="1400" b="1" dirty="0">
-                <a:solidFill>
-                  <a:schemeClr val="accent3"/>
-                </a:solidFill>
-              </a:rPr>
-              <a:t> train y </a:t>
-            </a:r>
-            <a:r>
-              <a:rPr lang="en-GB" sz="1400" b="1" dirty="0" err="1">
-                <a:solidFill>
-                  <a:schemeClr val="accent3"/>
-                </a:solidFill>
-              </a:rPr>
-              <a:t>en</a:t>
-            </a:r>
-            <a:r>
-              <a:rPr lang="en-GB" sz="1400" b="1" dirty="0">
-                <a:solidFill>
-                  <a:schemeClr val="accent3"/>
-                </a:solidFill>
-              </a:rPr>
-              <a:t> </a:t>
-            </a:r>
-            <a:r>
-              <a:rPr lang="en-GB" sz="1400" b="1" dirty="0" err="1">
-                <a:solidFill>
-                  <a:schemeClr val="accent3"/>
-                </a:solidFill>
-              </a:rPr>
-              <a:t>el</a:t>
-            </a:r>
-            <a:r>
-              <a:rPr lang="en-GB" sz="1400" b="1" dirty="0">
-                <a:solidFill>
-                  <a:schemeClr val="accent3"/>
-                </a:solidFill>
-              </a:rPr>
-              <a:t> test set?</a:t>
+              <a:t>en el train y en el test set?</a:t>
             </a:r>
             <a:endParaRPr lang="es-AR" dirty="0"/>
           </a:p>
@@ -19946,39 +17271,7 @@
                   <a:schemeClr val="accent3"/>
                 </a:solidFill>
               </a:rPr>
-              <a:t>A </a:t>
-            </a:r>
-            <a:r>
-              <a:rPr lang="en-GB" sz="1200" b="1" dirty="0" err="1">
-                <a:solidFill>
-                  <a:schemeClr val="accent3"/>
-                </a:solidFill>
-              </a:rPr>
-              <a:t>menor</a:t>
-            </a:r>
-            <a:r>
-              <a:rPr lang="en-GB" sz="1200" b="1" dirty="0">
-                <a:solidFill>
-                  <a:schemeClr val="accent3"/>
-                </a:solidFill>
-              </a:rPr>
-              <a:t> K, mayor </a:t>
-            </a:r>
-            <a:r>
-              <a:rPr lang="en-GB" sz="1200" b="1" dirty="0" err="1">
-                <a:solidFill>
-                  <a:schemeClr val="accent3"/>
-                </a:solidFill>
-              </a:rPr>
-              <a:t>flexibilidad</a:t>
-            </a:r>
-            <a:r>
-              <a:rPr lang="en-GB" sz="1200" b="1" dirty="0">
-                <a:solidFill>
-                  <a:schemeClr val="accent3"/>
-                </a:solidFill>
-              </a:rPr>
-              <a:t> del “decision boundary”. </a:t>
+              <a:t>A menor K, mayor flexibilidad del “decision boundary”. </a:t>
             </a:r>
           </a:p>
           <a:p>
@@ -20003,87 +17296,7 @@
                   <a:schemeClr val="accent3"/>
                 </a:solidFill>
               </a:rPr>
-              <a:t>Si </a:t>
-            </a:r>
-            <a:r>
-              <a:rPr lang="en-GB" sz="1200" b="1" dirty="0" err="1">
-                <a:solidFill>
-                  <a:schemeClr val="accent3"/>
-                </a:solidFill>
-              </a:rPr>
-              <a:t>elijo</a:t>
-            </a:r>
-            <a:r>
-              <a:rPr lang="en-GB" sz="1200" b="1" dirty="0">
-                <a:solidFill>
-                  <a:schemeClr val="accent3"/>
-                </a:solidFill>
-              </a:rPr>
-              <a:t> un K bajo, mi decision boundary es </a:t>
-            </a:r>
-            <a:r>
-              <a:rPr lang="en-GB" sz="1200" b="1" dirty="0" err="1">
-                <a:solidFill>
-                  <a:schemeClr val="accent3"/>
-                </a:solidFill>
-              </a:rPr>
-              <a:t>muy</a:t>
-            </a:r>
-            <a:r>
-              <a:rPr lang="en-GB" sz="1200" b="1" dirty="0">
-                <a:solidFill>
-                  <a:schemeClr val="accent3"/>
-                </a:solidFill>
-              </a:rPr>
-              <a:t> sensible a </a:t>
-            </a:r>
-            <a:r>
-              <a:rPr lang="en-GB" sz="1200" b="1" dirty="0" err="1">
-                <a:solidFill>
-                  <a:schemeClr val="accent3"/>
-                </a:solidFill>
-              </a:rPr>
-              <a:t>los</a:t>
-            </a:r>
-            <a:r>
-              <a:rPr lang="en-GB" sz="1200" b="1" dirty="0">
-                <a:solidFill>
-                  <a:schemeClr val="accent3"/>
-                </a:solidFill>
-              </a:rPr>
-              <a:t> </a:t>
-            </a:r>
-            <a:r>
-              <a:rPr lang="en-GB" sz="1200" b="1" dirty="0" err="1">
-                <a:solidFill>
-                  <a:schemeClr val="accent3"/>
-                </a:solidFill>
-              </a:rPr>
-              <a:t>datos</a:t>
-            </a:r>
-            <a:r>
-              <a:rPr lang="en-GB" sz="1200" b="1" dirty="0">
-                <a:solidFill>
-                  <a:schemeClr val="accent3"/>
-                </a:solidFill>
-              </a:rPr>
-              <a:t> de </a:t>
-            </a:r>
-            <a:r>
-              <a:rPr lang="en-GB" sz="1200" b="1" dirty="0" err="1">
-                <a:solidFill>
-                  <a:schemeClr val="accent3"/>
-                </a:solidFill>
-              </a:rPr>
-              <a:t>turno</a:t>
-            </a:r>
-            <a:r>
-              <a:rPr lang="en-GB" sz="1200" b="1" dirty="0">
-                <a:solidFill>
-                  <a:schemeClr val="accent3"/>
-                </a:solidFill>
-              </a:rPr>
-              <a:t>. </a:t>
+              <a:t>Si elijo un K bajo, mi decision boundary es muy sensible a los datos de turno. </a:t>
             </a:r>
             <a:endParaRPr lang="en-GB" sz="1200" dirty="0">
               <a:solidFill>
@@ -20113,143 +17326,7 @@
                   <a:schemeClr val="accent3"/>
                 </a:solidFill>
               </a:rPr>
-              <a:t>Si </a:t>
-            </a:r>
-            <a:r>
-              <a:rPr lang="en-GB" sz="1200" b="1" dirty="0" err="1">
-                <a:solidFill>
-                  <a:schemeClr val="accent3"/>
-                </a:solidFill>
-              </a:rPr>
-              <a:t>elijo</a:t>
-            </a:r>
-            <a:r>
-              <a:rPr lang="en-GB" sz="1200" b="1" dirty="0">
-                <a:solidFill>
-                  <a:schemeClr val="accent3"/>
-                </a:solidFill>
-              </a:rPr>
-              <a:t> un K alto, mi decision boundary no </a:t>
-            </a:r>
-            <a:r>
-              <a:rPr lang="en-GB" sz="1200" b="1" dirty="0" err="1">
-                <a:solidFill>
-                  <a:schemeClr val="accent3"/>
-                </a:solidFill>
-              </a:rPr>
-              <a:t>va</a:t>
-            </a:r>
-            <a:r>
-              <a:rPr lang="en-GB" sz="1200" b="1" dirty="0">
-                <a:solidFill>
-                  <a:schemeClr val="accent3"/>
-                </a:solidFill>
-              </a:rPr>
-              <a:t> a </a:t>
-            </a:r>
-            <a:r>
-              <a:rPr lang="en-GB" sz="1200" b="1" dirty="0" err="1">
-                <a:solidFill>
-                  <a:schemeClr val="accent3"/>
-                </a:solidFill>
-              </a:rPr>
-              <a:t>cambiar</a:t>
-            </a:r>
-            <a:r>
-              <a:rPr lang="en-GB" sz="1200" b="1" dirty="0">
-                <a:solidFill>
-                  <a:schemeClr val="accent3"/>
-                </a:solidFill>
-              </a:rPr>
-              <a:t> </a:t>
-            </a:r>
-            <a:r>
-              <a:rPr lang="en-GB" sz="1200" b="1" dirty="0" err="1">
-                <a:solidFill>
-                  <a:schemeClr val="accent3"/>
-                </a:solidFill>
-              </a:rPr>
-              <a:t>mucho</a:t>
-            </a:r>
-            <a:r>
-              <a:rPr lang="en-GB" sz="1200" b="1" dirty="0">
-                <a:solidFill>
-                  <a:schemeClr val="accent3"/>
-                </a:solidFill>
-              </a:rPr>
-              <a:t> </a:t>
-            </a:r>
-            <a:r>
-              <a:rPr lang="en-GB" sz="1200" b="1" dirty="0" err="1">
-                <a:solidFill>
-                  <a:schemeClr val="accent3"/>
-                </a:solidFill>
-              </a:rPr>
-              <a:t>por</a:t>
-            </a:r>
-            <a:r>
-              <a:rPr lang="en-GB" sz="1200" b="1" dirty="0">
-                <a:solidFill>
-                  <a:schemeClr val="accent3"/>
-                </a:solidFill>
-              </a:rPr>
-              <a:t> </a:t>
-            </a:r>
-            <a:r>
-              <a:rPr lang="en-GB" sz="1200" b="1" dirty="0" err="1">
-                <a:solidFill>
-                  <a:schemeClr val="accent3"/>
-                </a:solidFill>
-              </a:rPr>
-              <a:t>más</a:t>
-            </a:r>
-            <a:r>
-              <a:rPr lang="en-GB" sz="1200" b="1" dirty="0">
-                <a:solidFill>
-                  <a:schemeClr val="accent3"/>
-                </a:solidFill>
-              </a:rPr>
-              <a:t> de que se </a:t>
-            </a:r>
-            <a:r>
-              <a:rPr lang="en-GB" sz="1200" b="1" dirty="0" err="1">
-                <a:solidFill>
-                  <a:schemeClr val="accent3"/>
-                </a:solidFill>
-              </a:rPr>
-              <a:t>modifiquen</a:t>
-            </a:r>
-            <a:r>
-              <a:rPr lang="en-GB" sz="1200" b="1" dirty="0">
-                <a:solidFill>
-                  <a:schemeClr val="accent3"/>
-                </a:solidFill>
-              </a:rPr>
-              <a:t> un poco </a:t>
-            </a:r>
-            <a:r>
-              <a:rPr lang="en-GB" sz="1200" b="1" dirty="0" err="1">
-                <a:solidFill>
-                  <a:schemeClr val="accent3"/>
-                </a:solidFill>
-              </a:rPr>
-              <a:t>los</a:t>
-            </a:r>
-            <a:r>
-              <a:rPr lang="en-GB" sz="1200" b="1" dirty="0">
-                <a:solidFill>
-                  <a:schemeClr val="accent3"/>
-                </a:solidFill>
-              </a:rPr>
-              <a:t> </a:t>
-            </a:r>
-            <a:r>
-              <a:rPr lang="en-GB" sz="1200" b="1" dirty="0" err="1">
-                <a:solidFill>
-                  <a:schemeClr val="accent3"/>
-                </a:solidFill>
-              </a:rPr>
-              <a:t>datos</a:t>
+              <a:t>Si elijo un K alto, mi decision boundary no va a cambiar mucho por más de que se modifiquen un poco los datos</a:t>
             </a:r>
             <a:endParaRPr lang="es-AR" sz="1200" dirty="0"/>
           </a:p>
@@ -20568,41 +17645,8 @@
               <a:rPr lang="en-GB" sz="2000" dirty="0">
                 <a:latin typeface="+mj-lt"/>
               </a:rPr>
-              <a:t>K-Nearest </a:t>
+              <a:t>K-Nearest Neighbors – clasificación supervisada</a:t>
             </a:r>
-            <a:r>
-              <a:rPr lang="en-GB" sz="2000" dirty="0" err="1">
-                <a:latin typeface="+mj-lt"/>
-              </a:rPr>
-              <a:t>Neighbors</a:t>
-            </a:r>
-            <a:r>
-              <a:rPr lang="en-GB" sz="2000" dirty="0">
-                <a:latin typeface="+mj-lt"/>
-              </a:rPr>
-              <a:t> – </a:t>
-            </a:r>
-            <a:r>
-              <a:rPr lang="en-GB" sz="2000" dirty="0" err="1">
-                <a:latin typeface="+mj-lt"/>
-              </a:rPr>
-              <a:t>clasificación</a:t>
-            </a:r>
-            <a:r>
-              <a:rPr lang="en-GB" sz="2000" dirty="0">
-                <a:latin typeface="+mj-lt"/>
-              </a:rPr>
-              <a:t> </a:t>
-            </a:r>
-            <a:r>
-              <a:rPr lang="en-GB" sz="2000" dirty="0" err="1">
-                <a:latin typeface="+mj-lt"/>
-              </a:rPr>
-              <a:t>supervisada</a:t>
-            </a:r>
-            <a:endParaRPr lang="en-GB" sz="2000" dirty="0">
-              <a:latin typeface="+mj-lt"/>
-            </a:endParaRPr>
           </a:p>
         </p:txBody>
       </p:sp>
@@ -20969,41 +18013,8 @@
               <a:rPr lang="en-GB" sz="2000" dirty="0">
                 <a:latin typeface="+mj-lt"/>
               </a:rPr>
-              <a:t>K-Nearest </a:t>
+              <a:t>K-Nearest Neighbors – clasificación supervisada</a:t>
             </a:r>
-            <a:r>
-              <a:rPr lang="en-GB" sz="2000" dirty="0" err="1">
-                <a:latin typeface="+mj-lt"/>
-              </a:rPr>
-              <a:t>Neighbors</a:t>
-            </a:r>
-            <a:r>
-              <a:rPr lang="en-GB" sz="2000" dirty="0">
-                <a:latin typeface="+mj-lt"/>
-              </a:rPr>
-              <a:t> – </a:t>
-            </a:r>
-            <a:r>
-              <a:rPr lang="en-GB" sz="2000" dirty="0" err="1">
-                <a:latin typeface="+mj-lt"/>
-              </a:rPr>
-              <a:t>clasificación</a:t>
-            </a:r>
-            <a:r>
-              <a:rPr lang="en-GB" sz="2000" dirty="0">
-                <a:latin typeface="+mj-lt"/>
-              </a:rPr>
-              <a:t> </a:t>
-            </a:r>
-            <a:r>
-              <a:rPr lang="en-GB" sz="2000" dirty="0" err="1">
-                <a:latin typeface="+mj-lt"/>
-              </a:rPr>
-              <a:t>supervisada</a:t>
-            </a:r>
-            <a:endParaRPr lang="en-GB" sz="2000" dirty="0">
-              <a:latin typeface="+mj-lt"/>
-            </a:endParaRPr>
           </a:p>
         </p:txBody>
       </p:sp>
@@ -21036,22 +18047,13 @@
           <a:lstStyle/>
           <a:p>
             <a:r>
-              <a:rPr lang="en-GB" sz="1400" b="1" dirty="0" err="1">
+              <a:rPr lang="en-GB" sz="1400" b="1" dirty="0">
                 <a:solidFill>
                   <a:schemeClr val="accent3"/>
                 </a:solidFill>
                 <a:latin typeface="+mj-lt"/>
               </a:rPr>
-              <a:t>Ventajas</a:t>
-            </a:r>
-            <a:r>
-              <a:rPr lang="en-GB" sz="1400" b="1" dirty="0">
-                <a:solidFill>
-                  <a:schemeClr val="accent3"/>
-                </a:solidFill>
-                <a:latin typeface="+mj-lt"/>
-              </a:rPr>
-              <a:t>:</a:t>
+              <a:t>Ventajas:</a:t>
             </a:r>
           </a:p>
           <a:p>
@@ -21066,239 +18068,8 @@
                 </a:solidFill>
                 <a:latin typeface="+mj-lt"/>
               </a:rPr>
-              <a:t>No </a:t>
+              <a:t>No necesito suposiciones sobre los datos, con determinar K y la medida de distancia ya es suficiente. Fácil de utilizar y de comprender</a:t>
             </a:r>
-            <a:r>
-              <a:rPr lang="en-GB" dirty="0" err="1">
-                <a:solidFill>
-                  <a:schemeClr val="accent3"/>
-                </a:solidFill>
-                <a:latin typeface="+mj-lt"/>
-              </a:rPr>
-              <a:t>necesito</a:t>
-            </a:r>
-            <a:r>
-              <a:rPr lang="en-GB" dirty="0">
-                <a:solidFill>
-                  <a:schemeClr val="accent3"/>
-                </a:solidFill>
-                <a:latin typeface="+mj-lt"/>
-              </a:rPr>
-              <a:t> </a:t>
-            </a:r>
-            <a:r>
-              <a:rPr lang="en-GB" dirty="0" err="1">
-                <a:solidFill>
-                  <a:schemeClr val="accent3"/>
-                </a:solidFill>
-                <a:latin typeface="+mj-lt"/>
-              </a:rPr>
-              <a:t>suposiciones</a:t>
-            </a:r>
-            <a:r>
-              <a:rPr lang="en-GB" dirty="0">
-                <a:solidFill>
-                  <a:schemeClr val="accent3"/>
-                </a:solidFill>
-                <a:latin typeface="+mj-lt"/>
-              </a:rPr>
-              <a:t> </a:t>
-            </a:r>
-            <a:r>
-              <a:rPr lang="en-GB" dirty="0" err="1">
-                <a:solidFill>
-                  <a:schemeClr val="accent3"/>
-                </a:solidFill>
-                <a:latin typeface="+mj-lt"/>
-              </a:rPr>
-              <a:t>sobre</a:t>
-            </a:r>
-            <a:r>
-              <a:rPr lang="en-GB" dirty="0">
-                <a:solidFill>
-                  <a:schemeClr val="accent3"/>
-                </a:solidFill>
-                <a:latin typeface="+mj-lt"/>
-              </a:rPr>
-              <a:t> </a:t>
-            </a:r>
-            <a:r>
-              <a:rPr lang="en-GB" dirty="0" err="1">
-                <a:solidFill>
-                  <a:schemeClr val="accent3"/>
-                </a:solidFill>
-                <a:latin typeface="+mj-lt"/>
-              </a:rPr>
-              <a:t>los</a:t>
-            </a:r>
-            <a:r>
-              <a:rPr lang="en-GB" dirty="0">
-                <a:solidFill>
-                  <a:schemeClr val="accent3"/>
-                </a:solidFill>
-                <a:latin typeface="+mj-lt"/>
-              </a:rPr>
-              <a:t> </a:t>
-            </a:r>
-            <a:r>
-              <a:rPr lang="en-GB" dirty="0" err="1">
-                <a:solidFill>
-                  <a:schemeClr val="accent3"/>
-                </a:solidFill>
-                <a:latin typeface="+mj-lt"/>
-              </a:rPr>
-              <a:t>datos</a:t>
-            </a:r>
-            <a:r>
-              <a:rPr lang="en-GB" dirty="0">
-                <a:solidFill>
-                  <a:schemeClr val="accent3"/>
-                </a:solidFill>
-                <a:latin typeface="+mj-lt"/>
-              </a:rPr>
-              <a:t>, con </a:t>
-            </a:r>
-            <a:r>
-              <a:rPr lang="en-GB" dirty="0" err="1">
-                <a:solidFill>
-                  <a:schemeClr val="accent3"/>
-                </a:solidFill>
-                <a:latin typeface="+mj-lt"/>
-              </a:rPr>
-              <a:t>determinar</a:t>
-            </a:r>
-            <a:r>
-              <a:rPr lang="en-GB" dirty="0">
-                <a:solidFill>
-                  <a:schemeClr val="accent3"/>
-                </a:solidFill>
-                <a:latin typeface="+mj-lt"/>
-              </a:rPr>
-              <a:t> K y la </a:t>
-            </a:r>
-            <a:r>
-              <a:rPr lang="en-GB" dirty="0" err="1">
-                <a:solidFill>
-                  <a:schemeClr val="accent3"/>
-                </a:solidFill>
-                <a:latin typeface="+mj-lt"/>
-              </a:rPr>
-              <a:t>medida</a:t>
-            </a:r>
-            <a:r>
-              <a:rPr lang="en-GB" dirty="0">
-                <a:solidFill>
-                  <a:schemeClr val="accent3"/>
-                </a:solidFill>
-                <a:latin typeface="+mj-lt"/>
-              </a:rPr>
-              <a:t> de </a:t>
-            </a:r>
-            <a:r>
-              <a:rPr lang="en-GB" dirty="0" err="1">
-                <a:solidFill>
-                  <a:schemeClr val="accent3"/>
-                </a:solidFill>
-                <a:latin typeface="+mj-lt"/>
-              </a:rPr>
-              <a:t>distancia</a:t>
-            </a:r>
-            <a:r>
-              <a:rPr lang="en-GB" dirty="0">
-                <a:solidFill>
-                  <a:schemeClr val="accent3"/>
-                </a:solidFill>
-                <a:latin typeface="+mj-lt"/>
-              </a:rPr>
-              <a:t> </a:t>
-            </a:r>
-            <a:r>
-              <a:rPr lang="en-GB" dirty="0" err="1">
-                <a:solidFill>
-                  <a:schemeClr val="accent3"/>
-                </a:solidFill>
-                <a:latin typeface="+mj-lt"/>
-              </a:rPr>
-              <a:t>ya</a:t>
-            </a:r>
-            <a:r>
-              <a:rPr lang="en-GB" dirty="0">
-                <a:solidFill>
-                  <a:schemeClr val="accent3"/>
-                </a:solidFill>
-                <a:latin typeface="+mj-lt"/>
-              </a:rPr>
-              <a:t> es </a:t>
-            </a:r>
-            <a:r>
-              <a:rPr lang="en-GB" dirty="0" err="1">
-                <a:solidFill>
-                  <a:schemeClr val="accent3"/>
-                </a:solidFill>
-                <a:latin typeface="+mj-lt"/>
-              </a:rPr>
-              <a:t>suficiente</a:t>
-            </a:r>
-            <a:r>
-              <a:rPr lang="en-GB" dirty="0">
-                <a:solidFill>
-                  <a:schemeClr val="accent3"/>
-                </a:solidFill>
-                <a:latin typeface="+mj-lt"/>
-              </a:rPr>
-              <a:t>. </a:t>
-            </a:r>
-            <a:r>
-              <a:rPr lang="en-GB" dirty="0" err="1">
-                <a:solidFill>
-                  <a:schemeClr val="accent3"/>
-                </a:solidFill>
-                <a:latin typeface="+mj-lt"/>
-              </a:rPr>
-              <a:t>Fácil</a:t>
-            </a:r>
-            <a:r>
-              <a:rPr lang="en-GB" dirty="0">
-                <a:solidFill>
-                  <a:schemeClr val="accent3"/>
-                </a:solidFill>
-                <a:latin typeface="+mj-lt"/>
-              </a:rPr>
-              <a:t> de </a:t>
-            </a:r>
-            <a:r>
-              <a:rPr lang="en-GB" dirty="0" err="1">
-                <a:solidFill>
-                  <a:schemeClr val="accent3"/>
-                </a:solidFill>
-                <a:latin typeface="+mj-lt"/>
-              </a:rPr>
-              <a:t>utilizar</a:t>
-            </a:r>
-            <a:r>
-              <a:rPr lang="en-GB" dirty="0">
-                <a:solidFill>
-                  <a:schemeClr val="accent3"/>
-                </a:solidFill>
-                <a:latin typeface="+mj-lt"/>
-              </a:rPr>
-              <a:t> y de </a:t>
-            </a:r>
-            <a:r>
-              <a:rPr lang="en-GB" dirty="0" err="1">
-                <a:solidFill>
-                  <a:schemeClr val="accent3"/>
-                </a:solidFill>
-                <a:latin typeface="+mj-lt"/>
-              </a:rPr>
-              <a:t>comprender</a:t>
-            </a:r>
-            <a:endParaRPr lang="en-GB" dirty="0">
-              <a:solidFill>
-                <a:schemeClr val="accent3"/>
-              </a:solidFill>
-              <a:latin typeface="+mj-lt"/>
-            </a:endParaRPr>
           </a:p>
           <a:p>
             <a:pPr marL="285750" indent="-285750">
@@ -21314,22 +18085,13 @@
           </a:p>
           <a:p>
             <a:r>
-              <a:rPr lang="en-GB" b="1" dirty="0" err="1">
+              <a:rPr lang="en-GB" b="1" dirty="0">
                 <a:solidFill>
                   <a:schemeClr val="accent3"/>
                 </a:solidFill>
                 <a:latin typeface="+mj-lt"/>
               </a:rPr>
-              <a:t>Desventajas</a:t>
-            </a:r>
-            <a:r>
-              <a:rPr lang="en-GB" b="1" dirty="0">
-                <a:solidFill>
-                  <a:schemeClr val="accent3"/>
-                </a:solidFill>
-                <a:latin typeface="+mj-lt"/>
-              </a:rPr>
-              <a:t>:</a:t>
+              <a:t>Desventajas:</a:t>
             </a:r>
           </a:p>
           <a:p>
@@ -21344,151 +18106,7 @@
                 </a:solidFill>
                 <a:latin typeface="+mj-lt"/>
               </a:rPr>
-              <a:t>Al </a:t>
-            </a:r>
-            <a:r>
-              <a:rPr lang="en-GB" dirty="0" err="1">
-                <a:solidFill>
-                  <a:schemeClr val="accent3"/>
-                </a:solidFill>
-                <a:latin typeface="+mj-lt"/>
-              </a:rPr>
-              <a:t>utilizar</a:t>
-            </a:r>
-            <a:r>
-              <a:rPr lang="en-GB" dirty="0">
-                <a:solidFill>
-                  <a:schemeClr val="accent3"/>
-                </a:solidFill>
-                <a:latin typeface="+mj-lt"/>
-              </a:rPr>
-              <a:t> </a:t>
-            </a:r>
-            <a:r>
-              <a:rPr lang="en-GB" dirty="0" err="1">
-                <a:solidFill>
-                  <a:schemeClr val="accent3"/>
-                </a:solidFill>
-                <a:latin typeface="+mj-lt"/>
-              </a:rPr>
-              <a:t>distancias</a:t>
-            </a:r>
-            <a:r>
-              <a:rPr lang="en-GB" dirty="0">
-                <a:solidFill>
-                  <a:schemeClr val="accent3"/>
-                </a:solidFill>
-                <a:latin typeface="+mj-lt"/>
-              </a:rPr>
-              <a:t> entre </a:t>
-            </a:r>
-            <a:r>
-              <a:rPr lang="en-GB" dirty="0" err="1">
-                <a:solidFill>
-                  <a:schemeClr val="accent3"/>
-                </a:solidFill>
-                <a:latin typeface="+mj-lt"/>
-              </a:rPr>
-              <a:t>los</a:t>
-            </a:r>
-            <a:r>
-              <a:rPr lang="en-GB" dirty="0">
-                <a:solidFill>
-                  <a:schemeClr val="accent3"/>
-                </a:solidFill>
-                <a:latin typeface="+mj-lt"/>
-              </a:rPr>
-              <a:t> puntos es </a:t>
-            </a:r>
-            <a:r>
-              <a:rPr lang="en-GB" dirty="0" err="1">
-                <a:solidFill>
-                  <a:schemeClr val="accent3"/>
-                </a:solidFill>
-                <a:latin typeface="+mj-lt"/>
-              </a:rPr>
-              <a:t>muy</a:t>
-            </a:r>
-            <a:r>
-              <a:rPr lang="en-GB" dirty="0">
-                <a:solidFill>
-                  <a:schemeClr val="accent3"/>
-                </a:solidFill>
-                <a:latin typeface="+mj-lt"/>
-              </a:rPr>
-              <a:t> sensible a las </a:t>
-            </a:r>
-            <a:r>
-              <a:rPr lang="en-GB" dirty="0" err="1">
-                <a:solidFill>
-                  <a:schemeClr val="accent3"/>
-                </a:solidFill>
-                <a:latin typeface="+mj-lt"/>
-              </a:rPr>
-              <a:t>diferencias</a:t>
-            </a:r>
-            <a:r>
-              <a:rPr lang="en-GB" dirty="0">
-                <a:solidFill>
-                  <a:schemeClr val="accent3"/>
-                </a:solidFill>
-                <a:latin typeface="+mj-lt"/>
-              </a:rPr>
-              <a:t> de </a:t>
-            </a:r>
-            <a:r>
-              <a:rPr lang="en-GB" dirty="0" err="1">
-                <a:solidFill>
-                  <a:schemeClr val="accent3"/>
-                </a:solidFill>
-                <a:latin typeface="+mj-lt"/>
-              </a:rPr>
-              <a:t>escala</a:t>
-            </a:r>
-            <a:r>
-              <a:rPr lang="en-GB" dirty="0">
-                <a:solidFill>
-                  <a:schemeClr val="accent3"/>
-                </a:solidFill>
-                <a:latin typeface="+mj-lt"/>
-              </a:rPr>
-              <a:t> entre las variables. </a:t>
-            </a:r>
-            <a:r>
-              <a:rPr lang="en-GB" dirty="0" err="1">
-                <a:solidFill>
-                  <a:schemeClr val="accent3"/>
-                </a:solidFill>
-                <a:latin typeface="+mj-lt"/>
-              </a:rPr>
-              <a:t>Puedo</a:t>
-            </a:r>
-            <a:r>
-              <a:rPr lang="en-GB" dirty="0">
-                <a:solidFill>
-                  <a:schemeClr val="accent3"/>
-                </a:solidFill>
-                <a:latin typeface="+mj-lt"/>
-              </a:rPr>
-              <a:t> </a:t>
-            </a:r>
-            <a:r>
-              <a:rPr lang="en-GB" dirty="0" err="1">
-                <a:solidFill>
-                  <a:schemeClr val="accent3"/>
-                </a:solidFill>
-                <a:latin typeface="+mj-lt"/>
-              </a:rPr>
-              <a:t>solucionarlo</a:t>
-            </a:r>
-            <a:r>
-              <a:rPr lang="en-GB" dirty="0">
-                <a:solidFill>
-                  <a:schemeClr val="accent3"/>
-                </a:solidFill>
-                <a:latin typeface="+mj-lt"/>
-              </a:rPr>
-              <a:t> </a:t>
+              <a:t>Al utilizar distancias entre los puntos es muy sensible a las diferencias de escala entre las variables. Puedo solucionarlo </a:t>
             </a:r>
             <a:r>
               <a:rPr lang="en-GB" b="1" dirty="0">
@@ -21501,33 +18119,7 @@
                 <a:latin typeface="+mj-lt"/>
                 <a:sym typeface="Proxima Nova"/>
               </a:rPr>
-              <a:t>re-</a:t>
-            </a:r>
-            <a:r>
-              <a:rPr lang="en-GB" b="1" dirty="0" err="1">
-                <a:solidFill>
-                  <a:schemeClr val="accent3"/>
-                </a:solidFill>
-                <a:highlight>
-                  <a:schemeClr val="lt2"/>
-                </a:highlight>
-                <a:latin typeface="+mj-lt"/>
-                <a:sym typeface="Proxima Nova"/>
-              </a:rPr>
-              <a:t>escalando</a:t>
-            </a:r>
-            <a:r>
-              <a:rPr lang="en-GB" b="1" dirty="0">
-                <a:solidFill>
-                  <a:schemeClr val="accent3"/>
-                </a:solidFill>
-                <a:highlight>
-                  <a:schemeClr val="lt2"/>
-                </a:highlight>
-                <a:latin typeface="+mj-lt"/>
-                <a:sym typeface="Proxima Nova"/>
-              </a:rPr>
-              <a:t> las variables</a:t>
+              <a:t>re-escalando las variables</a:t>
             </a:r>
           </a:p>
           <a:p>
@@ -21552,76 +18144,13 @@
               <a:buChar char="•"/>
             </a:pPr>
             <a:r>
-              <a:rPr lang="en-GB" dirty="0" err="1">
+              <a:rPr lang="en-GB" dirty="0">
                 <a:solidFill>
                   <a:schemeClr val="accent3"/>
                 </a:solidFill>
                 <a:latin typeface="+mj-lt"/>
               </a:rPr>
-              <a:t>Muy</a:t>
-            </a:r>
-            <a:r>
-              <a:rPr lang="en-GB" dirty="0">
-                <a:solidFill>
-                  <a:schemeClr val="accent3"/>
-                </a:solidFill>
-                <a:latin typeface="+mj-lt"/>
-              </a:rPr>
-              <a:t> sensible a outliers y </a:t>
-            </a:r>
-            <a:r>
-              <a:rPr lang="en-GB" dirty="0" err="1">
-                <a:solidFill>
-                  <a:schemeClr val="accent3"/>
-                </a:solidFill>
-                <a:latin typeface="+mj-lt"/>
-              </a:rPr>
-              <a:t>atributos</a:t>
-            </a:r>
-            <a:r>
-              <a:rPr lang="en-GB" dirty="0">
-                <a:solidFill>
-                  <a:schemeClr val="accent3"/>
-                </a:solidFill>
-                <a:latin typeface="+mj-lt"/>
-              </a:rPr>
-              <a:t> </a:t>
-            </a:r>
-            <a:r>
-              <a:rPr lang="en-GB" dirty="0" err="1">
-                <a:solidFill>
-                  <a:schemeClr val="accent3"/>
-                </a:solidFill>
-                <a:latin typeface="+mj-lt"/>
-              </a:rPr>
-              <a:t>irrelevantes</a:t>
-            </a:r>
-            <a:r>
-              <a:rPr lang="en-GB" dirty="0">
-                <a:solidFill>
-                  <a:schemeClr val="accent3"/>
-                </a:solidFill>
-                <a:latin typeface="+mj-lt"/>
-              </a:rPr>
-              <a:t> que se </a:t>
-            </a:r>
-            <a:r>
-              <a:rPr lang="en-GB" dirty="0" err="1">
-                <a:solidFill>
-                  <a:schemeClr val="accent3"/>
-                </a:solidFill>
-                <a:latin typeface="+mj-lt"/>
-              </a:rPr>
-              <a:t>incluyan</a:t>
-            </a:r>
-            <a:r>
-              <a:rPr lang="en-GB" dirty="0">
-                <a:solidFill>
-                  <a:schemeClr val="accent3"/>
-                </a:solidFill>
-                <a:latin typeface="+mj-lt"/>
-              </a:rPr>
-              <a:t> </a:t>
+              <a:t>Muy sensible a outliers y atributos irrelevantes que se incluyan </a:t>
             </a:r>
             <a:r>
               <a:rPr lang="en-GB" dirty="0">
@@ -21640,59 +18169,8 @@
                 </a:solidFill>
                 <a:latin typeface="+mj-lt"/>
               </a:rPr>
-              <a:t> </a:t>
+              <a:t> Afectan las distancias calculadas</a:t>
             </a:r>
-            <a:r>
-              <a:rPr lang="en-GB" dirty="0" err="1">
-                <a:solidFill>
-                  <a:schemeClr val="accent3"/>
-                </a:solidFill>
-                <a:latin typeface="+mj-lt"/>
-              </a:rPr>
-              <a:t>Afectan</a:t>
-            </a:r>
-            <a:r>
-              <a:rPr lang="en-GB" dirty="0">
-                <a:solidFill>
-                  <a:schemeClr val="accent3"/>
-                </a:solidFill>
-                <a:latin typeface="+mj-lt"/>
-              </a:rPr>
-              <a:t> las </a:t>
-            </a:r>
-            <a:r>
-              <a:rPr lang="en-GB" dirty="0" err="1">
-                <a:solidFill>
-                  <a:schemeClr val="accent3"/>
-                </a:solidFill>
-                <a:latin typeface="+mj-lt"/>
-              </a:rPr>
-              <a:t>distancias</a:t>
-            </a:r>
-            <a:r>
-              <a:rPr lang="en-GB" dirty="0">
-                <a:solidFill>
-                  <a:schemeClr val="accent3"/>
-                </a:solidFill>
-                <a:latin typeface="+mj-lt"/>
-              </a:rPr>
-              <a:t> </a:t>
-            </a:r>
-            <a:r>
-              <a:rPr lang="en-GB" dirty="0" err="1">
-                <a:solidFill>
-                  <a:schemeClr val="accent3"/>
-                </a:solidFill>
-                <a:latin typeface="+mj-lt"/>
-              </a:rPr>
-              <a:t>calculadas</a:t>
-            </a:r>
-            <a:endParaRPr lang="en-GB" dirty="0">
-              <a:solidFill>
-                <a:schemeClr val="accent3"/>
-              </a:solidFill>
-              <a:latin typeface="+mj-lt"/>
-            </a:endParaRPr>
           </a:p>
           <a:p>
             <a:pPr marL="285750" indent="-285750">
@@ -21723,260 +18201,20 @@
                 <a:latin typeface="+mj-lt"/>
                 <a:sym typeface="Proxima Nova"/>
               </a:rPr>
-              <a:t>Alto </a:t>
+              <a:t>Alto costo computacional</a:t>
             </a:r>
             <a:r>
-              <a:rPr lang="en-GB" b="1" dirty="0" err="1">
+              <a:rPr lang="en-GB" dirty="0">
                 <a:solidFill>
                   <a:schemeClr val="accent3"/>
                 </a:solidFill>
                 <a:latin typeface="+mj-lt"/>
                 <a:sym typeface="Proxima Nova"/>
               </a:rPr>
-              <a:t>costo</a:t>
+              <a:t>. El modelo debe calcular para cada dato un conjunto de distancias y debe almacenar toda esa informaci</a:t>
             </a:r>
             <a:r>
-              <a:rPr lang="en-GB" b="1" dirty="0">
-                <a:solidFill>
-                  <a:schemeClr val="accent3"/>
-                </a:solidFill>
-                <a:latin typeface="+mj-lt"/>
-                <a:sym typeface="Proxima Nova"/>
-              </a:rPr>
-              <a:t> </a:t>
-            </a:r>
-            <a:r>
-              <a:rPr lang="en-GB" b="1" dirty="0" err="1">
-                <a:solidFill>
-                  <a:schemeClr val="accent3"/>
-                </a:solidFill>
-                <a:latin typeface="+mj-lt"/>
-                <a:sym typeface="Proxima Nova"/>
-              </a:rPr>
-              <a:t>computacional</a:t>
-            </a:r>
-            <a:r>
-              <a:rPr lang="en-GB" dirty="0">
-                <a:solidFill>
-                  <a:schemeClr val="accent3"/>
-                </a:solidFill>
-                <a:latin typeface="+mj-lt"/>
-                <a:sym typeface="Proxima Nova"/>
-              </a:rPr>
-              <a:t>. El </a:t>
-            </a:r>
-            <a:r>
-              <a:rPr lang="en-GB" dirty="0" err="1">
-                <a:solidFill>
-                  <a:schemeClr val="accent3"/>
-                </a:solidFill>
-                <a:latin typeface="+mj-lt"/>
-                <a:sym typeface="Proxima Nova"/>
-              </a:rPr>
-              <a:t>modelo</a:t>
-            </a:r>
-            <a:r>
-              <a:rPr lang="en-GB" dirty="0">
-                <a:solidFill>
-                  <a:schemeClr val="accent3"/>
-                </a:solidFill>
-                <a:latin typeface="+mj-lt"/>
-                <a:sym typeface="Proxima Nova"/>
-              </a:rPr>
-              <a:t> </a:t>
-            </a:r>
-            <a:r>
-              <a:rPr lang="en-GB" dirty="0" err="1">
-                <a:solidFill>
-                  <a:schemeClr val="accent3"/>
-                </a:solidFill>
-                <a:latin typeface="+mj-lt"/>
-                <a:sym typeface="Proxima Nova"/>
-              </a:rPr>
-              <a:t>debe</a:t>
-            </a:r>
-            <a:r>
-              <a:rPr lang="en-GB" dirty="0">
-                <a:solidFill>
-                  <a:schemeClr val="accent3"/>
-                </a:solidFill>
-                <a:latin typeface="+mj-lt"/>
-                <a:sym typeface="Proxima Nova"/>
-              </a:rPr>
-              <a:t> </a:t>
-            </a:r>
-            <a:r>
-              <a:rPr lang="en-GB" dirty="0" err="1">
-                <a:solidFill>
-                  <a:schemeClr val="accent3"/>
-                </a:solidFill>
-                <a:latin typeface="+mj-lt"/>
-                <a:sym typeface="Proxima Nova"/>
-              </a:rPr>
-              <a:t>calcular</a:t>
-            </a:r>
-            <a:r>
-              <a:rPr lang="en-GB" dirty="0">
-                <a:solidFill>
-                  <a:schemeClr val="accent3"/>
-                </a:solidFill>
-                <a:latin typeface="+mj-lt"/>
-                <a:sym typeface="Proxima Nova"/>
-              </a:rPr>
-              <a:t> para </a:t>
-            </a:r>
-            <a:r>
-              <a:rPr lang="en-GB" dirty="0" err="1">
-                <a:solidFill>
-                  <a:schemeClr val="accent3"/>
-                </a:solidFill>
-                <a:latin typeface="+mj-lt"/>
-                <a:sym typeface="Proxima Nova"/>
-              </a:rPr>
-              <a:t>cada</a:t>
-            </a:r>
-            <a:r>
-              <a:rPr lang="en-GB" dirty="0">
-                <a:solidFill>
-                  <a:schemeClr val="accent3"/>
-                </a:solidFill>
-                <a:latin typeface="+mj-lt"/>
-                <a:sym typeface="Proxima Nova"/>
-              </a:rPr>
-              <a:t> </a:t>
-            </a:r>
-            <a:r>
-              <a:rPr lang="en-GB" dirty="0" err="1">
-                <a:solidFill>
-                  <a:schemeClr val="accent3"/>
-                </a:solidFill>
-                <a:latin typeface="+mj-lt"/>
-                <a:sym typeface="Proxima Nova"/>
-              </a:rPr>
-              <a:t>dato</a:t>
-            </a:r>
-            <a:r>
-              <a:rPr lang="en-GB" dirty="0">
-                <a:solidFill>
-                  <a:schemeClr val="accent3"/>
-                </a:solidFill>
-                <a:latin typeface="+mj-lt"/>
-                <a:sym typeface="Proxima Nova"/>
-              </a:rPr>
-              <a:t> un conjunto de </a:t>
-            </a:r>
-            <a:r>
-              <a:rPr lang="en-GB" dirty="0" err="1">
-                <a:solidFill>
-                  <a:schemeClr val="accent3"/>
-                </a:solidFill>
-                <a:latin typeface="+mj-lt"/>
-                <a:sym typeface="Proxima Nova"/>
-              </a:rPr>
-              <a:t>distancias</a:t>
-            </a:r>
-            <a:r>
-              <a:rPr lang="en-GB" dirty="0">
-                <a:solidFill>
-                  <a:schemeClr val="accent3"/>
-                </a:solidFill>
-                <a:latin typeface="+mj-lt"/>
-                <a:sym typeface="Proxima Nova"/>
-              </a:rPr>
-              <a:t> y </a:t>
-            </a:r>
-            <a:r>
-              <a:rPr lang="en-GB" dirty="0" err="1">
-                <a:solidFill>
-                  <a:schemeClr val="accent3"/>
-                </a:solidFill>
-                <a:latin typeface="+mj-lt"/>
-                <a:sym typeface="Proxima Nova"/>
-              </a:rPr>
-              <a:t>debe</a:t>
-            </a:r>
-            <a:r>
-              <a:rPr lang="en-GB" dirty="0">
-                <a:solidFill>
-                  <a:schemeClr val="accent3"/>
-                </a:solidFill>
-                <a:latin typeface="+mj-lt"/>
-                <a:sym typeface="Proxima Nova"/>
-              </a:rPr>
-              <a:t> </a:t>
-            </a:r>
-            <a:r>
-              <a:rPr lang="en-GB" dirty="0" err="1">
-                <a:solidFill>
-                  <a:schemeClr val="accent3"/>
-                </a:solidFill>
-                <a:latin typeface="+mj-lt"/>
-                <a:sym typeface="Proxima Nova"/>
-              </a:rPr>
-              <a:t>almacenar</a:t>
-            </a:r>
-            <a:r>
-              <a:rPr lang="en-GB" dirty="0">
-                <a:solidFill>
-                  <a:schemeClr val="accent3"/>
-                </a:solidFill>
-                <a:latin typeface="+mj-lt"/>
-                <a:sym typeface="Proxima Nova"/>
-              </a:rPr>
-              <a:t> </a:t>
-            </a:r>
-            <a:r>
-              <a:rPr lang="en-GB" dirty="0" err="1">
-                <a:solidFill>
-                  <a:schemeClr val="accent3"/>
-                </a:solidFill>
-                <a:latin typeface="+mj-lt"/>
-                <a:sym typeface="Proxima Nova"/>
-              </a:rPr>
-              <a:t>toda</a:t>
-            </a:r>
-            <a:r>
-              <a:rPr lang="en-GB" dirty="0">
-                <a:solidFill>
-                  <a:schemeClr val="accent3"/>
-                </a:solidFill>
-                <a:latin typeface="+mj-lt"/>
-                <a:sym typeface="Proxima Nova"/>
-              </a:rPr>
-              <a:t> </a:t>
-            </a:r>
-            <a:r>
-              <a:rPr lang="en-GB" dirty="0" err="1">
-                <a:solidFill>
-                  <a:schemeClr val="accent3"/>
-                </a:solidFill>
-                <a:latin typeface="+mj-lt"/>
-                <a:sym typeface="Proxima Nova"/>
-              </a:rPr>
-              <a:t>esa</a:t>
-            </a:r>
-            <a:r>
-              <a:rPr lang="en-GB" dirty="0">
-                <a:solidFill>
-                  <a:schemeClr val="accent3"/>
-                </a:solidFill>
-                <a:latin typeface="+mj-lt"/>
-                <a:sym typeface="Proxima Nova"/>
-              </a:rPr>
-              <a:t> </a:t>
-            </a:r>
-            <a:r>
-              <a:rPr lang="en-GB" dirty="0" err="1">
-                <a:solidFill>
-                  <a:schemeClr val="accent3"/>
-                </a:solidFill>
-                <a:latin typeface="+mj-lt"/>
-                <a:sym typeface="Proxima Nova"/>
-              </a:rPr>
-              <a:t>informaci</a:t>
-            </a:r>
-            <a:r>
-              <a:rPr lang="es-MX" dirty="0" err="1">
+              <a:rPr lang="es-MX" dirty="0">
                 <a:solidFill>
                   <a:schemeClr val="accent3"/>
                 </a:solidFill>
@@ -21993,77 +18231,7 @@
                 <a:latin typeface="+mj-lt"/>
                 <a:sym typeface="Proxima Nova"/>
               </a:rPr>
-              <a:t>n para luego </a:t>
-            </a:r>
-            <a:r>
-              <a:rPr lang="en-GB" dirty="0" err="1">
-                <a:solidFill>
-                  <a:schemeClr val="accent3"/>
-                </a:solidFill>
-                <a:latin typeface="+mj-lt"/>
-                <a:sym typeface="Proxima Nova"/>
-              </a:rPr>
-              <a:t>predecir</a:t>
-            </a:r>
-            <a:r>
-              <a:rPr lang="en-GB" dirty="0">
-                <a:solidFill>
-                  <a:schemeClr val="accent3"/>
-                </a:solidFill>
-                <a:latin typeface="+mj-lt"/>
-                <a:sym typeface="Proxima Nova"/>
-              </a:rPr>
-              <a:t> </a:t>
-            </a:r>
-            <a:r>
-              <a:rPr lang="en-GB" dirty="0" err="1">
-                <a:solidFill>
-                  <a:schemeClr val="accent3"/>
-                </a:solidFill>
-                <a:latin typeface="+mj-lt"/>
-                <a:sym typeface="Proxima Nova"/>
-              </a:rPr>
-              <a:t>sobre</a:t>
-            </a:r>
-            <a:r>
-              <a:rPr lang="en-GB" dirty="0">
-                <a:solidFill>
-                  <a:schemeClr val="accent3"/>
-                </a:solidFill>
-                <a:latin typeface="+mj-lt"/>
-                <a:sym typeface="Proxima Nova"/>
-              </a:rPr>
-              <a:t> </a:t>
-            </a:r>
-            <a:r>
-              <a:rPr lang="en-GB" dirty="0" err="1">
-                <a:solidFill>
-                  <a:schemeClr val="accent3"/>
-                </a:solidFill>
-                <a:latin typeface="+mj-lt"/>
-                <a:sym typeface="Proxima Nova"/>
-              </a:rPr>
-              <a:t>datos</a:t>
-            </a:r>
-            <a:r>
-              <a:rPr lang="en-GB" dirty="0">
-                <a:solidFill>
-                  <a:schemeClr val="accent3"/>
-                </a:solidFill>
-                <a:latin typeface="+mj-lt"/>
-                <a:sym typeface="Proxima Nova"/>
-              </a:rPr>
-              <a:t> </a:t>
-            </a:r>
-            <a:r>
-              <a:rPr lang="en-GB" dirty="0" err="1">
-                <a:solidFill>
-                  <a:schemeClr val="accent3"/>
-                </a:solidFill>
-                <a:latin typeface="+mj-lt"/>
-                <a:sym typeface="Proxima Nova"/>
-              </a:rPr>
-              <a:t>nuevos</a:t>
+              <a:t>n para luego predecir sobre datos nuevos</a:t>
             </a:r>
             <a:endParaRPr lang="es-AR" b="1" dirty="0">
               <a:solidFill>
@@ -22107,7 +18275,7 @@
           <a:lstStyle/>
           <a:p>
             <a:r>
-              <a:rPr lang="en-GB" sz="1400" b="1" u="sng" dirty="0" err="1">
+              <a:rPr lang="en-GB" sz="1400" b="1" u="sng" dirty="0">
                 <a:solidFill>
                   <a:schemeClr val="accent3"/>
                 </a:solidFill>
@@ -22310,15 +18478,7 @@
             </a:pPr>
             <a:r>
               <a:rPr lang="es-AR" dirty="0"/>
-              <a:t>Teóricas 4 a 6: Modelos de clasificación y enfoque de Machine </a:t>
-            </a:r>
-            <a:r>
-              <a:rPr lang="es-AR" dirty="0" err="1"/>
-              <a:t>Learning</a:t>
-            </a:r>
-            <a:r>
-              <a:rPr lang="es-AR"/>
-              <a:t> para predicción</a:t>
+              <a:t>Teóricas 4 a 6: Modelos de clasificación y técnicas orientadas a la predicción</a:t>
             </a:r>
           </a:p>
         </p:txBody>
@@ -22348,8 +18508,8 @@
           <a:chExt cx="0" cy="0"/>
         </a:xfrm>
       </p:grpSpPr>
-      <mc:AlternateContent xmlns:mc="http://schemas.openxmlformats.org/markup-compatibility/2006">
-        <mc:Choice xmlns:a14="http://schemas.microsoft.com/office/drawing/2010/main" Requires="a14">
+      <mc:AlternateContent xmlns:mc="http://schemas.openxmlformats.org/markup-compatibility/2006" xmlns:a14="http://schemas.microsoft.com/office/drawing/2010/main">
+        <mc:Choice Requires="a14">
           <p:sp>
             <p:nvSpPr>
               <p:cNvPr id="153" name="Google Shape;153;p27"/>
@@ -22696,25 +18856,7 @@
                     </a:solidFill>
                     <a:latin typeface="+mj-lt"/>
                   </a:rPr>
-                  <a:t>LDA puede </a:t>
-                </a:r>
-                <a:r>
-                  <a:rPr lang="es-MX" sz="1600" dirty="0" err="1">
-                    <a:solidFill>
-                      <a:schemeClr val="accent3"/>
-                    </a:solidFill>
-                    <a:latin typeface="+mj-lt"/>
-                  </a:rPr>
-                  <a:t>performar</a:t>
-                </a:r>
-                <a:r>
-                  <a:rPr lang="es-MX" sz="1600" dirty="0">
-                    <a:solidFill>
-                      <a:schemeClr val="accent3"/>
-                    </a:solidFill>
-                    <a:latin typeface="+mj-lt"/>
-                  </a:rPr>
-                  <a:t> mejor que la regresión logística cuando:</a:t>
+                  <a:t>LDA puede performar mejor que la regresión logística cuando:</a:t>
                 </a:r>
                 <a:br>
                   <a:rPr lang="es-MX" sz="1600" dirty="0">
@@ -22833,7 +18975,7 @@
             </p:txBody>
           </p:sp>
         </mc:Choice>
-        <mc:Fallback>
+        <mc:Fallback xmlns="">
           <p:sp>
             <p:nvSpPr>
               <p:cNvPr id="153" name="Google Shape;153;p27"/>
@@ -23228,23 +19370,7 @@
             </a:pPr>
             <a:r>
               <a:rPr lang="en-GB" dirty="0"/>
-              <a:t>II. </a:t>
-            </a:r>
-            <a:r>
-              <a:rPr lang="en-GB" dirty="0" err="1"/>
-              <a:t>Medidas</a:t>
-            </a:r>
-            <a:r>
-              <a:rPr lang="en-GB" dirty="0"/>
-              <a:t> de la </a:t>
-            </a:r>
-            <a:r>
-              <a:rPr lang="en-GB" dirty="0" err="1"/>
-              <a:t>calidad</a:t>
-            </a:r>
-            <a:r>
-              <a:rPr lang="en-GB" dirty="0"/>
-              <a:t> del fit, split train-test y cross-validation</a:t>
+              <a:t>II. Medidas de la calidad del fit, split train-test y cross-validation</a:t>
             </a:r>
             <a:endParaRPr dirty="0"/>
           </a:p>
@@ -23937,20 +20063,8 @@
               <a:buNone/>
             </a:pPr>
             <a:r>
-              <a:rPr lang="en-GB" dirty="0" err="1"/>
-              <a:t>Matriz</a:t>
-            </a:r>
-            <a:r>
               <a:rPr lang="en-GB" dirty="0"/>
-              <a:t> de confusion (</a:t>
-            </a:r>
-            <a:r>
-              <a:rPr lang="en-GB" dirty="0" err="1"/>
-              <a:t>repaso</a:t>
-            </a:r>
-            <a:r>
-              <a:rPr lang="en-GB" dirty="0"/>
-              <a:t>)</a:t>
+              <a:t>Matriz de confusion (repaso)</a:t>
             </a:r>
             <a:endParaRPr dirty="0"/>
           </a:p>
@@ -24389,16 +20503,6 @@
                         <a:p>
                           <a:pPr algn="ctr" fontAlgn="ctr"/>
                           <a:r>
-                            <a:rPr lang="es-AR" sz="1400" b="1" i="0" u="none" strike="noStrike" dirty="0" err="1">
-                              <a:solidFill>
-                                <a:schemeClr val="tx1"/>
-                              </a:solidFill>
-                              <a:effectLst/>
-                              <a:latin typeface="Proxima Nova" panose="020B0604020202020204" charset="0"/>
-                            </a:rPr>
-                            <a:t>Sensitivity</a:t>
-                          </a:r>
-                          <a:r>
                             <a:rPr lang="es-AR" sz="1400" b="1" i="0" u="none" strike="noStrike" dirty="0">
                               <a:solidFill>
                                 <a:schemeClr val="tx1"/>
@@ -24406,25 +20510,8 @@
                               <a:effectLst/>
                               <a:latin typeface="Proxima Nova" panose="020B0604020202020204" charset="0"/>
                             </a:rPr>
-                            <a:t>/</a:t>
+                            <a:t>Sensitivity/Recall</a:t>
                           </a:r>
-                          <a:r>
-                            <a:rPr lang="es-AR" sz="1400" b="1" i="0" u="none" strike="noStrike" dirty="0" err="1">
-                              <a:solidFill>
-                                <a:schemeClr val="tx1"/>
-                              </a:solidFill>
-                              <a:effectLst/>
-                              <a:latin typeface="Proxima Nova" panose="020B0604020202020204" charset="0"/>
-                            </a:rPr>
-                            <a:t>Recall</a:t>
-                          </a:r>
-                          <a:endParaRPr lang="es-AR" sz="1400" b="1" i="0" u="none" strike="noStrike" dirty="0">
-                            <a:solidFill>
-                              <a:schemeClr val="tx1"/>
-                            </a:solidFill>
-                            <a:effectLst/>
-                            <a:latin typeface="Proxima Nova" panose="020B0604020202020204" charset="0"/>
-                          </a:endParaRPr>
                         </a:p>
                         <a:p>
                           <a:pPr algn="ctr" fontAlgn="ctr"/>
@@ -24578,7 +20665,7 @@
                         <a:p>
                           <a:pPr algn="ctr" fontAlgn="ctr"/>
                           <a:r>
-                            <a:rPr lang="es-AR" sz="1400" b="1" i="0" u="none" strike="noStrike" dirty="0" err="1">
+                            <a:rPr lang="es-AR" sz="1400" b="1" i="0" u="none" strike="noStrike" dirty="0">
                               <a:solidFill>
                                 <a:schemeClr val="tx1"/>
                               </a:solidFill>
@@ -24587,13 +20674,6 @@
                             </a:rPr>
                             <a:t>Specificity</a:t>
                           </a:r>
-                          <a:endParaRPr lang="es-AR" sz="1400" b="1" i="0" u="none" strike="noStrike" dirty="0">
-                            <a:solidFill>
-                              <a:schemeClr val="tx1"/>
-                            </a:solidFill>
-                            <a:effectLst/>
-                            <a:latin typeface="Proxima Nova" panose="020B0604020202020204" charset="0"/>
-                          </a:endParaRPr>
                         </a:p>
                         <a:p>
                           <a:pPr marL="0" marR="0" lvl="0" indent="0" algn="ctr" defTabSz="914400" rtl="0" eaLnBrk="1" fontAlgn="ctr" latinLnBrk="0" hangingPunct="1">
@@ -24741,7 +20821,7 @@
                         <a:p>
                           <a:pPr algn="ctr" fontAlgn="ctr"/>
                           <a:r>
-                            <a:rPr lang="es-AR" sz="1400" b="1" i="0" u="none" strike="noStrike" dirty="0" err="1">
+                            <a:rPr lang="es-AR" sz="1400" b="1" i="0" u="none" strike="noStrike" dirty="0">
                               <a:solidFill>
                                 <a:schemeClr val="tx1"/>
                               </a:solidFill>
@@ -24750,13 +20830,6 @@
                             </a:rPr>
                             <a:t>Precision</a:t>
                           </a:r>
-                          <a:endParaRPr lang="es-AR" sz="1400" b="1" i="0" u="none" strike="noStrike" dirty="0">
-                            <a:solidFill>
-                              <a:schemeClr val="tx1"/>
-                            </a:solidFill>
-                            <a:effectLst/>
-                            <a:latin typeface="Proxima Nova" panose="020B0604020202020204" charset="0"/>
-                          </a:endParaRPr>
                         </a:p>
                         <a:p>
                           <a:pPr algn="ctr" fontAlgn="ctr"/>
@@ -24838,25 +20911,8 @@
                               <a:effectLst/>
                               <a:latin typeface="Proxima Nova" panose="020B0604020202020204" charset="0"/>
                             </a:rPr>
-                            <a:t>Negative Predictive </a:t>
+                            <a:t>Negative Predictive Value</a:t>
                           </a:r>
-                          <a:r>
-                            <a:rPr lang="es-AR" sz="1400" b="1" i="0" u="none" strike="noStrike" dirty="0" err="1">
-                              <a:solidFill>
-                                <a:schemeClr val="tx1"/>
-                              </a:solidFill>
-                              <a:effectLst/>
-                              <a:latin typeface="Proxima Nova" panose="020B0604020202020204" charset="0"/>
-                            </a:rPr>
-                            <a:t>Value</a:t>
-                          </a:r>
-                          <a:endParaRPr lang="es-AR" sz="1400" b="1" i="0" u="none" strike="noStrike" dirty="0">
-                            <a:solidFill>
-                              <a:schemeClr val="tx1"/>
-                            </a:solidFill>
-                            <a:effectLst/>
-                            <a:latin typeface="Proxima Nova" panose="020B0604020202020204" charset="0"/>
-                          </a:endParaRPr>
                         </a:p>
                         <a:p>
                           <a:pPr algn="ctr" fontAlgn="ctr"/>
@@ -24943,7 +20999,7 @@
                         <a:p>
                           <a:pPr algn="ctr" fontAlgn="ctr"/>
                           <a:r>
-                            <a:rPr lang="es-AR" sz="1400" b="1" i="0" u="none" strike="noStrike" dirty="0" err="1">
+                            <a:rPr lang="es-AR" sz="1400" b="1" i="0" u="none" strike="noStrike" dirty="0">
                               <a:solidFill>
                                 <a:schemeClr val="tx1"/>
                               </a:solidFill>
@@ -24952,13 +21008,6 @@
                             </a:rPr>
                             <a:t>Accuracy</a:t>
                           </a:r>
-                          <a:endParaRPr lang="es-AR" sz="1400" b="1" i="0" u="none" strike="noStrike" dirty="0">
-                            <a:solidFill>
-                              <a:schemeClr val="tx1"/>
-                            </a:solidFill>
-                            <a:effectLst/>
-                            <a:latin typeface="Proxima Nova" panose="020B0604020202020204" charset="0"/>
-                          </a:endParaRPr>
                         </a:p>
                         <a:p>
                           <a:pPr marL="0" marR="0" lvl="0" indent="0" algn="ctr" defTabSz="914400" rtl="0" eaLnBrk="1" fontAlgn="ctr" latinLnBrk="0" hangingPunct="1">
@@ -25060,47 +21109,7 @@
                               <a:effectLst/>
                               <a:latin typeface="Proxima Nova" panose="020B0604020202020204" charset="0"/>
                             </a:rPr>
-                            <a:t>(</a:t>
-                          </a:r>
-                          <a:r>
-                            <a:rPr lang="es-AR" sz="1400" b="1" i="0" u="none" strike="noStrike" dirty="0" err="1">
-                              <a:solidFill>
-                                <a:schemeClr val="tx1"/>
-                              </a:solidFill>
-                              <a:effectLst/>
-                              <a:latin typeface="Proxima Nova" panose="020B0604020202020204" charset="0"/>
-                            </a:rPr>
-                            <a:t>Accu</a:t>
-                          </a:r>
-                          <a:r>
-                            <a:rPr lang="es-AR" sz="1400" b="1" i="0" u="none" strike="noStrike" dirty="0">
-                              <a:solidFill>
-                                <a:schemeClr val="tx1"/>
-                              </a:solidFill>
-                              <a:effectLst/>
-                              <a:latin typeface="Proxima Nova" panose="020B0604020202020204" charset="0"/>
-                            </a:rPr>
-                            <a:t> =  1 - Error </a:t>
-                          </a:r>
-                          <a:r>
-                            <a:rPr lang="es-AR" sz="1400" b="1" i="0" u="none" strike="noStrike" dirty="0" err="1">
-                              <a:solidFill>
-                                <a:schemeClr val="tx1"/>
-                              </a:solidFill>
-                              <a:effectLst/>
-                              <a:latin typeface="Proxima Nova" panose="020B0604020202020204" charset="0"/>
-                            </a:rPr>
-                            <a:t>rate</a:t>
-                          </a:r>
-                          <a:r>
-                            <a:rPr lang="es-AR" sz="1400" b="1" i="0" u="none" strike="noStrike" dirty="0">
-                              <a:solidFill>
-                                <a:schemeClr val="tx1"/>
-                              </a:solidFill>
-                              <a:effectLst/>
-                              <a:latin typeface="Proxima Nova" panose="020B0604020202020204" charset="0"/>
-                            </a:rPr>
-                            <a:t>)</a:t>
+                            <a:t>(Accu =  1 - Error rate)</a:t>
                           </a:r>
                           <a:endParaRPr lang="es-AR" sz="1400" b="0" i="0" u="none" strike="noStrike" dirty="0">
                             <a:solidFill>
@@ -25853,15 +21862,7 @@
             </a:pPr>
             <a:r>
               <a:rPr lang="en-GB" dirty="0"/>
-              <a:t>Overfitting (</a:t>
-            </a:r>
-            <a:r>
-              <a:rPr lang="en-GB" dirty="0" err="1"/>
-              <a:t>repaso</a:t>
-            </a:r>
-            <a:r>
-              <a:rPr lang="en-GB" dirty="0"/>
-              <a:t>)</a:t>
+              <a:t>Overfitting (repaso)</a:t>
             </a:r>
             <a:endParaRPr dirty="0"/>
           </a:p>
@@ -26230,19 +22231,7 @@
               <a:rPr lang="en-GB" sz="2000" dirty="0">
                 <a:latin typeface="+mj-lt"/>
               </a:rPr>
-              <a:t>Overfitting (</a:t>
-            </a:r>
-            <a:r>
-              <a:rPr lang="en-GB" sz="2000" dirty="0" err="1">
-                <a:latin typeface="+mj-lt"/>
-              </a:rPr>
-              <a:t>Repaso</a:t>
-            </a:r>
-            <a:r>
-              <a:rPr lang="en-GB" sz="2000" dirty="0">
-                <a:latin typeface="+mj-lt"/>
-              </a:rPr>
-              <a:t>)</a:t>
+              <a:t>Overfitting (Repaso)</a:t>
             </a:r>
           </a:p>
         </p:txBody>
@@ -26639,20 +22628,8 @@
               <a:buChar char="•"/>
             </a:pPr>
             <a:r>
-              <a:rPr lang="es-MX" sz="1600" dirty="0" err="1"/>
-              <a:t>Overfitting</a:t>
-            </a:r>
-            <a:r>
               <a:rPr lang="es-MX" sz="1600" dirty="0"/>
-              <a:t> se puede producir por varias causas. </a:t>
-            </a:r>
-            <a:r>
-              <a:rPr lang="es-MX" sz="1600" dirty="0" err="1"/>
-              <a:t>Ej</a:t>
-            </a:r>
-            <a:r>
-              <a:rPr lang="es-MX" sz="1600" dirty="0"/>
-              <a:t>: polinomios de muy alto grado, utilización de una gran cantidad de variables, valores de parámetros que otorgan mucha flexibilidad (como un K bajo en KNN)</a:t>
+              <a:t>Overfitting se puede producir por varias causas. Ej: polinomios de muy alto grado, utilización de una gran cantidad de variables, valores de parámetros que otorgan mucha flexibilidad (como un K bajo en KNN)</a:t>
             </a:r>
           </a:p>
         </p:txBody>
@@ -26723,15 +22700,7 @@
             </a:pPr>
             <a:r>
               <a:rPr lang="en-GB" dirty="0"/>
-              <a:t>Train y test (</a:t>
-            </a:r>
-            <a:r>
-              <a:rPr lang="en-GB" dirty="0" err="1"/>
-              <a:t>repaso</a:t>
-            </a:r>
-            <a:r>
-              <a:rPr lang="en-GB" dirty="0"/>
-              <a:t>)</a:t>
+              <a:t>Train y test (repaso)</a:t>
             </a:r>
             <a:endParaRPr dirty="0"/>
           </a:p>
@@ -27390,23 +23359,7 @@
             </a:pPr>
             <a:r>
               <a:rPr lang="es-MX" sz="1600" dirty="0"/>
-              <a:t>Técnica para lidiar con el </a:t>
-            </a:r>
-            <a:r>
-              <a:rPr lang="es-MX" sz="1600" dirty="0" err="1"/>
-              <a:t>overfitting</a:t>
-            </a:r>
-            <a:r>
-              <a:rPr lang="es-MX" sz="1600" dirty="0"/>
-              <a:t>: Se </a:t>
-            </a:r>
-            <a:r>
-              <a:rPr lang="es-MX" sz="1600" dirty="0" err="1"/>
-              <a:t>evalua</a:t>
-            </a:r>
-            <a:r>
-              <a:rPr lang="es-MX" sz="1600" dirty="0"/>
-              <a:t> la calidad de las predicciones sobre datos no utilizados para entrenar el modelo. ¿En qué consiste?</a:t>
+              <a:t>Técnica para lidiar con el overfitting: Se evalua la calidad de las predicciones sobre datos no utilizados para entrenar el modelo. ¿En qué consiste?</a:t>
             </a:r>
           </a:p>
           <a:p>
@@ -27423,15 +23376,7 @@
             </a:pPr>
             <a:r>
               <a:rPr lang="es-MX" sz="1600" dirty="0"/>
-              <a:t>Se divide el </a:t>
-            </a:r>
-            <a:r>
-              <a:rPr lang="es-MX" sz="1600" dirty="0" err="1"/>
-              <a:t>dataset</a:t>
-            </a:r>
-            <a:r>
-              <a:rPr lang="es-MX" sz="1600" dirty="0"/>
-              <a:t> (usualmente 80% - 20%) utilizando una parte para entrenamiento del modelo y otra para testeo</a:t>
+              <a:t>Se divide el dataset (usualmente 80% - 20%) utilizando una parte para entrenamiento del modelo y otra para testeo</a:t>
             </a:r>
           </a:p>
           <a:p>
@@ -27476,12 +23421,8 @@
               <a:t>En algunos casos, se recomienda dejar parte del </a:t>
             </a:r>
             <a:r>
-              <a:rPr lang="es-MX" sz="1600" i="1" dirty="0" err="1"/>
-              <a:t>subset</a:t>
-            </a:r>
-            <a:r>
               <a:rPr lang="es-MX" sz="1600" i="1" dirty="0"/>
-              <a:t> </a:t>
+              <a:t>subset </a:t>
             </a:r>
             <a:r>
               <a:rPr lang="es-MX" sz="1600" dirty="0"/>
@@ -27615,19 +23556,7 @@
             </a:pPr>
             <a:r>
               <a:rPr lang="es-MX" dirty="0"/>
-              <a:t>Problema de utilizar un solo </a:t>
-            </a:r>
-            <a:r>
-              <a:rPr lang="es-MX" dirty="0" err="1"/>
-              <a:t>dataset</a:t>
-            </a:r>
-            <a:r>
-              <a:rPr lang="es-MX" dirty="0"/>
-              <a:t> de </a:t>
-            </a:r>
-            <a:r>
-              <a:rPr lang="es-MX" dirty="0" err="1"/>
-              <a:t>testing</a:t>
+              <a:t>Problema de utilizar un solo dataset de testing</a:t>
             </a:r>
             <a:endParaRPr lang="es-MX" b="1" dirty="0">
               <a:solidFill>
@@ -27972,15 +23901,7 @@
             </a:pPr>
             <a:r>
               <a:rPr lang="es-MX" sz="1600" dirty="0"/>
-              <a:t>Las métricas calculadas sobre el data set de </a:t>
-            </a:r>
-            <a:r>
-              <a:rPr lang="es-MX" sz="1600" dirty="0" err="1"/>
-              <a:t>testing</a:t>
-            </a:r>
-            <a:r>
-              <a:rPr lang="es-MX" sz="1600" dirty="0"/>
-              <a:t> estarán muy ligadas a los datos que aleatoriamente quedaron seleccionados en él</a:t>
+              <a:t>Las métricas calculadas sobre el data set de testing estarán muy ligadas a los datos que aleatoriamente quedaron seleccionados en él</a:t>
             </a:r>
           </a:p>
           <a:p>
@@ -27997,31 +23918,15 @@
             </a:pPr>
             <a:r>
               <a:rPr lang="es-MX" sz="1600" dirty="0"/>
-              <a:t>El gráfico de la derecha muestra que, para un mismo </a:t>
+              <a:t>El gráfico de la derecha muestra que, para un mismo dataset, al cambiar el </a:t>
             </a:r>
             <a:r>
-              <a:rPr lang="es-MX" sz="1600" dirty="0" err="1"/>
-              <a:t>dataset</a:t>
-            </a:r>
-            <a:r>
-              <a:rPr lang="es-MX" sz="1600" dirty="0"/>
-              <a:t>, al cambiar el </a:t>
-            </a:r>
-            <a:r>
-              <a:rPr lang="es-MX" sz="1600" b="1" i="1" dirty="0" err="1"/>
+              <a:rPr lang="es-MX" sz="1600" b="1" i="1" dirty="0"/>
               <a:t>subset</a:t>
             </a:r>
             <a:r>
               <a:rPr lang="es-MX" sz="1600" dirty="0"/>
-              <a:t> de </a:t>
-            </a:r>
-            <a:r>
-              <a:rPr lang="es-MX" sz="1600" dirty="0" err="1"/>
-              <a:t>testing</a:t>
-            </a:r>
-            <a:r>
-              <a:rPr lang="es-MX" sz="1600" dirty="0"/>
-              <a:t> se pueden obtener diferencias significativas en el MSE (se muestra el error alcanzado con modelos que utilizan polinomios de distintos grados) </a:t>
+              <a:t> de testing se pueden obtener diferencias significativas en el MSE (se muestra el error alcanzado con modelos que utilizan polinomios de distintos grados) </a:t>
             </a:r>
             <a:endParaRPr lang="es-MX" sz="1600" b="1" dirty="0">
               <a:solidFill>
@@ -28100,15 +24005,7 @@
             </a:pPr>
             <a:r>
               <a:rPr lang="en-GB" dirty="0"/>
-              <a:t>Agenda </a:t>
-            </a:r>
-            <a:r>
-              <a:rPr lang="en-GB" dirty="0" err="1"/>
-              <a:t>clases</a:t>
-            </a:r>
-            <a:r>
-              <a:rPr lang="en-GB" dirty="0"/>
-              <a:t> 4 a 6</a:t>
+              <a:t>Agenda clases 4 a 6</a:t>
             </a:r>
             <a:endParaRPr dirty="0"/>
           </a:p>
@@ -28153,26 +24050,17 @@
               <a:buAutoNum type="romanUcPeriod"/>
             </a:pPr>
             <a:r>
-              <a:rPr lang="en-GB" sz="1400" b="1" dirty="0" err="1"/>
-              <a:t>Modelos</a:t>
+              <a:rPr lang="en-GB" sz="1400" b="1" dirty="0"/>
+              <a:t>Modelos de </a:t>
             </a:r>
             <a:r>
-              <a:rPr lang="en-GB" sz="1400" b="1" dirty="0"/>
-              <a:t> de </a:t>
-            </a:r>
-            <a:r>
-              <a:rPr lang="en-GB" sz="1400" b="1" dirty="0" err="1">
+              <a:rPr lang="en-GB" sz="1400" b="1" dirty="0">
                 <a:highlight>
                   <a:schemeClr val="lt2"/>
                 </a:highlight>
               </a:rPr>
               <a:t>clasificación</a:t>
             </a:r>
-            <a:endParaRPr lang="en-GB" sz="1400" b="1" dirty="0">
-              <a:highlight>
-                <a:schemeClr val="lt2"/>
-              </a:highlight>
-            </a:endParaRPr>
           </a:p>
           <a:p>
             <a:pPr marL="939800" lvl="1" indent="-342900">
@@ -28191,7 +24079,7 @@
               <a:t> </a:t>
             </a:r>
             <a:r>
-              <a:rPr lang="en-GB" dirty="0" err="1">
+              <a:rPr lang="en-GB" dirty="0">
                 <a:highlight>
                   <a:schemeClr val="lt2"/>
                 </a:highlight>
@@ -28239,28 +24127,8 @@
               <a:buAutoNum type="romanUcPeriod"/>
             </a:pPr>
             <a:r>
-              <a:rPr lang="en-GB" sz="1400" b="1" dirty="0" err="1"/>
-              <a:t>Cuestiones</a:t>
-            </a:r>
-            <a:r>
               <a:rPr lang="en-GB" sz="1400" b="1" dirty="0"/>
-              <a:t> </a:t>
-            </a:r>
-            <a:r>
-              <a:rPr lang="en-GB" sz="1400" b="1" dirty="0" err="1"/>
-              <a:t>asociadas</a:t>
-            </a:r>
-            <a:r>
-              <a:rPr lang="en-GB" sz="1400" b="1" dirty="0"/>
-              <a:t> al </a:t>
-            </a:r>
-            <a:r>
-              <a:rPr lang="en-GB" sz="1400" b="1" dirty="0" err="1"/>
-              <a:t>enfoque</a:t>
-            </a:r>
-            <a:r>
-              <a:rPr lang="en-GB" sz="1400" b="1" dirty="0"/>
-              <a:t> ML:</a:t>
+              <a:t>Cuestiones asociadas al enfoque ML para predicción:</a:t>
             </a:r>
           </a:p>
           <a:p>
@@ -28273,7 +24141,7 @@
               <a:buAutoNum type="alphaLcParenR"/>
             </a:pPr>
             <a:r>
-              <a:rPr lang="en-GB" dirty="0" err="1">
+              <a:rPr lang="en-GB" dirty="0">
                 <a:highlight>
                   <a:schemeClr val="lt2"/>
                 </a:highlight>
@@ -28282,13 +24150,8 @@
             </a:r>
             <a:r>
               <a:rPr lang="en-GB" dirty="0"/>
-              <a:t> de </a:t>
+              <a:t> de rendimiento</a:t>
             </a:r>
-            <a:r>
-              <a:rPr lang="en-GB" dirty="0" err="1"/>
-              <a:t>rendimiento</a:t>
-            </a:r>
-            <a:endParaRPr lang="en-GB" dirty="0"/>
           </a:p>
           <a:p>
             <a:pPr lvl="1" indent="-342900">
@@ -28299,12 +24162,8 @@
               <a:buAutoNum type="alphaLcParenR"/>
             </a:pPr>
             <a:r>
-              <a:rPr lang="en-GB" dirty="0" err="1"/>
-              <a:t>Problemas</a:t>
-            </a:r>
-            <a:r>
               <a:rPr lang="en-GB" dirty="0"/>
-              <a:t> de </a:t>
+              <a:t>Problemas de </a:t>
             </a:r>
             <a:r>
               <a:rPr lang="en-GB" dirty="0">
@@ -28492,27 +24351,7 @@
             </a:pPr>
             <a:r>
               <a:rPr lang="es-MX" dirty="0"/>
-              <a:t>K-</a:t>
-            </a:r>
-            <a:r>
-              <a:rPr lang="es-MX" dirty="0" err="1"/>
-              <a:t>fold</a:t>
-            </a:r>
-            <a:r>
-              <a:rPr lang="es-MX" dirty="0"/>
-              <a:t> </a:t>
-            </a:r>
-            <a:r>
-              <a:rPr lang="es-MX" dirty="0" err="1"/>
-              <a:t>cross</a:t>
-            </a:r>
-            <a:r>
-              <a:rPr lang="es-MX" dirty="0"/>
-              <a:t> </a:t>
-            </a:r>
-            <a:r>
-              <a:rPr lang="es-MX" dirty="0" err="1"/>
-              <a:t>validation</a:t>
+              <a:t>K-fold cross validation</a:t>
             </a:r>
             <a:endParaRPr lang="es-MX" b="1" dirty="0">
               <a:solidFill>
@@ -28875,15 +24714,7 @@
             </a:pPr>
             <a:r>
               <a:rPr lang="es-MX" sz="1600" dirty="0"/>
-              <a:t>Se divide el </a:t>
-            </a:r>
-            <a:r>
-              <a:rPr lang="es-MX" sz="1600" dirty="0" err="1"/>
-              <a:t>dataset</a:t>
-            </a:r>
-            <a:r>
-              <a:rPr lang="es-MX" sz="1600" dirty="0"/>
-              <a:t> en </a:t>
+              <a:t>Se divide el dataset en </a:t>
             </a:r>
             <a:r>
               <a:rPr lang="es-MX" sz="1600" b="1" dirty="0"/>
@@ -28912,20 +24743,12 @@
               <a:t>iteraciones, usando en cada iteración una partición distinta como </a:t>
             </a:r>
             <a:r>
-              <a:rPr lang="es-MX" sz="1600" i="1" dirty="0" err="1"/>
-              <a:t>subset</a:t>
-            </a:r>
-            <a:r>
               <a:rPr lang="es-MX" sz="1600" i="1" dirty="0"/>
-              <a:t> de </a:t>
-            </a:r>
-            <a:r>
-              <a:rPr lang="es-MX" sz="1600" dirty="0" err="1"/>
-              <a:t>testing</a:t>
+              <a:t>subset de </a:t>
             </a:r>
             <a:r>
               <a:rPr lang="es-MX" sz="1600" dirty="0"/>
-              <a:t> para las restantes</a:t>
+              <a:t>testing para las restantes</a:t>
             </a:r>
           </a:p>
           <a:p>
@@ -28981,7 +24804,7 @@
           </a:bodyPr>
           <a:lstStyle/>
           <a:p>
-            <a:endParaRPr lang="es-AR"/>
+            <a:endParaRPr lang="es-AR" dirty="0"/>
           </a:p>
         </p:txBody>
       </p:sp>
@@ -29050,7 +24873,7 @@
               <a:buNone/>
             </a:pPr>
             <a:r>
-              <a:rPr lang="en-GB" dirty="0" err="1"/>
+              <a:rPr lang="en-GB" dirty="0"/>
               <a:t>Anexos</a:t>
             </a:r>
             <a:endParaRPr dirty="0"/>
@@ -29367,28 +25190,10 @@
           </a:lstStyle>
           <a:p>
             <a:r>
-              <a:rPr lang="en-GB" sz="2000" dirty="0" err="1">
-                <a:latin typeface="+mj-lt"/>
-              </a:rPr>
-              <a:t>Sobre</a:t>
-            </a:r>
-            <a:r>
               <a:rPr lang="en-GB" sz="2000" dirty="0">
                 <a:latin typeface="+mj-lt"/>
               </a:rPr>
-              <a:t> la </a:t>
-            </a:r>
-            <a:r>
-              <a:rPr lang="en-GB" sz="2000" dirty="0" err="1">
-                <a:latin typeface="+mj-lt"/>
-              </a:rPr>
-              <a:t>función</a:t>
-            </a:r>
-            <a:r>
-              <a:rPr lang="en-GB" sz="2000" dirty="0">
-                <a:latin typeface="+mj-lt"/>
-              </a:rPr>
-              <a:t> Logistica </a:t>
+              <a:t>Sobre la función Logistica </a:t>
             </a:r>
           </a:p>
         </p:txBody>
@@ -31486,7 +27291,7 @@
         </p:nvSpPr>
         <p:spPr>
           <a:xfrm>
-            <a:off x="150975" y="-1542"/>
+            <a:off x="127589" y="0"/>
             <a:ext cx="8520600" cy="423177"/>
           </a:xfrm>
           <a:prstGeom prst="rect">
@@ -31499,7 +27304,7 @@
         </p:spPr>
         <p:txBody>
           <a:bodyPr spcFirstLastPara="1" wrap="square" lIns="91425" tIns="91425" rIns="91425" bIns="91425" anchor="t" anchorCtr="0">
-            <a:normAutofit fontScale="90000" lnSpcReduction="20000"/>
+            <a:noAutofit/>
           </a:bodyPr>
           <a:lstStyle>
             <a:defPPr marR="0" lvl="0" algn="l" rtl="0">
@@ -31750,26 +27555,11 @@
           </a:lstStyle>
           <a:p>
             <a:r>
-              <a:rPr lang="en-GB" sz="2000" dirty="0" err="1">
+              <a:rPr lang="es-AR" sz="2400" dirty="0">
                 <a:latin typeface="Prima Nova"/>
               </a:rPr>
-              <a:t>Modelos</a:t>
+              <a:t>Modelos de clasificación</a:t>
             </a:r>
-            <a:r>
-              <a:rPr lang="en-GB" sz="2000" dirty="0">
-                <a:latin typeface="Prima Nova"/>
-              </a:rPr>
-              <a:t> de </a:t>
-            </a:r>
-            <a:r>
-              <a:rPr lang="en-GB" sz="2000" dirty="0" err="1">
-                <a:latin typeface="Prima Nova"/>
-              </a:rPr>
-              <a:t>clasificación</a:t>
-            </a:r>
-            <a:endParaRPr lang="en-GB" sz="2000" dirty="0">
-              <a:latin typeface="Prima Nova"/>
-            </a:endParaRPr>
           </a:p>
         </p:txBody>
       </p:sp>
@@ -31787,8 +27577,8 @@
         </p:nvSpPr>
         <p:spPr>
           <a:xfrm>
-            <a:off x="255180" y="499730"/>
-            <a:ext cx="8272131" cy="2307265"/>
+            <a:off x="127589" y="531627"/>
+            <a:ext cx="8272131" cy="3970318"/>
           </a:xfrm>
           <a:prstGeom prst="rect">
             <a:avLst/>
@@ -31802,8 +27592,18 @@
           <a:lstStyle/>
           <a:p>
             <a:pPr algn="l"/>
+            <a:endParaRPr lang="es-MX" sz="1800" b="1" i="0" dirty="0">
+              <a:solidFill>
+                <a:srgbClr val="333333"/>
+              </a:solidFill>
+              <a:effectLst/>
+              <a:latin typeface="Prima Nova"/>
+            </a:endParaRPr>
+          </a:p>
+          <a:p>
+            <a:pPr algn="l"/>
             <a:r>
-              <a:rPr lang="es-MX" b="1" i="0" dirty="0">
+              <a:rPr lang="es-MX" sz="1800" b="1" i="0" dirty="0">
                 <a:solidFill>
                   <a:srgbClr val="333333"/>
                 </a:solidFill>
@@ -31818,7 +27618,7 @@
               <a:buFont typeface="Arial" panose="020B0604020202020204" pitchFamily="34" charset="0"/>
               <a:buChar char="•"/>
             </a:pPr>
-            <a:endParaRPr lang="es-MX" b="0" i="0" dirty="0">
+            <a:endParaRPr lang="es-MX" sz="1800" b="0" i="0" dirty="0">
               <a:solidFill>
                 <a:srgbClr val="333333"/>
               </a:solidFill>
@@ -31832,7 +27632,7 @@
               <a:buChar char="•"/>
             </a:pPr>
             <a:r>
-              <a:rPr lang="es-MX" b="0" i="0" dirty="0">
+              <a:rPr lang="es-MX" sz="1800" b="0" i="0" dirty="0">
                 <a:solidFill>
                   <a:srgbClr val="333333"/>
                 </a:solidFill>
@@ -31847,7 +27647,7 @@
               <a:buFont typeface="Arial" panose="020B0604020202020204" pitchFamily="34" charset="0"/>
               <a:buChar char="•"/>
             </a:pPr>
-            <a:endParaRPr lang="es-MX" b="0" i="0" dirty="0">
+            <a:endParaRPr lang="es-MX" sz="1800" b="0" i="0" dirty="0">
               <a:solidFill>
                 <a:srgbClr val="333333"/>
               </a:solidFill>
@@ -31861,7 +27661,7 @@
               <a:buChar char="•"/>
             </a:pPr>
             <a:r>
-              <a:rPr lang="es-MX" b="0" i="0" dirty="0">
+              <a:rPr lang="es-MX" sz="1800" b="0" i="0" dirty="0">
                 <a:solidFill>
                   <a:srgbClr val="333333"/>
                 </a:solidFill>
@@ -31871,7 +27671,7 @@
               <a:t>¿Cómo inciden ciertas características socio-económicas de un cliente sobre la probabilidad de que sea moroso?, ¿Como podemos estimar la probabilidad de morosidad de un cliente?</a:t>
             </a:r>
             <a:br>
-              <a:rPr lang="es-MX" b="0" i="0" dirty="0">
+              <a:rPr lang="es-MX" sz="1800" b="0" i="0" dirty="0">
                 <a:solidFill>
                   <a:srgbClr val="333333"/>
                 </a:solidFill>
@@ -31879,7 +27679,7 @@
                 <a:latin typeface="Prima Nova"/>
               </a:rPr>
             </a:br>
-            <a:endParaRPr lang="es-MX" b="0" i="0" dirty="0">
+            <a:endParaRPr lang="es-MX" sz="1800" b="0" i="0" dirty="0">
               <a:solidFill>
                 <a:srgbClr val="333333"/>
               </a:solidFill>
@@ -31893,7 +27693,7 @@
               <a:buChar char="•"/>
             </a:pPr>
             <a:r>
-              <a:rPr lang="es-MX" dirty="0">
+              <a:rPr lang="es-MX" sz="1800" dirty="0">
                 <a:solidFill>
                   <a:srgbClr val="333333"/>
                 </a:solidFill>
@@ -31971,21 +27771,8 @@
             </a:pPr>
             <a:r>
               <a:rPr lang="en-GB" dirty="0"/>
-              <a:t>I.I </a:t>
+              <a:t>I.I Regresión logística</a:t>
             </a:r>
-            <a:r>
-              <a:rPr lang="en-GB" dirty="0" err="1"/>
-              <a:t>Regresión</a:t>
-            </a:r>
-            <a:r>
-              <a:rPr lang="en-GB" dirty="0"/>
-              <a:t> </a:t>
-            </a:r>
-            <a:r>
-              <a:rPr lang="en-GB" dirty="0" err="1"/>
-              <a:t>logística</a:t>
-            </a:r>
-            <a:endParaRPr lang="en-GB" dirty="0"/>
           </a:p>
         </p:txBody>
       </p:sp>
@@ -32299,50 +28086,11 @@
           </a:lstStyle>
           <a:p>
             <a:r>
-              <a:rPr lang="en-GB" sz="2000" dirty="0" err="1">
+              <a:rPr lang="es-AR" sz="2000" dirty="0">
                 <a:latin typeface="+mj-lt"/>
               </a:rPr>
-              <a:t>Limites</a:t>
+              <a:t>Limites de la regresión lineal para problemas de clasificación</a:t>
             </a:r>
-            <a:r>
-              <a:rPr lang="en-GB" sz="2000" dirty="0">
-                <a:latin typeface="+mj-lt"/>
-              </a:rPr>
-              <a:t> de la </a:t>
-            </a:r>
-            <a:r>
-              <a:rPr lang="en-GB" sz="2000" dirty="0" err="1">
-                <a:latin typeface="+mj-lt"/>
-              </a:rPr>
-              <a:t>regresion</a:t>
-            </a:r>
-            <a:r>
-              <a:rPr lang="en-GB" sz="2000" dirty="0">
-                <a:latin typeface="+mj-lt"/>
-              </a:rPr>
-              <a:t> lineal para </a:t>
-            </a:r>
-            <a:r>
-              <a:rPr lang="en-GB" sz="2000" dirty="0" err="1">
-                <a:latin typeface="+mj-lt"/>
-              </a:rPr>
-              <a:t>problemas</a:t>
-            </a:r>
-            <a:r>
-              <a:rPr lang="en-GB" sz="2000" dirty="0">
-                <a:latin typeface="+mj-lt"/>
-              </a:rPr>
-              <a:t> de </a:t>
-            </a:r>
-            <a:r>
-              <a:rPr lang="en-GB" sz="2000" dirty="0" err="1">
-                <a:latin typeface="+mj-lt"/>
-              </a:rPr>
-              <a:t>clasificación</a:t>
-            </a:r>
-            <a:endParaRPr lang="en-GB" sz="2000" dirty="0">
-              <a:latin typeface="+mj-lt"/>
-            </a:endParaRPr>
           </a:p>
         </p:txBody>
       </p:sp>
@@ -32511,27 +28259,7 @@
                 <a:effectLst/>
                 <a:latin typeface="Proxima Nova" panose="020B0604020202020204" charset="0"/>
               </a:rPr>
-              <a:t> más de 2 categorías para clasificar (</a:t>
-            </a:r>
-            <a:r>
-              <a:rPr lang="es-MX" b="0" i="0" dirty="0" err="1">
-                <a:solidFill>
-                  <a:srgbClr val="333333"/>
-                </a:solidFill>
-                <a:effectLst/>
-                <a:latin typeface="Proxima Nova" panose="020B0604020202020204" charset="0"/>
-              </a:rPr>
-              <a:t>Ej</a:t>
-            </a:r>
-            <a:r>
-              <a:rPr lang="es-MX" b="0" i="0" dirty="0">
-                <a:solidFill>
-                  <a:srgbClr val="333333"/>
-                </a:solidFill>
-                <a:effectLst/>
-                <a:latin typeface="Proxima Nova" panose="020B0604020202020204" charset="0"/>
-              </a:rPr>
-              <a:t>: “Desempleado”, “Inactivo”, “Ocupado”) la regresión lineal requeriría la conversión de la variable objetivo en ordinal. Ello trae dos suposiciones problemáticas:</a:t>
+              <a:t> más de 2 categorías para clasificar (Ej: “Desempleado”, “Inactivo”, “Ocupado”) la regresión lineal requeriría la conversión de la variable objetivo en ordinal. Ello trae dos suposiciones problemáticas:</a:t>
             </a:r>
           </a:p>
           <a:p>
@@ -32925,10 +28653,10 @@
           </a:lstStyle>
           <a:p>
             <a:r>
-              <a:rPr lang="en-GB" sz="2000" dirty="0" err="1">
+              <a:rPr lang="es-MX" sz="2000" dirty="0">
                 <a:latin typeface="+mj-lt"/>
               </a:rPr>
-              <a:t>Regresion</a:t>
+              <a:t>Regresión</a:t>
             </a:r>
             <a:r>
               <a:rPr lang="en-GB" sz="2000" dirty="0">
@@ -32937,14 +28665,11 @@
               <a:t> </a:t>
             </a:r>
             <a:r>
-              <a:rPr lang="en-GB" sz="2000" dirty="0" err="1">
+              <a:rPr lang="es-AR" sz="2000" dirty="0">
                 <a:latin typeface="+mj-lt"/>
               </a:rPr>
               <a:t>logística</a:t>
             </a:r>
-            <a:endParaRPr lang="en-GB" sz="2000" dirty="0">
-              <a:latin typeface="+mj-lt"/>
-            </a:endParaRPr>
           </a:p>
         </p:txBody>
       </p:sp>
@@ -33378,34 +29103,16 @@
           </a:lstStyle>
           <a:p>
             <a:r>
-              <a:rPr lang="en-GB" sz="2000" dirty="0" err="1">
-                <a:latin typeface="+mj-lt"/>
-              </a:rPr>
-              <a:t>Sobre</a:t>
-            </a:r>
-            <a:r>
               <a:rPr lang="en-GB" sz="2000" dirty="0">
                 <a:latin typeface="+mj-lt"/>
               </a:rPr>
-              <a:t> la </a:t>
+              <a:t>Sobre la función </a:t>
             </a:r>
             <a:r>
-              <a:rPr lang="en-GB" sz="2000" dirty="0" err="1">
+              <a:rPr lang="es-AR" sz="2000" dirty="0">
                 <a:latin typeface="+mj-lt"/>
               </a:rPr>
-              <a:t>función</a:t>
-            </a:r>
-            <a:r>
-              <a:rPr lang="en-GB" sz="2000" dirty="0">
-                <a:latin typeface="+mj-lt"/>
-              </a:rPr>
-              <a:t> </a:t>
-            </a:r>
-            <a:r>
-              <a:rPr lang="en-GB" sz="2000" dirty="0" err="1">
-                <a:latin typeface="+mj-lt"/>
-              </a:rPr>
-              <a:t>logistica</a:t>
+              <a:t>logística</a:t>
             </a:r>
             <a:r>
               <a:rPr lang="en-GB" sz="2000" dirty="0">
@@ -34022,135 +29729,6 @@
           </p:sp>
         </mc:Fallback>
       </mc:AlternateContent>
-      <mc:AlternateContent xmlns:mc="http://schemas.openxmlformats.org/markup-compatibility/2006" xmlns:a14="http://schemas.microsoft.com/office/drawing/2010/main">
-        <mc:Choice Requires="a14">
-          <p:sp>
-            <p:nvSpPr>
-              <p:cNvPr id="5" name="CuadroTexto 4">
-                <a:extLst>
-                  <a:ext uri="{FF2B5EF4-FFF2-40B4-BE49-F238E27FC236}">
-                    <a16:creationId xmlns:a16="http://schemas.microsoft.com/office/drawing/2014/main" id="{D8688AAB-42D6-E5CD-A22D-F1BF3D0D1F42}"/>
-                  </a:ext>
-                </a:extLst>
-              </p:cNvPr>
-              <p:cNvSpPr txBox="1"/>
-              <p:nvPr/>
-            </p:nvSpPr>
-            <p:spPr>
-              <a:xfrm>
-                <a:off x="466596" y="4418452"/>
-                <a:ext cx="7889357" cy="543610"/>
-              </a:xfrm>
-              <a:prstGeom prst="rect">
-                <a:avLst/>
-              </a:prstGeom>
-              <a:noFill/>
-            </p:spPr>
-            <p:txBody>
-              <a:bodyPr wrap="square">
-                <a:spAutoFit/>
-              </a:bodyPr>
-              <a:lstStyle/>
-              <a:p>
-                <a:r>
-                  <a:rPr lang="es-MX" b="1" dirty="0"/>
-                  <a:t>¿Qué pasa si al estimar el modelo </a:t>
-                </a:r>
-                <a14:m>
-                  <m:oMath xmlns:m="http://schemas.openxmlformats.org/officeDocument/2006/math">
-                    <m:sSub>
-                      <m:sSubPr>
-                        <m:ctrlPr>
-                          <a:rPr lang="es-MX" b="1" i="1" smtClean="0">
-                            <a:solidFill>
-                              <a:schemeClr val="tx1"/>
-                            </a:solidFill>
-                            <a:latin typeface="Cambria Math" panose="02040503050406030204" pitchFamily="18" charset="0"/>
-                            <a:ea typeface="Cambria Math" panose="02040503050406030204" pitchFamily="18" charset="0"/>
-                          </a:rPr>
-                        </m:ctrlPr>
-                      </m:sSubPr>
-                      <m:e>
-                        <m:r>
-                          <a:rPr lang="es-MX" b="1" i="1">
-                            <a:solidFill>
-                              <a:schemeClr val="tx1"/>
-                            </a:solidFill>
-                            <a:latin typeface="Cambria Math" panose="02040503050406030204" pitchFamily="18" charset="0"/>
-                            <a:ea typeface="Cambria Math" panose="02040503050406030204" pitchFamily="18" charset="0"/>
-                          </a:rPr>
-                          <m:t>𝜷</m:t>
-                        </m:r>
-                      </m:e>
-                      <m:sub>
-                        <m:r>
-                          <a:rPr lang="es-MX" b="1" i="1" smtClean="0">
-                            <a:solidFill>
-                              <a:schemeClr val="tx1"/>
-                            </a:solidFill>
-                            <a:latin typeface="Cambria Math" panose="02040503050406030204" pitchFamily="18" charset="0"/>
-                            <a:ea typeface="Cambria Math" panose="02040503050406030204" pitchFamily="18" charset="0"/>
-                          </a:rPr>
-                          <m:t>𝒋</m:t>
-                        </m:r>
-                      </m:sub>
-                    </m:sSub>
-                  </m:oMath>
-                </a14:m>
-                <a:r>
-                  <a:rPr lang="es-MX" b="1" dirty="0"/>
-                  <a:t> vale 0?, ¿Qué pasa si arroja valores muy negativos o muy positivos?</a:t>
-                </a:r>
-                <a:endParaRPr lang="es-AR" dirty="0"/>
-              </a:p>
-            </p:txBody>
-          </p:sp>
-        </mc:Choice>
-        <mc:Fallback xmlns="">
-          <p:sp>
-            <p:nvSpPr>
-              <p:cNvPr id="5" name="CuadroTexto 4">
-                <a:extLst>
-                  <a:ext uri="{FF2B5EF4-FFF2-40B4-BE49-F238E27FC236}">
-                    <a16:creationId xmlns:a16="http://schemas.microsoft.com/office/drawing/2014/main" id="{D8688AAB-42D6-E5CD-A22D-F1BF3D0D1F42}"/>
-                  </a:ext>
-                </a:extLst>
-              </p:cNvPr>
-              <p:cNvSpPr txBox="1">
-                <a:spLocks noRot="1" noChangeAspect="1" noMove="1" noResize="1" noEditPoints="1" noAdjustHandles="1" noChangeArrowheads="1" noChangeShapeType="1" noTextEdit="1"/>
-              </p:cNvSpPr>
-              <p:nvPr/>
-            </p:nvSpPr>
-            <p:spPr>
-              <a:xfrm>
-                <a:off x="466596" y="4418452"/>
-                <a:ext cx="7889357" cy="543610"/>
-              </a:xfrm>
-              <a:prstGeom prst="rect">
-                <a:avLst/>
-              </a:prstGeom>
-              <a:blipFill>
-                <a:blip r:embed="rId5"/>
-                <a:stretch>
-                  <a:fillRect l="-232" t="-2247" b="-11236"/>
-                </a:stretch>
-              </a:blipFill>
-            </p:spPr>
-            <p:txBody>
-              <a:bodyPr/>
-              <a:lstStyle/>
-              <a:p>
-                <a:r>
-                  <a:rPr lang="es-AR">
-                    <a:noFill/>
-                  </a:rPr>
-                  <a:t> </a:t>
-                </a:r>
-              </a:p>
-            </p:txBody>
-          </p:sp>
-        </mc:Fallback>
-      </mc:AlternateContent>
     </p:spTree>
     <p:extLst>
       <p:ext uri="{BB962C8B-B14F-4D97-AF65-F5344CB8AC3E}">
@@ -34464,29 +30042,8 @@
               <a:rPr lang="en-GB" sz="2000" dirty="0">
                 <a:latin typeface="+mj-lt"/>
               </a:rPr>
-              <a:t>Un </a:t>
+              <a:t>Un poquito de matemática</a:t>
             </a:r>
-            <a:r>
-              <a:rPr lang="en-GB" sz="2000" dirty="0" err="1">
-                <a:latin typeface="+mj-lt"/>
-              </a:rPr>
-              <a:t>poquito</a:t>
-            </a:r>
-            <a:r>
-              <a:rPr lang="en-GB" sz="2000" dirty="0">
-                <a:latin typeface="+mj-lt"/>
-              </a:rPr>
-              <a:t> de </a:t>
-            </a:r>
-            <a:r>
-              <a:rPr lang="en-GB" sz="2000" dirty="0" err="1">
-                <a:latin typeface="+mj-lt"/>
-              </a:rPr>
-              <a:t>matemática</a:t>
-            </a:r>
-            <a:endParaRPr lang="en-GB" sz="2000" dirty="0">
-              <a:latin typeface="+mj-lt"/>
-            </a:endParaRPr>
           </a:p>
         </p:txBody>
       </p:sp>
@@ -34694,18 +30251,14 @@
               <a:tabLst/>
             </a:pPr>
             <a:r>
-              <a:rPr lang="es-AR" altLang="es-AR" b="1" dirty="0" err="1">
-                <a:latin typeface="Prima Nova"/>
+              <a:rPr lang="es-AR" altLang="es-AR" i="1" dirty="0">
+                <a:solidFill>
+                  <a:srgbClr val="FF0000"/>
+                </a:solidFill>
+                <a:latin typeface="Cambria Math" panose="02040503050406030204" pitchFamily="18" charset="0"/>
                 <a:ea typeface="Cambria Math" panose="02040503050406030204" pitchFamily="18" charset="0"/>
               </a:rPr>
-              <a:t>Odds</a:t>
-            </a:r>
-            <a:r>
-              <a:rPr lang="es-AR" altLang="es-AR" b="1" dirty="0">
-                <a:latin typeface="Prima Nova"/>
-                <a:ea typeface="Cambria Math" panose="02040503050406030204" pitchFamily="18" charset="0"/>
-              </a:rPr>
-              <a:t> ratio</a:t>
+              <a:t>Odds ratio</a:t>
             </a:r>
             <a:r>
               <a:rPr kumimoji="0" lang="es-AR" altLang="es-AR" b="0" i="0" u="none" strike="noStrike" cap="none" normalizeH="0" baseline="0" dirty="0">
@@ -34747,8 +30300,8 @@
           </a:p>
         </p:txBody>
       </p:sp>
-      <mc:AlternateContent xmlns:mc="http://schemas.openxmlformats.org/markup-compatibility/2006" xmlns:a14="http://schemas.microsoft.com/office/drawing/2010/main">
-        <mc:Choice Requires="a14">
+      <mc:AlternateContent xmlns:mc="http://schemas.openxmlformats.org/markup-compatibility/2006">
+        <mc:Choice xmlns:a14="http://schemas.microsoft.com/office/drawing/2010/main" Requires="a14">
           <p:sp>
             <p:nvSpPr>
               <p:cNvPr id="12" name="CuadroTexto 11">
@@ -34763,7 +30316,7 @@
             </p:nvSpPr>
             <p:spPr>
               <a:xfrm>
-                <a:off x="0" y="1080732"/>
+                <a:off x="150975" y="970339"/>
                 <a:ext cx="4572000" cy="562447"/>
               </a:xfrm>
               <a:prstGeom prst="rect">
@@ -35172,7 +30725,7 @@
             </p:txBody>
           </p:sp>
         </mc:Choice>
-        <mc:Fallback xmlns="">
+        <mc:Fallback>
           <p:sp>
             <p:nvSpPr>
               <p:cNvPr id="12" name="CuadroTexto 11">
@@ -35189,7 +30742,7 @@
             </p:nvSpPr>
             <p:spPr>
               <a:xfrm>
-                <a:off x="0" y="1080732"/>
+                <a:off x="150975" y="970339"/>
                 <a:ext cx="4572000" cy="562447"/>
               </a:xfrm>
               <a:prstGeom prst="rect">
@@ -35217,8 +30770,8 @@
           </p:sp>
         </mc:Fallback>
       </mc:AlternateContent>
-      <mc:AlternateContent xmlns:mc="http://schemas.openxmlformats.org/markup-compatibility/2006" xmlns:a14="http://schemas.microsoft.com/office/drawing/2010/main">
-        <mc:Choice Requires="a14">
+      <mc:AlternateContent xmlns:mc="http://schemas.openxmlformats.org/markup-compatibility/2006">
+        <mc:Choice xmlns:a14="http://schemas.microsoft.com/office/drawing/2010/main" Requires="a14">
           <p:sp>
             <p:nvSpPr>
               <p:cNvPr id="13" name="CuadroTexto 12">
@@ -35233,8 +30786,8 @@
             </p:nvSpPr>
             <p:spPr>
               <a:xfrm>
-                <a:off x="74428" y="2306883"/>
-                <a:ext cx="6927111" cy="540917"/>
+                <a:off x="74429" y="2306883"/>
+                <a:ext cx="5665034" cy="540917"/>
               </a:xfrm>
               <a:prstGeom prst="rect">
                 <a:avLst/>
@@ -36008,7 +31561,7 @@
             </p:txBody>
           </p:sp>
         </mc:Choice>
-        <mc:Fallback xmlns="">
+        <mc:Fallback>
           <p:sp>
             <p:nvSpPr>
               <p:cNvPr id="13" name="CuadroTexto 12">
@@ -36025,8 +31578,8 @@
             </p:nvSpPr>
             <p:spPr>
               <a:xfrm>
-                <a:off x="74428" y="2306883"/>
-                <a:ext cx="6927111" cy="540917"/>
+                <a:off x="74429" y="2306883"/>
+                <a:ext cx="5665034" cy="540917"/>
               </a:xfrm>
               <a:prstGeom prst="rect">
                 <a:avLst/>
@@ -37163,8 +32716,8 @@
         </p:nvSpPr>
         <p:spPr>
           <a:xfrm>
-            <a:off x="0" y="882298"/>
-            <a:ext cx="5932967" cy="2743404"/>
+            <a:off x="1" y="882298"/>
+            <a:ext cx="5837276" cy="2743404"/>
           </a:xfrm>
           <a:prstGeom prst="rect">
             <a:avLst/>
@@ -37198,7 +32751,7 @@
           <a:lstStyle/>
           <a:p>
             <a:pPr algn="ctr"/>
-            <a:endParaRPr lang="es-AR"/>
+            <a:endParaRPr lang="es-AR" dirty="0"/>
           </a:p>
         </p:txBody>
       </p:sp>
@@ -37245,7 +32798,7 @@
           <a:lstStyle/>
           <a:p>
             <a:pPr algn="ctr"/>
-            <a:endParaRPr lang="es-AR"/>
+            <a:endParaRPr lang="es-AR" dirty="0"/>
           </a:p>
         </p:txBody>
       </p:sp>
@@ -37264,7 +32817,7 @@
         <p:spPr>
           <a:xfrm>
             <a:off x="5980813" y="2714652"/>
-            <a:ext cx="2647509" cy="738664"/>
+            <a:ext cx="2939903" cy="523220"/>
           </a:xfrm>
           <a:prstGeom prst="rect">
             <a:avLst/>
@@ -37298,7 +32851,7 @@
                 <a:latin typeface="Prima Nova"/>
                 <a:ea typeface="Cambria Math" panose="02040503050406030204" pitchFamily="18" charset="0"/>
               </a:rPr>
-              <a:t>Dos formas alternativas de despejar la ecuación lineal y leer sus resultados</a:t>
+              <a:t>Dos formas alternativas de despejar la ecuación y leer sus resultados</a:t>
             </a:r>
             <a:endParaRPr kumimoji="0" lang="es-AR" altLang="es-AR" sz="2000" b="0" i="0" u="none" strike="noStrike" cap="none" normalizeH="0" baseline="0" dirty="0">
               <a:ln>
@@ -37310,8 +32863,8 @@
           </a:p>
         </p:txBody>
       </p:sp>
-      <mc:AlternateContent xmlns:mc="http://schemas.openxmlformats.org/markup-compatibility/2006" xmlns:a14="http://schemas.microsoft.com/office/drawing/2010/main">
-        <mc:Choice Requires="a14">
+      <mc:AlternateContent xmlns:mc="http://schemas.openxmlformats.org/markup-compatibility/2006">
+        <mc:Choice xmlns:a14="http://schemas.microsoft.com/office/drawing/2010/main" Requires="a14">
           <p:sp>
             <p:nvSpPr>
               <p:cNvPr id="7" name="CuadroTexto 6">
@@ -37327,7 +32880,7 @@
             <p:spPr>
               <a:xfrm>
                 <a:off x="6002803" y="888686"/>
-                <a:ext cx="2647509" cy="974498"/>
+                <a:ext cx="3141196" cy="773289"/>
               </a:xfrm>
               <a:prstGeom prst="rect">
                 <a:avLst/>
@@ -37340,10 +32893,7 @@
               </a:bodyPr>
               <a:lstStyle/>
               <a:p>
-                <a:pPr marL="0" marR="0" lvl="0" indent="0" algn="l" defTabSz="914400" rtl="0" eaLnBrk="0" fontAlgn="base" latinLnBrk="0" hangingPunct="0">
-                  <a:lnSpc>
-                    <a:spcPct val="100000"/>
-                  </a:lnSpc>
+                <a:pPr lvl="0" eaLnBrk="0" fontAlgn="base" hangingPunct="0">
                   <a:spcBef>
                     <a:spcPct val="0"/>
                   </a:spcBef>
@@ -37351,10 +32901,6 @@
                     <a:spcPct val="0"/>
                   </a:spcAft>
                   <a:buClrTx/>
-                  <a:buSzTx/>
-                  <a:buFontTx/>
-                  <a:buNone/>
-                  <a:tabLst/>
                 </a:pPr>
                 <a:r>
                   <a:rPr lang="es-AR" altLang="es-AR" b="1" dirty="0">
@@ -37400,7 +32946,55 @@
                     <a:latin typeface="Prima Nova"/>
                     <a:ea typeface="Cambria Math" panose="02040503050406030204" pitchFamily="18" charset="0"/>
                   </a:rPr>
-                  <a:t> se encuentran con un método denominado “máxima verosimilitud” (excede nuestros propósitos estudiarlo)</a:t>
+                  <a:t> se encuentran con un método denominado “máxima verosimilitud”. Encontrar </a:t>
+                </a:r>
+                <a14:m>
+                  <m:oMath xmlns:m="http://schemas.openxmlformats.org/officeDocument/2006/math">
+                    <m:sSub>
+                      <m:sSubPr>
+                        <m:ctrlPr>
+                          <a:rPr lang="es-MX" i="1">
+                            <a:solidFill>
+                              <a:schemeClr val="tx1"/>
+                            </a:solidFill>
+                            <a:latin typeface="Cambria Math" panose="02040503050406030204" pitchFamily="18" charset="0"/>
+                            <a:ea typeface="Cambria Math" panose="02040503050406030204" pitchFamily="18" charset="0"/>
+                          </a:rPr>
+                        </m:ctrlPr>
+                      </m:sSubPr>
+                      <m:e>
+                        <m:r>
+                          <a:rPr lang="es-MX" i="1">
+                            <a:solidFill>
+                              <a:schemeClr val="tx1"/>
+                            </a:solidFill>
+                            <a:latin typeface="Cambria Math" panose="02040503050406030204" pitchFamily="18" charset="0"/>
+                            <a:ea typeface="Cambria Math" panose="02040503050406030204" pitchFamily="18" charset="0"/>
+                          </a:rPr>
+                          <m:t>𝛽</m:t>
+                        </m:r>
+                      </m:e>
+                      <m:sub>
+                        <m:r>
+                          <a:rPr lang="es-MX" b="0" i="1" smtClean="0">
+                            <a:solidFill>
+                              <a:schemeClr val="tx1"/>
+                            </a:solidFill>
+                            <a:latin typeface="Cambria Math" panose="02040503050406030204" pitchFamily="18" charset="0"/>
+                            <a:ea typeface="Cambria Math" panose="02040503050406030204" pitchFamily="18" charset="0"/>
+                          </a:rPr>
+                          <m:t>𝑗</m:t>
+                        </m:r>
+                      </m:sub>
+                    </m:sSub>
+                  </m:oMath>
+                </a14:m>
+                <a:r>
+                  <a:rPr lang="es-AR" altLang="es-AR" b="1" dirty="0">
+                    <a:latin typeface="Prima Nova"/>
+                    <a:ea typeface="Cambria Math" panose="02040503050406030204" pitchFamily="18" charset="0"/>
+                  </a:rPr>
+                  <a:t> tal que maximicen:</a:t>
                 </a:r>
                 <a:endParaRPr kumimoji="0" lang="es-AR" altLang="es-AR" sz="2000" b="0" i="0" u="none" strike="noStrike" cap="none" normalizeH="0" baseline="0" dirty="0">
                   <a:ln>
@@ -37413,7 +33007,7 @@
             </p:txBody>
           </p:sp>
         </mc:Choice>
-        <mc:Fallback xmlns="">
+        <mc:Fallback>
           <p:sp>
             <p:nvSpPr>
               <p:cNvPr id="7" name="CuadroTexto 6">
@@ -37431,7 +33025,7 @@
             <p:spPr>
               <a:xfrm>
                 <a:off x="6002803" y="888686"/>
-                <a:ext cx="2647509" cy="974498"/>
+                <a:ext cx="3141196" cy="773289"/>
               </a:xfrm>
               <a:prstGeom prst="rect">
                 <a:avLst/>
@@ -37439,7 +33033,7 @@
               <a:blipFill>
                 <a:blip r:embed="rId7"/>
                 <a:stretch>
-                  <a:fillRect l="-691" t="-625" b="-5625"/>
+                  <a:fillRect l="-583" t="-787" b="-5512"/>
                 </a:stretch>
               </a:blipFill>
             </p:spPr>
@@ -37458,29 +33052,560 @@
           </p:sp>
         </mc:Fallback>
       </mc:AlternateContent>
-      <p:sp>
-        <p:nvSpPr>
-          <p:cNvPr id="9" name="Cerrar llave 8">
+      <mc:AlternateContent xmlns:mc="http://schemas.openxmlformats.org/markup-compatibility/2006">
+        <mc:Choice xmlns:a14="http://schemas.microsoft.com/office/drawing/2010/main" Requires="a14">
+          <p:sp>
+            <p:nvSpPr>
+              <p:cNvPr id="5" name="CuadroTexto 4">
+                <a:extLst>
+                  <a:ext uri="{FF2B5EF4-FFF2-40B4-BE49-F238E27FC236}">
+                    <a16:creationId xmlns:a16="http://schemas.microsoft.com/office/drawing/2014/main" id="{C4EB95BC-0A0B-D0CE-15DF-EC856D02FE3E}"/>
+                  </a:ext>
+                </a:extLst>
+              </p:cNvPr>
+              <p:cNvSpPr txBox="1"/>
+              <p:nvPr/>
+            </p:nvSpPr>
+            <p:spPr>
+              <a:xfrm>
+                <a:off x="5102470" y="1580157"/>
+                <a:ext cx="4741984" cy="639214"/>
+              </a:xfrm>
+              <a:prstGeom prst="rect">
+                <a:avLst/>
+              </a:prstGeom>
+              <a:noFill/>
+            </p:spPr>
+            <p:txBody>
+              <a:bodyPr wrap="square">
+                <a:spAutoFit/>
+              </a:bodyPr>
+              <a:lstStyle/>
+              <a:p>
+                <a:pPr/>
+                <a14:m>
+                  <m:oMathPara xmlns:m="http://schemas.openxmlformats.org/officeDocument/2006/math">
+                    <m:oMathParaPr>
+                      <m:jc m:val="centerGroup"/>
+                    </m:oMathParaPr>
+                    <m:oMath xmlns:m="http://schemas.openxmlformats.org/officeDocument/2006/math">
+                      <m:r>
+                        <m:rPr>
+                          <m:nor/>
+                        </m:rPr>
+                        <a:rPr lang="es-MX" sz="1400" b="0" i="1" dirty="0" smtClean="0">
+                          <a:solidFill>
+                            <a:schemeClr val="tx1"/>
+                          </a:solidFill>
+                          <a:latin typeface="Cambria Math" panose="02040503050406030204" pitchFamily="18" charset="0"/>
+                          <a:ea typeface="Cambria Math" panose="02040503050406030204" pitchFamily="18" charset="0"/>
+                        </a:rPr>
+                        <m:t>l</m:t>
+                      </m:r>
+                      <m:r>
+                        <m:rPr>
+                          <m:nor/>
+                        </m:rPr>
+                        <a:rPr lang="es-MX" sz="1400" b="0" i="0" dirty="0" smtClean="0">
+                          <a:solidFill>
+                            <a:schemeClr val="tx1"/>
+                          </a:solidFill>
+                          <a:latin typeface="Cambria Math" panose="02040503050406030204" pitchFamily="18" charset="0"/>
+                          <a:ea typeface="Cambria Math" panose="02040503050406030204" pitchFamily="18" charset="0"/>
+                        </a:rPr>
+                        <m:t> </m:t>
+                      </m:r>
+                      <m:r>
+                        <m:rPr>
+                          <m:nor/>
+                        </m:rPr>
+                        <a:rPr lang="en-GB" sz="1400" dirty="0" smtClean="0">
+                          <a:solidFill>
+                            <a:schemeClr val="tx1"/>
+                          </a:solidFill>
+                          <a:latin typeface="Cambria Math" panose="02040503050406030204" pitchFamily="18" charset="0"/>
+                          <a:ea typeface="Cambria Math" panose="02040503050406030204" pitchFamily="18" charset="0"/>
+                        </a:rPr>
+                        <m:t>(</m:t>
+                      </m:r>
+                      <m:sSub>
+                        <m:sSubPr>
+                          <m:ctrlPr>
+                            <a:rPr lang="es-MX" i="1">
+                              <a:solidFill>
+                                <a:schemeClr val="tx1"/>
+                              </a:solidFill>
+                              <a:latin typeface="Cambria Math" panose="02040503050406030204" pitchFamily="18" charset="0"/>
+                              <a:ea typeface="Cambria Math" panose="02040503050406030204" pitchFamily="18" charset="0"/>
+                            </a:rPr>
+                          </m:ctrlPr>
+                        </m:sSubPr>
+                        <m:e>
+                          <m:r>
+                            <a:rPr lang="es-MX" i="1">
+                              <a:solidFill>
+                                <a:schemeClr val="tx1"/>
+                              </a:solidFill>
+                              <a:latin typeface="Cambria Math" panose="02040503050406030204" pitchFamily="18" charset="0"/>
+                              <a:ea typeface="Cambria Math" panose="02040503050406030204" pitchFamily="18" charset="0"/>
+                            </a:rPr>
+                            <m:t>𝛽</m:t>
+                          </m:r>
+                        </m:e>
+                        <m:sub>
+                          <m:r>
+                            <a:rPr lang="es-MX" i="1">
+                              <a:solidFill>
+                                <a:schemeClr val="tx1"/>
+                              </a:solidFill>
+                              <a:latin typeface="Cambria Math" panose="02040503050406030204" pitchFamily="18" charset="0"/>
+                              <a:ea typeface="Cambria Math" panose="02040503050406030204" pitchFamily="18" charset="0"/>
+                            </a:rPr>
+                            <m:t>0</m:t>
+                          </m:r>
+                        </m:sub>
+                      </m:sSub>
+                      <m:r>
+                        <m:rPr>
+                          <m:nor/>
+                        </m:rPr>
+                        <a:rPr lang="es-MX" b="0" i="0" smtClean="0">
+                          <a:solidFill>
+                            <a:schemeClr val="tx1"/>
+                          </a:solidFill>
+                          <a:latin typeface="Cambria Math" panose="02040503050406030204" pitchFamily="18" charset="0"/>
+                          <a:ea typeface="Cambria Math" panose="02040503050406030204" pitchFamily="18" charset="0"/>
+                        </a:rPr>
+                        <m:t>,</m:t>
+                      </m:r>
+                      <m:sSub>
+                        <m:sSubPr>
+                          <m:ctrlPr>
+                            <a:rPr lang="es-MX" i="1">
+                              <a:solidFill>
+                                <a:schemeClr val="tx1"/>
+                              </a:solidFill>
+                              <a:latin typeface="Cambria Math" panose="02040503050406030204" pitchFamily="18" charset="0"/>
+                              <a:ea typeface="Cambria Math" panose="02040503050406030204" pitchFamily="18" charset="0"/>
+                            </a:rPr>
+                          </m:ctrlPr>
+                        </m:sSubPr>
+                        <m:e>
+                          <m:r>
+                            <a:rPr lang="es-MX" i="1">
+                              <a:solidFill>
+                                <a:schemeClr val="tx1"/>
+                              </a:solidFill>
+                              <a:latin typeface="Cambria Math" panose="02040503050406030204" pitchFamily="18" charset="0"/>
+                              <a:ea typeface="Cambria Math" panose="02040503050406030204" pitchFamily="18" charset="0"/>
+                            </a:rPr>
+                            <m:t>𝛽</m:t>
+                          </m:r>
+                        </m:e>
+                        <m:sub>
+                          <m:r>
+                            <a:rPr lang="es-MX" b="0" i="1" smtClean="0">
+                              <a:solidFill>
+                                <a:schemeClr val="tx1"/>
+                              </a:solidFill>
+                              <a:latin typeface="Cambria Math" panose="02040503050406030204" pitchFamily="18" charset="0"/>
+                              <a:ea typeface="Cambria Math" panose="02040503050406030204" pitchFamily="18" charset="0"/>
+                            </a:rPr>
+                            <m:t>1</m:t>
+                          </m:r>
+                        </m:sub>
+                      </m:sSub>
+                      <m:r>
+                        <m:rPr>
+                          <m:nor/>
+                        </m:rPr>
+                        <a:rPr lang="en-GB" sz="1400" dirty="0" smtClean="0">
+                          <a:solidFill>
+                            <a:schemeClr val="tx1"/>
+                          </a:solidFill>
+                          <a:latin typeface="Cambria Math" panose="02040503050406030204" pitchFamily="18" charset="0"/>
+                          <a:ea typeface="Cambria Math" panose="02040503050406030204" pitchFamily="18" charset="0"/>
+                        </a:rPr>
+                        <m:t>)</m:t>
+                      </m:r>
+                      <m:r>
+                        <a:rPr lang="es-MX" sz="1400" i="1" dirty="0">
+                          <a:solidFill>
+                            <a:schemeClr val="tx1"/>
+                          </a:solidFill>
+                          <a:latin typeface="Cambria Math" panose="02040503050406030204" pitchFamily="18" charset="0"/>
+                          <a:ea typeface="Cambria Math" panose="02040503050406030204" pitchFamily="18" charset="0"/>
+                        </a:rPr>
+                        <m:t>= </m:t>
+                      </m:r>
+                      <m:nary>
+                        <m:naryPr>
+                          <m:chr m:val="∏"/>
+                          <m:supHide m:val="on"/>
+                          <m:ctrlPr>
+                            <a:rPr lang="es-MX" sz="1400" i="1" dirty="0" smtClean="0">
+                              <a:solidFill>
+                                <a:schemeClr val="tx1"/>
+                              </a:solidFill>
+                              <a:latin typeface="Cambria Math" panose="02040503050406030204" pitchFamily="18" charset="0"/>
+                              <a:ea typeface="Cambria Math" panose="02040503050406030204" pitchFamily="18" charset="0"/>
+                            </a:rPr>
+                          </m:ctrlPr>
+                        </m:naryPr>
+                        <m:sub>
+                          <m:r>
+                            <m:rPr>
+                              <m:brk m:alnAt="7"/>
+                            </m:rPr>
+                            <a:rPr lang="es-MX" sz="1400" b="0" i="1" dirty="0" smtClean="0">
+                              <a:solidFill>
+                                <a:schemeClr val="tx1"/>
+                              </a:solidFill>
+                              <a:latin typeface="Cambria Math" panose="02040503050406030204" pitchFamily="18" charset="0"/>
+                              <a:ea typeface="Cambria Math" panose="02040503050406030204" pitchFamily="18" charset="0"/>
+                            </a:rPr>
+                            <m:t>𝑖</m:t>
+                          </m:r>
+                          <m:r>
+                            <a:rPr lang="es-MX" sz="1400" b="0" i="1" dirty="0" smtClean="0">
+                              <a:solidFill>
+                                <a:schemeClr val="tx1"/>
+                              </a:solidFill>
+                              <a:latin typeface="Cambria Math" panose="02040503050406030204" pitchFamily="18" charset="0"/>
+                              <a:ea typeface="Cambria Math" panose="02040503050406030204" pitchFamily="18" charset="0"/>
+                            </a:rPr>
+                            <m:t>:</m:t>
+                          </m:r>
+                          <m:r>
+                            <a:rPr lang="es-MX" sz="1400" b="0" i="1" dirty="0" smtClean="0">
+                              <a:solidFill>
+                                <a:schemeClr val="tx1"/>
+                              </a:solidFill>
+                              <a:latin typeface="Cambria Math" panose="02040503050406030204" pitchFamily="18" charset="0"/>
+                              <a:ea typeface="Cambria Math" panose="02040503050406030204" pitchFamily="18" charset="0"/>
+                            </a:rPr>
+                            <m:t>𝑦</m:t>
+                          </m:r>
+                          <m:r>
+                            <a:rPr lang="es-MX" sz="1400" b="0" i="1" dirty="0" smtClean="0">
+                              <a:solidFill>
+                                <a:schemeClr val="tx1"/>
+                              </a:solidFill>
+                              <a:latin typeface="Cambria Math" panose="02040503050406030204" pitchFamily="18" charset="0"/>
+                              <a:ea typeface="Cambria Math" panose="02040503050406030204" pitchFamily="18" charset="0"/>
+                            </a:rPr>
+                            <m:t>=1</m:t>
+                          </m:r>
+                        </m:sub>
+                        <m:sup/>
+                        <m:e>
+                          <m:r>
+                            <a:rPr lang="es-MX" i="1">
+                              <a:solidFill>
+                                <a:schemeClr val="tx1"/>
+                              </a:solidFill>
+                              <a:latin typeface="Cambria Math" panose="02040503050406030204" pitchFamily="18" charset="0"/>
+                              <a:ea typeface="Cambria Math" panose="02040503050406030204" pitchFamily="18" charset="0"/>
+                            </a:rPr>
+                            <m:t>𝑝</m:t>
+                          </m:r>
+                          <m:r>
+                            <a:rPr lang="es-MX" i="1">
+                              <a:solidFill>
+                                <a:schemeClr val="tx1"/>
+                              </a:solidFill>
+                              <a:latin typeface="Cambria Math" panose="02040503050406030204" pitchFamily="18" charset="0"/>
+                              <a:ea typeface="Cambria Math" panose="02040503050406030204" pitchFamily="18" charset="0"/>
+                            </a:rPr>
+                            <m:t>(</m:t>
+                          </m:r>
+                          <m:sSub>
+                            <m:sSubPr>
+                              <m:ctrlPr>
+                                <a:rPr lang="es-MX" i="1">
+                                  <a:solidFill>
+                                    <a:schemeClr val="tx1"/>
+                                  </a:solidFill>
+                                  <a:latin typeface="Cambria Math" panose="02040503050406030204" pitchFamily="18" charset="0"/>
+                                  <a:ea typeface="Cambria Math" panose="02040503050406030204" pitchFamily="18" charset="0"/>
+                                </a:rPr>
+                              </m:ctrlPr>
+                            </m:sSubPr>
+                            <m:e>
+                              <m:r>
+                                <a:rPr lang="es-MX" i="1">
+                                  <a:solidFill>
+                                    <a:schemeClr val="tx1"/>
+                                  </a:solidFill>
+                                  <a:latin typeface="Cambria Math" panose="02040503050406030204" pitchFamily="18" charset="0"/>
+                                  <a:ea typeface="Cambria Math" panose="02040503050406030204" pitchFamily="18" charset="0"/>
+                                </a:rPr>
+                                <m:t>𝑥</m:t>
+                              </m:r>
+                            </m:e>
+                            <m:sub>
+                              <m:r>
+                                <a:rPr lang="es-MX" i="1">
+                                  <a:solidFill>
+                                    <a:schemeClr val="tx1"/>
+                                  </a:solidFill>
+                                  <a:latin typeface="Cambria Math" panose="02040503050406030204" pitchFamily="18" charset="0"/>
+                                  <a:ea typeface="Cambria Math" panose="02040503050406030204" pitchFamily="18" charset="0"/>
+                                </a:rPr>
+                                <m:t>𝑖</m:t>
+                              </m:r>
+                            </m:sub>
+                          </m:sSub>
+                          <m:r>
+                            <a:rPr lang="es-MX" b="0" i="1" smtClean="0">
+                              <a:solidFill>
+                                <a:schemeClr val="tx1"/>
+                              </a:solidFill>
+                              <a:latin typeface="Cambria Math" panose="02040503050406030204" pitchFamily="18" charset="0"/>
+                              <a:ea typeface="Cambria Math" panose="02040503050406030204" pitchFamily="18" charset="0"/>
+                            </a:rPr>
+                            <m:t>)</m:t>
+                          </m:r>
+                        </m:e>
+                      </m:nary>
+                      <m:r>
+                        <a:rPr lang="es-MX" sz="1400" b="0" i="1" dirty="0" smtClean="0">
+                          <a:solidFill>
+                            <a:schemeClr val="tx1"/>
+                          </a:solidFill>
+                          <a:latin typeface="Cambria Math" panose="02040503050406030204" pitchFamily="18" charset="0"/>
+                          <a:ea typeface="Cambria Math" panose="02040503050406030204" pitchFamily="18" charset="0"/>
+                        </a:rPr>
+                        <m:t>∗</m:t>
+                      </m:r>
+                      <m:nary>
+                        <m:naryPr>
+                          <m:chr m:val="∏"/>
+                          <m:supHide m:val="on"/>
+                          <m:ctrlPr>
+                            <a:rPr lang="es-MX" i="1" dirty="0">
+                              <a:solidFill>
+                                <a:schemeClr val="tx1"/>
+                              </a:solidFill>
+                              <a:latin typeface="Cambria Math" panose="02040503050406030204" pitchFamily="18" charset="0"/>
+                              <a:ea typeface="Cambria Math" panose="02040503050406030204" pitchFamily="18" charset="0"/>
+                            </a:rPr>
+                          </m:ctrlPr>
+                        </m:naryPr>
+                        <m:sub>
+                          <m:r>
+                            <m:rPr>
+                              <m:brk m:alnAt="7"/>
+                            </m:rPr>
+                            <a:rPr lang="es-MX" i="1" dirty="0">
+                              <a:solidFill>
+                                <a:schemeClr val="tx1"/>
+                              </a:solidFill>
+                              <a:latin typeface="Cambria Math" panose="02040503050406030204" pitchFamily="18" charset="0"/>
+                              <a:ea typeface="Cambria Math" panose="02040503050406030204" pitchFamily="18" charset="0"/>
+                            </a:rPr>
+                            <m:t>𝑖</m:t>
+                          </m:r>
+                          <m:r>
+                            <a:rPr lang="es-MX" i="1" dirty="0">
+                              <a:solidFill>
+                                <a:schemeClr val="tx1"/>
+                              </a:solidFill>
+                              <a:latin typeface="Cambria Math" panose="02040503050406030204" pitchFamily="18" charset="0"/>
+                              <a:ea typeface="Cambria Math" panose="02040503050406030204" pitchFamily="18" charset="0"/>
+                            </a:rPr>
+                            <m:t>:</m:t>
+                          </m:r>
+                          <m:r>
+                            <a:rPr lang="es-MX" i="1" dirty="0">
+                              <a:solidFill>
+                                <a:schemeClr val="tx1"/>
+                              </a:solidFill>
+                              <a:latin typeface="Cambria Math" panose="02040503050406030204" pitchFamily="18" charset="0"/>
+                              <a:ea typeface="Cambria Math" panose="02040503050406030204" pitchFamily="18" charset="0"/>
+                            </a:rPr>
+                            <m:t>𝑦</m:t>
+                          </m:r>
+                          <m:r>
+                            <a:rPr lang="es-MX" i="1" dirty="0">
+                              <a:solidFill>
+                                <a:schemeClr val="tx1"/>
+                              </a:solidFill>
+                              <a:latin typeface="Cambria Math" panose="02040503050406030204" pitchFamily="18" charset="0"/>
+                              <a:ea typeface="Cambria Math" panose="02040503050406030204" pitchFamily="18" charset="0"/>
+                            </a:rPr>
+                            <m:t>=0</m:t>
+                          </m:r>
+                        </m:sub>
+                        <m:sup/>
+                        <m:e>
+                          <m:r>
+                            <a:rPr lang="es-MX" b="0" i="1" dirty="0" smtClean="0">
+                              <a:solidFill>
+                                <a:schemeClr val="tx1"/>
+                              </a:solidFill>
+                              <a:latin typeface="Cambria Math" panose="02040503050406030204" pitchFamily="18" charset="0"/>
+                              <a:ea typeface="Cambria Math" panose="02040503050406030204" pitchFamily="18" charset="0"/>
+                            </a:rPr>
+                            <m:t>(1 − </m:t>
+                          </m:r>
+                          <m:r>
+                            <a:rPr lang="es-MX" i="1">
+                              <a:solidFill>
+                                <a:schemeClr val="tx1"/>
+                              </a:solidFill>
+                              <a:latin typeface="Cambria Math" panose="02040503050406030204" pitchFamily="18" charset="0"/>
+                              <a:ea typeface="Cambria Math" panose="02040503050406030204" pitchFamily="18" charset="0"/>
+                            </a:rPr>
+                            <m:t>𝑝</m:t>
+                          </m:r>
+                          <m:r>
+                            <a:rPr lang="es-MX" i="1">
+                              <a:solidFill>
+                                <a:schemeClr val="tx1"/>
+                              </a:solidFill>
+                              <a:latin typeface="Cambria Math" panose="02040503050406030204" pitchFamily="18" charset="0"/>
+                              <a:ea typeface="Cambria Math" panose="02040503050406030204" pitchFamily="18" charset="0"/>
+                            </a:rPr>
+                            <m:t>(</m:t>
+                          </m:r>
+                          <m:sSub>
+                            <m:sSubPr>
+                              <m:ctrlPr>
+                                <a:rPr lang="es-MX" i="1">
+                                  <a:solidFill>
+                                    <a:schemeClr val="tx1"/>
+                                  </a:solidFill>
+                                  <a:latin typeface="Cambria Math" panose="02040503050406030204" pitchFamily="18" charset="0"/>
+                                  <a:ea typeface="Cambria Math" panose="02040503050406030204" pitchFamily="18" charset="0"/>
+                                </a:rPr>
+                              </m:ctrlPr>
+                            </m:sSubPr>
+                            <m:e>
+                              <m:r>
+                                <a:rPr lang="es-MX" i="1">
+                                  <a:solidFill>
+                                    <a:schemeClr val="tx1"/>
+                                  </a:solidFill>
+                                  <a:latin typeface="Cambria Math" panose="02040503050406030204" pitchFamily="18" charset="0"/>
+                                  <a:ea typeface="Cambria Math" panose="02040503050406030204" pitchFamily="18" charset="0"/>
+                                </a:rPr>
+                                <m:t>𝑥</m:t>
+                              </m:r>
+                            </m:e>
+                            <m:sub>
+                              <m:r>
+                                <a:rPr lang="es-MX" i="1">
+                                  <a:solidFill>
+                                    <a:schemeClr val="tx1"/>
+                                  </a:solidFill>
+                                  <a:latin typeface="Cambria Math" panose="02040503050406030204" pitchFamily="18" charset="0"/>
+                                  <a:ea typeface="Cambria Math" panose="02040503050406030204" pitchFamily="18" charset="0"/>
+                                </a:rPr>
+                                <m:t>𝑖</m:t>
+                              </m:r>
+                            </m:sub>
+                          </m:sSub>
+                          <m:r>
+                            <a:rPr lang="es-MX" i="1">
+                              <a:solidFill>
+                                <a:schemeClr val="tx1"/>
+                              </a:solidFill>
+                              <a:latin typeface="Cambria Math" panose="02040503050406030204" pitchFamily="18" charset="0"/>
+                              <a:ea typeface="Cambria Math" panose="02040503050406030204" pitchFamily="18" charset="0"/>
+                            </a:rPr>
+                            <m:t>)</m:t>
+                          </m:r>
+                        </m:e>
+                      </m:nary>
+                      <m:r>
+                        <a:rPr lang="es-MX" b="0" i="0" smtClean="0">
+                          <a:solidFill>
+                            <a:schemeClr val="tx1"/>
+                          </a:solidFill>
+                          <a:latin typeface="Cambria Math" panose="02040503050406030204" pitchFamily="18" charset="0"/>
+                          <a:ea typeface="Cambria Math" panose="02040503050406030204" pitchFamily="18" charset="0"/>
+                        </a:rPr>
+                        <m:t>)</m:t>
+                      </m:r>
+                    </m:oMath>
+                  </m:oMathPara>
+                </a14:m>
+                <a:endParaRPr lang="es-AR" dirty="0"/>
+              </a:p>
+            </p:txBody>
+          </p:sp>
+        </mc:Choice>
+        <mc:Fallback>
+          <p:sp>
+            <p:nvSpPr>
+              <p:cNvPr id="5" name="CuadroTexto 4">
+                <a:extLst>
+                  <a:ext uri="{FF2B5EF4-FFF2-40B4-BE49-F238E27FC236}">
+                    <a16:creationId xmlns:a16="http://schemas.microsoft.com/office/drawing/2014/main" id="{C4EB95BC-0A0B-D0CE-15DF-EC856D02FE3E}"/>
+                  </a:ext>
+                </a:extLst>
+              </p:cNvPr>
+              <p:cNvSpPr txBox="1">
+                <a:spLocks noRot="1" noChangeAspect="1" noMove="1" noResize="1" noEditPoints="1" noAdjustHandles="1" noChangeArrowheads="1" noChangeShapeType="1" noTextEdit="1"/>
+              </p:cNvSpPr>
+              <p:nvPr/>
+            </p:nvSpPr>
+            <p:spPr>
+              <a:xfrm>
+                <a:off x="5102470" y="1580157"/>
+                <a:ext cx="4741984" cy="639214"/>
+              </a:xfrm>
+              <a:prstGeom prst="rect">
+                <a:avLst/>
+              </a:prstGeom>
+              <a:blipFill>
+                <a:blip r:embed="rId8"/>
+                <a:stretch>
+                  <a:fillRect t="-111429" b="-156190"/>
+                </a:stretch>
+              </a:blipFill>
+            </p:spPr>
+            <p:txBody>
+              <a:bodyPr/>
+              <a:lstStyle/>
+              <a:p>
+                <a:r>
+                  <a:rPr lang="es-AR">
+                    <a:noFill/>
+                  </a:rPr>
+                  <a:t> </a:t>
+                </a:r>
+              </a:p>
+            </p:txBody>
+          </p:sp>
+        </mc:Fallback>
+      </mc:AlternateContent>
+      <p:cxnSp>
+        <p:nvCxnSpPr>
+          <p:cNvPr id="11" name="Conector recto de flecha 10">
             <a:extLst>
               <a:ext uri="{FF2B5EF4-FFF2-40B4-BE49-F238E27FC236}">
-                <a16:creationId xmlns:a16="http://schemas.microsoft.com/office/drawing/2014/main" id="{854A9A22-60F0-3A9D-ADD9-2CC15DC40610}"/>
+                <a16:creationId xmlns:a16="http://schemas.microsoft.com/office/drawing/2014/main" id="{65872E6D-648B-29BA-2B24-C37AA767DD8D}"/>
               </a:ext>
             </a:extLst>
           </p:cNvPr>
-          <p:cNvSpPr/>
+          <p:cNvCxnSpPr>
+            <a:endCxn id="7" idx="1"/>
+          </p:cNvCxnSpPr>
           <p:nvPr/>
-        </p:nvSpPr>
+        </p:nvCxnSpPr>
         <p:spPr>
           <a:xfrm>
-            <a:off x="5348177" y="1010109"/>
-            <a:ext cx="489099" cy="691258"/>
+            <a:off x="4093535" y="1269017"/>
+            <a:ext cx="1909268" cy="6314"/>
           </a:xfrm>
-          <a:prstGeom prst="rightBrace">
-            <a:avLst>
-              <a:gd name="adj1" fmla="val 8333"/>
-              <a:gd name="adj2" fmla="val 51904"/>
-            </a:avLst>
+          <a:prstGeom prst="straightConnector1">
+            <a:avLst/>
           </a:prstGeom>
+          <a:ln>
+            <a:tailEnd type="triangle"/>
+          </a:ln>
         </p:spPr>
         <p:style>
           <a:lnRef idx="1">
@@ -37496,15 +33621,7 @@
             <a:schemeClr val="tx1"/>
           </a:fontRef>
         </p:style>
-        <p:txBody>
-          <a:bodyPr rtlCol="0" anchor="ctr"/>
-          <a:lstStyle/>
-          <a:p>
-            <a:pPr algn="ctr"/>
-            <a:endParaRPr lang="es-AR"/>
-          </a:p>
-        </p:txBody>
-      </p:sp>
+      </p:cxnSp>
     </p:spTree>
     <p:extLst>
       <p:ext uri="{BB962C8B-B14F-4D97-AF65-F5344CB8AC3E}">

--- a/clase4/teoricas_4a6.pptx
+++ b/clase4/teoricas_4a6.pptx
@@ -9868,10 +9868,6 @@
           </p:nvPr>
         </p:nvSpPr>
         <p:spPr>
-          <a:xfrm>
-            <a:off x="510450" y="1257300"/>
-            <a:ext cx="8123100" cy="1588500"/>
-          </a:xfrm>
           <a:prstGeom prst="rect">
             <a:avLst/>
           </a:prstGeom>
@@ -9909,10 +9905,6 @@
           </p:nvPr>
         </p:nvSpPr>
         <p:spPr>
-          <a:xfrm>
-            <a:off x="510450" y="3182313"/>
-            <a:ext cx="8123100" cy="630000"/>
-          </a:xfrm>
           <a:prstGeom prst="rect">
             <a:avLst/>
           </a:prstGeom>
@@ -9954,7 +9946,7 @@
         </p:blipFill>
         <p:spPr>
           <a:xfrm>
-            <a:off x="7195950" y="284375"/>
+            <a:off x="7164052" y="284375"/>
             <a:ext cx="1684874" cy="465550"/>
           </a:xfrm>
           <a:prstGeom prst="rect">
@@ -10628,7 +10620,7 @@
         <p:spPr>
           <a:xfrm>
             <a:off x="-85060" y="3396522"/>
-            <a:ext cx="4837814" cy="307777"/>
+            <a:ext cx="4837814" cy="276999"/>
           </a:xfrm>
           <a:prstGeom prst="rect">
             <a:avLst/>
@@ -10656,18 +10648,25 @@
               <a:tabLst/>
             </a:pPr>
             <a:r>
-              <a:rPr lang="es-AR" altLang="es-AR" b="1" dirty="0">
+              <a:rPr lang="es-AR" altLang="es-AR" sz="1200" b="1" dirty="0">
                 <a:latin typeface="Prima Nova"/>
                 <a:ea typeface="Cambria Math" panose="02040503050406030204" pitchFamily="18" charset="0"/>
               </a:rPr>
-              <a:t>¿Que espero de una persona que trabaja 40hs en el mercado?</a:t>
+              <a:t>¿</a:t>
             </a:r>
-            <a:endParaRPr kumimoji="0" lang="es-AR" altLang="es-AR" sz="2000" b="0" i="0" u="none" strike="noStrike" cap="none" normalizeH="0" baseline="0" dirty="0">
+            <a:r>
+              <a:rPr lang="es-AR" altLang="es-AR" sz="1200" b="1" dirty="0">
+                <a:latin typeface="Proxima Nova" panose="020B0604020202020204" charset="0"/>
+                <a:ea typeface="Cambria Math" panose="02040503050406030204" pitchFamily="18" charset="0"/>
+              </a:rPr>
+              <a:t>Que espero de una persona que trabaja 40hs en el mercado?</a:t>
+            </a:r>
+            <a:endParaRPr kumimoji="0" lang="es-AR" altLang="es-AR" sz="1800" b="0" i="0" u="none" strike="noStrike" cap="none" normalizeH="0" baseline="0" dirty="0">
               <a:ln>
                 <a:noFill/>
               </a:ln>
               <a:effectLst/>
-              <a:latin typeface="Prima Nova"/>
+              <a:latin typeface="Proxima Nova" panose="020B0604020202020204" charset="0"/>
             </a:endParaRPr>
           </a:p>
         </p:txBody>
@@ -10944,8 +10943,8 @@
         </p:nvSpPr>
         <p:spPr>
           <a:xfrm>
-            <a:off x="4699593" y="3396521"/>
-            <a:ext cx="4391245" cy="307777"/>
+            <a:off x="4306187" y="3393673"/>
+            <a:ext cx="4837813" cy="276999"/>
           </a:xfrm>
           <a:prstGeom prst="rect">
             <a:avLst/>
@@ -10973,18 +10972,18 @@
               <a:tabLst/>
             </a:pPr>
             <a:r>
-              <a:rPr lang="es-AR" altLang="es-AR" b="1" dirty="0">
-                <a:latin typeface="Prima Nova"/>
+              <a:rPr lang="es-AR" altLang="es-AR" sz="1200" b="1" dirty="0">
+                <a:latin typeface="Proxima Nova" panose="020B0604020202020204" charset="0"/>
                 <a:ea typeface="Cambria Math" panose="02040503050406030204" pitchFamily="18" charset="0"/>
               </a:rPr>
               <a:t>¿Que pasará con el odds ratio si la persona trabaja 41hs?</a:t>
             </a:r>
-            <a:endParaRPr kumimoji="0" lang="es-AR" altLang="es-AR" sz="2000" b="0" i="0" u="none" strike="noStrike" cap="none" normalizeH="0" baseline="0" dirty="0">
+            <a:endParaRPr kumimoji="0" lang="es-AR" altLang="es-AR" sz="1800" b="0" i="0" u="none" strike="noStrike" cap="none" normalizeH="0" baseline="0" dirty="0">
               <a:ln>
                 <a:noFill/>
               </a:ln>
               <a:effectLst/>
-              <a:latin typeface="Prima Nova"/>
+              <a:latin typeface="Proxima Nova" panose="020B0604020202020204" charset="0"/>
             </a:endParaRPr>
           </a:p>
         </p:txBody>
@@ -12036,10 +12035,6 @@
           </p:nvPr>
         </p:nvSpPr>
         <p:spPr>
-          <a:xfrm>
-            <a:off x="510450" y="2057400"/>
-            <a:ext cx="8123100" cy="778800"/>
-          </a:xfrm>
           <a:prstGeom prst="rect">
             <a:avLst/>
           </a:prstGeom>
@@ -12139,7 +12134,7 @@
                 <a:solidFill>
                   <a:schemeClr val="accent3"/>
                 </a:solidFill>
-                <a:latin typeface="+mj-lt"/>
+                <a:latin typeface="Proxima Nova" panose="020B0604020202020204" charset="0"/>
               </a:rPr>
               <a:t>Si conocieramos el proceso generador de datos, para predecir </a:t>
             </a:r>
@@ -12148,7 +12143,7 @@
                 <a:solidFill>
                   <a:schemeClr val="accent3"/>
                 </a:solidFill>
-                <a:latin typeface="+mj-lt"/>
+                <a:latin typeface="Proxima Nova" panose="020B0604020202020204" charset="0"/>
               </a:rPr>
               <a:t>Y</a:t>
             </a:r>
@@ -12157,7 +12152,7 @@
                 <a:solidFill>
                   <a:schemeClr val="accent3"/>
                 </a:solidFill>
-                <a:latin typeface="+mj-lt"/>
+                <a:latin typeface="Proxima Nova" panose="020B0604020202020204" charset="0"/>
               </a:rPr>
               <a:t> podemos asignar la </a:t>
             </a:r>
@@ -12166,7 +12161,7 @@
                 <a:solidFill>
                   <a:schemeClr val="accent3"/>
                 </a:solidFill>
-                <a:latin typeface="+mj-lt"/>
+                <a:latin typeface="Proxima Nova" panose="020B0604020202020204" charset="0"/>
               </a:rPr>
               <a:t>categoría más probable </a:t>
             </a:r>
@@ -12178,7 +12173,7 @@
                 <a:highlight>
                   <a:schemeClr val="lt2"/>
                 </a:highlight>
-                <a:latin typeface="+mj-lt"/>
+                <a:latin typeface="Proxima Nova" panose="020B0604020202020204" charset="0"/>
               </a:rPr>
               <a:t>dadas las X observadas</a:t>
             </a:r>
@@ -12187,7 +12182,7 @@
                 <a:solidFill>
                   <a:schemeClr val="accent3"/>
                 </a:solidFill>
-                <a:latin typeface="+mj-lt"/>
+                <a:latin typeface="Proxima Nova" panose="020B0604020202020204" charset="0"/>
               </a:rPr>
               <a:t>. </a:t>
             </a:r>
@@ -12195,7 +12190,7 @@
               <a:solidFill>
                 <a:schemeClr val="accent3"/>
               </a:solidFill>
-              <a:latin typeface="+mj-lt"/>
+              <a:latin typeface="Proxima Nova" panose="020B0604020202020204" charset="0"/>
             </a:endParaRPr>
           </a:p>
         </p:txBody>
@@ -12517,8 +12512,8 @@
           </a:prstGeom>
         </p:spPr>
       </p:pic>
-      <mc:AlternateContent xmlns:mc="http://schemas.openxmlformats.org/markup-compatibility/2006" xmlns:a14="http://schemas.microsoft.com/office/drawing/2010/main">
-        <mc:Choice Requires="a14">
+      <mc:AlternateContent xmlns:mc="http://schemas.openxmlformats.org/markup-compatibility/2006">
+        <mc:Choice xmlns:a14="http://schemas.microsoft.com/office/drawing/2010/main" Requires="a14">
           <p:graphicFrame>
             <p:nvGraphicFramePr>
               <p:cNvPr id="25" name="Tabla 25">
@@ -12534,7 +12529,7 @@
               <p:nvPr>
                 <p:extLst>
                   <p:ext uri="{D42A27DB-BD31-4B8C-83A1-F6EECF244321}">
-                    <p14:modId xmlns:p14="http://schemas.microsoft.com/office/powerpoint/2010/main" val="1589960097"/>
+                    <p14:modId xmlns:p14="http://schemas.microsoft.com/office/powerpoint/2010/main" val="1051952010"/>
                   </p:ext>
                 </p:extLst>
               </p:nvPr>
@@ -12595,7 +12590,7 @@
                               <a:solidFill>
                                 <a:schemeClr val="dk2"/>
                               </a:solidFill>
-                              <a:latin typeface="Arial"/>
+                              <a:latin typeface="Proxima Nova" panose="020B0604020202020204" charset="0"/>
                               <a:ea typeface="Arial"/>
                               <a:cs typeface="Arial"/>
                               <a:sym typeface="Arial"/>
@@ -12608,7 +12603,7 @@
                                 <a:lumMod val="50000"/>
                               </a:schemeClr>
                             </a:solidFill>
-                            <a:latin typeface="+mj-lt"/>
+                            <a:latin typeface="Proxima Nova" panose="020B0604020202020204" charset="0"/>
                             <a:ea typeface="Cambria Math" panose="02040503050406030204" pitchFamily="18" charset="0"/>
                           </a:endParaRPr>
                         </a:p>
@@ -12625,7 +12620,7 @@
                               <a:solidFill>
                                 <a:schemeClr val="dk2"/>
                               </a:solidFill>
-                              <a:latin typeface="Arial"/>
+                              <a:latin typeface="Proxima Nova" panose="020B0604020202020204" charset="0"/>
                               <a:ea typeface="Arial"/>
                               <a:cs typeface="Arial"/>
                               <a:sym typeface="Arial"/>
@@ -12636,7 +12631,7 @@
                             <a:solidFill>
                               <a:schemeClr val="accent3"/>
                             </a:solidFill>
-                            <a:latin typeface="+mj-lt"/>
+                            <a:latin typeface="Proxima Nova" panose="020B0604020202020204" charset="0"/>
                             <a:ea typeface="Cambria Math" panose="02040503050406030204" pitchFamily="18" charset="0"/>
                             <a:cs typeface="Arial"/>
                             <a:sym typeface="Arial"/>
@@ -12683,7 +12678,7 @@
                                   <a:lumMod val="50000"/>
                                 </a:schemeClr>
                               </a:solidFill>
-                              <a:latin typeface="+mj-lt"/>
+                              <a:latin typeface="Proxima Nova" panose="020B0604020202020204" charset="0"/>
                               <a:ea typeface="Cambria Math" panose="02040503050406030204" pitchFamily="18" charset="0"/>
                             </a:rPr>
                             <a:t>Pr(Y = azul | X = (</a:t>
@@ -12833,7 +12828,7 @@
                                   <a:lumMod val="50000"/>
                                 </a:schemeClr>
                               </a:solidFill>
-                              <a:latin typeface="+mj-lt"/>
+                              <a:latin typeface="Proxima Nova" panose="020B0604020202020204" charset="0"/>
                               <a:ea typeface="Cambria Math" panose="02040503050406030204" pitchFamily="18" charset="0"/>
                             </a:rPr>
                             <a:t>) </a:t>
@@ -12845,7 +12840,7 @@
                                   <a:lumMod val="50000"/>
                                 </a:schemeClr>
                               </a:solidFill>
-                              <a:latin typeface="+mj-lt"/>
+                              <a:latin typeface="Proxima Nova" panose="020B0604020202020204" charset="0"/>
                               <a:ea typeface="Cambria Math" panose="02040503050406030204" pitchFamily="18" charset="0"/>
                             </a:rPr>
                             <a:t>&gt;0.5 </a:t>
@@ -12856,7 +12851,7 @@
                                 <a:lumMod val="50000"/>
                               </a:schemeClr>
                             </a:solidFill>
-                            <a:latin typeface="+mj-lt"/>
+                            <a:latin typeface="Proxima Nova" panose="020B0604020202020204" charset="0"/>
                             <a:ea typeface="Cambria Math" panose="02040503050406030204" pitchFamily="18" charset="0"/>
                           </a:endParaRPr>
                         </a:p>
@@ -12873,7 +12868,7 @@
                               <a:solidFill>
                                 <a:schemeClr val="accent3"/>
                               </a:solidFill>
-                              <a:latin typeface="+mj-lt"/>
+                              <a:latin typeface="Proxima Nova" panose="020B0604020202020204" charset="0"/>
                               <a:ea typeface="Cambria Math" panose="02040503050406030204" pitchFamily="18" charset="0"/>
                               <a:cs typeface="Arial"/>
                               <a:sym typeface="Arial"/>
@@ -12884,7 +12879,7 @@
                             <a:solidFill>
                               <a:schemeClr val="accent3"/>
                             </a:solidFill>
-                            <a:latin typeface="+mj-lt"/>
+                            <a:latin typeface="Proxima Nova" panose="020B0604020202020204" charset="0"/>
                             <a:ea typeface="Cambria Math" panose="02040503050406030204" pitchFamily="18" charset="0"/>
                             <a:cs typeface="Arial"/>
                             <a:sym typeface="Arial"/>
@@ -12931,7 +12926,7 @@
                                   <a:lumMod val="50000"/>
                                 </a:schemeClr>
                               </a:solidFill>
-                              <a:latin typeface="+mj-lt"/>
+                              <a:latin typeface="Proxima Nova" panose="020B0604020202020204" charset="0"/>
                               <a:ea typeface="Cambria Math" panose="02040503050406030204" pitchFamily="18" charset="0"/>
                             </a:rPr>
                             <a:t>Pr(Y = azul | X = (</a:t>
@@ -13081,7 +13076,7 @@
                                   <a:lumMod val="50000"/>
                                 </a:schemeClr>
                               </a:solidFill>
-                              <a:latin typeface="+mj-lt"/>
+                              <a:latin typeface="Proxima Nova" panose="020B0604020202020204" charset="0"/>
                               <a:ea typeface="Cambria Math" panose="02040503050406030204" pitchFamily="18" charset="0"/>
                             </a:rPr>
                             <a:t>) </a:t>
@@ -13093,7 +13088,7 @@
                                   <a:lumMod val="50000"/>
                                 </a:schemeClr>
                               </a:solidFill>
-                              <a:latin typeface="+mj-lt"/>
+                              <a:latin typeface="Proxima Nova" panose="020B0604020202020204" charset="0"/>
                               <a:ea typeface="Cambria Math" panose="02040503050406030204" pitchFamily="18" charset="0"/>
                             </a:rPr>
                             <a:t>&lt;=</a:t>
@@ -13105,7 +13100,7 @@
                                   <a:lumMod val="50000"/>
                                 </a:schemeClr>
                               </a:solidFill>
-                              <a:latin typeface="+mj-lt"/>
+                              <a:latin typeface="Proxima Nova" panose="020B0604020202020204" charset="0"/>
                               <a:ea typeface="Cambria Math" panose="02040503050406030204" pitchFamily="18" charset="0"/>
                             </a:rPr>
                             <a:t> </a:t>
@@ -13117,7 +13112,7 @@
                                   <a:lumMod val="50000"/>
                                 </a:schemeClr>
                               </a:solidFill>
-                              <a:latin typeface="+mj-lt"/>
+                              <a:latin typeface="Proxima Nova" panose="020B0604020202020204" charset="0"/>
                               <a:ea typeface="Cambria Math" panose="02040503050406030204" pitchFamily="18" charset="0"/>
                             </a:rPr>
                             <a:t>0.5 </a:t>
@@ -13128,7 +13123,7 @@
                                 <a:lumMod val="50000"/>
                               </a:schemeClr>
                             </a:solidFill>
-                            <a:latin typeface="+mj-lt"/>
+                            <a:latin typeface="Proxima Nova" panose="020B0604020202020204" charset="0"/>
                             <a:ea typeface="Cambria Math" panose="02040503050406030204" pitchFamily="18" charset="0"/>
                           </a:endParaRPr>
                         </a:p>
@@ -13164,7 +13159,7 @@
                               <a:solidFill>
                                 <a:schemeClr val="accent3"/>
                               </a:solidFill>
-                              <a:latin typeface="Arial"/>
+                              <a:latin typeface="Proxima Nova" panose="020B0604020202020204" charset="0"/>
                               <a:ea typeface="Cambria Math" panose="02040503050406030204" pitchFamily="18" charset="0"/>
                               <a:cs typeface="Arial"/>
                               <a:sym typeface="Arial"/>
@@ -13175,7 +13170,7 @@
                             <a:solidFill>
                               <a:schemeClr val="accent3"/>
                             </a:solidFill>
-                            <a:latin typeface="+mj-lt"/>
+                            <a:latin typeface="Proxima Nova" panose="020B0604020202020204" charset="0"/>
                             <a:sym typeface="Proxima Nova"/>
                           </a:endParaRPr>
                         </a:p>
@@ -13193,7 +13188,7 @@
             </a:graphic>
           </p:graphicFrame>
         </mc:Choice>
-        <mc:Fallback xmlns="">
+        <mc:Fallback>
           <p:graphicFrame>
             <p:nvGraphicFramePr>
               <p:cNvPr id="25" name="Tabla 25">
@@ -13209,7 +13204,7 @@
               <p:nvPr>
                 <p:extLst>
                   <p:ext uri="{D42A27DB-BD31-4B8C-83A1-F6EECF244321}">
-                    <p14:modId xmlns:p14="http://schemas.microsoft.com/office/powerpoint/2010/main" val="1589960097"/>
+                    <p14:modId xmlns:p14="http://schemas.microsoft.com/office/powerpoint/2010/main" val="1051952010"/>
                   </p:ext>
                 </p:extLst>
               </p:nvPr>
@@ -13266,11 +13261,11 @@
                             <a:defRPr/>
                           </a:pPr>
                           <a:r>
-                            <a:rPr lang="en-GB" sz="1600" b="0" i="0" u="none" strike="noStrike" cap="none" dirty="0" err="1">
+                            <a:rPr lang="en-GB" sz="1600" b="0" i="0" u="none" strike="noStrike" cap="none" dirty="0">
                               <a:solidFill>
                                 <a:schemeClr val="dk2"/>
                               </a:solidFill>
-                              <a:latin typeface="Arial"/>
+                              <a:latin typeface="Proxima Nova" panose="020B0604020202020204" charset="0"/>
                               <a:ea typeface="Arial"/>
                               <a:cs typeface="Arial"/>
                               <a:sym typeface="Arial"/>
@@ -13283,7 +13278,7 @@
                                 <a:lumMod val="50000"/>
                               </a:schemeClr>
                             </a:solidFill>
-                            <a:latin typeface="+mj-lt"/>
+                            <a:latin typeface="Proxima Nova" panose="020B0604020202020204" charset="0"/>
                             <a:ea typeface="Cambria Math" panose="02040503050406030204" pitchFamily="18" charset="0"/>
                           </a:endParaRPr>
                         </a:p>
@@ -13296,11 +13291,11 @@
                         <a:lstStyle/>
                         <a:p>
                           <a:r>
-                            <a:rPr lang="en-US" sz="1600" b="0" i="0" u="none" strike="noStrike" cap="none" dirty="0" err="1">
+                            <a:rPr lang="en-US" sz="1600" b="0" i="0" u="none" strike="noStrike" cap="none" dirty="0">
                               <a:solidFill>
                                 <a:schemeClr val="dk2"/>
                               </a:solidFill>
-                              <a:latin typeface="Arial"/>
+                              <a:latin typeface="Proxima Nova" panose="020B0604020202020204" charset="0"/>
                               <a:ea typeface="Arial"/>
                               <a:cs typeface="Arial"/>
                               <a:sym typeface="Arial"/>
@@ -13311,7 +13306,7 @@
                             <a:solidFill>
                               <a:schemeClr val="accent3"/>
                             </a:solidFill>
-                            <a:latin typeface="+mj-lt"/>
+                            <a:latin typeface="Proxima Nova" panose="020B0604020202020204" charset="0"/>
                             <a:ea typeface="Cambria Math" panose="02040503050406030204" pitchFamily="18" charset="0"/>
                             <a:cs typeface="Arial"/>
                             <a:sym typeface="Arial"/>
@@ -13354,30 +13349,18 @@
                               <a:solidFill>
                                 <a:schemeClr val="accent3"/>
                               </a:solidFill>
-                              <a:latin typeface="+mj-lt"/>
+                              <a:latin typeface="Proxima Nova" panose="020B0604020202020204" charset="0"/>
                               <a:ea typeface="Cambria Math" panose="02040503050406030204" pitchFamily="18" charset="0"/>
                               <a:cs typeface="Arial"/>
                               <a:sym typeface="Arial"/>
                             </a:rPr>
-                            <a:t>Y = </a:t>
-                          </a:r>
-                          <a:r>
-                            <a:rPr lang="en-US" sz="1600" b="0" i="0" u="none" strike="noStrike" cap="none" dirty="0" err="1">
-                              <a:solidFill>
-                                <a:schemeClr val="accent3"/>
-                              </a:solidFill>
-                              <a:latin typeface="+mj-lt"/>
-                              <a:ea typeface="Cambria Math" panose="02040503050406030204" pitchFamily="18" charset="0"/>
-                              <a:cs typeface="Arial"/>
-                              <a:sym typeface="Arial"/>
-                            </a:rPr>
-                            <a:t>azul</a:t>
+                            <a:t>Y = azul</a:t>
                           </a:r>
                           <a:endParaRPr lang="es-AR" sz="1600" b="0" i="0" u="none" strike="noStrike" cap="none" dirty="0">
                             <a:solidFill>
                               <a:schemeClr val="accent3"/>
                             </a:solidFill>
-                            <a:latin typeface="+mj-lt"/>
+                            <a:latin typeface="Proxima Nova" panose="020B0604020202020204" charset="0"/>
                             <a:ea typeface="Cambria Math" panose="02040503050406030204" pitchFamily="18" charset="0"/>
                             <a:cs typeface="Arial"/>
                             <a:sym typeface="Arial"/>
@@ -13439,30 +13422,18 @@
                               <a:solidFill>
                                 <a:schemeClr val="accent3"/>
                               </a:solidFill>
-                              <a:latin typeface="Arial"/>
+                              <a:latin typeface="Proxima Nova" panose="020B0604020202020204" charset="0"/>
                               <a:ea typeface="Cambria Math" panose="02040503050406030204" pitchFamily="18" charset="0"/>
                               <a:cs typeface="Arial"/>
                               <a:sym typeface="Arial"/>
                             </a:rPr>
-                            <a:t>Y = </a:t>
-                          </a:r>
-                          <a:r>
-                            <a:rPr lang="en-US" sz="1600" b="0" i="0" u="none" strike="noStrike" cap="none" dirty="0" err="1">
-                              <a:solidFill>
-                                <a:schemeClr val="accent3"/>
-                              </a:solidFill>
-                              <a:latin typeface="Arial"/>
-                              <a:ea typeface="Cambria Math" panose="02040503050406030204" pitchFamily="18" charset="0"/>
-                              <a:cs typeface="Arial"/>
-                              <a:sym typeface="Arial"/>
-                            </a:rPr>
-                            <a:t>naranja</a:t>
+                            <a:t>Y = naranja</a:t>
                           </a:r>
                           <a:endParaRPr lang="es-AR" sz="1600" b="0" i="0" u="none" strike="noStrike" cap="none" dirty="0">
                             <a:solidFill>
                               <a:schemeClr val="accent3"/>
                             </a:solidFill>
-                            <a:latin typeface="+mj-lt"/>
+                            <a:latin typeface="Proxima Nova" panose="020B0604020202020204" charset="0"/>
                             <a:sym typeface="Proxima Nova"/>
                           </a:endParaRPr>
                         </a:p>
@@ -13481,8 +13452,8 @@
           </p:graphicFrame>
         </mc:Fallback>
       </mc:AlternateContent>
-      <mc:AlternateContent xmlns:mc="http://schemas.openxmlformats.org/markup-compatibility/2006" xmlns:a14="http://schemas.microsoft.com/office/drawing/2010/main">
-        <mc:Choice Requires="a14">
+      <mc:AlternateContent xmlns:mc="http://schemas.openxmlformats.org/markup-compatibility/2006">
+        <mc:Choice xmlns:a14="http://schemas.microsoft.com/office/drawing/2010/main" Requires="a14">
           <p:sp>
             <p:nvSpPr>
               <p:cNvPr id="28" name="CuadroTexto 27">
@@ -13523,6 +13494,7 @@
                     <a:solidFill>
                       <a:schemeClr val="accent3"/>
                     </a:solidFill>
+                    <a:latin typeface="Proxima Nova" panose="020B0604020202020204" charset="0"/>
                   </a:rPr>
                   <a:t>El </a:t>
                 </a:r>
@@ -13531,6 +13503,7 @@
                     <a:solidFill>
                       <a:schemeClr val="accent3"/>
                     </a:solidFill>
+                    <a:latin typeface="Proxima Nova" panose="020B0604020202020204" charset="0"/>
                   </a:rPr>
                   <a:t>área azul representa las combinaciones de </a:t>
                 </a:r>
@@ -13643,7 +13616,7 @@
                         <a:lumMod val="50000"/>
                       </a:schemeClr>
                     </a:solidFill>
-                    <a:latin typeface="Cambria Math" panose="02040503050406030204" pitchFamily="18" charset="0"/>
+                    <a:latin typeface="Proxima Nova" panose="020B0604020202020204" charset="0"/>
                     <a:ea typeface="Cambria Math" panose="02040503050406030204" pitchFamily="18" charset="0"/>
                   </a:rPr>
                   <a:t> </a:t>
@@ -13653,6 +13626,7 @@
                     <a:solidFill>
                       <a:schemeClr val="accent3"/>
                     </a:solidFill>
+                    <a:latin typeface="Proxima Nova" panose="020B0604020202020204" charset="0"/>
                   </a:rPr>
                   <a:t>donde:              </a:t>
                 </a:r>
@@ -13725,6 +13699,7 @@
                     <a:solidFill>
                       <a:schemeClr val="accent3"/>
                     </a:solidFill>
+                    <a:latin typeface="Proxima Nova" panose="020B0604020202020204" charset="0"/>
                   </a:rPr>
                   <a:t>Clasificador de Bayes</a:t>
                 </a:r>
@@ -13733,6 +13708,7 @@
                     <a:solidFill>
                       <a:schemeClr val="accent3"/>
                     </a:solidFill>
+                    <a:latin typeface="Proxima Nova" panose="020B0604020202020204" charset="0"/>
                   </a:rPr>
                   <a:t>:</a:t>
                 </a:r>
@@ -13754,7 +13730,7 @@
             </p:txBody>
           </p:sp>
         </mc:Choice>
-        <mc:Fallback xmlns="">
+        <mc:Fallback>
           <p:sp>
             <p:nvSpPr>
               <p:cNvPr id="28" name="CuadroTexto 27">
@@ -13780,7 +13756,7 @@
               <a:blipFill>
                 <a:blip r:embed="rId5"/>
                 <a:stretch>
-                  <a:fillRect r="-11111"/>
+                  <a:fillRect r="-8730"/>
                 </a:stretch>
               </a:blipFill>
             </p:spPr>
@@ -13814,7 +13790,7 @@
         <p:spPr>
           <a:xfrm>
             <a:off x="-79744" y="4278178"/>
-            <a:ext cx="2014870" cy="314894"/>
+            <a:ext cx="2014870" cy="324191"/>
           </a:xfrm>
           <a:prstGeom prst="rect">
             <a:avLst/>
@@ -13837,6 +13813,7 @@
                 <a:solidFill>
                   <a:schemeClr val="accent3"/>
                 </a:solidFill>
+                <a:latin typeface="Proxima Nova" panose="020B0604020202020204" charset="0"/>
               </a:rPr>
               <a:t>“Bayes decision boundary”</a:t>
             </a:r>
@@ -13947,7 +13924,7 @@
                 <a:solidFill>
                   <a:schemeClr val="accent3"/>
                 </a:solidFill>
-                <a:latin typeface="+mj-lt"/>
+                <a:latin typeface="Proxima Nova" panose="020B0604020202020204" charset="0"/>
               </a:rPr>
             </a:br>
             <a:r>
@@ -13955,7 +13932,7 @@
                 <a:solidFill>
                   <a:schemeClr val="accent3"/>
                 </a:solidFill>
-                <a:latin typeface="+mj-lt"/>
+                <a:latin typeface="Proxima Nova" panose="020B0604020202020204" charset="0"/>
               </a:rPr>
               <a:t>Problemón</a:t>
             </a:r>
@@ -13964,7 +13941,7 @@
                 <a:solidFill>
                   <a:schemeClr val="accent3"/>
                 </a:solidFill>
-                <a:latin typeface="+mj-lt"/>
+                <a:latin typeface="Proxima Nova" panose="020B0604020202020204" charset="0"/>
               </a:rPr>
               <a:t>: En la práctica, casi nunca conocemos efectivamente el proceso generador de datos</a:t>
             </a:r>
@@ -13973,7 +13950,7 @@
                 <a:solidFill>
                   <a:schemeClr val="accent3"/>
                 </a:solidFill>
-                <a:latin typeface="+mj-lt"/>
+                <a:latin typeface="Proxima Nova" panose="020B0604020202020204" charset="0"/>
               </a:rPr>
             </a:br>
             <a:br>
@@ -13981,7 +13958,7 @@
                 <a:solidFill>
                   <a:schemeClr val="accent3"/>
                 </a:solidFill>
-                <a:latin typeface="+mj-lt"/>
+                <a:latin typeface="Proxima Nova" panose="020B0604020202020204" charset="0"/>
               </a:rPr>
             </a:br>
             <a:r>
@@ -13989,7 +13966,7 @@
                 <a:solidFill>
                   <a:schemeClr val="accent3"/>
                 </a:solidFill>
-                <a:latin typeface="+mj-lt"/>
+                <a:latin typeface="Proxima Nova" panose="020B0604020202020204" charset="0"/>
               </a:rPr>
               <a:t>Clasificador de Bayes</a:t>
             </a:r>
@@ -13998,7 +13975,7 @@
                 <a:solidFill>
                   <a:schemeClr val="accent3"/>
                 </a:solidFill>
-                <a:latin typeface="+mj-lt"/>
+                <a:latin typeface="Proxima Nova" panose="020B0604020202020204" charset="0"/>
               </a:rPr>
               <a:t>: Es una técnica “ideal” que nos sirve para pensar otros modelos que podemos aplicar cuando no conocemos la distribución de </a:t>
             </a:r>
@@ -14007,7 +13984,7 @@
                 <a:solidFill>
                   <a:schemeClr val="accent3"/>
                 </a:solidFill>
-                <a:latin typeface="+mj-lt"/>
+                <a:latin typeface="Proxima Nova" panose="020B0604020202020204" charset="0"/>
               </a:rPr>
               <a:t>probabilidades condicionales </a:t>
             </a:r>
@@ -14016,7 +13993,7 @@
                 <a:solidFill>
                   <a:schemeClr val="accent3"/>
                 </a:solidFill>
-                <a:latin typeface="+mj-lt"/>
+                <a:latin typeface="Proxima Nova" panose="020B0604020202020204" charset="0"/>
               </a:rPr>
               <a:t>de los datos.</a:t>
             </a:r>
@@ -14025,7 +14002,7 @@
                 <a:solidFill>
                   <a:schemeClr val="accent3"/>
                 </a:solidFill>
-                <a:latin typeface="+mj-lt"/>
+                <a:latin typeface="Proxima Nova" panose="020B0604020202020204" charset="0"/>
               </a:rPr>
             </a:br>
             <a:br>
@@ -14374,10 +14351,6 @@
           </p:nvPr>
         </p:nvSpPr>
         <p:spPr>
-          <a:xfrm>
-            <a:off x="510450" y="2057400"/>
-            <a:ext cx="8123100" cy="778800"/>
-          </a:xfrm>
           <a:prstGeom prst="rect">
             <a:avLst/>
           </a:prstGeom>
@@ -15684,8 +15657,8 @@
           <a:chExt cx="0" cy="0"/>
         </a:xfrm>
       </p:grpSpPr>
-      <mc:AlternateContent xmlns:mc="http://schemas.openxmlformats.org/markup-compatibility/2006" xmlns:a14="http://schemas.microsoft.com/office/drawing/2010/main">
-        <mc:Choice Requires="a14">
+      <mc:AlternateContent xmlns:mc="http://schemas.openxmlformats.org/markup-compatibility/2006">
+        <mc:Choice xmlns:a14="http://schemas.microsoft.com/office/drawing/2010/main" Requires="a14">
           <p:sp>
             <p:nvSpPr>
               <p:cNvPr id="153" name="Google Shape;153;p27"/>
@@ -15725,7 +15698,7 @@
                     <a:solidFill>
                       <a:schemeClr val="accent3"/>
                     </a:solidFill>
-                    <a:latin typeface="+mj-lt"/>
+                    <a:latin typeface="Proxima Nova" panose="020B0604020202020204" charset="0"/>
                   </a:rPr>
                   <a:t>El problema</a:t>
                 </a:r>
@@ -15734,7 +15707,7 @@
                     <a:solidFill>
                       <a:schemeClr val="accent3"/>
                     </a:solidFill>
-                    <a:latin typeface="+mj-lt"/>
+                    <a:latin typeface="Proxima Nova" panose="020B0604020202020204" charset="0"/>
                   </a:rPr>
                   <a:t>: ¿Como clasificar a un caso como el x?</a:t>
                 </a:r>
@@ -15743,6 +15716,7 @@
                     <a:solidFill>
                       <a:schemeClr val="accent3"/>
                     </a:solidFill>
+                    <a:latin typeface="Proxima Nova" panose="020B0604020202020204" charset="0"/>
                   </a:rPr>
                 </a:br>
                 <a:br>
@@ -15750,6 +15724,7 @@
                     <a:solidFill>
                       <a:schemeClr val="accent3"/>
                     </a:solidFill>
+                    <a:latin typeface="Proxima Nova" panose="020B0604020202020204" charset="0"/>
                   </a:rPr>
                 </a:br>
                 <a:r>
@@ -15757,6 +15732,7 @@
                     <a:solidFill>
                       <a:schemeClr val="accent3"/>
                     </a:solidFill>
+                    <a:latin typeface="Proxima Nova" panose="020B0604020202020204" charset="0"/>
                   </a:rPr>
                   <a:t>Paso 1</a:t>
                 </a:r>
@@ -15765,6 +15741,7 @@
                     <a:solidFill>
                       <a:schemeClr val="accent3"/>
                     </a:solidFill>
+                    <a:latin typeface="Proxima Nova" panose="020B0604020202020204" charset="0"/>
                   </a:rPr>
                   <a:t>: Definimos K. Elegimos K </a:t>
                 </a:r>
@@ -15773,6 +15750,7 @@
                     <a:solidFill>
                       <a:schemeClr val="accent3"/>
                     </a:solidFill>
+                    <a:latin typeface="Proxima Nova" panose="020B0604020202020204" charset="0"/>
                   </a:rPr>
                   <a:t>= 3</a:t>
                 </a:r>
@@ -15781,6 +15759,7 @@
                     <a:solidFill>
                       <a:schemeClr val="accent3"/>
                     </a:solidFill>
+                    <a:latin typeface="Proxima Nova" panose="020B0604020202020204" charset="0"/>
                   </a:rPr>
                 </a:br>
                 <a:br>
@@ -15788,6 +15767,7 @@
                     <a:solidFill>
                       <a:schemeClr val="accent3"/>
                     </a:solidFill>
+                    <a:latin typeface="Proxima Nova" panose="020B0604020202020204" charset="0"/>
                   </a:rPr>
                 </a:br>
                 <a:r>
@@ -15795,6 +15775,7 @@
                     <a:solidFill>
                       <a:schemeClr val="accent3"/>
                     </a:solidFill>
+                    <a:latin typeface="Proxima Nova" panose="020B0604020202020204" charset="0"/>
                   </a:rPr>
                   <a:t>Pasos 2 y 3</a:t>
                 </a:r>
@@ -15803,6 +15784,7 @@
                     <a:solidFill>
                       <a:schemeClr val="accent3"/>
                     </a:solidFill>
+                    <a:latin typeface="Proxima Nova" panose="020B0604020202020204" charset="0"/>
                   </a:rPr>
                   <a:t>: Identifico los vecinos cercanos y</a:t>
                 </a:r>
@@ -15811,6 +15793,7 @@
                     <a:solidFill>
                       <a:schemeClr val="accent3"/>
                     </a:solidFill>
+                    <a:latin typeface="Proxima Nova" panose="020B0604020202020204" charset="0"/>
                   </a:rPr>
                 </a:br>
                 <a:r>
@@ -15818,6 +15801,7 @@
                     <a:solidFill>
                       <a:schemeClr val="accent3"/>
                     </a:solidFill>
+                    <a:latin typeface="Proxima Nova" panose="020B0604020202020204" charset="0"/>
                   </a:rPr>
                   <a:t>estimo </a:t>
                 </a:r>
@@ -15826,6 +15810,7 @@
                     <a:solidFill>
                       <a:schemeClr val="accent3"/>
                     </a:solidFill>
+                    <a:latin typeface="Proxima Nova" panose="020B0604020202020204" charset="0"/>
                   </a:rPr>
                   <a:t>Prob</a:t>
                 </a:r>
@@ -15834,6 +15819,7 @@
                     <a:solidFill>
                       <a:schemeClr val="accent3"/>
                     </a:solidFill>
+                    <a:latin typeface="Proxima Nova" panose="020B0604020202020204" charset="0"/>
                   </a:rPr>
                   <a:t> condicionales</a:t>
                 </a:r>
@@ -15842,6 +15828,7 @@
                     <a:solidFill>
                       <a:schemeClr val="accent3"/>
                     </a:solidFill>
+                    <a:latin typeface="Proxima Nova" panose="020B0604020202020204" charset="0"/>
                   </a:rPr>
                 </a:br>
                 <a:br>
@@ -15849,6 +15836,7 @@
                     <a:solidFill>
                       <a:schemeClr val="accent3"/>
                     </a:solidFill>
+                    <a:latin typeface="Proxima Nova" panose="020B0604020202020204" charset="0"/>
                   </a:rPr>
                 </a:br>
                 <a14:m>
@@ -15865,7 +15853,7 @@
                           <a:solidFill>
                             <a:schemeClr val="tx1"/>
                           </a:solidFill>
-                          <a:latin typeface="Cambria Math" panose="02040503050406030204" pitchFamily="18" charset="0"/>
+                          <a:latin typeface="Proxima Nova" panose="020B0604020202020204" charset="0"/>
                           <a:ea typeface="Cambria Math" panose="02040503050406030204" pitchFamily="18" charset="0"/>
                         </a:rPr>
                         <m:t>Pr</m:t>
@@ -15878,7 +15866,7 @@
                           <a:solidFill>
                             <a:schemeClr val="tx1"/>
                           </a:solidFill>
-                          <a:latin typeface="Cambria Math" panose="02040503050406030204" pitchFamily="18" charset="0"/>
+                          <a:latin typeface="Proxima Nova" panose="020B0604020202020204" charset="0"/>
                           <a:ea typeface="Cambria Math" panose="02040503050406030204" pitchFamily="18" charset="0"/>
                         </a:rPr>
                         <m:t>(</m:t>
@@ -15891,7 +15879,7 @@
                           <a:solidFill>
                             <a:schemeClr val="tx1"/>
                           </a:solidFill>
-                          <a:latin typeface="Cambria Math" panose="02040503050406030204" pitchFamily="18" charset="0"/>
+                          <a:latin typeface="Proxima Nova" panose="020B0604020202020204" charset="0"/>
                           <a:ea typeface="Cambria Math" panose="02040503050406030204" pitchFamily="18" charset="0"/>
                         </a:rPr>
                         <m:t>Y</m:t>
@@ -15904,7 +15892,7 @@
                           <a:solidFill>
                             <a:schemeClr val="tx1"/>
                           </a:solidFill>
-                          <a:latin typeface="Cambria Math" panose="02040503050406030204" pitchFamily="18" charset="0"/>
+                          <a:latin typeface="Proxima Nova" panose="020B0604020202020204" charset="0"/>
                           <a:ea typeface="Cambria Math" panose="02040503050406030204" pitchFamily="18" charset="0"/>
                         </a:rPr>
                         <m:t> = </m:t>
@@ -15917,7 +15905,7 @@
                           <a:solidFill>
                             <a:schemeClr val="tx1"/>
                           </a:solidFill>
-                          <a:latin typeface="Cambria Math" panose="02040503050406030204" pitchFamily="18" charset="0"/>
+                          <a:latin typeface="Proxima Nova" panose="020B0604020202020204" charset="0"/>
                           <a:ea typeface="Cambria Math" panose="02040503050406030204" pitchFamily="18" charset="0"/>
                         </a:rPr>
                         <m:t>j</m:t>
@@ -15930,7 +15918,7 @@
                           <a:solidFill>
                             <a:schemeClr val="tx1"/>
                           </a:solidFill>
-                          <a:latin typeface="Cambria Math" panose="02040503050406030204" pitchFamily="18" charset="0"/>
+                          <a:latin typeface="Proxima Nova" panose="020B0604020202020204" charset="0"/>
                           <a:ea typeface="Cambria Math" panose="02040503050406030204" pitchFamily="18" charset="0"/>
                         </a:rPr>
                         <m:t> </m:t>
@@ -15943,7 +15931,7 @@
                           <a:solidFill>
                             <a:schemeClr val="tx1"/>
                           </a:solidFill>
-                          <a:latin typeface="Cambria Math" panose="02040503050406030204" pitchFamily="18" charset="0"/>
+                          <a:latin typeface="Proxima Nova" panose="020B0604020202020204" charset="0"/>
                           <a:ea typeface="Cambria Math" panose="02040503050406030204" pitchFamily="18" charset="0"/>
                         </a:rPr>
                         <m:t>|</m:t>
@@ -15956,7 +15944,7 @@
                           <a:solidFill>
                             <a:schemeClr val="tx1"/>
                           </a:solidFill>
-                          <a:latin typeface="Cambria Math" panose="02040503050406030204" pitchFamily="18" charset="0"/>
+                          <a:latin typeface="Proxima Nova" panose="020B0604020202020204" charset="0"/>
                           <a:ea typeface="Cambria Math" panose="02040503050406030204" pitchFamily="18" charset="0"/>
                         </a:rPr>
                         <m:t> </m:t>
@@ -15969,7 +15957,7 @@
                           <a:solidFill>
                             <a:schemeClr val="tx1"/>
                           </a:solidFill>
-                          <a:latin typeface="Cambria Math" panose="02040503050406030204" pitchFamily="18" charset="0"/>
+                          <a:latin typeface="Proxima Nova" panose="020B0604020202020204" charset="0"/>
                           <a:ea typeface="Cambria Math" panose="02040503050406030204" pitchFamily="18" charset="0"/>
                         </a:rPr>
                         <m:t>X</m:t>
@@ -15982,7 +15970,7 @@
                           <a:solidFill>
                             <a:schemeClr val="tx1"/>
                           </a:solidFill>
-                          <a:latin typeface="Cambria Math" panose="02040503050406030204" pitchFamily="18" charset="0"/>
+                          <a:latin typeface="Proxima Nova" panose="020B0604020202020204" charset="0"/>
                           <a:ea typeface="Cambria Math" panose="02040503050406030204" pitchFamily="18" charset="0"/>
                         </a:rPr>
                         <m:t> = </m:t>
@@ -15995,7 +15983,7 @@
                           <a:solidFill>
                             <a:schemeClr val="tx1"/>
                           </a:solidFill>
-                          <a:latin typeface="Cambria Math" panose="02040503050406030204" pitchFamily="18" charset="0"/>
+                          <a:latin typeface="Proxima Nova" panose="020B0604020202020204" charset="0"/>
                           <a:ea typeface="Cambria Math" panose="02040503050406030204" pitchFamily="18" charset="0"/>
                         </a:rPr>
                         <m:t>x</m:t>
@@ -16008,7 +15996,7 @@
                           <a:solidFill>
                             <a:schemeClr val="tx1"/>
                           </a:solidFill>
-                          <a:latin typeface="Cambria Math" panose="02040503050406030204" pitchFamily="18" charset="0"/>
+                          <a:latin typeface="Proxima Nova" panose="020B0604020202020204" charset="0"/>
                           <a:ea typeface="Cambria Math" panose="02040503050406030204" pitchFamily="18" charset="0"/>
                         </a:rPr>
                         <m:t>0)</m:t>
@@ -16247,7 +16235,7 @@
                           <a:solidFill>
                             <a:schemeClr val="tx1"/>
                           </a:solidFill>
-                          <a:latin typeface="Cambria Math" panose="02040503050406030204" pitchFamily="18" charset="0"/>
+                          <a:latin typeface="Proxima Nova" panose="020B0604020202020204" charset="0"/>
                           <a:ea typeface="Cambria Math" panose="02040503050406030204" pitchFamily="18" charset="0"/>
                         </a:rPr>
                         <m:t>Pr</m:t>
@@ -16260,7 +16248,7 @@
                           <a:solidFill>
                             <a:schemeClr val="tx1"/>
                           </a:solidFill>
-                          <a:latin typeface="Cambria Math" panose="02040503050406030204" pitchFamily="18" charset="0"/>
+                          <a:latin typeface="Proxima Nova" panose="020B0604020202020204" charset="0"/>
                           <a:ea typeface="Cambria Math" panose="02040503050406030204" pitchFamily="18" charset="0"/>
                         </a:rPr>
                         <m:t>(</m:t>
@@ -16273,7 +16261,7 @@
                           <a:solidFill>
                             <a:schemeClr val="tx1"/>
                           </a:solidFill>
-                          <a:latin typeface="Cambria Math" panose="02040503050406030204" pitchFamily="18" charset="0"/>
+                          <a:latin typeface="Proxima Nova" panose="020B0604020202020204" charset="0"/>
                           <a:ea typeface="Cambria Math" panose="02040503050406030204" pitchFamily="18" charset="0"/>
                         </a:rPr>
                         <m:t>Y</m:t>
@@ -16286,7 +16274,7 @@
                           <a:solidFill>
                             <a:schemeClr val="tx1"/>
                           </a:solidFill>
-                          <a:latin typeface="Cambria Math" panose="02040503050406030204" pitchFamily="18" charset="0"/>
+                          <a:latin typeface="Proxima Nova" panose="020B0604020202020204" charset="0"/>
                           <a:ea typeface="Cambria Math" panose="02040503050406030204" pitchFamily="18" charset="0"/>
                         </a:rPr>
                         <m:t> =</m:t>
@@ -16299,7 +16287,7 @@
                           <a:solidFill>
                             <a:schemeClr val="tx1"/>
                           </a:solidFill>
-                          <a:latin typeface="Cambria Math" panose="02040503050406030204" pitchFamily="18" charset="0"/>
+                          <a:latin typeface="Proxima Nova" panose="020B0604020202020204" charset="0"/>
                           <a:ea typeface="Cambria Math" panose="02040503050406030204" pitchFamily="18" charset="0"/>
                         </a:rPr>
                         <m:t>azul</m:t>
@@ -16312,7 +16300,7 @@
                           <a:solidFill>
                             <a:schemeClr val="tx1"/>
                           </a:solidFill>
-                          <a:latin typeface="Cambria Math" panose="02040503050406030204" pitchFamily="18" charset="0"/>
+                          <a:latin typeface="Proxima Nova" panose="020B0604020202020204" charset="0"/>
                           <a:ea typeface="Cambria Math" panose="02040503050406030204" pitchFamily="18" charset="0"/>
                         </a:rPr>
                         <m:t> |</m:t>
@@ -16325,7 +16313,7 @@
                           <a:solidFill>
                             <a:schemeClr val="tx1"/>
                           </a:solidFill>
-                          <a:latin typeface="Cambria Math" panose="02040503050406030204" pitchFamily="18" charset="0"/>
+                          <a:latin typeface="Proxima Nova" panose="020B0604020202020204" charset="0"/>
                           <a:ea typeface="Cambria Math" panose="02040503050406030204" pitchFamily="18" charset="0"/>
                         </a:rPr>
                         <m:t> </m:t>
@@ -16338,7 +16326,7 @@
                           <a:solidFill>
                             <a:schemeClr val="tx1"/>
                           </a:solidFill>
-                          <a:latin typeface="Cambria Math" panose="02040503050406030204" pitchFamily="18" charset="0"/>
+                          <a:latin typeface="Proxima Nova" panose="020B0604020202020204" charset="0"/>
                           <a:ea typeface="Cambria Math" panose="02040503050406030204" pitchFamily="18" charset="0"/>
                         </a:rPr>
                         <m:t>X</m:t>
@@ -16351,7 +16339,7 @@
                           <a:solidFill>
                             <a:schemeClr val="tx1"/>
                           </a:solidFill>
-                          <a:latin typeface="Cambria Math" panose="02040503050406030204" pitchFamily="18" charset="0"/>
+                          <a:latin typeface="Proxima Nova" panose="020B0604020202020204" charset="0"/>
                           <a:ea typeface="Cambria Math" panose="02040503050406030204" pitchFamily="18" charset="0"/>
                         </a:rPr>
                         <m:t> = </m:t>
@@ -16364,7 +16352,7 @@
                           <a:solidFill>
                             <a:schemeClr val="tx1"/>
                           </a:solidFill>
-                          <a:latin typeface="Cambria Math" panose="02040503050406030204" pitchFamily="18" charset="0"/>
+                          <a:latin typeface="Proxima Nova" panose="020B0604020202020204" charset="0"/>
                           <a:ea typeface="Cambria Math" panose="02040503050406030204" pitchFamily="18" charset="0"/>
                         </a:rPr>
                         <m:t>x</m:t>
@@ -16377,7 +16365,7 @@
                           <a:solidFill>
                             <a:schemeClr val="tx1"/>
                           </a:solidFill>
-                          <a:latin typeface="Cambria Math" panose="02040503050406030204" pitchFamily="18" charset="0"/>
+                          <a:latin typeface="Proxima Nova" panose="020B0604020202020204" charset="0"/>
                           <a:ea typeface="Cambria Math" panose="02040503050406030204" pitchFamily="18" charset="0"/>
                         </a:rPr>
                         <m:t>0)</m:t>
@@ -16447,6 +16435,7 @@
                     <a:solidFill>
                       <a:schemeClr val="accent3"/>
                     </a:solidFill>
+                    <a:latin typeface="Proxima Nova" panose="020B0604020202020204" charset="0"/>
                   </a:rPr>
                 </a:br>
                 <a:br>
@@ -16454,6 +16443,7 @@
                     <a:solidFill>
                       <a:schemeClr val="accent3"/>
                     </a:solidFill>
+                    <a:latin typeface="Proxima Nova" panose="020B0604020202020204" charset="0"/>
                   </a:rPr>
                 </a:br>
                 <a:r>
@@ -16461,6 +16451,7 @@
                     <a:solidFill>
                       <a:schemeClr val="accent3"/>
                     </a:solidFill>
+                    <a:latin typeface="Proxima Nova" panose="020B0604020202020204" charset="0"/>
                   </a:rPr>
                   <a:t>Paso 4</a:t>
                 </a:r>
@@ -16469,6 +16460,7 @@
                     <a:solidFill>
                       <a:schemeClr val="accent3"/>
                     </a:solidFill>
+                    <a:latin typeface="Proxima Nova" panose="020B0604020202020204" charset="0"/>
                   </a:rPr>
                   <a:t>: Como la </a:t>
                 </a:r>
@@ -16477,6 +16469,7 @@
                     <a:solidFill>
                       <a:schemeClr val="accent3"/>
                     </a:solidFill>
+                    <a:latin typeface="Proxima Nova" panose="020B0604020202020204" charset="0"/>
                   </a:rPr>
                   <a:t>Pr</a:t>
                 </a:r>
@@ -16485,6 +16478,7 @@
                     <a:solidFill>
                       <a:schemeClr val="accent3"/>
                     </a:solidFill>
+                    <a:latin typeface="Proxima Nova" panose="020B0604020202020204" charset="0"/>
                   </a:rPr>
                   <a:t> es mayor a 0,5 asignaría el caso a “azul”</a:t>
                 </a:r>
@@ -16493,6 +16487,7 @@
                     <a:solidFill>
                       <a:schemeClr val="accent3"/>
                     </a:solidFill>
+                    <a:latin typeface="Proxima Nova" panose="020B0604020202020204" charset="0"/>
                   </a:rPr>
                 </a:br>
                 <a:br>
@@ -16500,6 +16495,7 @@
                     <a:solidFill>
                       <a:schemeClr val="accent3"/>
                     </a:solidFill>
+                    <a:latin typeface="Proxima Nova" panose="020B0604020202020204" charset="0"/>
                   </a:rPr>
                 </a:br>
                 <a:r>
@@ -16507,6 +16503,7 @@
                     <a:solidFill>
                       <a:schemeClr val="accent3"/>
                     </a:solidFill>
+                    <a:latin typeface="Proxima Nova" panose="020B0604020202020204" charset="0"/>
                   </a:rPr>
                   <a:t>Si generalizo este método puedo armar una grilla que contenga cual sería la clasificación que le cabe a cada combinación de X1 y X2</a:t>
                 </a:r>
@@ -16515,6 +16512,7 @@
                     <a:solidFill>
                       <a:schemeClr val="accent3"/>
                     </a:solidFill>
+                    <a:latin typeface="Proxima Nova" panose="020B0604020202020204" charset="0"/>
                   </a:rPr>
                 </a:br>
                 <a:br>
@@ -16541,7 +16539,7 @@
             </p:txBody>
           </p:sp>
         </mc:Choice>
-        <mc:Fallback xmlns="">
+        <mc:Fallback>
           <p:sp>
             <p:nvSpPr>
               <p:cNvPr id="153" name="Google Shape;153;p27"/>
@@ -16705,7 +16703,7 @@
         </p:nvSpPr>
         <p:spPr>
           <a:xfrm>
-            <a:off x="6537502" y="551403"/>
+            <a:off x="6441047" y="565998"/>
             <a:ext cx="192907" cy="187729"/>
           </a:xfrm>
           <a:prstGeom prst="ellipse">
@@ -17172,6 +17170,7 @@
                 <a:solidFill>
                   <a:schemeClr val="accent3"/>
                 </a:solidFill>
+                <a:latin typeface="Proxima Nova" panose="020B0604020202020204" charset="0"/>
               </a:rPr>
               <a:t>¿Que pasa cuando variamos K?, ¿qué podemos decir sobre el </a:t>
             </a:r>
@@ -17180,6 +17179,7 @@
                 <a:solidFill>
                   <a:schemeClr val="accent3"/>
                 </a:solidFill>
+                <a:latin typeface="Proxima Nova" panose="020B0604020202020204" charset="0"/>
               </a:rPr>
               <a:t>trade off </a:t>
             </a:r>
@@ -17188,6 +17188,7 @@
                 <a:solidFill>
                   <a:schemeClr val="accent3"/>
                 </a:solidFill>
+                <a:latin typeface="Proxima Nova" panose="020B0604020202020204" charset="0"/>
               </a:rPr>
               <a:t>varianza desvío?, ¿Qué piensan que puede pasar con el </a:t>
             </a:r>
@@ -17196,6 +17197,7 @@
                 <a:solidFill>
                   <a:schemeClr val="accent3"/>
                 </a:solidFill>
+                <a:latin typeface="Proxima Nova" panose="020B0604020202020204" charset="0"/>
               </a:rPr>
               <a:t>error rate </a:t>
             </a:r>
@@ -17204,10 +17206,13 @@
                 <a:solidFill>
                   <a:schemeClr val="accent3"/>
                 </a:solidFill>
+                <a:latin typeface="Proxima Nova" panose="020B0604020202020204" charset="0"/>
               </a:rPr>
               <a:t>en el train y en el test set?</a:t>
             </a:r>
-            <a:endParaRPr lang="es-AR" dirty="0"/>
+            <a:endParaRPr lang="es-AR" dirty="0">
+              <a:latin typeface="Proxima Nova" panose="020B0604020202020204" charset="0"/>
+            </a:endParaRPr>
           </a:p>
         </p:txBody>
       </p:sp>
@@ -17226,7 +17231,7 @@
         <p:spPr>
           <a:xfrm>
             <a:off x="4540104" y="1804315"/>
-            <a:ext cx="4603896" cy="1754326"/>
+            <a:ext cx="4603896" cy="2215991"/>
           </a:xfrm>
           <a:prstGeom prst="rect">
             <a:avLst/>
@@ -17247,17 +17252,7 @@
               <a:solidFill>
                 <a:schemeClr val="accent3"/>
               </a:solidFill>
-            </a:endParaRPr>
-          </a:p>
-          <a:p>
-            <a:pPr marL="285750" indent="-285750">
-              <a:buFont typeface="Arial" panose="020B0604020202020204" pitchFamily="34" charset="0"/>
-              <a:buChar char="•"/>
-            </a:pPr>
-            <a:endParaRPr lang="en-GB" sz="1200" b="1" dirty="0">
-              <a:solidFill>
-                <a:schemeClr val="accent3"/>
-              </a:solidFill>
+              <a:latin typeface="Proxima Nova" panose="020B0604020202020204" charset="0"/>
             </a:endParaRPr>
           </a:p>
           <a:p>
@@ -17266,10 +17261,11 @@
               <a:buChar char="•"/>
             </a:pPr>
             <a:r>
-              <a:rPr lang="en-GB" sz="1200" b="1" dirty="0">
+              <a:rPr lang="en-GB" b="1" dirty="0">
                 <a:solidFill>
                   <a:schemeClr val="accent3"/>
                 </a:solidFill>
+                <a:latin typeface="Proxima Nova" panose="020B0604020202020204" charset="0"/>
               </a:rPr>
               <a:t>A menor K, mayor flexibilidad del “decision boundary”. </a:t>
             </a:r>
@@ -17279,10 +17275,11 @@
               <a:buFont typeface="Arial" panose="020B0604020202020204" pitchFamily="34" charset="0"/>
               <a:buChar char="•"/>
             </a:pPr>
-            <a:endParaRPr lang="en-GB" sz="1200" b="1" dirty="0">
+            <a:endParaRPr lang="en-GB" b="1" dirty="0">
               <a:solidFill>
                 <a:schemeClr val="accent3"/>
               </a:solidFill>
+              <a:latin typeface="Proxima Nova" panose="020B0604020202020204" charset="0"/>
             </a:endParaRPr>
           </a:p>
           <a:p>
@@ -17291,17 +17288,19 @@
               <a:buChar char="•"/>
             </a:pPr>
             <a:r>
-              <a:rPr lang="en-GB" sz="1200" b="1" dirty="0">
+              <a:rPr lang="en-GB" b="1" dirty="0">
                 <a:solidFill>
                   <a:schemeClr val="accent3"/>
                 </a:solidFill>
+                <a:latin typeface="Proxima Nova" panose="020B0604020202020204" charset="0"/>
               </a:rPr>
               <a:t>Si elijo un K bajo, mi decision boundary es muy sensible a los datos de turno. </a:t>
             </a:r>
-            <a:endParaRPr lang="en-GB" sz="1200" dirty="0">
+            <a:endParaRPr lang="en-GB" dirty="0">
               <a:solidFill>
                 <a:schemeClr val="accent3"/>
               </a:solidFill>
+              <a:latin typeface="Proxima Nova" panose="020B0604020202020204" charset="0"/>
             </a:endParaRPr>
           </a:p>
           <a:p>
@@ -17309,10 +17308,11 @@
               <a:buFont typeface="Arial" panose="020B0604020202020204" pitchFamily="34" charset="0"/>
               <a:buChar char="•"/>
             </a:pPr>
-            <a:endParaRPr lang="en-GB" sz="1200" b="1" dirty="0">
+            <a:endParaRPr lang="en-GB" b="1" dirty="0">
               <a:solidFill>
                 <a:schemeClr val="accent3"/>
               </a:solidFill>
+              <a:latin typeface="Proxima Nova" panose="020B0604020202020204" charset="0"/>
             </a:endParaRPr>
           </a:p>
           <a:p>
@@ -17321,14 +17321,17 @@
               <a:buChar char="•"/>
             </a:pPr>
             <a:r>
-              <a:rPr lang="en-GB" sz="1200" b="1" dirty="0">
+              <a:rPr lang="en-GB" b="1" dirty="0">
                 <a:solidFill>
                   <a:schemeClr val="accent3"/>
                 </a:solidFill>
+                <a:latin typeface="Proxima Nova" panose="020B0604020202020204" charset="0"/>
               </a:rPr>
               <a:t>Si elijo un K alto, mi decision boundary no va a cambiar mucho por más de que se modifiquen un poco los datos</a:t>
             </a:r>
-            <a:endParaRPr lang="es-AR" sz="1200" dirty="0"/>
+            <a:endParaRPr lang="es-AR" dirty="0">
+              <a:latin typeface="Proxima Nova" panose="020B0604020202020204" charset="0"/>
+            </a:endParaRPr>
           </a:p>
         </p:txBody>
       </p:sp>
@@ -18051,7 +18054,7 @@
                 <a:solidFill>
                   <a:schemeClr val="accent3"/>
                 </a:solidFill>
-                <a:latin typeface="+mj-lt"/>
+                <a:latin typeface="Proxima Nova" panose="020B0604020202020204" charset="0"/>
               </a:rPr>
               <a:t>Ventajas:</a:t>
             </a:r>
@@ -18066,7 +18069,7 @@
                 <a:solidFill>
                   <a:schemeClr val="accent3"/>
                 </a:solidFill>
-                <a:latin typeface="+mj-lt"/>
+                <a:latin typeface="Proxima Nova" panose="020B0604020202020204" charset="0"/>
               </a:rPr>
               <a:t>No necesito suposiciones sobre los datos, con determinar K y la medida de distancia ya es suficiente. Fácil de utilizar y de comprender</a:t>
             </a:r>
@@ -18080,7 +18083,7 @@
               <a:solidFill>
                 <a:schemeClr val="accent3"/>
               </a:solidFill>
-              <a:latin typeface="+mj-lt"/>
+              <a:latin typeface="Proxima Nova" panose="020B0604020202020204" charset="0"/>
             </a:endParaRPr>
           </a:p>
           <a:p>
@@ -18089,7 +18092,7 @@
                 <a:solidFill>
                   <a:schemeClr val="accent3"/>
                 </a:solidFill>
-                <a:latin typeface="+mj-lt"/>
+                <a:latin typeface="Proxima Nova" panose="020B0604020202020204" charset="0"/>
               </a:rPr>
               <a:t>Desventajas:</a:t>
             </a:r>
@@ -18104,7 +18107,7 @@
                 <a:solidFill>
                   <a:schemeClr val="accent3"/>
                 </a:solidFill>
-                <a:latin typeface="+mj-lt"/>
+                <a:latin typeface="Proxima Nova" panose="020B0604020202020204" charset="0"/>
               </a:rPr>
               <a:t>Al utilizar distancias entre los puntos es muy sensible a las diferencias de escala entre las variables. Puedo solucionarlo </a:t>
             </a:r>
@@ -18116,7 +18119,7 @@
                 <a:highlight>
                   <a:schemeClr val="lt2"/>
                 </a:highlight>
-                <a:latin typeface="+mj-lt"/>
+                <a:latin typeface="Proxima Nova" panose="020B0604020202020204" charset="0"/>
                 <a:sym typeface="Proxima Nova"/>
               </a:rPr>
               <a:t>re-escalando las variables</a:t>
@@ -18134,7 +18137,7 @@
               <a:highlight>
                 <a:schemeClr val="lt2"/>
               </a:highlight>
-              <a:latin typeface="+mj-lt"/>
+              <a:latin typeface="Proxima Nova" panose="020B0604020202020204" charset="0"/>
               <a:sym typeface="Proxima Nova"/>
             </a:endParaRPr>
           </a:p>
@@ -18148,7 +18151,7 @@
                 <a:solidFill>
                   <a:schemeClr val="accent3"/>
                 </a:solidFill>
-                <a:latin typeface="+mj-lt"/>
+                <a:latin typeface="Proxima Nova" panose="020B0604020202020204" charset="0"/>
               </a:rPr>
               <a:t>Muy sensible a outliers y atributos irrelevantes que se incluyan </a:t>
             </a:r>
@@ -18157,7 +18160,7 @@
                 <a:solidFill>
                   <a:schemeClr val="accent3"/>
                 </a:solidFill>
-                <a:latin typeface="+mj-lt"/>
+                <a:latin typeface="Proxima Nova" panose="020B0604020202020204" charset="0"/>
                 <a:sym typeface="Wingdings" panose="05000000000000000000" pitchFamily="2" charset="2"/>
               </a:rPr>
               <a:t></a:t>
@@ -18167,7 +18170,7 @@
                 <a:solidFill>
                   <a:schemeClr val="accent3"/>
                 </a:solidFill>
-                <a:latin typeface="+mj-lt"/>
+                <a:latin typeface="Proxima Nova" panose="020B0604020202020204" charset="0"/>
               </a:rPr>
               <a:t> Afectan las distancias calculadas</a:t>
             </a:r>
@@ -18184,7 +18187,7 @@
               <a:highlight>
                 <a:schemeClr val="lt2"/>
               </a:highlight>
-              <a:latin typeface="+mj-lt"/>
+              <a:latin typeface="Proxima Nova" panose="020B0604020202020204" charset="0"/>
               <a:sym typeface="Proxima Nova"/>
             </a:endParaRPr>
           </a:p>
@@ -18198,7 +18201,7 @@
                 <a:solidFill>
                   <a:schemeClr val="accent3"/>
                 </a:solidFill>
-                <a:latin typeface="+mj-lt"/>
+                <a:latin typeface="Proxima Nova" panose="020B0604020202020204" charset="0"/>
                 <a:sym typeface="Proxima Nova"/>
               </a:rPr>
               <a:t>Alto costo computacional</a:t>
@@ -18208,7 +18211,7 @@
                 <a:solidFill>
                   <a:schemeClr val="accent3"/>
                 </a:solidFill>
-                <a:latin typeface="+mj-lt"/>
+                <a:latin typeface="Proxima Nova" panose="020B0604020202020204" charset="0"/>
                 <a:sym typeface="Proxima Nova"/>
               </a:rPr>
               <a:t>. El modelo debe calcular para cada dato un conjunto de distancias y debe almacenar toda esa informaci</a:t>
@@ -18218,7 +18221,7 @@
                 <a:solidFill>
                   <a:schemeClr val="accent3"/>
                 </a:solidFill>
-                <a:latin typeface="+mj-lt"/>
+                <a:latin typeface="Proxima Nova" panose="020B0604020202020204" charset="0"/>
                 <a:sym typeface="Proxima Nova"/>
               </a:rPr>
               <a:t>ó</a:t>
@@ -18228,7 +18231,7 @@
                 <a:solidFill>
                   <a:schemeClr val="accent3"/>
                 </a:solidFill>
-                <a:latin typeface="+mj-lt"/>
+                <a:latin typeface="Proxima Nova" panose="020B0604020202020204" charset="0"/>
                 <a:sym typeface="Proxima Nova"/>
               </a:rPr>
               <a:t>n para luego predecir sobre datos nuevos</a:t>
@@ -18240,7 +18243,7 @@
               <a:highlight>
                 <a:schemeClr val="lt2"/>
               </a:highlight>
-              <a:latin typeface="+mj-lt"/>
+              <a:latin typeface="Proxima Nova" panose="020B0604020202020204" charset="0"/>
               <a:sym typeface="Proxima Nova"/>
             </a:endParaRPr>
           </a:p>
@@ -18261,7 +18264,7 @@
         <p:spPr>
           <a:xfrm>
             <a:off x="-1" y="3897116"/>
-            <a:ext cx="8941982" cy="523220"/>
+            <a:ext cx="8941982" cy="584775"/>
           </a:xfrm>
           <a:prstGeom prst="rect">
             <a:avLst/>
@@ -18275,69 +18278,71 @@
           <a:lstStyle/>
           <a:p>
             <a:r>
-              <a:rPr lang="en-GB" sz="1400" b="1" u="sng" dirty="0">
+              <a:rPr lang="en-GB" sz="1600" b="1" u="sng" dirty="0" err="1">
                 <a:solidFill>
                   <a:schemeClr val="accent3"/>
                 </a:solidFill>
-                <a:latin typeface="+mj-lt"/>
+                <a:latin typeface="Proxima Nova" panose="020B0604020202020204" charset="0"/>
               </a:rPr>
               <a:t>Aplicabilidad</a:t>
             </a:r>
             <a:r>
-              <a:rPr lang="en-GB" sz="1400" b="1" dirty="0">
+              <a:rPr lang="en-GB" sz="1600" b="1" dirty="0">
                 <a:solidFill>
                   <a:schemeClr val="accent3"/>
                 </a:solidFill>
-                <a:latin typeface="+mj-lt"/>
+                <a:latin typeface="Proxima Nova" panose="020B0604020202020204" charset="0"/>
               </a:rPr>
               <a:t>: </a:t>
             </a:r>
             <a:r>
-              <a:rPr lang="es-MX" sz="1400" dirty="0">
+              <a:rPr lang="es-MX" sz="1600" dirty="0">
                 <a:solidFill>
                   <a:schemeClr val="accent3"/>
                 </a:solidFill>
-                <a:latin typeface="+mj-lt"/>
+                <a:latin typeface="Proxima Nova" panose="020B0604020202020204" charset="0"/>
               </a:rPr>
               <a:t>Cuando tenemos pocos predictores (X)</a:t>
             </a:r>
             <a:r>
-              <a:rPr lang="es-MX" sz="1400" b="1" dirty="0">
+              <a:rPr lang="es-MX" sz="1600" b="1" dirty="0">
                 <a:solidFill>
                   <a:schemeClr val="accent3"/>
                 </a:solidFill>
-                <a:latin typeface="+mj-lt"/>
+                <a:latin typeface="Proxima Nova" panose="020B0604020202020204" charset="0"/>
               </a:rPr>
               <a:t> </a:t>
             </a:r>
             <a:r>
-              <a:rPr lang="es-MX" sz="1400" dirty="0">
+              <a:rPr lang="es-MX" sz="1600" dirty="0">
                 <a:solidFill>
                   <a:schemeClr val="accent3"/>
                 </a:solidFill>
-                <a:latin typeface="+mj-lt"/>
+                <a:latin typeface="Proxima Nova" panose="020B0604020202020204" charset="0"/>
               </a:rPr>
               <a:t>y la frontera entre las clases es fuertemente no-lineal</a:t>
             </a:r>
             <a:r>
-              <a:rPr lang="es-MX" sz="1400" b="1" dirty="0">
+              <a:rPr lang="es-MX" sz="1600" b="1" dirty="0">
                 <a:solidFill>
                   <a:schemeClr val="accent3"/>
                 </a:solidFill>
-                <a:latin typeface="+mj-lt"/>
+                <a:latin typeface="Proxima Nova" panose="020B0604020202020204" charset="0"/>
               </a:rPr>
               <a:t>. </a:t>
             </a:r>
             <a:r>
-              <a:rPr lang="es-MX" sz="1400" dirty="0">
+              <a:rPr lang="es-MX" sz="1600" dirty="0">
                 <a:solidFill>
                   <a:schemeClr val="accent3"/>
                 </a:solidFill>
-                <a:latin typeface="+mj-lt"/>
+                <a:latin typeface="Proxima Nova" panose="020B0604020202020204" charset="0"/>
               </a:rPr>
               <a:t>Cobra mayor sentido cuando tenemos predictores numéricos (por las distancias)</a:t>
             </a:r>
-            <a:endParaRPr lang="es-AR" dirty="0"/>
+            <a:endParaRPr lang="es-AR" sz="1600" dirty="0">
+              <a:latin typeface="Proxima Nova" panose="020B0604020202020204" charset="0"/>
+            </a:endParaRPr>
           </a:p>
         </p:txBody>
       </p:sp>
@@ -18382,10 +18387,6 @@
           </p:nvPr>
         </p:nvSpPr>
         <p:spPr>
-          <a:xfrm>
-            <a:off x="510450" y="2057400"/>
-            <a:ext cx="8123100" cy="778800"/>
-          </a:xfrm>
           <a:prstGeom prst="rect">
             <a:avLst/>
           </a:prstGeom>
@@ -18508,8 +18509,8 @@
           <a:chExt cx="0" cy="0"/>
         </a:xfrm>
       </p:grpSpPr>
-      <mc:AlternateContent xmlns:mc="http://schemas.openxmlformats.org/markup-compatibility/2006" xmlns:a14="http://schemas.microsoft.com/office/drawing/2010/main">
-        <mc:Choice Requires="a14">
+      <mc:AlternateContent xmlns:mc="http://schemas.openxmlformats.org/markup-compatibility/2006">
+        <mc:Choice xmlns:a14="http://schemas.microsoft.com/office/drawing/2010/main" Requires="a14">
           <p:sp>
             <p:nvSpPr>
               <p:cNvPr id="153" name="Google Shape;153;p27"/>
@@ -18537,85 +18538,77 @@
               <a:p>
                 <a:pPr lvl="0"/>
                 <a:r>
-                  <a:rPr lang="es-MX" sz="1600" b="1" dirty="0">
+                  <a:rPr lang="es-MX" sz="1800" b="1" dirty="0">
                     <a:solidFill>
                       <a:schemeClr val="accent3"/>
                     </a:solidFill>
-                    <a:latin typeface="+mj-lt"/>
+                    <a:latin typeface="Proxima Nova" panose="020B0604020202020204" charset="0"/>
                   </a:rPr>
                   <a:t>Idea general</a:t>
                 </a:r>
                 <a:r>
-                  <a:rPr lang="es-MX" sz="1600" dirty="0">
+                  <a:rPr lang="es-MX" sz="1800" dirty="0">
                     <a:solidFill>
                       <a:schemeClr val="accent3"/>
                     </a:solidFill>
-                    <a:latin typeface="+mj-lt"/>
+                    <a:latin typeface="Proxima Nova" panose="020B0604020202020204" charset="0"/>
                   </a:rPr>
                   <a:t>: Consiste en modelar la distribución de X para cada clase de Y, para luego usar el teorema de Bayes para estimar la probabilidad de Y, dados los posibles valores de X</a:t>
                 </a:r>
                 <a:br>
-                  <a:rPr lang="es-MX" sz="1600" dirty="0">
+                  <a:rPr lang="es-MX" sz="1800" dirty="0">
                     <a:solidFill>
                       <a:schemeClr val="accent3"/>
                     </a:solidFill>
-                    <a:latin typeface="+mj-lt"/>
+                    <a:latin typeface="Proxima Nova" panose="020B0604020202020204" charset="0"/>
                   </a:rPr>
                 </a:br>
                 <a:br>
-                  <a:rPr lang="es-MX" sz="1600" dirty="0">
+                  <a:rPr lang="es-MX" sz="1800" dirty="0">
                     <a:solidFill>
                       <a:schemeClr val="accent3"/>
                     </a:solidFill>
-                    <a:latin typeface="+mj-lt"/>
+                    <a:latin typeface="Proxima Nova" panose="020B0604020202020204" charset="0"/>
                   </a:rPr>
                 </a:br>
                 <a:r>
-                  <a:rPr lang="es-MX" sz="1600" dirty="0">
+                  <a:rPr lang="es-MX" sz="1800" dirty="0">
                     <a:solidFill>
                       <a:schemeClr val="accent3"/>
                     </a:solidFill>
-                    <a:latin typeface="+mj-lt"/>
+                    <a:latin typeface="Proxima Nova" panose="020B0604020202020204" charset="0"/>
                   </a:rPr>
-                  <a:t>Para variables continuas, </a:t>
+                  <a:t>Para variables continuas, se asume que las distribuciones de X para cada clase de Y son normales con una media propia y una varianza común</a:t>
                 </a:r>
-                <a:r>
-                  <a:rPr lang="es-MX" sz="1600" dirty="0">
+                <a:br>
+                  <a:rPr lang="es-MX" sz="1800" dirty="0">
                     <a:solidFill>
                       <a:schemeClr val="accent3"/>
                     </a:solidFill>
+                    <a:latin typeface="Proxima Nova" panose="020B0604020202020204" charset="0"/>
                   </a:rPr>
-                  <a:t>se asume que las distribuciones de X para cada clase de Y son normales con una media propia y una varianza común</a:t>
-                </a:r>
+                </a:br>
                 <a:br>
-                  <a:rPr lang="es-MX" sz="1600" dirty="0">
+                  <a:rPr lang="es-MX" sz="1800" dirty="0">
                     <a:solidFill>
                       <a:schemeClr val="accent3"/>
                     </a:solidFill>
-                    <a:latin typeface="+mj-lt"/>
+                    <a:latin typeface="Proxima Nova" panose="020B0604020202020204" charset="0"/>
                   </a:rPr>
                 </a:br>
-                <a:br>
-                  <a:rPr lang="es-MX" sz="1600" dirty="0">
+                <a:r>
+                  <a:rPr lang="es-MX" sz="1800" b="1" dirty="0">
                     <a:solidFill>
                       <a:schemeClr val="accent3"/>
                     </a:solidFill>
-                    <a:latin typeface="+mj-lt"/>
-                  </a:rPr>
-                </a:br>
-                <a:r>
-                  <a:rPr lang="es-MX" sz="1600" b="1" dirty="0">
-                    <a:solidFill>
-                      <a:schemeClr val="accent3"/>
-                    </a:solidFill>
-                    <a:latin typeface="+mj-lt"/>
+                    <a:latin typeface="Proxima Nova" panose="020B0604020202020204" charset="0"/>
                   </a:rPr>
                   <a:t>Teorema de Bayes:</a:t>
                 </a:r>
                 <a14:m>
                   <m:oMath xmlns:m="http://schemas.openxmlformats.org/officeDocument/2006/math">
                     <m:r>
-                      <a:rPr lang="es-MX" sz="1600" b="1" i="0" dirty="0" smtClean="0">
+                      <a:rPr lang="es-MX" sz="1800" b="1" i="0" dirty="0" smtClean="0">
                         <a:solidFill>
                           <a:schemeClr val="accent3"/>
                         </a:solidFill>
@@ -18627,7 +18620,7 @@
                       <m:rPr>
                         <m:sty m:val="p"/>
                       </m:rPr>
-                      <a:rPr lang="es-MX" sz="1600" i="1" dirty="0" smtClean="0">
+                      <a:rPr lang="es-MX" sz="1800" i="1" dirty="0" smtClean="0">
                         <a:solidFill>
                           <a:schemeClr val="accent3"/>
                         </a:solidFill>
@@ -18636,7 +18629,7 @@
                       <m:t>Pr</m:t>
                     </m:r>
                     <m:r>
-                      <a:rPr lang="es-MX" sz="1600" i="1" dirty="0" smtClean="0">
+                      <a:rPr lang="es-MX" sz="1800" i="1" dirty="0" smtClean="0">
                         <a:solidFill>
                           <a:schemeClr val="accent3"/>
                         </a:solidFill>
@@ -18645,7 +18638,7 @@
                       <m:t>⁡(</m:t>
                     </m:r>
                     <m:r>
-                      <a:rPr lang="es-MX" sz="1600" i="1" dirty="0" smtClean="0">
+                      <a:rPr lang="es-MX" sz="1800" i="1" dirty="0" smtClean="0">
                         <a:solidFill>
                           <a:schemeClr val="accent3"/>
                         </a:solidFill>
@@ -18654,7 +18647,7 @@
                       <m:t>𝑌</m:t>
                     </m:r>
                     <m:r>
-                      <a:rPr lang="es-MX" sz="1600" i="1" dirty="0" smtClean="0">
+                      <a:rPr lang="es-MX" sz="1800" i="1" dirty="0" smtClean="0">
                         <a:solidFill>
                           <a:schemeClr val="accent3"/>
                         </a:solidFill>
@@ -18663,7 +18656,7 @@
                       <m:t>| </m:t>
                     </m:r>
                     <m:r>
-                      <a:rPr lang="es-MX" sz="1600" i="1" dirty="0" smtClean="0">
+                      <a:rPr lang="es-MX" sz="1800" i="1" dirty="0" smtClean="0">
                         <a:solidFill>
                           <a:schemeClr val="accent3"/>
                         </a:solidFill>
@@ -18672,7 +18665,7 @@
                       <m:t>𝑋</m:t>
                     </m:r>
                     <m:r>
-                      <a:rPr lang="es-MX" sz="1600" i="1" dirty="0" smtClean="0">
+                      <a:rPr lang="es-MX" sz="1800" i="1" dirty="0" smtClean="0">
                         <a:solidFill>
                           <a:schemeClr val="accent3"/>
                         </a:solidFill>
@@ -18683,7 +18676,7 @@
                     <m:f>
                       <m:fPr>
                         <m:ctrlPr>
-                          <a:rPr lang="es-MX" sz="1600" i="1" dirty="0" smtClean="0">
+                          <a:rPr lang="es-MX" sz="1800" i="1" dirty="0" smtClean="0">
                             <a:solidFill>
                               <a:schemeClr val="accent3"/>
                             </a:solidFill>
@@ -18693,7 +18686,7 @@
                       </m:fPr>
                       <m:num>
                         <m:r>
-                          <a:rPr lang="es-MX" sz="1600" i="1" dirty="0">
+                          <a:rPr lang="es-MX" sz="1800" i="1" dirty="0">
                             <a:solidFill>
                               <a:schemeClr val="accent3"/>
                             </a:solidFill>
@@ -18702,7 +18695,7 @@
                           <m:t>𝑃</m:t>
                         </m:r>
                         <m:r>
-                          <a:rPr lang="es-MX" sz="1600" i="1" dirty="0">
+                          <a:rPr lang="es-MX" sz="1800" i="1" dirty="0">
                             <a:solidFill>
                               <a:schemeClr val="accent3"/>
                             </a:solidFill>
@@ -18711,7 +18704,7 @@
                           <m:t>(</m:t>
                         </m:r>
                         <m:r>
-                          <a:rPr lang="es-MX" sz="1600" i="1" dirty="0">
+                          <a:rPr lang="es-MX" sz="1800" i="1" dirty="0">
                             <a:solidFill>
                               <a:schemeClr val="accent3"/>
                             </a:solidFill>
@@ -18720,7 +18713,7 @@
                           <m:t>𝑋</m:t>
                         </m:r>
                         <m:r>
-                          <a:rPr lang="es-MX" sz="1600" i="1" dirty="0">
+                          <a:rPr lang="es-MX" sz="1800" i="1" dirty="0">
                             <a:solidFill>
                               <a:schemeClr val="accent3"/>
                             </a:solidFill>
@@ -18729,7 +18722,7 @@
                           <m:t>|</m:t>
                         </m:r>
                         <m:r>
-                          <a:rPr lang="es-MX" sz="1600" i="1" dirty="0">
+                          <a:rPr lang="es-MX" sz="1800" i="1" dirty="0">
                             <a:solidFill>
                               <a:schemeClr val="accent3"/>
                             </a:solidFill>
@@ -18738,7 +18731,7 @@
                           <m:t>𝑌</m:t>
                         </m:r>
                         <m:r>
-                          <a:rPr lang="es-MX" sz="1600" i="1" dirty="0">
+                          <a:rPr lang="es-MX" sz="1800" i="1" dirty="0">
                             <a:solidFill>
                               <a:schemeClr val="accent3"/>
                             </a:solidFill>
@@ -18747,7 +18740,7 @@
                           <m:t>) ∗ </m:t>
                         </m:r>
                         <m:r>
-                          <a:rPr lang="es-MX" sz="1600" i="1" dirty="0">
+                          <a:rPr lang="es-MX" sz="1800" i="1" dirty="0">
                             <a:solidFill>
                               <a:schemeClr val="accent3"/>
                             </a:solidFill>
@@ -18756,7 +18749,7 @@
                           <m:t>𝑃</m:t>
                         </m:r>
                         <m:r>
-                          <a:rPr lang="es-MX" sz="1600" i="1" dirty="0">
+                          <a:rPr lang="es-MX" sz="1800" i="1" dirty="0">
                             <a:solidFill>
                               <a:schemeClr val="accent3"/>
                             </a:solidFill>
@@ -18765,7 +18758,7 @@
                           <m:t> (</m:t>
                         </m:r>
                         <m:r>
-                          <a:rPr lang="es-MX" sz="1600" i="1" dirty="0">
+                          <a:rPr lang="es-MX" sz="1800" i="1" dirty="0">
                             <a:solidFill>
                               <a:schemeClr val="accent3"/>
                             </a:solidFill>
@@ -18774,7 +18767,7 @@
                           <m:t>𝑌</m:t>
                         </m:r>
                         <m:r>
-                          <a:rPr lang="es-MX" sz="1600" i="1" dirty="0">
+                          <a:rPr lang="es-MX" sz="1800" i="1" dirty="0">
                             <a:solidFill>
                               <a:schemeClr val="accent3"/>
                             </a:solidFill>
@@ -18785,7 +18778,7 @@
                       </m:num>
                       <m:den>
                         <m:r>
-                          <a:rPr lang="es-MX" sz="1600" b="0" i="1" dirty="0" smtClean="0">
+                          <a:rPr lang="es-MX" sz="1800" b="0" i="1" dirty="0" smtClean="0">
                             <a:solidFill>
                               <a:schemeClr val="accent3"/>
                             </a:solidFill>
@@ -18794,7 +18787,7 @@
                           <m:t>𝑃</m:t>
                         </m:r>
                         <m:r>
-                          <a:rPr lang="es-MX" sz="1600" b="0" i="1" dirty="0" smtClean="0">
+                          <a:rPr lang="es-MX" sz="1800" b="0" i="1" dirty="0" smtClean="0">
                             <a:solidFill>
                               <a:schemeClr val="accent3"/>
                             </a:solidFill>
@@ -18803,7 +18796,7 @@
                           <m:t>(</m:t>
                         </m:r>
                         <m:r>
-                          <a:rPr lang="es-MX" sz="1600" b="0" i="1" dirty="0" smtClean="0">
+                          <a:rPr lang="es-MX" sz="1800" b="0" i="1" dirty="0" smtClean="0">
                             <a:solidFill>
                               <a:schemeClr val="accent3"/>
                             </a:solidFill>
@@ -18812,7 +18805,7 @@
                           <m:t>𝑋</m:t>
                         </m:r>
                         <m:r>
-                          <a:rPr lang="es-MX" sz="1600" b="0" i="1" dirty="0" smtClean="0">
+                          <a:rPr lang="es-MX" sz="1800" b="0" i="1" dirty="0" smtClean="0">
                             <a:solidFill>
                               <a:schemeClr val="accent3"/>
                             </a:solidFill>
@@ -18825,139 +18818,108 @@
                   </m:oMath>
                 </a14:m>
                 <a:br>
-                  <a:rPr lang="es-MX" sz="1600" dirty="0">
+                  <a:rPr lang="es-MX" sz="1800" dirty="0">
                     <a:solidFill>
                       <a:schemeClr val="accent3"/>
                     </a:solidFill>
-                    <a:latin typeface="+mj-lt"/>
+                    <a:latin typeface="Proxima Nova" panose="020B0604020202020204" charset="0"/>
                   </a:rPr>
                 </a:br>
                 <a:br>
-                  <a:rPr lang="es-MX" sz="1600" dirty="0">
+                  <a:rPr lang="es-MX" sz="1800" dirty="0">
                     <a:solidFill>
                       <a:schemeClr val="accent3"/>
                     </a:solidFill>
-                    <a:latin typeface="+mj-lt"/>
+                    <a:latin typeface="Proxima Nova" panose="020B0604020202020204" charset="0"/>
                   </a:rPr>
                 </a:br>
                 <a:r>
-                  <a:rPr lang="es-MX" sz="1600" b="1" dirty="0">
+                  <a:rPr lang="es-MX" sz="1800" b="1" dirty="0">
                     <a:solidFill>
                       <a:schemeClr val="accent3"/>
                     </a:solidFill>
-                    <a:latin typeface="+mj-lt"/>
+                    <a:latin typeface="Proxima Nova" panose="020B0604020202020204" charset="0"/>
                   </a:rPr>
                   <a:t>¿Para que nos sirve? </a:t>
                 </a:r>
                 <a:r>
-                  <a:rPr lang="es-MX" sz="1600" dirty="0">
+                  <a:rPr lang="es-MX" sz="1800" dirty="0">
                     <a:solidFill>
                       <a:schemeClr val="accent3"/>
                     </a:solidFill>
-                    <a:latin typeface="+mj-lt"/>
+                    <a:latin typeface="Proxima Nova" panose="020B0604020202020204" charset="0"/>
                   </a:rPr>
                   <a:t>LDA puede performar mejor que la regresión logística cuando:</a:t>
                 </a:r>
                 <a:br>
-                  <a:rPr lang="es-MX" sz="1600" dirty="0">
+                  <a:rPr lang="es-MX" sz="1800" dirty="0">
                     <a:solidFill>
                       <a:schemeClr val="accent3"/>
                     </a:solidFill>
-                    <a:latin typeface="+mj-lt"/>
+                    <a:latin typeface="Proxima Nova" panose="020B0604020202020204" charset="0"/>
                   </a:rPr>
                 </a:br>
                 <a:r>
-                  <a:rPr lang="es-MX" sz="1600" dirty="0">
+                  <a:rPr lang="es-MX" sz="1800" dirty="0">
                     <a:solidFill>
                       <a:schemeClr val="accent3"/>
                     </a:solidFill>
-                    <a:latin typeface="+mj-lt"/>
+                    <a:latin typeface="Proxima Nova" panose="020B0604020202020204" charset="0"/>
                   </a:rPr>
                   <a:t>- Las categorías de </a:t>
                 </a:r>
                 <a:r>
-                  <a:rPr lang="es-MX" sz="1600" b="1" dirty="0">
+                  <a:rPr lang="es-MX" sz="1800" b="1" dirty="0">
                     <a:solidFill>
                       <a:schemeClr val="accent3"/>
                     </a:solidFill>
-                    <a:latin typeface="+mj-lt"/>
+                    <a:latin typeface="Proxima Nova" panose="020B0604020202020204" charset="0"/>
                   </a:rPr>
                   <a:t>Y</a:t>
                 </a:r>
                 <a:r>
-                  <a:rPr lang="es-MX" sz="1600" dirty="0">
+                  <a:rPr lang="es-MX" sz="1800" dirty="0">
                     <a:solidFill>
                       <a:schemeClr val="accent3"/>
                     </a:solidFill>
-                    <a:latin typeface="+mj-lt"/>
+                    <a:latin typeface="Proxima Nova" panose="020B0604020202020204" charset="0"/>
                   </a:rPr>
                   <a:t> a predecir están bien separadas</a:t>
                 </a:r>
                 <a:br>
-                  <a:rPr lang="es-MX" sz="1600" dirty="0">
+                  <a:rPr lang="es-MX" sz="1800" dirty="0">
                     <a:solidFill>
                       <a:schemeClr val="accent3"/>
                     </a:solidFill>
-                    <a:latin typeface="+mj-lt"/>
+                    <a:latin typeface="Proxima Nova" panose="020B0604020202020204" charset="0"/>
                   </a:rPr>
                 </a:br>
                 <a:r>
-                  <a:rPr lang="es-MX" sz="1600" dirty="0">
+                  <a:rPr lang="es-MX" sz="1800" dirty="0">
                     <a:solidFill>
                       <a:schemeClr val="accent3"/>
                     </a:solidFill>
-                    <a:latin typeface="+mj-lt"/>
+                    <a:latin typeface="Proxima Nova" panose="020B0604020202020204" charset="0"/>
                   </a:rPr>
                   <a:t>- La muestra es pequeña</a:t>
                 </a:r>
                 <a:br>
-                  <a:rPr lang="es-MX" sz="1600" dirty="0">
+                  <a:rPr lang="es-MX" sz="1800" dirty="0">
                     <a:solidFill>
                       <a:schemeClr val="accent3"/>
                     </a:solidFill>
-                    <a:latin typeface="+mj-lt"/>
+                    <a:latin typeface="Proxima Nova" panose="020B0604020202020204" charset="0"/>
                   </a:rPr>
                 </a:br>
                 <a:r>
-                  <a:rPr lang="es-MX" sz="1600" dirty="0">
+                  <a:rPr lang="es-MX" sz="1800" dirty="0">
                     <a:solidFill>
                       <a:schemeClr val="accent3"/>
                     </a:solidFill>
-                    <a:latin typeface="+mj-lt"/>
+                    <a:latin typeface="Proxima Nova" panose="020B0604020202020204" charset="0"/>
                   </a:rPr>
-                  <a:t>- Tenemos más de 2 categorías de la variable objetivo.</a:t>
+                  <a:t>- Tenemos más de 2 categorías de la variable objetivo</a:t>
                 </a:r>
-                <a:br>
-                  <a:rPr lang="es-MX" sz="1600" dirty="0">
-                    <a:solidFill>
-                      <a:schemeClr val="accent3"/>
-                    </a:solidFill>
-                    <a:latin typeface="+mj-lt"/>
-                  </a:rPr>
-                </a:br>
-                <a:br>
-                  <a:rPr lang="es-MX" sz="1600" dirty="0">
-                    <a:solidFill>
-                      <a:schemeClr val="accent3"/>
-                    </a:solidFill>
-                    <a:latin typeface="+mj-lt"/>
-                  </a:rPr>
-                </a:br>
-                <a:br>
-                  <a:rPr lang="es-MX" sz="1600" dirty="0">
-                    <a:solidFill>
-                      <a:schemeClr val="accent3"/>
-                    </a:solidFill>
-                    <a:latin typeface="+mj-lt"/>
-                  </a:rPr>
-                </a:br>
-                <a:br>
-                  <a:rPr lang="es-MX" sz="1600" dirty="0">
-                    <a:solidFill>
-                      <a:schemeClr val="accent3"/>
-                    </a:solidFill>
-                  </a:rPr>
-                </a:br>
                 <a:br>
                   <a:rPr lang="es-MX" sz="1600" dirty="0">
                     <a:solidFill>
@@ -18975,7 +18937,7 @@
             </p:txBody>
           </p:sp>
         </mc:Choice>
-        <mc:Fallback xmlns="">
+        <mc:Fallback>
           <p:sp>
             <p:nvSpPr>
               <p:cNvPr id="153" name="Google Shape;153;p27"/>
@@ -18997,7 +18959,7 @@
               <a:blipFill>
                 <a:blip r:embed="rId3"/>
                 <a:stretch>
-                  <a:fillRect l="-210" r="-350"/>
+                  <a:fillRect l="-350" r="-280"/>
                 </a:stretch>
               </a:blipFill>
             </p:spPr>
@@ -19412,10 +19374,6 @@
           </p:nvPr>
         </p:nvSpPr>
         <p:spPr>
-          <a:xfrm>
-            <a:off x="311700" y="445025"/>
-            <a:ext cx="8520600" cy="572700"/>
-          </a:xfrm>
           <a:prstGeom prst="rect">
             <a:avLst/>
           </a:prstGeom>
@@ -20100,8 +20058,8 @@
           <a:chExt cx="0" cy="0"/>
         </a:xfrm>
       </p:grpSpPr>
-      <mc:AlternateContent xmlns:mc="http://schemas.openxmlformats.org/markup-compatibility/2006" xmlns:a14="http://schemas.microsoft.com/office/drawing/2010/main">
-        <mc:Choice Requires="a14">
+      <mc:AlternateContent xmlns:mc="http://schemas.openxmlformats.org/markup-compatibility/2006">
+        <mc:Choice xmlns:a14="http://schemas.microsoft.com/office/drawing/2010/main" Requires="a14">
           <p:graphicFrame>
             <p:nvGraphicFramePr>
               <p:cNvPr id="6" name="Tabla 6">
@@ -20117,7 +20075,7 @@
               <p:nvPr>
                 <p:extLst>
                   <p:ext uri="{D42A27DB-BD31-4B8C-83A1-F6EECF244321}">
-                    <p14:modId xmlns:p14="http://schemas.microsoft.com/office/powerpoint/2010/main" val="4264789479"/>
+                    <p14:modId xmlns:p14="http://schemas.microsoft.com/office/powerpoint/2010/main" val="3849140192"/>
                   </p:ext>
                 </p:extLst>
               </p:nvPr>
@@ -21140,7 +21098,7 @@
             </a:graphic>
           </p:graphicFrame>
         </mc:Choice>
-        <mc:Fallback xmlns="">
+        <mc:Fallback>
           <p:graphicFrame>
             <p:nvGraphicFramePr>
               <p:cNvPr id="6" name="Tabla 6">
@@ -21156,7 +21114,7 @@
               <p:nvPr>
                 <p:extLst>
                   <p:ext uri="{D42A27DB-BD31-4B8C-83A1-F6EECF244321}">
-                    <p14:modId xmlns:p14="http://schemas.microsoft.com/office/powerpoint/2010/main" val="4264789479"/>
+                    <p14:modId xmlns:p14="http://schemas.microsoft.com/office/powerpoint/2010/main" val="3849140192"/>
                   </p:ext>
                 </p:extLst>
               </p:nvPr>
@@ -21837,10 +21795,6 @@
           </p:nvPr>
         </p:nvSpPr>
         <p:spPr>
-          <a:xfrm>
-            <a:off x="490250" y="526350"/>
-            <a:ext cx="5797500" cy="4090800"/>
-          </a:xfrm>
           <a:prstGeom prst="rect">
             <a:avLst/>
           </a:prstGeom>
@@ -22675,10 +22629,6 @@
           </p:nvPr>
         </p:nvSpPr>
         <p:spPr>
-          <a:xfrm>
-            <a:off x="490250" y="526350"/>
-            <a:ext cx="5797500" cy="4090800"/>
-          </a:xfrm>
           <a:prstGeom prst="rect">
             <a:avLst/>
           </a:prstGeom>
@@ -23980,10 +23930,6 @@
           </p:nvPr>
         </p:nvSpPr>
         <p:spPr>
-          <a:xfrm>
-            <a:off x="311700" y="445025"/>
-            <a:ext cx="8520600" cy="572700"/>
-          </a:xfrm>
           <a:prstGeom prst="rect">
             <a:avLst/>
           </a:prstGeom>
@@ -24022,10 +23968,6 @@
           </p:nvPr>
         </p:nvSpPr>
         <p:spPr>
-          <a:xfrm>
-            <a:off x="311700" y="1152475"/>
-            <a:ext cx="8520600" cy="3416400"/>
-          </a:xfrm>
           <a:prstGeom prst="rect">
             <a:avLst/>
           </a:prstGeom>
@@ -24254,10 +24196,6 @@
           </p:nvPr>
         </p:nvSpPr>
         <p:spPr>
-          <a:xfrm>
-            <a:off x="510450" y="2057400"/>
-            <a:ext cx="8123100" cy="778800"/>
-          </a:xfrm>
           <a:prstGeom prst="rect">
             <a:avLst/>
           </a:prstGeom>
@@ -24849,10 +24787,6 @@
           </p:nvPr>
         </p:nvSpPr>
         <p:spPr>
-          <a:xfrm>
-            <a:off x="510450" y="2057400"/>
-            <a:ext cx="8123100" cy="778800"/>
-          </a:xfrm>
           <a:prstGeom prst="rect">
             <a:avLst/>
           </a:prstGeom>
@@ -25668,8 +25602,8 @@
           </p:sp>
         </mc:Fallback>
       </mc:AlternateContent>
-      <mc:AlternateContent xmlns:mc="http://schemas.openxmlformats.org/markup-compatibility/2006" xmlns:a14="http://schemas.microsoft.com/office/drawing/2010/main">
-        <mc:Choice Requires="a14">
+      <mc:AlternateContent xmlns:mc="http://schemas.openxmlformats.org/markup-compatibility/2006">
+        <mc:Choice xmlns:a14="http://schemas.microsoft.com/office/drawing/2010/main" Requires="a14">
           <p:sp>
             <p:nvSpPr>
               <p:cNvPr id="5" name="CuadroTexto 4">
@@ -25699,7 +25633,9 @@
               <a:lstStyle/>
               <a:p>
                 <a:r>
-                  <a:rPr lang="es-MX" b="1" dirty="0"/>
+                  <a:rPr lang="es-MX" b="1" dirty="0">
+                    <a:latin typeface="Proxima Nova" panose="020B0604020202020204" charset="0"/>
+                  </a:rPr>
                   <a:t>¿Qué pasa si al estimar el modelo </a:t>
                 </a:r>
                 <a14:m>
@@ -25744,15 +25680,19 @@
                   </m:oMath>
                 </a14:m>
                 <a:r>
-                  <a:rPr lang="es-MX" b="1" dirty="0"/>
+                  <a:rPr lang="es-MX" b="1" dirty="0">
+                    <a:latin typeface="Proxima Nova" panose="020B0604020202020204" charset="0"/>
+                  </a:rPr>
                   <a:t> vale 0?, ¿Qué pasa si arroja valores muy negativos o muy positivos?</a:t>
                 </a:r>
-                <a:endParaRPr lang="es-AR" dirty="0"/>
+                <a:endParaRPr lang="es-AR" dirty="0">
+                  <a:latin typeface="Proxima Nova" panose="020B0604020202020204" charset="0"/>
+                </a:endParaRPr>
               </a:p>
             </p:txBody>
           </p:sp>
         </mc:Choice>
-        <mc:Fallback xmlns="">
+        <mc:Fallback>
           <p:sp>
             <p:nvSpPr>
               <p:cNvPr id="5" name="CuadroTexto 4">
@@ -25778,7 +25718,7 @@
               <a:blipFill>
                 <a:blip r:embed="rId4"/>
                 <a:stretch>
-                  <a:fillRect l="-232" t="-2247" b="-12360"/>
+                  <a:fillRect l="-232" b="-12360"/>
                 </a:stretch>
               </a:blipFill>
             </p:spPr>
@@ -25887,8 +25827,8 @@
           <a:chExt cx="0" cy="0"/>
         </a:xfrm>
       </p:grpSpPr>
-      <mc:AlternateContent xmlns:mc="http://schemas.openxmlformats.org/markup-compatibility/2006" xmlns:a14="http://schemas.microsoft.com/office/drawing/2010/main">
-        <mc:Choice Requires="a14">
+      <mc:AlternateContent xmlns:mc="http://schemas.openxmlformats.org/markup-compatibility/2006">
+        <mc:Choice xmlns:a14="http://schemas.microsoft.com/office/drawing/2010/main" Requires="a14">
           <p:sp>
             <p:nvSpPr>
               <p:cNvPr id="153" name="Google Shape;153;p27"/>
@@ -25920,7 +25860,7 @@
                     <a:solidFill>
                       <a:schemeClr val="accent3"/>
                     </a:solidFill>
-                    <a:latin typeface="+mj-lt"/>
+                    <a:latin typeface="Proxima Nova" panose="020B0604020202020204" charset="0"/>
                   </a:rPr>
                   <a:t>Con 1 predictor</a:t>
                 </a:r>
@@ -25929,7 +25869,7 @@
                     <a:solidFill>
                       <a:schemeClr val="accent3"/>
                     </a:solidFill>
-                    <a:latin typeface="+mj-lt"/>
+                    <a:latin typeface="Proxima Nova" panose="020B0604020202020204" charset="0"/>
                   </a:rPr>
                   <a:t>: ¿Cómo modelo la distribución de probabilidades a partir de los datos? Necesito una estimación de la media (</a:t>
                 </a:r>
@@ -25989,7 +25929,7 @@
                     <a:solidFill>
                       <a:schemeClr val="accent3"/>
                     </a:solidFill>
-                    <a:latin typeface="+mj-lt"/>
+                    <a:latin typeface="Proxima Nova" panose="020B0604020202020204" charset="0"/>
                   </a:rPr>
                   <a:t>) que presenta X para cada clase de Y, de la varianza (</a:t>
                 </a:r>
@@ -26020,7 +25960,9 @@
                               <m:rPr>
                                 <m:nor/>
                               </m:rPr>
-                              <a:rPr lang="el-GR" sz="1600"/>
+                              <a:rPr lang="el-GR" sz="1600">
+                                <a:latin typeface="Proxima Nova" panose="020B0604020202020204" charset="0"/>
+                              </a:rPr>
                               <m:t>σ</m:t>
                             </m:r>
                           </m:e>
@@ -26043,7 +25985,7 @@
                     <a:solidFill>
                       <a:schemeClr val="accent3"/>
                     </a:solidFill>
-                    <a:latin typeface="+mj-lt"/>
+                    <a:latin typeface="Proxima Nova" panose="020B0604020202020204" charset="0"/>
                   </a:rPr>
                   <a:t>), así como una estimación de la probabilidad de ocurrencia de cada clase de Y (</a:t>
                 </a:r>
@@ -26082,7 +26024,7 @@
                     <a:solidFill>
                       <a:schemeClr val="accent3"/>
                     </a:solidFill>
-                    <a:latin typeface="+mj-lt"/>
+                    <a:latin typeface="Proxima Nova" panose="020B0604020202020204" charset="0"/>
                   </a:rPr>
                   <a:t>)</a:t>
                 </a:r>
@@ -26091,7 +26033,7 @@
                     <a:solidFill>
                       <a:schemeClr val="accent3"/>
                     </a:solidFill>
-                    <a:latin typeface="+mj-lt"/>
+                    <a:latin typeface="Proxima Nova" panose="020B0604020202020204" charset="0"/>
                   </a:rPr>
                 </a:br>
                 <a:br>
@@ -26099,7 +26041,7 @@
                     <a:solidFill>
                       <a:schemeClr val="accent3"/>
                     </a:solidFill>
-                    <a:latin typeface="+mj-lt"/>
+                    <a:latin typeface="Proxima Nova" panose="020B0604020202020204" charset="0"/>
                   </a:rPr>
                 </a:br>
                 <a:br>
@@ -26107,7 +26049,7 @@
                     <a:solidFill>
                       <a:schemeClr val="accent3"/>
                     </a:solidFill>
-                    <a:latin typeface="+mj-lt"/>
+                    <a:latin typeface="Proxima Nova" panose="020B0604020202020204" charset="0"/>
                   </a:rPr>
                 </a:br>
                 <a:br>
@@ -26115,7 +26057,7 @@
                     <a:solidFill>
                       <a:schemeClr val="accent3"/>
                     </a:solidFill>
-                    <a:latin typeface="+mj-lt"/>
+                    <a:latin typeface="Proxima Nova" panose="020B0604020202020204" charset="0"/>
                   </a:rPr>
                 </a:br>
                 <a:br>
@@ -26123,6 +26065,7 @@
                     <a:solidFill>
                       <a:schemeClr val="accent3"/>
                     </a:solidFill>
+                    <a:latin typeface="Proxima Nova" panose="020B0604020202020204" charset="0"/>
                   </a:rPr>
                 </a:br>
                 <a:br>
@@ -26130,19 +26073,20 @@
                     <a:solidFill>
                       <a:schemeClr val="accent3"/>
                     </a:solidFill>
+                    <a:latin typeface="Proxima Nova" panose="020B0604020202020204" charset="0"/>
                   </a:rPr>
                 </a:br>
                 <a:endParaRPr lang="es-MX" sz="1600" dirty="0">
                   <a:solidFill>
                     <a:schemeClr val="accent3"/>
                   </a:solidFill>
-                  <a:latin typeface="+mj-lt"/>
+                  <a:latin typeface="Proxima Nova" panose="020B0604020202020204" charset="0"/>
                 </a:endParaRPr>
               </a:p>
             </p:txBody>
           </p:sp>
         </mc:Choice>
-        <mc:Fallback xmlns="">
+        <mc:Fallback>
           <p:sp>
             <p:nvSpPr>
               <p:cNvPr id="153" name="Google Shape;153;p27"/>
@@ -27556,7 +27500,7 @@
           <a:p>
             <a:r>
               <a:rPr lang="es-AR" sz="2400" dirty="0">
-                <a:latin typeface="Prima Nova"/>
+                <a:latin typeface="Proxima Nova" panose="020B0604020202020204" charset="0"/>
               </a:rPr>
               <a:t>Modelos de clasificación</a:t>
             </a:r>
@@ -27608,7 +27552,7 @@
                   <a:srgbClr val="333333"/>
                 </a:solidFill>
                 <a:effectLst/>
-                <a:latin typeface="Prima Nova"/>
+                <a:latin typeface="Proxima Nova" panose="020B0604020202020204" charset="0"/>
               </a:rPr>
               <a:t>Pensemos los siguientes problemas:</a:t>
             </a:r>
@@ -27623,7 +27567,7 @@
                 <a:srgbClr val="333333"/>
               </a:solidFill>
               <a:effectLst/>
-              <a:latin typeface="Prima Nova"/>
+              <a:latin typeface="Proxima Nova" panose="020B0604020202020204" charset="0"/>
             </a:endParaRPr>
           </a:p>
           <a:p>
@@ -27637,13 +27581,13 @@
                   <a:srgbClr val="333333"/>
                 </a:solidFill>
                 <a:effectLst/>
-                <a:latin typeface="Prima Nova"/>
+                <a:latin typeface="Proxima Nova" panose="020B0604020202020204" charset="0"/>
               </a:rPr>
               <a:t> ¿Qué variables incrementan la probabilidad de ser desocupado?, ¿Es posible a partir de ciertas características personales predecir si una persona está desocupada?, ¿con qué nivel de confianza?</a:t>
             </a:r>
           </a:p>
           <a:p>
-            <a:pPr algn="l">
+            <a:pPr algn="ctr">
               <a:buFont typeface="Arial" panose="020B0604020202020204" pitchFamily="34" charset="0"/>
               <a:buChar char="•"/>
             </a:pPr>
@@ -27652,7 +27596,7 @@
                 <a:srgbClr val="333333"/>
               </a:solidFill>
               <a:effectLst/>
-              <a:latin typeface="Prima Nova"/>
+              <a:latin typeface="Proxima Nova" panose="020B0604020202020204" charset="0"/>
             </a:endParaRPr>
           </a:p>
           <a:p>
@@ -27666,7 +27610,7 @@
                   <a:srgbClr val="333333"/>
                 </a:solidFill>
                 <a:effectLst/>
-                <a:latin typeface="Prima Nova"/>
+                <a:latin typeface="Proxima Nova" panose="020B0604020202020204" charset="0"/>
               </a:rPr>
               <a:t>¿Cómo inciden ciertas características socio-económicas de un cliente sobre la probabilidad de que sea moroso?, ¿Como podemos estimar la probabilidad de morosidad de un cliente?</a:t>
             </a:r>
@@ -27676,7 +27620,7 @@
                   <a:srgbClr val="333333"/>
                 </a:solidFill>
                 <a:effectLst/>
-                <a:latin typeface="Prima Nova"/>
+                <a:latin typeface="Proxima Nova" panose="020B0604020202020204" charset="0"/>
               </a:rPr>
             </a:br>
             <a:endParaRPr lang="es-MX" sz="1800" b="0" i="0" dirty="0">
@@ -27684,7 +27628,7 @@
                 <a:srgbClr val="333333"/>
               </a:solidFill>
               <a:effectLst/>
-              <a:latin typeface="Prima Nova"/>
+              <a:latin typeface="Proxima Nova" panose="020B0604020202020204" charset="0"/>
             </a:endParaRPr>
           </a:p>
           <a:p>
@@ -27698,7 +27642,7 @@
                   <a:srgbClr val="333333"/>
                 </a:solidFill>
                 <a:effectLst/>
-                <a:latin typeface="Prima Nova"/>
+                <a:latin typeface="Proxima Nova" panose="020B0604020202020204" charset="0"/>
               </a:rPr>
               <a:t>¿Qué variables nos permiten explicar la realización o no de trabajo domestico no remunerado al interior de los hogares?, ¿Es posible predecir que individuos realizan tareas domésticas?</a:t>
             </a:r>
@@ -27746,10 +27690,6 @@
           </p:nvPr>
         </p:nvSpPr>
         <p:spPr>
-          <a:xfrm>
-            <a:off x="510450" y="2057400"/>
-            <a:ext cx="8123100" cy="778800"/>
-          </a:xfrm>
           <a:prstGeom prst="rect">
             <a:avLst/>
           </a:prstGeom>
@@ -28712,7 +28652,9 @@
               <a:buChar char="•"/>
             </a:pPr>
             <a:r>
-              <a:rPr lang="es-MX" dirty="0"/>
+              <a:rPr lang="es-MX" dirty="0">
+                <a:latin typeface="Proxima Nova" panose="020B0604020202020204" charset="0"/>
+              </a:rPr>
               <a:t>Función logística permite estimar </a:t>
             </a:r>
             <a:r>
@@ -28720,11 +28662,14 @@
                 <a:highlight>
                   <a:schemeClr val="lt2"/>
                 </a:highlight>
+                <a:latin typeface="Proxima Nova" panose="020B0604020202020204" charset="0"/>
               </a:rPr>
               <a:t>probabilidades</a:t>
             </a:r>
             <a:r>
-              <a:rPr lang="es-MX" dirty="0"/>
+              <a:rPr lang="es-MX" dirty="0">
+                <a:latin typeface="Proxima Nova" panose="020B0604020202020204" charset="0"/>
+              </a:rPr>
               <a:t> de pertenecer a cada categoría de Y para cada valor de X.</a:t>
             </a:r>
           </a:p>
@@ -28738,7 +28683,9 @@
               </a:spcAft>
               <a:buNone/>
             </a:pPr>
-            <a:endParaRPr lang="es-MX" dirty="0"/>
+            <a:endParaRPr lang="es-MX" dirty="0">
+              <a:latin typeface="Proxima Nova" panose="020B0604020202020204" charset="0"/>
+            </a:endParaRPr>
           </a:p>
           <a:p>
             <a:pPr marL="0" lvl="0" indent="0" algn="l" rtl="0">
@@ -28750,7 +28697,9 @@
               </a:spcAft>
               <a:buNone/>
             </a:pPr>
-            <a:endParaRPr lang="es-MX" dirty="0"/>
+            <a:endParaRPr lang="es-MX" dirty="0">
+              <a:latin typeface="Proxima Nova" panose="020B0604020202020204" charset="0"/>
+            </a:endParaRPr>
           </a:p>
           <a:p>
             <a:pPr marL="285750" indent="-285750">
@@ -28758,7 +28707,9 @@
               <a:buChar char="•"/>
             </a:pPr>
             <a:r>
-              <a:rPr lang="es-MX" dirty="0"/>
+              <a:rPr lang="es-MX" dirty="0">
+                <a:latin typeface="Proxima Nova" panose="020B0604020202020204" charset="0"/>
+              </a:rPr>
               <a:t>A partir de las probabilidades estimadas, nuestro modelo nos permitirá predecir, en función del valor de X, que valor de Y tomará cada caso. </a:t>
             </a:r>
           </a:p>
@@ -28767,7 +28718,9 @@
               <a:buFont typeface="Arial" panose="020B0604020202020204" pitchFamily="34" charset="0"/>
               <a:buChar char="•"/>
             </a:pPr>
-            <a:endParaRPr lang="es-MX" dirty="0"/>
+            <a:endParaRPr lang="es-MX" dirty="0">
+              <a:latin typeface="Proxima Nova" panose="020B0604020202020204" charset="0"/>
+            </a:endParaRPr>
           </a:p>
           <a:p>
             <a:pPr marL="285750" indent="-285750">
@@ -28775,7 +28728,9 @@
               <a:buChar char="•"/>
             </a:pPr>
             <a:r>
-              <a:rPr lang="es-MX" dirty="0"/>
+              <a:rPr lang="es-MX" dirty="0">
+                <a:latin typeface="Proxima Nova" panose="020B0604020202020204" charset="0"/>
+              </a:rPr>
               <a:t>El umbral típico es de 0,5 (pero según el objetivo y campo de estudio puede tomarse otro)</a:t>
             </a:r>
           </a:p>
@@ -29203,7 +29158,9 @@
               <a:buChar char="•"/>
             </a:pPr>
             <a:r>
-              <a:rPr lang="es-AR" dirty="0"/>
+              <a:rPr lang="es-AR" dirty="0">
+                <a:latin typeface="Proxima Nova" panose="020B0604020202020204" charset="0"/>
+              </a:rPr>
               <a:t>Función que toma valores de X y arroja valores entre 0 y 1</a:t>
             </a:r>
           </a:p>
@@ -29212,7 +29169,9 @@
               <a:buFont typeface="Arial" panose="020B0604020202020204" pitchFamily="34" charset="0"/>
               <a:buChar char="•"/>
             </a:pPr>
-            <a:endParaRPr lang="es-AR" dirty="0"/>
+            <a:endParaRPr lang="es-AR" dirty="0">
+              <a:latin typeface="Proxima Nova" panose="020B0604020202020204" charset="0"/>
+            </a:endParaRPr>
           </a:p>
           <a:p>
             <a:pPr marL="285750" indent="-285750">
@@ -29220,15 +29179,21 @@
               <a:buChar char="•"/>
             </a:pPr>
             <a:r>
-              <a:rPr lang="es-MX" dirty="0"/>
+              <a:rPr lang="es-MX" dirty="0">
+                <a:latin typeface="Proxima Nova" panose="020B0604020202020204" charset="0"/>
+              </a:rPr>
               <a:t>Tomando la ecuación del modelo lineal, esta función nos servirá como </a:t>
             </a:r>
             <a:r>
-              <a:rPr lang="es-MX" b="1" dirty="0"/>
+              <a:rPr lang="es-MX" b="1" dirty="0">
+                <a:latin typeface="Proxima Nova" panose="020B0604020202020204" charset="0"/>
+              </a:rPr>
               <a:t>“link” </a:t>
             </a:r>
             <a:r>
-              <a:rPr lang="es-MX" dirty="0"/>
+              <a:rPr lang="es-MX" dirty="0">
+                <a:latin typeface="Proxima Nova" panose="020B0604020202020204" charset="0"/>
+              </a:rPr>
               <a:t>para obtener como output la probabilidad de pertenecer a determinada clase (“Realiza trabajo doméstico” en nuestro ejemplo)</a:t>
             </a:r>
           </a:p>
@@ -29237,7 +29202,9 @@
               <a:buFont typeface="Arial" panose="020B0604020202020204" pitchFamily="34" charset="0"/>
               <a:buChar char="•"/>
             </a:pPr>
-            <a:endParaRPr lang="es-MX" dirty="0"/>
+            <a:endParaRPr lang="es-MX" dirty="0">
+              <a:latin typeface="Proxima Nova" panose="020B0604020202020204" charset="0"/>
+            </a:endParaRPr>
           </a:p>
           <a:p>
             <a:pPr marL="285750" indent="-285750">
@@ -29245,10 +29212,14 @@
               <a:buChar char="•"/>
             </a:pPr>
             <a:r>
-              <a:rPr lang="es-MX" dirty="0"/>
+              <a:rPr lang="es-MX" dirty="0">
+                <a:latin typeface="Proxima Nova" panose="020B0604020202020204" charset="0"/>
+              </a:rPr>
               <a:t>Lo que haremos es “pasarle” como (x) nuestro viejo modelo de regresión lineal.</a:t>
             </a:r>
-            <a:endParaRPr lang="es-AR" dirty="0"/>
+            <a:endParaRPr lang="es-AR" dirty="0">
+              <a:latin typeface="Proxima Nova" panose="020B0604020202020204" charset="0"/>
+            </a:endParaRPr>
           </a:p>
           <a:p>
             <a:pPr marL="285750" indent="-285750">
@@ -30255,7 +30226,7 @@
                 <a:solidFill>
                   <a:srgbClr val="FF0000"/>
                 </a:solidFill>
-                <a:latin typeface="Cambria Math" panose="02040503050406030204" pitchFamily="18" charset="0"/>
+                <a:latin typeface="Proxima Nova" panose="020B0604020202020204" charset="0"/>
                 <a:ea typeface="Cambria Math" panose="02040503050406030204" pitchFamily="18" charset="0"/>
               </a:rPr>
               <a:t>Odds ratio</a:t>
@@ -30266,7 +30237,7 @@
                   <a:noFill/>
                 </a:ln>
                 <a:effectLst/>
-                <a:latin typeface="Prima Nova"/>
+                <a:latin typeface="Proxima Nova" panose="020B0604020202020204" charset="0"/>
               </a:rPr>
               <a:t>: “Cuanto más grande es la probabilidad de la clase 1, </a:t>
             </a:r>
@@ -30276,7 +30247,7 @@
                   <a:noFill/>
                 </a:ln>
                 <a:effectLst/>
-                <a:latin typeface="Prima Nova"/>
+                <a:latin typeface="Proxima Nova" panose="020B0604020202020204" charset="0"/>
               </a:rPr>
               <a:t>respecto</a:t>
             </a:r>
@@ -30286,7 +30257,7 @@
                   <a:noFill/>
                 </a:ln>
                 <a:effectLst/>
-                <a:latin typeface="Prima Nova"/>
+                <a:latin typeface="Proxima Nova" panose="020B0604020202020204" charset="0"/>
               </a:rPr>
               <a:t> a la probabilidad de la clase 0” </a:t>
             </a:r>
@@ -30295,13 +30266,13 @@
                 <a:noFill/>
               </a:ln>
               <a:effectLst/>
-              <a:latin typeface="Prima Nova"/>
+              <a:latin typeface="Proxima Nova" panose="020B0604020202020204" charset="0"/>
             </a:endParaRPr>
           </a:p>
         </p:txBody>
       </p:sp>
-      <mc:AlternateContent xmlns:mc="http://schemas.openxmlformats.org/markup-compatibility/2006">
-        <mc:Choice xmlns:a14="http://schemas.microsoft.com/office/drawing/2010/main" Requires="a14">
+      <mc:AlternateContent xmlns:mc="http://schemas.openxmlformats.org/markup-compatibility/2006" xmlns:a14="http://schemas.microsoft.com/office/drawing/2010/main">
+        <mc:Choice Requires="a14">
           <p:sp>
             <p:nvSpPr>
               <p:cNvPr id="12" name="CuadroTexto 11">
@@ -30725,7 +30696,7 @@
             </p:txBody>
           </p:sp>
         </mc:Choice>
-        <mc:Fallback>
+        <mc:Fallback xmlns="">
           <p:sp>
             <p:nvSpPr>
               <p:cNvPr id="12" name="CuadroTexto 11">
@@ -30770,8 +30741,8 @@
           </p:sp>
         </mc:Fallback>
       </mc:AlternateContent>
-      <mc:AlternateContent xmlns:mc="http://schemas.openxmlformats.org/markup-compatibility/2006">
-        <mc:Choice xmlns:a14="http://schemas.microsoft.com/office/drawing/2010/main" Requires="a14">
+      <mc:AlternateContent xmlns:mc="http://schemas.openxmlformats.org/markup-compatibility/2006" xmlns:a14="http://schemas.microsoft.com/office/drawing/2010/main">
+        <mc:Choice Requires="a14">
           <p:sp>
             <p:nvSpPr>
               <p:cNvPr id="13" name="CuadroTexto 12">
@@ -31561,7 +31532,7 @@
             </p:txBody>
           </p:sp>
         </mc:Choice>
-        <mc:Fallback>
+        <mc:Fallback xmlns="">
           <p:sp>
             <p:nvSpPr>
               <p:cNvPr id="13" name="CuadroTexto 12">
@@ -32174,8 +32145,8 @@
           </p:sp>
         </mc:Fallback>
       </mc:AlternateContent>
-      <mc:AlternateContent xmlns:mc="http://schemas.openxmlformats.org/markup-compatibility/2006" xmlns:a14="http://schemas.microsoft.com/office/drawing/2010/main">
-        <mc:Choice Requires="a14">
+      <mc:AlternateContent xmlns:mc="http://schemas.openxmlformats.org/markup-compatibility/2006">
+        <mc:Choice xmlns:a14="http://schemas.microsoft.com/office/drawing/2010/main" Requires="a14">
           <p:sp>
             <p:nvSpPr>
               <p:cNvPr id="20" name="CuadroTexto 19">
@@ -32214,95 +32185,55 @@
                   <a:buClrTx/>
                 </a:pPr>
                 <a:r>
-                  <a:rPr lang="es-AR" altLang="es-AR" b="1" dirty="0">
-                    <a:solidFill>
-                      <a:schemeClr val="tx1"/>
-                    </a:solidFill>
-                    <a:latin typeface="Prima Nova"/>
-                    <a:ea typeface="Cambria Math" panose="02040503050406030204" pitchFamily="18" charset="0"/>
+                  <a:rPr lang="es-AR" altLang="es-AR" dirty="0">
+                    <a:latin typeface="Proxima Nova" panose="020B0604020202020204" charset="0"/>
                   </a:rPr>
-                  <a:t>Interpretación</a:t>
-                </a:r>
-                <a:r>
-                  <a:rPr lang="es-AR" altLang="es-AR" b="1" i="1" dirty="0">
-                    <a:solidFill>
-                      <a:schemeClr val="tx1"/>
-                    </a:solidFill>
-                    <a:latin typeface="Prima Nova"/>
-                    <a:ea typeface="Cambria Math" panose="02040503050406030204" pitchFamily="18" charset="0"/>
-                  </a:rPr>
-                  <a:t> </a:t>
+                  <a:t>Interpretación </a:t>
                 </a:r>
                 <a14:m>
                   <m:oMath xmlns:m="http://schemas.openxmlformats.org/officeDocument/2006/math">
                     <m:sSub>
                       <m:sSubPr>
                         <m:ctrlPr>
-                          <a:rPr lang="es-MX" b="1" i="1" smtClean="0">
-                            <a:solidFill>
-                              <a:schemeClr val="tx1"/>
-                            </a:solidFill>
+                          <a:rPr lang="es-MX" b="1" i="1">
                             <a:latin typeface="Cambria Math" panose="02040503050406030204" pitchFamily="18" charset="0"/>
-                            <a:ea typeface="Cambria Math" panose="02040503050406030204" pitchFamily="18" charset="0"/>
                           </a:rPr>
                         </m:ctrlPr>
                       </m:sSubPr>
                       <m:e>
                         <m:r>
                           <a:rPr lang="es-MX" b="1" i="1">
-                            <a:solidFill>
-                              <a:schemeClr val="tx1"/>
-                            </a:solidFill>
                             <a:latin typeface="Cambria Math" panose="02040503050406030204" pitchFamily="18" charset="0"/>
-                            <a:ea typeface="Cambria Math" panose="02040503050406030204" pitchFamily="18" charset="0"/>
                           </a:rPr>
                           <m:t>𝜷</m:t>
                         </m:r>
                       </m:e>
                       <m:sub>
                         <m:r>
-                          <a:rPr lang="es-MX" b="1" i="1" smtClean="0">
-                            <a:solidFill>
-                              <a:schemeClr val="tx1"/>
-                            </a:solidFill>
+                          <a:rPr lang="es-MX" b="1" i="1">
                             <a:latin typeface="Cambria Math" panose="02040503050406030204" pitchFamily="18" charset="0"/>
-                            <a:ea typeface="Cambria Math" panose="02040503050406030204" pitchFamily="18" charset="0"/>
                           </a:rPr>
                           <m:t>𝒋</m:t>
                         </m:r>
                       </m:sub>
                     </m:sSub>
                     <m:r>
-                      <a:rPr lang="es-MX" b="1" i="1" smtClean="0">
-                        <a:solidFill>
-                          <a:schemeClr val="tx1"/>
-                        </a:solidFill>
+                      <a:rPr lang="es-MX" b="1" i="1">
                         <a:latin typeface="Cambria Math" panose="02040503050406030204" pitchFamily="18" charset="0"/>
-                        <a:ea typeface="Cambria Math" panose="02040503050406030204" pitchFamily="18" charset="0"/>
                       </a:rPr>
                       <m:t> </m:t>
                     </m:r>
                   </m:oMath>
                 </a14:m>
                 <a:r>
-                  <a:rPr kumimoji="0" lang="es-AR" altLang="es-AR" sz="1400" b="0" i="0" u="none" strike="noStrike" cap="none" normalizeH="0" baseline="0" dirty="0">
-                    <a:ln>
-                      <a:noFill/>
-                    </a:ln>
-                    <a:solidFill>
-                      <a:schemeClr val="tx1"/>
-                    </a:solidFill>
-                    <a:effectLst/>
-                    <a:latin typeface="Prima Nova"/>
+                  <a:rPr lang="es-AR" altLang="es-AR" dirty="0">
+                    <a:latin typeface="Proxima Nova" panose="020B0604020202020204" charset="0"/>
                   </a:rPr>
                   <a:t>: “</a:t>
                 </a:r>
                 <a:r>
                   <a:rPr lang="es-AR" dirty="0">
-                    <a:solidFill>
-                      <a:schemeClr val="tx1"/>
-                    </a:solidFill>
-                    <a:latin typeface="Prima Nova"/>
+                    <a:latin typeface="Proxima Nova" panose="020B0604020202020204" charset="0"/>
                   </a:rPr>
                   <a:t>Si aumento la variable </a:t>
                 </a:r>
@@ -32312,22 +32243,14 @@
                       <m:sSubPr>
                         <m:ctrlPr>
                           <a:rPr lang="es-MX" i="1">
-                            <a:solidFill>
-                              <a:schemeClr val="tx1"/>
-                            </a:solidFill>
                             <a:latin typeface="Cambria Math" panose="02040503050406030204" pitchFamily="18" charset="0"/>
-                            <a:ea typeface="Cambria Math" panose="02040503050406030204" pitchFamily="18" charset="0"/>
                           </a:rPr>
                         </m:ctrlPr>
                       </m:sSubPr>
                       <m:e>
                         <m:r>
-                          <a:rPr lang="es-MX" b="0" i="1" smtClean="0">
-                            <a:solidFill>
-                              <a:schemeClr val="tx1"/>
-                            </a:solidFill>
+                          <a:rPr lang="es-MX" i="1">
                             <a:latin typeface="Cambria Math" panose="02040503050406030204" pitchFamily="18" charset="0"/>
-                            <a:ea typeface="Cambria Math" panose="02040503050406030204" pitchFamily="18" charset="0"/>
                           </a:rPr>
                           <m:t>𝑋</m:t>
                         </m:r>
@@ -32335,11 +32258,7 @@
                       <m:sub>
                         <m:r>
                           <a:rPr lang="es-MX" i="1">
-                            <a:solidFill>
-                              <a:schemeClr val="tx1"/>
-                            </a:solidFill>
                             <a:latin typeface="Cambria Math" panose="02040503050406030204" pitchFamily="18" charset="0"/>
-                            <a:ea typeface="Cambria Math" panose="02040503050406030204" pitchFamily="18" charset="0"/>
                           </a:rPr>
                           <m:t>𝑗</m:t>
                         </m:r>
@@ -32347,51 +32266,23 @@
                     </m:sSub>
                     <m:r>
                       <a:rPr lang="es-MX" i="1">
-                        <a:solidFill>
-                          <a:schemeClr val="tx1"/>
-                        </a:solidFill>
                         <a:latin typeface="Cambria Math" panose="02040503050406030204" pitchFamily="18" charset="0"/>
-                        <a:ea typeface="Cambria Math" panose="02040503050406030204" pitchFamily="18" charset="0"/>
                       </a:rPr>
                       <m:t> </m:t>
                     </m:r>
                   </m:oMath>
                 </a14:m>
                 <a:r>
-                  <a:rPr kumimoji="0" lang="es-AR" altLang="es-AR" sz="1400" b="0" i="0" u="none" strike="noStrike" cap="none" normalizeH="0" baseline="0" dirty="0">
-                    <a:ln>
-                      <a:noFill/>
-                    </a:ln>
-                    <a:solidFill>
-                      <a:schemeClr val="tx1"/>
-                    </a:solidFill>
-                    <a:effectLst/>
-                    <a:latin typeface="Prima Nova"/>
+                  <a:rPr lang="es-AR" altLang="es-AR" dirty="0">
+                    <a:latin typeface="Proxima Nova" panose="020B0604020202020204" charset="0"/>
                   </a:rPr>
-                  <a:t>en una unidad,</a:t>
-                </a:r>
-                <a:r>
-                  <a:rPr kumimoji="0" lang="es-AR" altLang="es-AR" sz="1400" b="0" i="0" u="none" strike="noStrike" cap="none" normalizeH="0" dirty="0">
-                    <a:ln>
-                      <a:noFill/>
-                    </a:ln>
-                    <a:solidFill>
-                      <a:schemeClr val="tx1"/>
-                    </a:solidFill>
-                    <a:effectLst/>
-                    <a:latin typeface="Prima Nova"/>
-                  </a:rPr>
-                  <a:t> manteniendo constante el resto de las variables, el</a:t>
+                  <a:t>en una unidad, manteniendo constante el resto de las variables, el</a:t>
                 </a:r>
                 <a14:m>
                   <m:oMath xmlns:m="http://schemas.openxmlformats.org/officeDocument/2006/math">
                     <m:r>
-                      <a:rPr lang="es-MX" b="0" i="0" smtClean="0">
-                        <a:solidFill>
-                          <a:schemeClr val="tx1"/>
-                        </a:solidFill>
+                      <a:rPr lang="es-MX">
                         <a:latin typeface="Cambria Math" panose="02040503050406030204" pitchFamily="18" charset="0"/>
-                        <a:ea typeface="Cambria Math" panose="02040503050406030204" pitchFamily="18" charset="0"/>
                       </a:rPr>
                       <m:t> </m:t>
                     </m:r>
@@ -32399,34 +32290,22 @@
                       <m:rPr>
                         <m:sty m:val="p"/>
                       </m:rPr>
-                      <a:rPr lang="es-MX" b="0" i="0" smtClean="0">
-                        <a:solidFill>
-                          <a:schemeClr val="tx1"/>
-                        </a:solidFill>
+                      <a:rPr lang="es-MX">
                         <a:latin typeface="Cambria Math" panose="02040503050406030204" pitchFamily="18" charset="0"/>
-                        <a:ea typeface="Cambria Math" panose="02040503050406030204" pitchFamily="18" charset="0"/>
                       </a:rPr>
                       <m:t>cociente</m:t>
                     </m:r>
                     <m:r>
-                      <a:rPr lang="es-MX" b="0" i="0" smtClean="0">
-                        <a:solidFill>
-                          <a:schemeClr val="tx1"/>
-                        </a:solidFill>
+                      <a:rPr lang="es-MX">
                         <a:latin typeface="Cambria Math" panose="02040503050406030204" pitchFamily="18" charset="0"/>
-                        <a:ea typeface="Cambria Math" panose="02040503050406030204" pitchFamily="18" charset="0"/>
                       </a:rPr>
                       <m:t> </m:t>
                     </m:r>
                     <m:f>
                       <m:fPr>
                         <m:ctrlPr>
-                          <a:rPr lang="es-MX" b="0" i="1" smtClean="0">
-                            <a:solidFill>
-                              <a:schemeClr val="tx1"/>
-                            </a:solidFill>
+                          <a:rPr lang="es-MX" i="1">
                             <a:latin typeface="Cambria Math" panose="02040503050406030204" pitchFamily="18" charset="0"/>
-                            <a:ea typeface="Cambria Math" panose="02040503050406030204" pitchFamily="18" charset="0"/>
                           </a:rPr>
                         </m:ctrlPr>
                       </m:fPr>
@@ -32436,41 +32315,25 @@
                             <m:nor/>
                           </m:rPr>
                           <a:rPr lang="es-MX" i="1">
-                            <a:solidFill>
-                              <a:schemeClr val="tx1"/>
-                            </a:solidFill>
-                            <a:latin typeface="Prima Nova"/>
-                            <a:ea typeface="Cambria Math" panose="02040503050406030204" pitchFamily="18" charset="0"/>
+                            <a:latin typeface="Proxima Nova" panose="020B0604020202020204" charset="0"/>
                           </a:rPr>
                           <m:t>oddsratio</m:t>
                         </m:r>
                         <m:r>
-                          <a:rPr lang="es-MX" b="0" i="1" smtClean="0">
-                            <a:solidFill>
-                              <a:schemeClr val="tx1"/>
-                            </a:solidFill>
+                          <a:rPr lang="es-MX" i="1">
                             <a:latin typeface="Cambria Math" panose="02040503050406030204" pitchFamily="18" charset="0"/>
-                            <a:ea typeface="Cambria Math" panose="02040503050406030204" pitchFamily="18" charset="0"/>
                           </a:rPr>
                           <m:t>(</m:t>
                         </m:r>
                         <m:r>
-                          <a:rPr lang="es-MX" b="0" i="1" smtClean="0">
-                            <a:solidFill>
-                              <a:schemeClr val="tx1"/>
-                            </a:solidFill>
+                          <a:rPr lang="es-MX" i="1">
                             <a:latin typeface="Cambria Math" panose="02040503050406030204" pitchFamily="18" charset="0"/>
-                            <a:ea typeface="Cambria Math" panose="02040503050406030204" pitchFamily="18" charset="0"/>
                           </a:rPr>
                           <m:t>𝑥</m:t>
                         </m:r>
                         <m:r>
-                          <a:rPr lang="es-MX" b="0" i="1" smtClean="0">
-                            <a:solidFill>
-                              <a:schemeClr val="tx1"/>
-                            </a:solidFill>
+                          <a:rPr lang="es-MX" i="1">
                             <a:latin typeface="Cambria Math" panose="02040503050406030204" pitchFamily="18" charset="0"/>
-                            <a:ea typeface="Cambria Math" panose="02040503050406030204" pitchFamily="18" charset="0"/>
                           </a:rPr>
                           <m:t>+1)</m:t>
                         </m:r>
@@ -32481,41 +32344,25 @@
                             <m:nor/>
                           </m:rPr>
                           <a:rPr lang="es-MX" i="1">
-                            <a:solidFill>
-                              <a:schemeClr val="tx1"/>
-                            </a:solidFill>
-                            <a:latin typeface="Prima Nova"/>
-                            <a:ea typeface="Cambria Math" panose="02040503050406030204" pitchFamily="18" charset="0"/>
+                            <a:latin typeface="Proxima Nova" panose="020B0604020202020204" charset="0"/>
                           </a:rPr>
                           <m:t>oddsratio</m:t>
                         </m:r>
                         <m:r>
                           <a:rPr lang="es-MX" i="1">
-                            <a:solidFill>
-                              <a:schemeClr val="tx1"/>
-                            </a:solidFill>
                             <a:latin typeface="Cambria Math" panose="02040503050406030204" pitchFamily="18" charset="0"/>
-                            <a:ea typeface="Cambria Math" panose="02040503050406030204" pitchFamily="18" charset="0"/>
                           </a:rPr>
                           <m:t>(</m:t>
                         </m:r>
                         <m:r>
                           <a:rPr lang="es-MX" i="1">
-                            <a:solidFill>
-                              <a:schemeClr val="tx1"/>
-                            </a:solidFill>
                             <a:latin typeface="Cambria Math" panose="02040503050406030204" pitchFamily="18" charset="0"/>
-                            <a:ea typeface="Cambria Math" panose="02040503050406030204" pitchFamily="18" charset="0"/>
                           </a:rPr>
                           <m:t>𝑥</m:t>
                         </m:r>
                         <m:r>
                           <a:rPr lang="es-MX" i="1">
-                            <a:solidFill>
-                              <a:schemeClr val="tx1"/>
-                            </a:solidFill>
                             <a:latin typeface="Cambria Math" panose="02040503050406030204" pitchFamily="18" charset="0"/>
-                            <a:ea typeface="Cambria Math" panose="02040503050406030204" pitchFamily="18" charset="0"/>
                           </a:rPr>
                           <m:t>)</m:t>
                         </m:r>
@@ -32524,68 +32371,24 @@
                   </m:oMath>
                 </a14:m>
                 <a:r>
-                  <a:rPr kumimoji="0" lang="es-AR" altLang="es-AR" sz="1400" b="0" i="1" u="none" strike="noStrike" cap="none" normalizeH="0" baseline="0" dirty="0">
-                    <a:ln>
-                      <a:noFill/>
-                    </a:ln>
-                    <a:solidFill>
-                      <a:schemeClr val="tx1"/>
-                    </a:solidFill>
-                    <a:effectLst/>
-                    <a:latin typeface="ProximaNova"/>
+                  <a:rPr lang="es-AR" altLang="es-AR" dirty="0">
+                    <a:latin typeface="Proxima Nova" panose="020B0604020202020204" charset="0"/>
                   </a:rPr>
-                  <a:t> </a:t>
-                </a:r>
-                <a:r>
-                  <a:rPr kumimoji="0" lang="es-AR" altLang="es-AR" sz="1400" b="0" i="0" u="none" strike="noStrike" cap="none" normalizeH="0" baseline="0" dirty="0">
-                    <a:ln>
-                      <a:noFill/>
-                    </a:ln>
-                    <a:solidFill>
-                      <a:schemeClr val="tx1"/>
-                    </a:solidFill>
-                    <a:effectLst/>
-                    <a:latin typeface="ProximaNova"/>
-                  </a:rPr>
-                  <a:t>será </a:t>
-                </a:r>
-                <a:r>
-                  <a:rPr kumimoji="0" lang="es-AR" altLang="es-AR" sz="1400" b="0" i="0" u="none" strike="noStrike" cap="none" normalizeH="0" baseline="0" dirty="0">
-                    <a:ln>
-                      <a:noFill/>
-                    </a:ln>
-                    <a:solidFill>
-                      <a:schemeClr val="tx1"/>
-                    </a:solidFill>
-                    <a:effectLst/>
-                    <a:latin typeface="Prima Nova"/>
-                  </a:rPr>
-                  <a:t>de </a:t>
+                  <a:t> será de </a:t>
                 </a:r>
                 <a14:m>
                   <m:oMath xmlns:m="http://schemas.openxmlformats.org/officeDocument/2006/math">
                     <m:r>
                       <a:rPr lang="es-MX" i="1">
-                        <a:solidFill>
-                          <a:schemeClr val="tx1"/>
-                        </a:solidFill>
                         <a:latin typeface="Cambria Math" panose="02040503050406030204" pitchFamily="18" charset="0"/>
-                        <a:ea typeface="Cambria Math" panose="02040503050406030204" pitchFamily="18" charset="0"/>
                       </a:rPr>
                       <m:t>𝑒𝑥𝑝</m:t>
                     </m:r>
                   </m:oMath>
                 </a14:m>
                 <a:r>
-                  <a:rPr kumimoji="0" lang="es-AR" altLang="es-AR" sz="1400" b="0" i="0" u="none" strike="noStrike" cap="none" normalizeH="0" baseline="0" dirty="0">
-                    <a:ln>
-                      <a:noFill/>
-                    </a:ln>
-                    <a:solidFill>
-                      <a:schemeClr val="tx1"/>
-                    </a:solidFill>
-                    <a:effectLst/>
-                    <a:latin typeface="Prima Nova"/>
+                  <a:rPr lang="es-AR" altLang="es-AR" dirty="0">
+                    <a:latin typeface="Proxima Nova" panose="020B0604020202020204" charset="0"/>
                   </a:rPr>
                   <a:t>(</a:t>
                 </a:r>
@@ -32595,22 +32398,14 @@
                       <m:sSubPr>
                         <m:ctrlPr>
                           <a:rPr lang="es-MX" b="1" i="1">
-                            <a:solidFill>
-                              <a:schemeClr val="tx1"/>
-                            </a:solidFill>
                             <a:latin typeface="Cambria Math" panose="02040503050406030204" pitchFamily="18" charset="0"/>
-                            <a:ea typeface="Cambria Math" panose="02040503050406030204" pitchFamily="18" charset="0"/>
                           </a:rPr>
                         </m:ctrlPr>
                       </m:sSubPr>
                       <m:e>
                         <m:r>
                           <a:rPr lang="es-MX" b="1" i="1">
-                            <a:solidFill>
-                              <a:schemeClr val="tx1"/>
-                            </a:solidFill>
                             <a:latin typeface="Cambria Math" panose="02040503050406030204" pitchFamily="18" charset="0"/>
-                            <a:ea typeface="Cambria Math" panose="02040503050406030204" pitchFamily="18" charset="0"/>
                           </a:rPr>
                           <m:t>𝜷</m:t>
                         </m:r>
@@ -32618,11 +32413,7 @@
                       <m:sub>
                         <m:r>
                           <a:rPr lang="es-MX" b="1" i="1">
-                            <a:solidFill>
-                              <a:schemeClr val="tx1"/>
-                            </a:solidFill>
                             <a:latin typeface="Cambria Math" panose="02040503050406030204" pitchFamily="18" charset="0"/>
-                            <a:ea typeface="Cambria Math" panose="02040503050406030204" pitchFamily="18" charset="0"/>
                           </a:rPr>
                           <m:t>𝒋</m:t>
                         </m:r>
@@ -32631,33 +32422,16 @@
                   </m:oMath>
                 </a14:m>
                 <a:r>
-                  <a:rPr kumimoji="0" lang="es-AR" altLang="es-AR" sz="1400" b="0" i="0" u="none" strike="noStrike" cap="none" normalizeH="0" baseline="0" dirty="0">
-                    <a:ln>
-                      <a:noFill/>
-                    </a:ln>
-                    <a:solidFill>
-                      <a:schemeClr val="tx1"/>
-                    </a:solidFill>
-                    <a:effectLst/>
-                    <a:latin typeface="Prima Nova"/>
+                  <a:rPr lang="es-AR" altLang="es-AR" dirty="0">
+                    <a:latin typeface="Proxima Nova" panose="020B0604020202020204" charset="0"/>
                   </a:rPr>
-                  <a:t>)” </a:t>
+                  <a:t>)”</a:t>
                 </a:r>
-                <a:endParaRPr kumimoji="0" lang="es-AR" altLang="es-AR" sz="2000" b="0" i="0" u="none" strike="noStrike" cap="none" normalizeH="0" baseline="0" dirty="0">
-                  <a:ln>
-                    <a:noFill/>
-                  </a:ln>
-                  <a:solidFill>
-                    <a:schemeClr val="tx1"/>
-                  </a:solidFill>
-                  <a:effectLst/>
-                  <a:latin typeface="Prima Nova"/>
-                </a:endParaRPr>
               </a:p>
             </p:txBody>
           </p:sp>
         </mc:Choice>
-        <mc:Fallback xmlns="">
+        <mc:Fallback>
           <p:sp>
             <p:nvSpPr>
               <p:cNvPr id="20" name="CuadroTexto 19">
@@ -32683,7 +32457,7 @@
               <a:blipFill>
                 <a:blip r:embed="rId6"/>
                 <a:stretch>
-                  <a:fillRect l="-215" t="-870" b="-1739"/>
+                  <a:fillRect l="-215" b="-1739"/>
                 </a:stretch>
               </a:blipFill>
             </p:spPr>
@@ -32848,17 +32622,31 @@
             </a:pPr>
             <a:r>
               <a:rPr lang="es-AR" altLang="es-AR" b="1" dirty="0">
-                <a:latin typeface="Prima Nova"/>
+                <a:latin typeface="ProximaNova"/>
                 <a:ea typeface="Cambria Math" panose="02040503050406030204" pitchFamily="18" charset="0"/>
               </a:rPr>
-              <a:t>Dos formas alternativas de despejar la ecuación y leer sus resultados</a:t>
+              <a:t>Dos formas alternativas de despejar la </a:t>
+            </a:r>
+            <a:r>
+              <a:rPr lang="es-AR" altLang="es-AR" b="1" dirty="0">
+                <a:latin typeface="Proxima Nova" panose="020B0604020202020204" charset="0"/>
+                <a:ea typeface="Cambria Math" panose="02040503050406030204" pitchFamily="18" charset="0"/>
+              </a:rPr>
+              <a:t>ecuación</a:t>
+            </a:r>
+            <a:r>
+              <a:rPr lang="es-AR" altLang="es-AR" b="1" dirty="0">
+                <a:latin typeface="ProximaNova"/>
+                <a:ea typeface="Cambria Math" panose="02040503050406030204" pitchFamily="18" charset="0"/>
+              </a:rPr>
+              <a:t> y leer sus resultados</a:t>
             </a:r>
             <a:endParaRPr kumimoji="0" lang="es-AR" altLang="es-AR" sz="2000" b="0" i="0" u="none" strike="noStrike" cap="none" normalizeH="0" baseline="0" dirty="0">
               <a:ln>
                 <a:noFill/>
               </a:ln>
               <a:effectLst/>
-              <a:latin typeface="Prima Nova"/>
+              <a:latin typeface="ProximaNova"/>
             </a:endParaRPr>
           </a:p>
         </p:txBody>
@@ -32879,8 +32667,8 @@
             </p:nvSpPr>
             <p:spPr>
               <a:xfrm>
-                <a:off x="6002803" y="888686"/>
-                <a:ext cx="3141196" cy="773289"/>
+                <a:off x="5980813" y="695665"/>
+                <a:ext cx="3141196" cy="994888"/>
               </a:xfrm>
               <a:prstGeom prst="rect">
                 <a:avLst/>
@@ -32904,7 +32692,7 @@
                 </a:pPr>
                 <a:r>
                   <a:rPr lang="es-AR" altLang="es-AR" b="1" dirty="0">
-                    <a:latin typeface="Prima Nova"/>
+                    <a:latin typeface="Proxima Nova" panose="020B0604020202020204" charset="0"/>
                     <a:ea typeface="Cambria Math" panose="02040503050406030204" pitchFamily="18" charset="0"/>
                   </a:rPr>
                   <a:t>Los </a:t>
@@ -32915,7 +32703,7 @@
                       <m:sSubPr>
                         <m:ctrlPr>
                           <a:rPr lang="es-MX" b="1" i="1">
-                            <a:latin typeface="Cambria Math" panose="02040503050406030204" pitchFamily="18" charset="0"/>
+                            <a:latin typeface="ProximaNova"/>
                             <a:ea typeface="Cambria Math" panose="02040503050406030204" pitchFamily="18" charset="0"/>
                           </a:rPr>
                         </m:ctrlPr>
@@ -32923,7 +32711,7 @@
                       <m:e>
                         <m:r>
                           <a:rPr lang="es-MX" b="1">
-                            <a:latin typeface="Cambria Math" panose="02040503050406030204" pitchFamily="18" charset="0"/>
+                            <a:latin typeface="ProximaNova"/>
                             <a:ea typeface="Cambria Math" panose="02040503050406030204" pitchFamily="18" charset="0"/>
                           </a:rPr>
                           <m:t>𝛽</m:t>
@@ -32932,7 +32720,7 @@
                       <m:sub>
                         <m:r>
                           <a:rPr lang="es-MX" b="1">
-                            <a:latin typeface="Cambria Math" panose="02040503050406030204" pitchFamily="18" charset="0"/>
+                            <a:latin typeface="ProximaNova"/>
                             <a:ea typeface="Cambria Math" panose="02040503050406030204" pitchFamily="18" charset="0"/>
                           </a:rPr>
                           <m:t>𝑗</m:t>
@@ -32943,7 +32731,7 @@
                 </a14:m>
                 <a:r>
                   <a:rPr lang="es-AR" altLang="es-AR" b="1" dirty="0">
-                    <a:latin typeface="Prima Nova"/>
+                    <a:latin typeface="Proxima Nova" panose="020B0604020202020204" charset="0"/>
                     <a:ea typeface="Cambria Math" panose="02040503050406030204" pitchFamily="18" charset="0"/>
                   </a:rPr>
                   <a:t> se encuentran con un método denominado “máxima verosimilitud”. Encontrar </a:t>
@@ -32957,7 +32745,7 @@
                             <a:solidFill>
                               <a:schemeClr val="tx1"/>
                             </a:solidFill>
-                            <a:latin typeface="Cambria Math" panose="02040503050406030204" pitchFamily="18" charset="0"/>
+                            <a:latin typeface="ProximaNova"/>
                             <a:ea typeface="Cambria Math" panose="02040503050406030204" pitchFamily="18" charset="0"/>
                           </a:rPr>
                         </m:ctrlPr>
@@ -32968,7 +32756,7 @@
                             <a:solidFill>
                               <a:schemeClr val="tx1"/>
                             </a:solidFill>
-                            <a:latin typeface="Cambria Math" panose="02040503050406030204" pitchFamily="18" charset="0"/>
+                            <a:latin typeface="ProximaNova"/>
                             <a:ea typeface="Cambria Math" panose="02040503050406030204" pitchFamily="18" charset="0"/>
                           </a:rPr>
                           <m:t>𝛽</m:t>
@@ -32980,7 +32768,7 @@
                             <a:solidFill>
                               <a:schemeClr val="tx1"/>
                             </a:solidFill>
-                            <a:latin typeface="Cambria Math" panose="02040503050406030204" pitchFamily="18" charset="0"/>
+                            <a:latin typeface="ProximaNova"/>
                             <a:ea typeface="Cambria Math" panose="02040503050406030204" pitchFamily="18" charset="0"/>
                           </a:rPr>
                           <m:t>𝑗</m:t>
@@ -32991,7 +32779,7 @@
                 </a14:m>
                 <a:r>
                   <a:rPr lang="es-AR" altLang="es-AR" b="1" dirty="0">
-                    <a:latin typeface="Prima Nova"/>
+                    <a:latin typeface="Proxima Nova" panose="020B0604020202020204" charset="0"/>
                     <a:ea typeface="Cambria Math" panose="02040503050406030204" pitchFamily="18" charset="0"/>
                   </a:rPr>
                   <a:t> tal que maximicen:</a:t>
@@ -33001,7 +32789,7 @@
                     <a:noFill/>
                   </a:ln>
                   <a:effectLst/>
-                  <a:latin typeface="Prima Nova"/>
+                  <a:latin typeface="Proxima Nova" panose="020B0604020202020204" charset="0"/>
                 </a:endParaRPr>
               </a:p>
             </p:txBody>
@@ -33024,8 +32812,8 @@
             </p:nvSpPr>
             <p:spPr>
               <a:xfrm>
-                <a:off x="6002803" y="888686"/>
-                <a:ext cx="3141196" cy="773289"/>
+                <a:off x="5980813" y="695665"/>
+                <a:ext cx="3141196" cy="994888"/>
               </a:xfrm>
               <a:prstGeom prst="rect">
                 <a:avLst/>
@@ -33033,7 +32821,7 @@
               <a:blipFill>
                 <a:blip r:embed="rId7"/>
                 <a:stretch>
-                  <a:fillRect l="-583" t="-787" b="-5512"/>
+                  <a:fillRect l="-583" r="-1165" b="-6135"/>
                 </a:stretch>
               </a:blipFill>
             </p:spPr>
@@ -33052,8 +32840,8 @@
           </p:sp>
         </mc:Fallback>
       </mc:AlternateContent>
-      <mc:AlternateContent xmlns:mc="http://schemas.openxmlformats.org/markup-compatibility/2006">
-        <mc:Choice xmlns:a14="http://schemas.microsoft.com/office/drawing/2010/main" Requires="a14">
+      <mc:AlternateContent xmlns:mc="http://schemas.openxmlformats.org/markup-compatibility/2006" xmlns:a14="http://schemas.microsoft.com/office/drawing/2010/main">
+        <mc:Choice Requires="a14">
           <p:sp>
             <p:nvSpPr>
               <p:cNvPr id="5" name="CuadroTexto 4">
@@ -33536,7 +33324,7 @@
             </p:txBody>
           </p:sp>
         </mc:Choice>
-        <mc:Fallback>
+        <mc:Fallback xmlns="">
           <p:sp>
             <p:nvSpPr>
               <p:cNvPr id="5" name="CuadroTexto 4">
@@ -33591,14 +33379,15 @@
             </a:extLst>
           </p:cNvPr>
           <p:cNvCxnSpPr>
+            <a:cxnSpLocks/>
             <a:endCxn id="7" idx="1"/>
           </p:cNvCxnSpPr>
           <p:nvPr/>
         </p:nvCxnSpPr>
         <p:spPr>
           <a:xfrm>
-            <a:off x="4093535" y="1269017"/>
-            <a:ext cx="1909268" cy="6314"/>
+            <a:off x="4071545" y="1075996"/>
+            <a:ext cx="1909268" cy="117113"/>
           </a:xfrm>
           <a:prstGeom prst="straightConnector1">
             <a:avLst/>

--- a/clase4/teoricas_4a6.pptx
+++ b/clase4/teoricas_4a6.pptx
@@ -12512,8 +12512,8 @@
           </a:prstGeom>
         </p:spPr>
       </p:pic>
-      <mc:AlternateContent xmlns:mc="http://schemas.openxmlformats.org/markup-compatibility/2006">
-        <mc:Choice xmlns:a14="http://schemas.microsoft.com/office/drawing/2010/main" Requires="a14">
+      <mc:AlternateContent xmlns:mc="http://schemas.openxmlformats.org/markup-compatibility/2006" xmlns:a14="http://schemas.microsoft.com/office/drawing/2010/main">
+        <mc:Choice Requires="a14">
           <p:graphicFrame>
             <p:nvGraphicFramePr>
               <p:cNvPr id="25" name="Tabla 25">
@@ -13188,7 +13188,7 @@
             </a:graphic>
           </p:graphicFrame>
         </mc:Choice>
-        <mc:Fallback>
+        <mc:Fallback xmlns="">
           <p:graphicFrame>
             <p:nvGraphicFramePr>
               <p:cNvPr id="25" name="Tabla 25">
@@ -13452,8 +13452,8 @@
           </p:graphicFrame>
         </mc:Fallback>
       </mc:AlternateContent>
-      <mc:AlternateContent xmlns:mc="http://schemas.openxmlformats.org/markup-compatibility/2006">
-        <mc:Choice xmlns:a14="http://schemas.microsoft.com/office/drawing/2010/main" Requires="a14">
+      <mc:AlternateContent xmlns:mc="http://schemas.openxmlformats.org/markup-compatibility/2006" xmlns:a14="http://schemas.microsoft.com/office/drawing/2010/main">
+        <mc:Choice Requires="a14">
           <p:sp>
             <p:nvSpPr>
               <p:cNvPr id="28" name="CuadroTexto 27">
@@ -13730,7 +13730,7 @@
             </p:txBody>
           </p:sp>
         </mc:Choice>
-        <mc:Fallback>
+        <mc:Fallback xmlns="">
           <p:sp>
             <p:nvSpPr>
               <p:cNvPr id="28" name="CuadroTexto 27">
@@ -15657,8 +15657,8 @@
           <a:chExt cx="0" cy="0"/>
         </a:xfrm>
       </p:grpSpPr>
-      <mc:AlternateContent xmlns:mc="http://schemas.openxmlformats.org/markup-compatibility/2006">
-        <mc:Choice xmlns:a14="http://schemas.microsoft.com/office/drawing/2010/main" Requires="a14">
+      <mc:AlternateContent xmlns:mc="http://schemas.openxmlformats.org/markup-compatibility/2006" xmlns:a14="http://schemas.microsoft.com/office/drawing/2010/main">
+        <mc:Choice Requires="a14">
           <p:sp>
             <p:nvSpPr>
               <p:cNvPr id="153" name="Google Shape;153;p27"/>
@@ -16539,7 +16539,7 @@
             </p:txBody>
           </p:sp>
         </mc:Choice>
-        <mc:Fallback>
+        <mc:Fallback xmlns="">
           <p:sp>
             <p:nvSpPr>
               <p:cNvPr id="153" name="Google Shape;153;p27"/>
@@ -18509,8 +18509,8 @@
           <a:chExt cx="0" cy="0"/>
         </a:xfrm>
       </p:grpSpPr>
-      <mc:AlternateContent xmlns:mc="http://schemas.openxmlformats.org/markup-compatibility/2006">
-        <mc:Choice xmlns:a14="http://schemas.microsoft.com/office/drawing/2010/main" Requires="a14">
+      <mc:AlternateContent xmlns:mc="http://schemas.openxmlformats.org/markup-compatibility/2006" xmlns:a14="http://schemas.microsoft.com/office/drawing/2010/main">
+        <mc:Choice Requires="a14">
           <p:sp>
             <p:nvSpPr>
               <p:cNvPr id="153" name="Google Shape;153;p27"/>
@@ -18937,7 +18937,7 @@
             </p:txBody>
           </p:sp>
         </mc:Choice>
-        <mc:Fallback>
+        <mc:Fallback xmlns="">
           <p:sp>
             <p:nvSpPr>
               <p:cNvPr id="153" name="Google Shape;153;p27"/>
@@ -20058,8 +20058,8 @@
           <a:chExt cx="0" cy="0"/>
         </a:xfrm>
       </p:grpSpPr>
-      <mc:AlternateContent xmlns:mc="http://schemas.openxmlformats.org/markup-compatibility/2006">
-        <mc:Choice xmlns:a14="http://schemas.microsoft.com/office/drawing/2010/main" Requires="a14">
+      <mc:AlternateContent xmlns:mc="http://schemas.openxmlformats.org/markup-compatibility/2006" xmlns:a14="http://schemas.microsoft.com/office/drawing/2010/main">
+        <mc:Choice Requires="a14">
           <p:graphicFrame>
             <p:nvGraphicFramePr>
               <p:cNvPr id="6" name="Tabla 6">
@@ -21098,7 +21098,7 @@
             </a:graphic>
           </p:graphicFrame>
         </mc:Choice>
-        <mc:Fallback>
+        <mc:Fallback xmlns="">
           <p:graphicFrame>
             <p:nvGraphicFramePr>
               <p:cNvPr id="6" name="Tabla 6">
@@ -25602,8 +25602,8 @@
           </p:sp>
         </mc:Fallback>
       </mc:AlternateContent>
-      <mc:AlternateContent xmlns:mc="http://schemas.openxmlformats.org/markup-compatibility/2006">
-        <mc:Choice xmlns:a14="http://schemas.microsoft.com/office/drawing/2010/main" Requires="a14">
+      <mc:AlternateContent xmlns:mc="http://schemas.openxmlformats.org/markup-compatibility/2006" xmlns:a14="http://schemas.microsoft.com/office/drawing/2010/main">
+        <mc:Choice Requires="a14">
           <p:sp>
             <p:nvSpPr>
               <p:cNvPr id="5" name="CuadroTexto 4">
@@ -25692,7 +25692,7 @@
             </p:txBody>
           </p:sp>
         </mc:Choice>
-        <mc:Fallback>
+        <mc:Fallback xmlns="">
           <p:sp>
             <p:nvSpPr>
               <p:cNvPr id="5" name="CuadroTexto 4">
@@ -25827,8 +25827,8 @@
           <a:chExt cx="0" cy="0"/>
         </a:xfrm>
       </p:grpSpPr>
-      <mc:AlternateContent xmlns:mc="http://schemas.openxmlformats.org/markup-compatibility/2006">
-        <mc:Choice xmlns:a14="http://schemas.microsoft.com/office/drawing/2010/main" Requires="a14">
+      <mc:AlternateContent xmlns:mc="http://schemas.openxmlformats.org/markup-compatibility/2006" xmlns:a14="http://schemas.microsoft.com/office/drawing/2010/main">
+        <mc:Choice Requires="a14">
           <p:sp>
             <p:nvSpPr>
               <p:cNvPr id="153" name="Google Shape;153;p27"/>
@@ -26086,7 +26086,7 @@
             </p:txBody>
           </p:sp>
         </mc:Choice>
-        <mc:Fallback>
+        <mc:Fallback xmlns="">
           <p:sp>
             <p:nvSpPr>
               <p:cNvPr id="153" name="Google Shape;153;p27"/>
@@ -27644,7 +27644,7 @@
                 <a:effectLst/>
                 <a:latin typeface="Proxima Nova" panose="020B0604020202020204" charset="0"/>
               </a:rPr>
-              <a:t>¿Qué variables nos permiten explicar la realización o no de trabajo domestico no remunerado al interior de los hogares?, ¿Es posible predecir que individuos realizan tareas domésticas?</a:t>
+              <a:t>¿Qué variables nos permiten explicar la realización o no de trabajo doméstico no remunerado al interior de los hogares?, ¿Es posible predecir que individuos realizan tareas domésticas?</a:t>
             </a:r>
           </a:p>
         </p:txBody>
@@ -30035,7 +30035,7 @@
         <p:spPr bwMode="auto">
           <a:xfrm>
             <a:off x="74428" y="3767565"/>
-            <a:ext cx="9399181" cy="338554"/>
+            <a:ext cx="8518729" cy="338554"/>
           </a:xfrm>
           <a:prstGeom prst="rect">
             <a:avLst/>
@@ -32162,7 +32162,7 @@
             <p:spPr>
               <a:xfrm>
                 <a:off x="74428" y="4193631"/>
-                <a:ext cx="8506048" cy="700641"/>
+                <a:ext cx="6507125" cy="700641"/>
               </a:xfrm>
               <a:prstGeom prst="rect">
                 <a:avLst/>
@@ -32449,7 +32449,7 @@
             <p:spPr>
               <a:xfrm>
                 <a:off x="74428" y="4193631"/>
-                <a:ext cx="8506048" cy="700641"/>
+                <a:ext cx="6507125" cy="700641"/>
               </a:xfrm>
               <a:prstGeom prst="rect">
                 <a:avLst/>
@@ -32457,7 +32457,7 @@
               <a:blipFill>
                 <a:blip r:embed="rId6"/>
                 <a:stretch>
-                  <a:fillRect l="-215" b="-1739"/>
+                  <a:fillRect l="-281" b="-1739"/>
                 </a:stretch>
               </a:blipFill>
             </p:spPr>
@@ -32651,8 +32651,8 @@
           </a:p>
         </p:txBody>
       </p:sp>
-      <mc:AlternateContent xmlns:mc="http://schemas.openxmlformats.org/markup-compatibility/2006">
-        <mc:Choice xmlns:a14="http://schemas.microsoft.com/office/drawing/2010/main" Requires="a14">
+      <mc:AlternateContent xmlns:mc="http://schemas.openxmlformats.org/markup-compatibility/2006" xmlns:a14="http://schemas.microsoft.com/office/drawing/2010/main">
+        <mc:Choice Requires="a14">
           <p:sp>
             <p:nvSpPr>
               <p:cNvPr id="7" name="CuadroTexto 6">
@@ -32703,7 +32703,7 @@
                       <m:sSubPr>
                         <m:ctrlPr>
                           <a:rPr lang="es-MX" b="1" i="1">
-                            <a:latin typeface="ProximaNova"/>
+                            <a:latin typeface="Cambria Math" panose="02040503050406030204" pitchFamily="18" charset="0"/>
                             <a:ea typeface="Cambria Math" panose="02040503050406030204" pitchFamily="18" charset="0"/>
                           </a:rPr>
                         </m:ctrlPr>
@@ -32711,7 +32711,7 @@
                       <m:e>
                         <m:r>
                           <a:rPr lang="es-MX" b="1">
-                            <a:latin typeface="ProximaNova"/>
+                            <a:latin typeface="Cambria Math" panose="02040503050406030204" pitchFamily="18" charset="0"/>
                             <a:ea typeface="Cambria Math" panose="02040503050406030204" pitchFamily="18" charset="0"/>
                           </a:rPr>
                           <m:t>𝛽</m:t>
@@ -32720,7 +32720,7 @@
                       <m:sub>
                         <m:r>
                           <a:rPr lang="es-MX" b="1">
-                            <a:latin typeface="ProximaNova"/>
+                            <a:latin typeface="Cambria Math" panose="02040503050406030204" pitchFamily="18" charset="0"/>
                             <a:ea typeface="Cambria Math" panose="02040503050406030204" pitchFamily="18" charset="0"/>
                           </a:rPr>
                           <m:t>𝑗</m:t>
@@ -32745,7 +32745,7 @@
                             <a:solidFill>
                               <a:schemeClr val="tx1"/>
                             </a:solidFill>
-                            <a:latin typeface="ProximaNova"/>
+                            <a:latin typeface="Cambria Math" panose="02040503050406030204" pitchFamily="18" charset="0"/>
                             <a:ea typeface="Cambria Math" panose="02040503050406030204" pitchFamily="18" charset="0"/>
                           </a:rPr>
                         </m:ctrlPr>
@@ -32756,7 +32756,7 @@
                             <a:solidFill>
                               <a:schemeClr val="tx1"/>
                             </a:solidFill>
-                            <a:latin typeface="ProximaNova"/>
+                            <a:latin typeface="Cambria Math" panose="02040503050406030204" pitchFamily="18" charset="0"/>
                             <a:ea typeface="Cambria Math" panose="02040503050406030204" pitchFamily="18" charset="0"/>
                           </a:rPr>
                           <m:t>𝛽</m:t>
@@ -32768,7 +32768,7 @@
                             <a:solidFill>
                               <a:schemeClr val="tx1"/>
                             </a:solidFill>
-                            <a:latin typeface="ProximaNova"/>
+                            <a:latin typeface="Cambria Math" panose="02040503050406030204" pitchFamily="18" charset="0"/>
                             <a:ea typeface="Cambria Math" panose="02040503050406030204" pitchFamily="18" charset="0"/>
                           </a:rPr>
                           <m:t>𝑗</m:t>
@@ -32795,7 +32795,7 @@
             </p:txBody>
           </p:sp>
         </mc:Choice>
-        <mc:Fallback>
+        <mc:Fallback xmlns="">
           <p:sp>
             <p:nvSpPr>
               <p:cNvPr id="7" name="CuadroTexto 6">
@@ -33411,6 +33411,357 @@
           </a:fontRef>
         </p:style>
       </p:cxnSp>
+      <p:sp>
+        <p:nvSpPr>
+          <p:cNvPr id="3" name="Cerrar llave 2">
+            <a:extLst>
+              <a:ext uri="{FF2B5EF4-FFF2-40B4-BE49-F238E27FC236}">
+                <a16:creationId xmlns:a16="http://schemas.microsoft.com/office/drawing/2014/main" id="{19B1908F-63D1-1CBD-8BF3-EB85A8CC0DDC}"/>
+              </a:ext>
+            </a:extLst>
+          </p:cNvPr>
+          <p:cNvSpPr/>
+          <p:nvPr/>
+        </p:nvSpPr>
+        <p:spPr>
+          <a:xfrm>
+            <a:off x="6075574" y="4218793"/>
+            <a:ext cx="625201" cy="650316"/>
+          </a:xfrm>
+          <a:prstGeom prst="rightBrace">
+            <a:avLst>
+              <a:gd name="adj1" fmla="val 8333"/>
+              <a:gd name="adj2" fmla="val 51904"/>
+            </a:avLst>
+          </a:prstGeom>
+        </p:spPr>
+        <p:style>
+          <a:lnRef idx="1">
+            <a:schemeClr val="accent1"/>
+          </a:lnRef>
+          <a:fillRef idx="0">
+            <a:schemeClr val="accent1"/>
+          </a:fillRef>
+          <a:effectRef idx="0">
+            <a:schemeClr val="accent1"/>
+          </a:effectRef>
+          <a:fontRef idx="minor">
+            <a:schemeClr val="tx1"/>
+          </a:fontRef>
+        </p:style>
+        <p:txBody>
+          <a:bodyPr rtlCol="0" anchor="ctr"/>
+          <a:lstStyle/>
+          <a:p>
+            <a:pPr algn="ctr"/>
+            <a:endParaRPr lang="es-AR" dirty="0"/>
+          </a:p>
+        </p:txBody>
+      </p:sp>
+      <mc:AlternateContent xmlns:mc="http://schemas.openxmlformats.org/markup-compatibility/2006">
+        <mc:Choice xmlns:a14="http://schemas.microsoft.com/office/drawing/2010/main" Requires="a14">
+          <p:sp>
+            <p:nvSpPr>
+              <p:cNvPr id="10" name="CuadroTexto 9">
+                <a:extLst>
+                  <a:ext uri="{FF2B5EF4-FFF2-40B4-BE49-F238E27FC236}">
+                    <a16:creationId xmlns:a16="http://schemas.microsoft.com/office/drawing/2014/main" id="{4D0216F8-6493-FA7B-5B19-8841C888C8DC}"/>
+                  </a:ext>
+                </a:extLst>
+              </p:cNvPr>
+              <p:cNvSpPr txBox="1"/>
+              <p:nvPr/>
+            </p:nvSpPr>
+            <p:spPr>
+              <a:xfrm>
+                <a:off x="6799927" y="4139125"/>
+                <a:ext cx="2269646" cy="702244"/>
+              </a:xfrm>
+              <a:prstGeom prst="rect">
+                <a:avLst/>
+              </a:prstGeom>
+              <a:noFill/>
+            </p:spPr>
+            <p:txBody>
+              <a:bodyPr wrap="square">
+                <a:spAutoFit/>
+              </a:bodyPr>
+              <a:lstStyle/>
+              <a:p>
+                <a:pPr marL="0" marR="0" lvl="0" indent="0" algn="l" defTabSz="914400" rtl="0" eaLnBrk="0" fontAlgn="base" latinLnBrk="0" hangingPunct="0">
+                  <a:lnSpc>
+                    <a:spcPct val="100000"/>
+                  </a:lnSpc>
+                  <a:spcBef>
+                    <a:spcPct val="0"/>
+                  </a:spcBef>
+                  <a:spcAft>
+                    <a:spcPct val="0"/>
+                  </a:spcAft>
+                  <a:buClrTx/>
+                  <a:buSzTx/>
+                  <a:buFontTx/>
+                  <a:buNone/>
+                  <a:tabLst/>
+                </a:pPr>
+                <a:r>
+                  <a:rPr lang="es-AR" altLang="es-AR" b="1" dirty="0">
+                    <a:latin typeface="ProximaNova"/>
+                    <a:ea typeface="Cambria Math" panose="02040503050406030204" pitchFamily="18" charset="0"/>
+                  </a:rPr>
+                  <a:t>Demostrable c/ propiedad </a:t>
+                </a:r>
+                <a14:m>
+                  <m:oMath xmlns:m="http://schemas.openxmlformats.org/officeDocument/2006/math">
+                    <m:f>
+                      <m:fPr>
+                        <m:ctrlPr>
+                          <a:rPr lang="es-AR" i="1">
+                            <a:solidFill>
+                              <a:schemeClr val="tx1"/>
+                            </a:solidFill>
+                            <a:latin typeface="Cambria Math" panose="02040503050406030204" pitchFamily="18" charset="0"/>
+                            <a:ea typeface="Cambria Math" panose="02040503050406030204" pitchFamily="18" charset="0"/>
+                          </a:rPr>
+                        </m:ctrlPr>
+                      </m:fPr>
+                      <m:num>
+                        <m:r>
+                          <m:rPr>
+                            <m:nor/>
+                          </m:rPr>
+                          <a:rPr lang="es-MX" b="0" i="1" dirty="0" smtClean="0">
+                            <a:solidFill>
+                              <a:schemeClr val="tx1"/>
+                            </a:solidFill>
+                            <a:latin typeface="Cambria Math" panose="02040503050406030204" pitchFamily="18" charset="0"/>
+                            <a:ea typeface="Cambria Math" panose="02040503050406030204" pitchFamily="18" charset="0"/>
+                          </a:rPr>
+                          <m:t>exp</m:t>
+                        </m:r>
+                        <m:r>
+                          <m:rPr>
+                            <m:nor/>
+                          </m:rPr>
+                          <a:rPr lang="en-GB" dirty="0">
+                            <a:solidFill>
+                              <a:schemeClr val="tx1"/>
+                            </a:solidFill>
+                            <a:latin typeface="Cambria Math" panose="02040503050406030204" pitchFamily="18" charset="0"/>
+                            <a:ea typeface="Cambria Math" panose="02040503050406030204" pitchFamily="18" charset="0"/>
+                          </a:rPr>
+                          <m:t>(</m:t>
+                        </m:r>
+                        <m:r>
+                          <m:rPr>
+                            <m:nor/>
+                          </m:rPr>
+                          <a:rPr lang="es-MX" b="0" i="0" dirty="0" smtClean="0">
+                            <a:solidFill>
+                              <a:schemeClr val="tx1"/>
+                            </a:solidFill>
+                            <a:latin typeface="Cambria Math" panose="02040503050406030204" pitchFamily="18" charset="0"/>
+                            <a:ea typeface="Cambria Math" panose="02040503050406030204" pitchFamily="18" charset="0"/>
+                          </a:rPr>
+                          <m:t>a</m:t>
+                        </m:r>
+                        <m:r>
+                          <m:rPr>
+                            <m:nor/>
+                          </m:rPr>
+                          <a:rPr lang="en-GB" dirty="0">
+                            <a:solidFill>
+                              <a:schemeClr val="tx1"/>
+                            </a:solidFill>
+                            <a:latin typeface="Cambria Math" panose="02040503050406030204" pitchFamily="18" charset="0"/>
+                            <a:ea typeface="Cambria Math" panose="02040503050406030204" pitchFamily="18" charset="0"/>
+                          </a:rPr>
+                          <m:t>)</m:t>
+                        </m:r>
+                      </m:num>
+                      <m:den>
+                        <m:r>
+                          <a:rPr lang="es-MX" b="0" i="1" dirty="0" smtClean="0">
+                            <a:solidFill>
+                              <a:schemeClr val="tx1"/>
+                            </a:solidFill>
+                            <a:latin typeface="Cambria Math" panose="02040503050406030204" pitchFamily="18" charset="0"/>
+                            <a:ea typeface="Cambria Math" panose="02040503050406030204" pitchFamily="18" charset="0"/>
+                          </a:rPr>
+                          <m:t>𝑒𝑥𝑝</m:t>
+                        </m:r>
+                        <m:r>
+                          <m:rPr>
+                            <m:nor/>
+                          </m:rPr>
+                          <a:rPr lang="en-GB" dirty="0">
+                            <a:solidFill>
+                              <a:schemeClr val="tx1"/>
+                            </a:solidFill>
+                            <a:latin typeface="Cambria Math" panose="02040503050406030204" pitchFamily="18" charset="0"/>
+                            <a:ea typeface="Cambria Math" panose="02040503050406030204" pitchFamily="18" charset="0"/>
+                          </a:rPr>
+                          <m:t>(</m:t>
+                        </m:r>
+                        <m:r>
+                          <m:rPr>
+                            <m:nor/>
+                          </m:rPr>
+                          <a:rPr lang="es-MX" b="0" i="0" dirty="0" smtClean="0">
+                            <a:solidFill>
+                              <a:schemeClr val="tx1"/>
+                            </a:solidFill>
+                            <a:latin typeface="Cambria Math" panose="02040503050406030204" pitchFamily="18" charset="0"/>
+                            <a:ea typeface="Cambria Math" panose="02040503050406030204" pitchFamily="18" charset="0"/>
+                          </a:rPr>
+                          <m:t>b</m:t>
+                        </m:r>
+                        <m:r>
+                          <m:rPr>
+                            <m:nor/>
+                          </m:rPr>
+                          <a:rPr lang="en-GB" dirty="0">
+                            <a:solidFill>
+                              <a:schemeClr val="tx1"/>
+                            </a:solidFill>
+                            <a:latin typeface="Cambria Math" panose="02040503050406030204" pitchFamily="18" charset="0"/>
+                            <a:ea typeface="Cambria Math" panose="02040503050406030204" pitchFamily="18" charset="0"/>
+                          </a:rPr>
+                          <m:t>)</m:t>
+                        </m:r>
+                      </m:den>
+                    </m:f>
+                    <m:r>
+                      <a:rPr lang="es-MX" i="1" dirty="0">
+                        <a:solidFill>
+                          <a:schemeClr val="tx1"/>
+                        </a:solidFill>
+                        <a:latin typeface="Cambria Math" panose="02040503050406030204" pitchFamily="18" charset="0"/>
+                        <a:ea typeface="Cambria Math" panose="02040503050406030204" pitchFamily="18" charset="0"/>
+                      </a:rPr>
+                      <m:t>=</m:t>
+                    </m:r>
+                    <m:r>
+                      <m:rPr>
+                        <m:sty m:val="p"/>
+                      </m:rPr>
+                      <a:rPr lang="es-MX" b="0" i="0" dirty="0" smtClean="0">
+                        <a:solidFill>
+                          <a:schemeClr val="tx1"/>
+                        </a:solidFill>
+                        <a:latin typeface="Cambria Math" panose="02040503050406030204" pitchFamily="18" charset="0"/>
+                        <a:ea typeface="Cambria Math" panose="02040503050406030204" pitchFamily="18" charset="0"/>
+                      </a:rPr>
+                      <m:t>exp</m:t>
+                    </m:r>
+                    <m:r>
+                      <a:rPr lang="es-MX" b="0" i="1" dirty="0" smtClean="0">
+                        <a:solidFill>
+                          <a:schemeClr val="tx1"/>
+                        </a:solidFill>
+                        <a:latin typeface="Cambria Math" panose="02040503050406030204" pitchFamily="18" charset="0"/>
+                        <a:ea typeface="Cambria Math" panose="02040503050406030204" pitchFamily="18" charset="0"/>
+                      </a:rPr>
+                      <m:t>⁡(</m:t>
+                    </m:r>
+                    <m:r>
+                      <a:rPr lang="es-MX" b="0" i="1" dirty="0" smtClean="0">
+                        <a:solidFill>
+                          <a:schemeClr val="tx1"/>
+                        </a:solidFill>
+                        <a:latin typeface="Cambria Math" panose="02040503050406030204" pitchFamily="18" charset="0"/>
+                        <a:ea typeface="Cambria Math" panose="02040503050406030204" pitchFamily="18" charset="0"/>
+                      </a:rPr>
+                      <m:t>𝑎</m:t>
+                    </m:r>
+                    <m:r>
+                      <a:rPr lang="es-MX" b="0" i="1" dirty="0" smtClean="0">
+                        <a:solidFill>
+                          <a:schemeClr val="tx1"/>
+                        </a:solidFill>
+                        <a:latin typeface="Cambria Math" panose="02040503050406030204" pitchFamily="18" charset="0"/>
+                        <a:ea typeface="Cambria Math" panose="02040503050406030204" pitchFamily="18" charset="0"/>
+                      </a:rPr>
+                      <m:t>−</m:t>
+                    </m:r>
+                    <m:r>
+                      <a:rPr lang="es-MX" b="0" i="1" dirty="0" smtClean="0">
+                        <a:solidFill>
+                          <a:schemeClr val="tx1"/>
+                        </a:solidFill>
+                        <a:latin typeface="Cambria Math" panose="02040503050406030204" pitchFamily="18" charset="0"/>
+                        <a:ea typeface="Cambria Math" panose="02040503050406030204" pitchFamily="18" charset="0"/>
+                      </a:rPr>
+                      <m:t>𝑏</m:t>
+                    </m:r>
+                    <m:r>
+                      <a:rPr lang="es-MX" b="0" i="1" dirty="0" smtClean="0">
+                        <a:solidFill>
+                          <a:schemeClr val="tx1"/>
+                        </a:solidFill>
+                        <a:latin typeface="Cambria Math" panose="02040503050406030204" pitchFamily="18" charset="0"/>
+                        <a:ea typeface="Cambria Math" panose="02040503050406030204" pitchFamily="18" charset="0"/>
+                      </a:rPr>
+                      <m:t>)</m:t>
+                    </m:r>
+                  </m:oMath>
+                </a14:m>
+                <a:endParaRPr kumimoji="0" lang="es-AR" altLang="es-AR" sz="2000" b="0" i="0" u="none" strike="noStrike" cap="none" normalizeH="0" baseline="0" dirty="0">
+                  <a:ln>
+                    <a:noFill/>
+                  </a:ln>
+                  <a:effectLst/>
+                  <a:latin typeface="ProximaNova"/>
+                </a:endParaRPr>
+              </a:p>
+            </p:txBody>
+          </p:sp>
+        </mc:Choice>
+        <mc:Fallback>
+          <p:sp>
+            <p:nvSpPr>
+              <p:cNvPr id="10" name="CuadroTexto 9">
+                <a:extLst>
+                  <a:ext uri="{FF2B5EF4-FFF2-40B4-BE49-F238E27FC236}">
+                    <a16:creationId xmlns:a16="http://schemas.microsoft.com/office/drawing/2014/main" id="{4D0216F8-6493-FA7B-5B19-8841C888C8DC}"/>
+                  </a:ext>
+                </a:extLst>
+              </p:cNvPr>
+              <p:cNvSpPr txBox="1">
+                <a:spLocks noRot="1" noChangeAspect="1" noMove="1" noResize="1" noEditPoints="1" noAdjustHandles="1" noChangeArrowheads="1" noChangeShapeType="1" noTextEdit="1"/>
+              </p:cNvSpPr>
+              <p:nvPr/>
+            </p:nvSpPr>
+            <p:spPr>
+              <a:xfrm>
+                <a:off x="6799927" y="4139125"/>
+                <a:ext cx="2269646" cy="702244"/>
+              </a:xfrm>
+              <a:prstGeom prst="rect">
+                <a:avLst/>
+              </a:prstGeom>
+              <a:blipFill>
+                <a:blip r:embed="rId9"/>
+                <a:stretch>
+                  <a:fillRect l="-804" t="-1739" b="-4348"/>
+                </a:stretch>
+              </a:blipFill>
+            </p:spPr>
+            <p:txBody>
+              <a:bodyPr/>
+              <a:lstStyle/>
+              <a:p>
+                <a:r>
+                  <a:rPr lang="es-AR">
+                    <a:noFill/>
+                  </a:rPr>
+                  <a:t> </a:t>
+                </a:r>
+              </a:p>
+            </p:txBody>
+          </p:sp>
+        </mc:Fallback>
+      </mc:AlternateContent>
     </p:spTree>
     <p:extLst>
       <p:ext uri="{BB962C8B-B14F-4D97-AF65-F5344CB8AC3E}">

--- a/clase4/teoricas_4a6.pptx
+++ b/clase4/teoricas_4a6.pptx
@@ -10619,8 +10619,8 @@
         </p:nvSpPr>
         <p:spPr>
           <a:xfrm>
-            <a:off x="-85060" y="3396522"/>
-            <a:ext cx="4837814" cy="276999"/>
+            <a:off x="21266" y="3419969"/>
+            <a:ext cx="4674969" cy="276999"/>
           </a:xfrm>
           <a:prstGeom prst="rect">
             <a:avLst/>
@@ -10943,8 +10943,8 @@
         </p:nvSpPr>
         <p:spPr>
           <a:xfrm>
-            <a:off x="4306187" y="3393673"/>
-            <a:ext cx="4837813" cy="276999"/>
+            <a:off x="4717501" y="3457889"/>
+            <a:ext cx="4288277" cy="276999"/>
           </a:xfrm>
           <a:prstGeom prst="rect">
             <a:avLst/>
@@ -10976,7 +10976,7 @@
                 <a:latin typeface="Proxima Nova" panose="020B0604020202020204" charset="0"/>
                 <a:ea typeface="Cambria Math" panose="02040503050406030204" pitchFamily="18" charset="0"/>
               </a:rPr>
-              <a:t>¿Que pasará con el odds ratio si la persona trabaja 41hs?</a:t>
+              <a:t>¿Qué pasará con el odds ratio si la persona trabaja 41hs?</a:t>
             </a:r>
             <a:endParaRPr kumimoji="0" lang="es-AR" altLang="es-AR" sz="1800" b="0" i="0" u="none" strike="noStrike" cap="none" normalizeH="0" baseline="0" dirty="0">
               <a:ln>
@@ -11994,6 +11994,256 @@
           </a:p>
         </p:txBody>
       </p:sp>
+      <mc:AlternateContent xmlns:mc="http://schemas.openxmlformats.org/markup-compatibility/2006" xmlns:a14="http://schemas.microsoft.com/office/drawing/2010/main">
+        <mc:Choice Requires="a14">
+          <p:sp>
+            <p:nvSpPr>
+              <p:cNvPr id="10" name="CuadroTexto 9">
+                <a:extLst>
+                  <a:ext uri="{FF2B5EF4-FFF2-40B4-BE49-F238E27FC236}">
+                    <a16:creationId xmlns:a16="http://schemas.microsoft.com/office/drawing/2014/main" id="{523F21F8-361F-84C2-03C6-094B9B8113A1}"/>
+                  </a:ext>
+                </a:extLst>
+              </p:cNvPr>
+              <p:cNvSpPr txBox="1"/>
+              <p:nvPr/>
+            </p:nvSpPr>
+            <p:spPr>
+              <a:xfrm>
+                <a:off x="-219198" y="2237174"/>
+                <a:ext cx="2577948" cy="307777"/>
+              </a:xfrm>
+              <a:prstGeom prst="rect">
+                <a:avLst/>
+              </a:prstGeom>
+              <a:noFill/>
+            </p:spPr>
+            <p:txBody>
+              <a:bodyPr wrap="square">
+                <a:spAutoFit/>
+              </a:bodyPr>
+              <a:lstStyle/>
+              <a:p>
+                <a:pPr/>
+                <a14:m>
+                  <m:oMathPara xmlns:m="http://schemas.openxmlformats.org/officeDocument/2006/math">
+                    <m:oMathParaPr>
+                      <m:jc m:val="centerGroup"/>
+                    </m:oMathParaPr>
+                    <m:oMath xmlns:m="http://schemas.openxmlformats.org/officeDocument/2006/math">
+                      <m:r>
+                        <a:rPr lang="es-MX" i="1" smtClean="0">
+                          <a:solidFill>
+                            <a:schemeClr val="tx1"/>
+                          </a:solidFill>
+                          <a:latin typeface="Cambria Math" panose="02040503050406030204" pitchFamily="18" charset="0"/>
+                          <a:ea typeface="Cambria Math" panose="02040503050406030204" pitchFamily="18" charset="0"/>
+                        </a:rPr>
+                        <m:t>𝑒𝑥</m:t>
+                      </m:r>
+                      <m:func>
+                        <m:funcPr>
+                          <m:ctrlPr>
+                            <a:rPr lang="es-MX" i="1">
+                              <a:solidFill>
+                                <a:schemeClr val="tx1"/>
+                              </a:solidFill>
+                              <a:latin typeface="Cambria Math" panose="02040503050406030204" pitchFamily="18" charset="0"/>
+                              <a:ea typeface="Cambria Math" panose="02040503050406030204" pitchFamily="18" charset="0"/>
+                            </a:rPr>
+                          </m:ctrlPr>
+                        </m:funcPr>
+                        <m:fName>
+                          <m:r>
+                            <a:rPr lang="es-MX" i="1">
+                              <a:solidFill>
+                                <a:schemeClr val="tx1"/>
+                              </a:solidFill>
+                              <a:latin typeface="Cambria Math" panose="02040503050406030204" pitchFamily="18" charset="0"/>
+                              <a:ea typeface="Cambria Math" panose="02040503050406030204" pitchFamily="18" charset="0"/>
+                            </a:rPr>
+                            <m:t>𝑝</m:t>
+                          </m:r>
+                        </m:fName>
+                        <m:e>
+                          <m:d>
+                            <m:dPr>
+                              <m:ctrlPr>
+                                <a:rPr lang="es-MX" i="1">
+                                  <a:solidFill>
+                                    <a:schemeClr val="tx1"/>
+                                  </a:solidFill>
+                                  <a:latin typeface="Cambria Math" panose="02040503050406030204" pitchFamily="18" charset="0"/>
+                                  <a:ea typeface="Cambria Math" panose="02040503050406030204" pitchFamily="18" charset="0"/>
+                                </a:rPr>
+                              </m:ctrlPr>
+                            </m:dPr>
+                            <m:e>
+                              <m:r>
+                                <a:rPr lang="es-MX" b="0" i="1" smtClean="0">
+                                  <a:solidFill>
+                                    <a:schemeClr val="tx1"/>
+                                  </a:solidFill>
+                                  <a:latin typeface="Cambria Math" panose="02040503050406030204" pitchFamily="18" charset="0"/>
+                                  <a:ea typeface="Cambria Math" panose="02040503050406030204" pitchFamily="18" charset="0"/>
+                                </a:rPr>
+                                <m:t>−0.1131289</m:t>
+                              </m:r>
+                            </m:e>
+                          </m:d>
+                        </m:e>
+                      </m:func>
+                      <m:r>
+                        <a:rPr lang="es-MX" b="0" i="1" smtClean="0">
+                          <a:solidFill>
+                            <a:schemeClr val="tx1"/>
+                          </a:solidFill>
+                          <a:latin typeface="Cambria Math" panose="02040503050406030204" pitchFamily="18" charset="0"/>
+                          <a:ea typeface="Cambria Math" panose="02040503050406030204" pitchFamily="18" charset="0"/>
+                        </a:rPr>
+                        <m:t>=0.89</m:t>
+                      </m:r>
+                    </m:oMath>
+                  </m:oMathPara>
+                </a14:m>
+                <a:endParaRPr lang="es-AR" dirty="0">
+                  <a:solidFill>
+                    <a:schemeClr val="tx1"/>
+                  </a:solidFill>
+                </a:endParaRPr>
+              </a:p>
+            </p:txBody>
+          </p:sp>
+        </mc:Choice>
+        <mc:Fallback xmlns="">
+          <p:sp>
+            <p:nvSpPr>
+              <p:cNvPr id="10" name="CuadroTexto 9">
+                <a:extLst>
+                  <a:ext uri="{FF2B5EF4-FFF2-40B4-BE49-F238E27FC236}">
+                    <a16:creationId xmlns:a16="http://schemas.microsoft.com/office/drawing/2014/main" id="{523F21F8-361F-84C2-03C6-094B9B8113A1}"/>
+                  </a:ext>
+                </a:extLst>
+              </p:cNvPr>
+              <p:cNvSpPr txBox="1">
+                <a:spLocks noRot="1" noChangeAspect="1" noMove="1" noResize="1" noEditPoints="1" noAdjustHandles="1" noChangeArrowheads="1" noChangeShapeType="1" noTextEdit="1"/>
+              </p:cNvSpPr>
+              <p:nvPr/>
+            </p:nvSpPr>
+            <p:spPr>
+              <a:xfrm>
+                <a:off x="-219198" y="2237174"/>
+                <a:ext cx="2577948" cy="307777"/>
+              </a:xfrm>
+              <a:prstGeom prst="rect">
+                <a:avLst/>
+              </a:prstGeom>
+              <a:blipFill>
+                <a:blip r:embed="rId9"/>
+                <a:stretch>
+                  <a:fillRect b="-4000"/>
+                </a:stretch>
+              </a:blipFill>
+            </p:spPr>
+            <p:txBody>
+              <a:bodyPr/>
+              <a:lstStyle/>
+              <a:p>
+                <a:r>
+                  <a:rPr lang="es-AR">
+                    <a:noFill/>
+                  </a:rPr>
+                  <a:t> </a:t>
+                </a:r>
+              </a:p>
+            </p:txBody>
+          </p:sp>
+        </mc:Fallback>
+      </mc:AlternateContent>
+      <p:cxnSp>
+        <p:nvCxnSpPr>
+          <p:cNvPr id="22" name="Conector: curvado 21">
+            <a:extLst>
+              <a:ext uri="{FF2B5EF4-FFF2-40B4-BE49-F238E27FC236}">
+                <a16:creationId xmlns:a16="http://schemas.microsoft.com/office/drawing/2014/main" id="{0448E105-C2A5-DE5B-9B12-15772C5FF1CD}"/>
+              </a:ext>
+            </a:extLst>
+          </p:cNvPr>
+          <p:cNvCxnSpPr>
+            <a:cxnSpLocks/>
+            <a:endCxn id="10" idx="0"/>
+          </p:cNvCxnSpPr>
+          <p:nvPr/>
+        </p:nvCxnSpPr>
+        <p:spPr>
+          <a:xfrm rot="10800000" flipV="1">
+            <a:off x="1069777" y="1562986"/>
+            <a:ext cx="2183787" cy="674188"/>
+          </a:xfrm>
+          <a:prstGeom prst="curvedConnector2">
+            <a:avLst/>
+          </a:prstGeom>
+          <a:ln>
+            <a:tailEnd type="triangle"/>
+          </a:ln>
+        </p:spPr>
+        <p:style>
+          <a:lnRef idx="1">
+            <a:schemeClr val="accent1"/>
+          </a:lnRef>
+          <a:fillRef idx="0">
+            <a:schemeClr val="accent1"/>
+          </a:fillRef>
+          <a:effectRef idx="0">
+            <a:schemeClr val="accent1"/>
+          </a:effectRef>
+          <a:fontRef idx="minor">
+            <a:schemeClr val="tx1"/>
+          </a:fontRef>
+        </p:style>
+      </p:cxnSp>
+      <p:cxnSp>
+        <p:nvCxnSpPr>
+          <p:cNvPr id="23" name="Conector: curvado 22">
+            <a:extLst>
+              <a:ext uri="{FF2B5EF4-FFF2-40B4-BE49-F238E27FC236}">
+                <a16:creationId xmlns:a16="http://schemas.microsoft.com/office/drawing/2014/main" id="{2CFE72EC-2DE8-2A37-98AC-041ECA221EA1}"/>
+              </a:ext>
+            </a:extLst>
+          </p:cNvPr>
+          <p:cNvCxnSpPr>
+            <a:cxnSpLocks/>
+            <a:stCxn id="10" idx="2"/>
+          </p:cNvCxnSpPr>
+          <p:nvPr/>
+        </p:nvCxnSpPr>
+        <p:spPr>
+          <a:xfrm rot="16200000" flipH="1">
+            <a:off x="1676763" y="1937964"/>
+            <a:ext cx="427674" cy="1641648"/>
+          </a:xfrm>
+          <a:prstGeom prst="curvedConnector2">
+            <a:avLst/>
+          </a:prstGeom>
+          <a:ln>
+            <a:tailEnd type="triangle"/>
+          </a:ln>
+        </p:spPr>
+        <p:style>
+          <a:lnRef idx="1">
+            <a:schemeClr val="accent1"/>
+          </a:lnRef>
+          <a:fillRef idx="0">
+            <a:schemeClr val="accent1"/>
+          </a:fillRef>
+          <a:effectRef idx="0">
+            <a:schemeClr val="accent1"/>
+          </a:effectRef>
+          <a:fontRef idx="minor">
+            <a:schemeClr val="tx1"/>
+          </a:fontRef>
+        </p:style>
+      </p:cxnSp>
     </p:spTree>
     <p:extLst>
       <p:ext uri="{BB962C8B-B14F-4D97-AF65-F5344CB8AC3E}">
@@ -32145,8 +32395,8 @@
           </p:sp>
         </mc:Fallback>
       </mc:AlternateContent>
-      <mc:AlternateContent xmlns:mc="http://schemas.openxmlformats.org/markup-compatibility/2006">
-        <mc:Choice xmlns:a14="http://schemas.microsoft.com/office/drawing/2010/main" Requires="a14">
+      <mc:AlternateContent xmlns:mc="http://schemas.openxmlformats.org/markup-compatibility/2006" xmlns:a14="http://schemas.microsoft.com/office/drawing/2010/main">
+        <mc:Choice Requires="a14">
           <p:sp>
             <p:nvSpPr>
               <p:cNvPr id="20" name="CuadroTexto 19">
@@ -32162,7 +32412,7 @@
             <p:spPr>
               <a:xfrm>
                 <a:off x="74428" y="4193631"/>
-                <a:ext cx="6507125" cy="700641"/>
+                <a:ext cx="6507125" cy="671338"/>
               </a:xfrm>
               <a:prstGeom prst="rect">
                 <a:avLst/>
@@ -32311,13 +32561,34 @@
                       </m:fPr>
                       <m:num>
                         <m:r>
-                          <m:rPr>
-                            <m:nor/>
-                          </m:rPr>
-                          <a:rPr lang="es-MX" i="1">
-                            <a:latin typeface="Proxima Nova" panose="020B0604020202020204" charset="0"/>
+                          <a:rPr lang="es-MX" b="0" i="1" smtClean="0">
+                            <a:solidFill>
+                              <a:schemeClr val="tx1"/>
+                            </a:solidFill>
+                            <a:latin typeface="Cambria Math" panose="02040503050406030204" pitchFamily="18" charset="0"/>
+                            <a:ea typeface="Cambria Math" panose="02040503050406030204" pitchFamily="18" charset="0"/>
                           </a:rPr>
-                          <m:t>oddsratio</m:t>
+                          <m:t>𝑜𝑑𝑑𝑠</m:t>
+                        </m:r>
+                        <m:r>
+                          <a:rPr lang="es-MX" b="0" i="1" smtClean="0">
+                            <a:solidFill>
+                              <a:schemeClr val="tx1"/>
+                            </a:solidFill>
+                            <a:latin typeface="Cambria Math" panose="02040503050406030204" pitchFamily="18" charset="0"/>
+                            <a:ea typeface="Cambria Math" panose="02040503050406030204" pitchFamily="18" charset="0"/>
+                          </a:rPr>
+                          <m:t> </m:t>
+                        </m:r>
+                        <m:r>
+                          <a:rPr lang="es-MX" b="0" i="1" smtClean="0">
+                            <a:solidFill>
+                              <a:schemeClr val="tx1"/>
+                            </a:solidFill>
+                            <a:latin typeface="Cambria Math" panose="02040503050406030204" pitchFamily="18" charset="0"/>
+                            <a:ea typeface="Cambria Math" panose="02040503050406030204" pitchFamily="18" charset="0"/>
+                          </a:rPr>
+                          <m:t>𝑟𝑎𝑡𝑖𝑜</m:t>
                         </m:r>
                         <m:r>
                           <a:rPr lang="es-MX" i="1">
@@ -32340,13 +32611,34 @@
                       </m:num>
                       <m:den>
                         <m:r>
-                          <m:rPr>
-                            <m:nor/>
-                          </m:rPr>
                           <a:rPr lang="es-MX" i="1">
-                            <a:latin typeface="Proxima Nova" panose="020B0604020202020204" charset="0"/>
+                            <a:solidFill>
+                              <a:schemeClr val="tx1"/>
+                            </a:solidFill>
+                            <a:latin typeface="Cambria Math" panose="02040503050406030204" pitchFamily="18" charset="0"/>
+                            <a:ea typeface="Cambria Math" panose="02040503050406030204" pitchFamily="18" charset="0"/>
                           </a:rPr>
-                          <m:t>oddsratio</m:t>
+                          <m:t>𝑜𝑑𝑑𝑠</m:t>
+                        </m:r>
+                        <m:r>
+                          <a:rPr lang="es-MX" i="1">
+                            <a:solidFill>
+                              <a:schemeClr val="tx1"/>
+                            </a:solidFill>
+                            <a:latin typeface="Cambria Math" panose="02040503050406030204" pitchFamily="18" charset="0"/>
+                            <a:ea typeface="Cambria Math" panose="02040503050406030204" pitchFamily="18" charset="0"/>
+                          </a:rPr>
+                          <m:t> </m:t>
+                        </m:r>
+                        <m:r>
+                          <a:rPr lang="es-MX" i="1">
+                            <a:solidFill>
+                              <a:schemeClr val="tx1"/>
+                            </a:solidFill>
+                            <a:latin typeface="Cambria Math" panose="02040503050406030204" pitchFamily="18" charset="0"/>
+                            <a:ea typeface="Cambria Math" panose="02040503050406030204" pitchFamily="18" charset="0"/>
+                          </a:rPr>
+                          <m:t>𝑟𝑎𝑡𝑖𝑜</m:t>
                         </m:r>
                         <m:r>
                           <a:rPr lang="es-MX" i="1">
@@ -32431,7 +32723,7 @@
             </p:txBody>
           </p:sp>
         </mc:Choice>
-        <mc:Fallback>
+        <mc:Fallback xmlns="">
           <p:sp>
             <p:nvSpPr>
               <p:cNvPr id="20" name="CuadroTexto 19">
@@ -32449,7 +32741,7 @@
             <p:spPr>
               <a:xfrm>
                 <a:off x="74428" y="4193631"/>
-                <a:ext cx="6507125" cy="700641"/>
+                <a:ext cx="6507125" cy="671338"/>
               </a:xfrm>
               <a:prstGeom prst="rect">
                 <a:avLst/>
@@ -32457,7 +32749,7 @@
               <a:blipFill>
                 <a:blip r:embed="rId6"/>
                 <a:stretch>
-                  <a:fillRect l="-281" b="-1739"/>
+                  <a:fillRect l="-281" b="-2727"/>
                 </a:stretch>
               </a:blipFill>
             </p:spPr>
@@ -33458,8 +33750,8 @@
           </a:p>
         </p:txBody>
       </p:sp>
-      <mc:AlternateContent xmlns:mc="http://schemas.openxmlformats.org/markup-compatibility/2006">
-        <mc:Choice xmlns:a14="http://schemas.microsoft.com/office/drawing/2010/main" Requires="a14">
+      <mc:AlternateContent xmlns:mc="http://schemas.openxmlformats.org/markup-compatibility/2006" xmlns:a14="http://schemas.microsoft.com/office/drawing/2010/main">
+        <mc:Choice Requires="a14">
           <p:sp>
             <p:nvSpPr>
               <p:cNvPr id="10" name="CuadroTexto 9">
@@ -33717,7 +34009,7 @@
             </p:txBody>
           </p:sp>
         </mc:Choice>
-        <mc:Fallback>
+        <mc:Fallback xmlns="">
           <p:sp>
             <p:nvSpPr>
               <p:cNvPr id="10" name="CuadroTexto 9">

--- a/clase4/teoricas_4a6.pptx
+++ b/clase4/teoricas_4a6.pptx
@@ -5,7 +5,7 @@
     <p:sldMasterId id="2147483659" r:id="rId1"/>
   </p:sldMasterIdLst>
   <p:notesMasterIdLst>
-    <p:notesMasterId r:id="rId36"/>
+    <p:notesMasterId r:id="rId41"/>
   </p:notesMasterIdLst>
   <p:sldIdLst>
     <p:sldId id="256" r:id="rId2"/>
@@ -39,23 +39,28 @@
     <p:sldId id="328" r:id="rId30"/>
     <p:sldId id="326" r:id="rId31"/>
     <p:sldId id="327" r:id="rId32"/>
-    <p:sldId id="343" r:id="rId33"/>
-    <p:sldId id="344" r:id="rId34"/>
-    <p:sldId id="345" r:id="rId35"/>
+    <p:sldId id="346" r:id="rId33"/>
+    <p:sldId id="347" r:id="rId34"/>
+    <p:sldId id="348" r:id="rId35"/>
+    <p:sldId id="349" r:id="rId36"/>
+    <p:sldId id="350" r:id="rId37"/>
+    <p:sldId id="343" r:id="rId38"/>
+    <p:sldId id="344" r:id="rId39"/>
+    <p:sldId id="345" r:id="rId40"/>
   </p:sldIdLst>
   <p:sldSz cx="9144000" cy="5143500" type="screen16x9"/>
   <p:notesSz cx="6858000" cy="9144000"/>
   <p:embeddedFontLst>
     <p:embeddedFont>
       <p:font typeface="Cambria Math" panose="02040503050406030204" pitchFamily="18" charset="0"/>
-      <p:regular r:id="rId37"/>
+      <p:regular r:id="rId42"/>
     </p:embeddedFont>
     <p:embeddedFont>
       <p:font typeface="Proxima Nova" panose="020B0604020202020204" charset="0"/>
-      <p:regular r:id="rId38"/>
-      <p:bold r:id="rId39"/>
-      <p:italic r:id="rId40"/>
-      <p:boldItalic r:id="rId41"/>
+      <p:regular r:id="rId43"/>
+      <p:bold r:id="rId44"/>
+      <p:italic r:id="rId45"/>
+      <p:boldItalic r:id="rId46"/>
     </p:embeddedFont>
   </p:embeddedFontLst>
   <p:defaultTextStyle>
@@ -3541,6 +3546,224 @@
     </p:spTree>
     <p:extLst>
       <p:ext uri="{BB962C8B-B14F-4D97-AF65-F5344CB8AC3E}">
+        <p14:creationId xmlns:p14="http://schemas.microsoft.com/office/powerpoint/2010/main" val="2086138607"/>
+      </p:ext>
+    </p:extLst>
+  </p:cSld>
+  <p:clrMapOvr>
+    <a:masterClrMapping/>
+  </p:clrMapOvr>
+</p:notes>
+</file>
+
+<file path=ppt/notesSlides/notesSlide33.xml><?xml version="1.0" encoding="utf-8"?>
+<p:notes xmlns:a="http://schemas.openxmlformats.org/drawingml/2006/main" xmlns:r="http://schemas.openxmlformats.org/officeDocument/2006/relationships" xmlns:p="http://schemas.openxmlformats.org/presentationml/2006/main" showMasterSp="0" showMasterPhAnim="0">
+  <p:cSld>
+    <p:spTree>
+      <p:nvGrpSpPr>
+        <p:cNvPr id="1" name="Shape 275"/>
+        <p:cNvGrpSpPr/>
+        <p:nvPr/>
+      </p:nvGrpSpPr>
+      <p:grpSpPr>
+        <a:xfrm>
+          <a:off x="0" y="0"/>
+          <a:ext cx="0" cy="0"/>
+          <a:chOff x="0" y="0"/>
+          <a:chExt cx="0" cy="0"/>
+        </a:xfrm>
+      </p:grpSpPr>
+      <p:sp>
+        <p:nvSpPr>
+          <p:cNvPr id="276" name="Google Shape;276;ge626d24df6_0_188:notes"/>
+          <p:cNvSpPr>
+            <a:spLocks noGrp="1" noRot="1" noChangeAspect="1"/>
+          </p:cNvSpPr>
+          <p:nvPr>
+            <p:ph type="sldImg" idx="2"/>
+          </p:nvPr>
+        </p:nvSpPr>
+        <p:spPr>
+          <a:xfrm>
+            <a:off x="381000" y="685800"/>
+            <a:ext cx="6096000" cy="3429000"/>
+          </a:xfrm>
+          <a:custGeom>
+            <a:avLst/>
+            <a:gdLst/>
+            <a:ahLst/>
+            <a:cxnLst/>
+            <a:rect l="l" t="t" r="r" b="b"/>
+            <a:pathLst>
+              <a:path w="120000" h="120000" extrusionOk="0">
+                <a:moveTo>
+                  <a:pt x="0" y="0"/>
+                </a:moveTo>
+                <a:lnTo>
+                  <a:pt x="120000" y="0"/>
+                </a:lnTo>
+                <a:lnTo>
+                  <a:pt x="120000" y="120000"/>
+                </a:lnTo>
+                <a:lnTo>
+                  <a:pt x="0" y="120000"/>
+                </a:lnTo>
+                <a:close/>
+              </a:path>
+            </a:pathLst>
+          </a:custGeom>
+        </p:spPr>
+      </p:sp>
+      <p:sp>
+        <p:nvSpPr>
+          <p:cNvPr id="277" name="Google Shape;277;ge626d24df6_0_188:notes"/>
+          <p:cNvSpPr txBox="1">
+            <a:spLocks noGrp="1"/>
+          </p:cNvSpPr>
+          <p:nvPr>
+            <p:ph type="body" idx="1"/>
+          </p:nvPr>
+        </p:nvSpPr>
+        <p:spPr>
+          <a:xfrm>
+            <a:off x="685800" y="4343400"/>
+            <a:ext cx="5486400" cy="4114800"/>
+          </a:xfrm>
+          <a:prstGeom prst="rect">
+            <a:avLst/>
+          </a:prstGeom>
+        </p:spPr>
+        <p:txBody>
+          <a:bodyPr spcFirstLastPara="1" wrap="square" lIns="91425" tIns="91425" rIns="91425" bIns="91425" anchor="t" anchorCtr="0">
+            <a:noAutofit/>
+          </a:bodyPr>
+          <a:lstStyle/>
+          <a:p>
+            <a:pPr marL="0" lvl="0" indent="0" algn="l" rtl="0">
+              <a:spcBef>
+                <a:spcPts val="0"/>
+              </a:spcBef>
+              <a:spcAft>
+                <a:spcPts val="0"/>
+              </a:spcAft>
+              <a:buNone/>
+            </a:pPr>
+            <a:endParaRPr dirty="0"/>
+          </a:p>
+        </p:txBody>
+      </p:sp>
+    </p:spTree>
+    <p:extLst>
+      <p:ext uri="{BB962C8B-B14F-4D97-AF65-F5344CB8AC3E}">
+        <p14:creationId xmlns:p14="http://schemas.microsoft.com/office/powerpoint/2010/main" val="45215753"/>
+      </p:ext>
+    </p:extLst>
+  </p:cSld>
+  <p:clrMapOvr>
+    <a:masterClrMapping/>
+  </p:clrMapOvr>
+</p:notes>
+</file>
+
+<file path=ppt/notesSlides/notesSlide34.xml><?xml version="1.0" encoding="utf-8"?>
+<p:notes xmlns:a="http://schemas.openxmlformats.org/drawingml/2006/main" xmlns:r="http://schemas.openxmlformats.org/officeDocument/2006/relationships" xmlns:p="http://schemas.openxmlformats.org/presentationml/2006/main" showMasterSp="0" showMasterPhAnim="0">
+  <p:cSld>
+    <p:spTree>
+      <p:nvGrpSpPr>
+        <p:cNvPr id="1" name="Shape 275"/>
+        <p:cNvGrpSpPr/>
+        <p:nvPr/>
+      </p:nvGrpSpPr>
+      <p:grpSpPr>
+        <a:xfrm>
+          <a:off x="0" y="0"/>
+          <a:ext cx="0" cy="0"/>
+          <a:chOff x="0" y="0"/>
+          <a:chExt cx="0" cy="0"/>
+        </a:xfrm>
+      </p:grpSpPr>
+      <p:sp>
+        <p:nvSpPr>
+          <p:cNvPr id="276" name="Google Shape;276;ge626d24df6_0_188:notes"/>
+          <p:cNvSpPr>
+            <a:spLocks noGrp="1" noRot="1" noChangeAspect="1"/>
+          </p:cNvSpPr>
+          <p:nvPr>
+            <p:ph type="sldImg" idx="2"/>
+          </p:nvPr>
+        </p:nvSpPr>
+        <p:spPr>
+          <a:xfrm>
+            <a:off x="381000" y="685800"/>
+            <a:ext cx="6096000" cy="3429000"/>
+          </a:xfrm>
+          <a:custGeom>
+            <a:avLst/>
+            <a:gdLst/>
+            <a:ahLst/>
+            <a:cxnLst/>
+            <a:rect l="l" t="t" r="r" b="b"/>
+            <a:pathLst>
+              <a:path w="120000" h="120000" extrusionOk="0">
+                <a:moveTo>
+                  <a:pt x="0" y="0"/>
+                </a:moveTo>
+                <a:lnTo>
+                  <a:pt x="120000" y="0"/>
+                </a:lnTo>
+                <a:lnTo>
+                  <a:pt x="120000" y="120000"/>
+                </a:lnTo>
+                <a:lnTo>
+                  <a:pt x="0" y="120000"/>
+                </a:lnTo>
+                <a:close/>
+              </a:path>
+            </a:pathLst>
+          </a:custGeom>
+        </p:spPr>
+      </p:sp>
+      <p:sp>
+        <p:nvSpPr>
+          <p:cNvPr id="277" name="Google Shape;277;ge626d24df6_0_188:notes"/>
+          <p:cNvSpPr txBox="1">
+            <a:spLocks noGrp="1"/>
+          </p:cNvSpPr>
+          <p:nvPr>
+            <p:ph type="body" idx="1"/>
+          </p:nvPr>
+        </p:nvSpPr>
+        <p:spPr>
+          <a:xfrm>
+            <a:off x="685800" y="4343400"/>
+            <a:ext cx="5486400" cy="4114800"/>
+          </a:xfrm>
+          <a:prstGeom prst="rect">
+            <a:avLst/>
+          </a:prstGeom>
+        </p:spPr>
+        <p:txBody>
+          <a:bodyPr spcFirstLastPara="1" wrap="square" lIns="91425" tIns="91425" rIns="91425" bIns="91425" anchor="t" anchorCtr="0">
+            <a:noAutofit/>
+          </a:bodyPr>
+          <a:lstStyle/>
+          <a:p>
+            <a:pPr marL="0" lvl="0" indent="0" algn="l" rtl="0">
+              <a:spcBef>
+                <a:spcPts val="0"/>
+              </a:spcBef>
+              <a:spcAft>
+                <a:spcPts val="0"/>
+              </a:spcAft>
+              <a:buNone/>
+            </a:pPr>
+            <a:endParaRPr dirty="0"/>
+          </a:p>
+        </p:txBody>
+      </p:sp>
+    </p:spTree>
+    <p:extLst>
+      <p:ext uri="{BB962C8B-B14F-4D97-AF65-F5344CB8AC3E}">
         <p14:creationId xmlns:p14="http://schemas.microsoft.com/office/powerpoint/2010/main" val="4181940997"/>
       </p:ext>
     </p:extLst>
@@ -3551,7 +3774,7 @@
 </p:notes>
 </file>
 
-<file path=ppt/notesSlides/notesSlide33.xml><?xml version="1.0" encoding="utf-8"?>
+<file path=ppt/notesSlides/notesSlide35.xml><?xml version="1.0" encoding="utf-8"?>
 <p:notes xmlns:a="http://schemas.openxmlformats.org/drawingml/2006/main" xmlns:r="http://schemas.openxmlformats.org/officeDocument/2006/relationships" xmlns:p="http://schemas.openxmlformats.org/presentationml/2006/main" showMasterSp="0" showMasterPhAnim="0">
   <p:cSld>
     <p:spTree>
@@ -3660,7 +3883,7 @@
 </p:notes>
 </file>
 
-<file path=ppt/notesSlides/notesSlide34.xml><?xml version="1.0" encoding="utf-8"?>
+<file path=ppt/notesSlides/notesSlide36.xml><?xml version="1.0" encoding="utf-8"?>
 <p:notes xmlns:a="http://schemas.openxmlformats.org/drawingml/2006/main" xmlns:r="http://schemas.openxmlformats.org/officeDocument/2006/relationships" xmlns:p="http://schemas.openxmlformats.org/presentationml/2006/main" showMasterSp="0" showMasterPhAnim="0">
   <p:cSld>
     <p:spTree>
@@ -4994,7 +5217,7 @@
             </a:pPr>
             <a:fld id="{00000000-1234-1234-1234-123412341234}" type="slidenum">
               <a:rPr lang="en-GB"/>
-              <a:t>‹Nº›</a:t>
+              <a:t>‹#›</a:t>
             </a:fld>
             <a:endParaRPr dirty="0"/>
           </a:p>
@@ -5398,7 +5621,7 @@
             </a:pPr>
             <a:fld id="{00000000-1234-1234-1234-123412341234}" type="slidenum">
               <a:rPr lang="en-GB"/>
-              <a:t>‹Nº›</a:t>
+              <a:t>‹#›</a:t>
             </a:fld>
             <a:endParaRPr dirty="0"/>
           </a:p>
@@ -5502,7 +5725,7 @@
             </a:pPr>
             <a:fld id="{00000000-1234-1234-1234-123412341234}" type="slidenum">
               <a:rPr lang="en-GB"/>
-              <a:t>‹Nº›</a:t>
+              <a:t>‹#›</a:t>
             </a:fld>
             <a:endParaRPr dirty="0"/>
           </a:p>
@@ -5868,7 +6091,7 @@
             </a:pPr>
             <a:fld id="{00000000-1234-1234-1234-123412341234}" type="slidenum">
               <a:rPr lang="en-GB"/>
-              <a:t>‹Nº›</a:t>
+              <a:t>‹#›</a:t>
             </a:fld>
             <a:endParaRPr dirty="0"/>
           </a:p>
@@ -6270,7 +6493,7 @@
             </a:pPr>
             <a:fld id="{00000000-1234-1234-1234-123412341234}" type="slidenum">
               <a:rPr lang="en-GB"/>
-              <a:t>‹Nº›</a:t>
+              <a:t>‹#›</a:t>
             </a:fld>
             <a:endParaRPr dirty="0"/>
           </a:p>
@@ -6761,7 +6984,7 @@
             </a:pPr>
             <a:fld id="{00000000-1234-1234-1234-123412341234}" type="slidenum">
               <a:rPr lang="en-GB"/>
-              <a:t>‹Nº›</a:t>
+              <a:t>‹#›</a:t>
             </a:fld>
             <a:endParaRPr dirty="0"/>
           </a:p>
@@ -6994,7 +7217,7 @@
             </a:pPr>
             <a:fld id="{00000000-1234-1234-1234-123412341234}" type="slidenum">
               <a:rPr lang="en-GB"/>
-              <a:t>‹Nº›</a:t>
+              <a:t>‹#›</a:t>
             </a:fld>
             <a:endParaRPr dirty="0"/>
           </a:p>
@@ -7356,7 +7579,7 @@
             </a:pPr>
             <a:fld id="{00000000-1234-1234-1234-123412341234}" type="slidenum">
               <a:rPr lang="en-GB"/>
-              <a:t>‹Nº›</a:t>
+              <a:t>‹#›</a:t>
             </a:fld>
             <a:endParaRPr dirty="0"/>
           </a:p>
@@ -7597,7 +7820,7 @@
             </a:pPr>
             <a:fld id="{00000000-1234-1234-1234-123412341234}" type="slidenum">
               <a:rPr lang="en-GB"/>
-              <a:t>‹Nº›</a:t>
+              <a:t>‹#›</a:t>
             </a:fld>
             <a:endParaRPr dirty="0"/>
           </a:p>
@@ -8280,7 +8503,7 @@
             </a:pPr>
             <a:fld id="{00000000-1234-1234-1234-123412341234}" type="slidenum">
               <a:rPr lang="en-GB"/>
-              <a:t>‹Nº›</a:t>
+              <a:t>‹#›</a:t>
             </a:fld>
             <a:endParaRPr dirty="0"/>
           </a:p>
@@ -8428,7 +8651,7 @@
             </a:pPr>
             <a:fld id="{00000000-1234-1234-1234-123412341234}" type="slidenum">
               <a:rPr lang="en-GB"/>
-              <a:t>‹Nº›</a:t>
+              <a:t>‹#›</a:t>
             </a:fld>
             <a:endParaRPr dirty="0"/>
           </a:p>
@@ -9125,7 +9348,7 @@
             </a:pPr>
             <a:fld id="{00000000-1234-1234-1234-123412341234}" type="slidenum">
               <a:rPr lang="en-GB"/>
-              <a:t>‹Nº›</a:t>
+              <a:t>‹#›</a:t>
             </a:fld>
             <a:endParaRPr dirty="0"/>
           </a:p>
@@ -16103,20 +16326,20 @@
                           <a:solidFill>
                             <a:schemeClr val="tx1"/>
                           </a:solidFill>
-                          <a:latin typeface="Proxima Nova" panose="020B0604020202020204" charset="0"/>
+                          <a:latin typeface="Cambria Math" panose="02040503050406030204" pitchFamily="18" charset="0"/>
                           <a:ea typeface="Cambria Math" panose="02040503050406030204" pitchFamily="18" charset="0"/>
                         </a:rPr>
-                        <m:t>Pr</m:t>
+                        <m:t>P</m:t>
                       </m:r>
                       <m:r>
                         <m:rPr>
                           <m:nor/>
                         </m:rPr>
-                        <a:rPr lang="en-GB" sz="1600" dirty="0">
+                        <a:rPr lang="en-US" sz="1600" b="0" i="0" smtClean="0">
                           <a:solidFill>
                             <a:schemeClr val="tx1"/>
                           </a:solidFill>
-                          <a:latin typeface="Proxima Nova" panose="020B0604020202020204" charset="0"/>
+                          <a:latin typeface="Cambria Math" panose="02040503050406030204" pitchFamily="18" charset="0"/>
                           <a:ea typeface="Cambria Math" panose="02040503050406030204" pitchFamily="18" charset="0"/>
                         </a:rPr>
                         <m:t>(</m:t>
@@ -16125,11 +16348,11 @@
                         <m:rPr>
                           <m:nor/>
                         </m:rPr>
-                        <a:rPr lang="en-GB" sz="1600" dirty="0">
+                        <a:rPr lang="en-US" sz="1600" b="0" i="0" smtClean="0">
                           <a:solidFill>
                             <a:schemeClr val="tx1"/>
                           </a:solidFill>
-                          <a:latin typeface="Proxima Nova" panose="020B0604020202020204" charset="0"/>
+                          <a:latin typeface="Cambria Math" panose="02040503050406030204" pitchFamily="18" charset="0"/>
                           <a:ea typeface="Cambria Math" panose="02040503050406030204" pitchFamily="18" charset="0"/>
                         </a:rPr>
                         <m:t>Y</m:t>
@@ -16138,24 +16361,24 @@
                         <m:rPr>
                           <m:nor/>
                         </m:rPr>
-                        <a:rPr lang="en-GB" sz="1600" dirty="0">
+                        <a:rPr lang="en-US" sz="1600" b="0" i="0" smtClean="0">
                           <a:solidFill>
                             <a:schemeClr val="tx1"/>
                           </a:solidFill>
-                          <a:latin typeface="Proxima Nova" panose="020B0604020202020204" charset="0"/>
+                          <a:latin typeface="Cambria Math" panose="02040503050406030204" pitchFamily="18" charset="0"/>
                           <a:ea typeface="Cambria Math" panose="02040503050406030204" pitchFamily="18" charset="0"/>
                         </a:rPr>
-                        <m:t> = </m:t>
+                        <m:t>=</m:t>
                       </m:r>
                       <m:r>
                         <m:rPr>
                           <m:nor/>
                         </m:rPr>
-                        <a:rPr lang="en-GB" sz="1600" dirty="0" smtClean="0">
+                        <a:rPr lang="en-US" sz="1600" b="0" i="0" smtClean="0">
                           <a:solidFill>
                             <a:schemeClr val="tx1"/>
                           </a:solidFill>
-                          <a:latin typeface="Proxima Nova" panose="020B0604020202020204" charset="0"/>
+                          <a:latin typeface="Cambria Math" panose="02040503050406030204" pitchFamily="18" charset="0"/>
                           <a:ea typeface="Cambria Math" panose="02040503050406030204" pitchFamily="18" charset="0"/>
                         </a:rPr>
                         <m:t>j</m:t>
@@ -16164,11 +16387,24 @@
                         <m:rPr>
                           <m:nor/>
                         </m:rPr>
-                        <a:rPr lang="es-MX" sz="1600" dirty="0">
+                        <a:rPr lang="en-US" sz="1600">
                           <a:solidFill>
                             <a:schemeClr val="tx1"/>
                           </a:solidFill>
-                          <a:latin typeface="Proxima Nova" panose="020B0604020202020204" charset="0"/>
+                          <a:latin typeface="Cambria Math" panose="02040503050406030204" pitchFamily="18" charset="0"/>
+                          <a:ea typeface="Cambria Math" panose="02040503050406030204" pitchFamily="18" charset="0"/>
+                        </a:rPr>
+                        <m:t>|</m:t>
+                      </m:r>
+                      <m:r>
+                        <m:rPr>
+                          <m:nor/>
+                        </m:rPr>
+                        <a:rPr lang="en-US" sz="1600" b="0" i="0" smtClean="0">
+                          <a:solidFill>
+                            <a:schemeClr val="tx1"/>
+                          </a:solidFill>
+                          <a:latin typeface="Cambria Math" panose="02040503050406030204" pitchFamily="18" charset="0"/>
                           <a:ea typeface="Cambria Math" panose="02040503050406030204" pitchFamily="18" charset="0"/>
                         </a:rPr>
                         <m:t> </m:t>
@@ -16177,37 +16413,11 @@
                         <m:rPr>
                           <m:nor/>
                         </m:rPr>
-                        <a:rPr lang="en-GB" sz="1600" dirty="0">
+                        <a:rPr lang="en-US" sz="1600" b="0" i="0" smtClean="0">
                           <a:solidFill>
                             <a:schemeClr val="tx1"/>
                           </a:solidFill>
-                          <a:latin typeface="Proxima Nova" panose="020B0604020202020204" charset="0"/>
-                          <a:ea typeface="Cambria Math" panose="02040503050406030204" pitchFamily="18" charset="0"/>
-                        </a:rPr>
-                        <m:t>|</m:t>
-                      </m:r>
-                      <m:r>
-                        <m:rPr>
-                          <m:nor/>
-                        </m:rPr>
-                        <a:rPr lang="es-MX" sz="1600" dirty="0">
-                          <a:solidFill>
-                            <a:schemeClr val="tx1"/>
-                          </a:solidFill>
-                          <a:latin typeface="Proxima Nova" panose="020B0604020202020204" charset="0"/>
-                          <a:ea typeface="Cambria Math" panose="02040503050406030204" pitchFamily="18" charset="0"/>
-                        </a:rPr>
-                        <m:t> </m:t>
-                      </m:r>
-                      <m:r>
-                        <m:rPr>
-                          <m:nor/>
-                        </m:rPr>
-                        <a:rPr lang="en-GB" sz="1600" dirty="0">
-                          <a:solidFill>
-                            <a:schemeClr val="tx1"/>
-                          </a:solidFill>
-                          <a:latin typeface="Proxima Nova" panose="020B0604020202020204" charset="0"/>
+                          <a:latin typeface="Cambria Math" panose="02040503050406030204" pitchFamily="18" charset="0"/>
                           <a:ea typeface="Cambria Math" panose="02040503050406030204" pitchFamily="18" charset="0"/>
                         </a:rPr>
                         <m:t>X</m:t>
@@ -16216,24 +16426,24 @@
                         <m:rPr>
                           <m:nor/>
                         </m:rPr>
-                        <a:rPr lang="en-GB" sz="1600" dirty="0">
+                        <a:rPr lang="en-US" sz="1600" b="0" i="0" smtClean="0">
                           <a:solidFill>
                             <a:schemeClr val="tx1"/>
                           </a:solidFill>
-                          <a:latin typeface="Proxima Nova" panose="020B0604020202020204" charset="0"/>
+                          <a:latin typeface="Cambria Math" panose="02040503050406030204" pitchFamily="18" charset="0"/>
                           <a:ea typeface="Cambria Math" panose="02040503050406030204" pitchFamily="18" charset="0"/>
                         </a:rPr>
-                        <m:t> = </m:t>
+                        <m:t>=</m:t>
                       </m:r>
                       <m:r>
                         <m:rPr>
                           <m:nor/>
                         </m:rPr>
-                        <a:rPr lang="en-GB" sz="1600" dirty="0">
+                        <a:rPr lang="en-US" sz="1600" b="0" i="0" smtClean="0">
                           <a:solidFill>
                             <a:schemeClr val="tx1"/>
                           </a:solidFill>
-                          <a:latin typeface="Proxima Nova" panose="020B0604020202020204" charset="0"/>
+                          <a:latin typeface="Cambria Math" panose="02040503050406030204" pitchFamily="18" charset="0"/>
                           <a:ea typeface="Cambria Math" panose="02040503050406030204" pitchFamily="18" charset="0"/>
                         </a:rPr>
                         <m:t>x</m:t>
@@ -16242,11 +16452,11 @@
                         <m:rPr>
                           <m:nor/>
                         </m:rPr>
-                        <a:rPr lang="en-GB" sz="1600" dirty="0">
+                        <a:rPr lang="en-US" sz="1600" b="0" i="0" smtClean="0">
                           <a:solidFill>
                             <a:schemeClr val="tx1"/>
                           </a:solidFill>
-                          <a:latin typeface="Proxima Nova" panose="020B0604020202020204" charset="0"/>
+                          <a:latin typeface="Cambria Math" panose="02040503050406030204" pitchFamily="18" charset="0"/>
                           <a:ea typeface="Cambria Math" panose="02040503050406030204" pitchFamily="18" charset="0"/>
                         </a:rPr>
                         <m:t>0)</m:t>
@@ -16485,20 +16695,20 @@
                           <a:solidFill>
                             <a:schemeClr val="tx1"/>
                           </a:solidFill>
-                          <a:latin typeface="Proxima Nova" panose="020B0604020202020204" charset="0"/>
+                          <a:latin typeface="Cambria Math" panose="02040503050406030204" pitchFamily="18" charset="0"/>
                           <a:ea typeface="Cambria Math" panose="02040503050406030204" pitchFamily="18" charset="0"/>
                         </a:rPr>
-                        <m:t>Pr</m:t>
+                        <m:t>P</m:t>
                       </m:r>
                       <m:r>
                         <m:rPr>
                           <m:nor/>
                         </m:rPr>
-                        <a:rPr lang="en-GB" sz="1600" dirty="0">
+                        <a:rPr lang="en-US" sz="1600" b="0" i="0" smtClean="0">
                           <a:solidFill>
                             <a:schemeClr val="tx1"/>
                           </a:solidFill>
-                          <a:latin typeface="Proxima Nova" panose="020B0604020202020204" charset="0"/>
+                          <a:latin typeface="Cambria Math" panose="02040503050406030204" pitchFamily="18" charset="0"/>
                           <a:ea typeface="Cambria Math" panose="02040503050406030204" pitchFamily="18" charset="0"/>
                         </a:rPr>
                         <m:t>(</m:t>
@@ -16507,11 +16717,11 @@
                         <m:rPr>
                           <m:nor/>
                         </m:rPr>
-                        <a:rPr lang="en-GB" sz="1600" dirty="0">
+                        <a:rPr lang="en-US" sz="1600" b="0" i="0" smtClean="0">
                           <a:solidFill>
                             <a:schemeClr val="tx1"/>
                           </a:solidFill>
-                          <a:latin typeface="Proxima Nova" panose="020B0604020202020204" charset="0"/>
+                          <a:latin typeface="Cambria Math" panose="02040503050406030204" pitchFamily="18" charset="0"/>
                           <a:ea typeface="Cambria Math" panose="02040503050406030204" pitchFamily="18" charset="0"/>
                         </a:rPr>
                         <m:t>Y</m:t>
@@ -16520,63 +16730,76 @@
                         <m:rPr>
                           <m:nor/>
                         </m:rPr>
-                        <a:rPr lang="en-GB" sz="1600" dirty="0">
+                        <a:rPr lang="en-US" sz="1600" b="0" i="0" smtClean="0">
                           <a:solidFill>
                             <a:schemeClr val="tx1"/>
                           </a:solidFill>
-                          <a:latin typeface="Proxima Nova" panose="020B0604020202020204" charset="0"/>
+                          <a:latin typeface="Cambria Math" panose="02040503050406030204" pitchFamily="18" charset="0"/>
                           <a:ea typeface="Cambria Math" panose="02040503050406030204" pitchFamily="18" charset="0"/>
                         </a:rPr>
-                        <m:t> =</m:t>
+                        <m:t> = </m:t>
                       </m:r>
                       <m:r>
                         <m:rPr>
                           <m:nor/>
                         </m:rPr>
-                        <a:rPr lang="es-AR" sz="1600" b="0" i="0" dirty="0" smtClean="0">
+                        <a:rPr lang="en-US" sz="1600" b="0" i="0" smtClean="0">
                           <a:solidFill>
                             <a:schemeClr val="tx1"/>
                           </a:solidFill>
-                          <a:latin typeface="Proxima Nova" panose="020B0604020202020204" charset="0"/>
+                          <a:latin typeface="Cambria Math" panose="02040503050406030204" pitchFamily="18" charset="0"/>
                           <a:ea typeface="Cambria Math" panose="02040503050406030204" pitchFamily="18" charset="0"/>
                         </a:rPr>
-                        <m:t>azul</m:t>
+                        <m:t>az</m:t>
                       </m:r>
                       <m:r>
                         <m:rPr>
                           <m:nor/>
                         </m:rPr>
-                        <a:rPr lang="es-AR" sz="1600" b="0" i="0" dirty="0" smtClean="0">
+                        <a:rPr lang="en-US" sz="1600" b="0" i="0" smtClean="0">
                           <a:solidFill>
                             <a:schemeClr val="tx1"/>
                           </a:solidFill>
-                          <a:latin typeface="Proxima Nova" panose="020B0604020202020204" charset="0"/>
+                          <a:latin typeface="Cambria Math" panose="02040503050406030204" pitchFamily="18" charset="0"/>
                           <a:ea typeface="Cambria Math" panose="02040503050406030204" pitchFamily="18" charset="0"/>
                         </a:rPr>
-                        <m:t> |</m:t>
+                        <m:t>ú</m:t>
                       </m:r>
                       <m:r>
                         <m:rPr>
                           <m:nor/>
                         </m:rPr>
-                        <a:rPr lang="es-MX" sz="1600" dirty="0">
+                        <a:rPr lang="en-US" sz="1600" b="0" i="0" smtClean="0">
                           <a:solidFill>
                             <a:schemeClr val="tx1"/>
                           </a:solidFill>
-                          <a:latin typeface="Proxima Nova" panose="020B0604020202020204" charset="0"/>
+                          <a:latin typeface="Cambria Math" panose="02040503050406030204" pitchFamily="18" charset="0"/>
                           <a:ea typeface="Cambria Math" panose="02040503050406030204" pitchFamily="18" charset="0"/>
                         </a:rPr>
-                        <m:t> </m:t>
+                        <m:t>l</m:t>
                       </m:r>
                       <m:r>
                         <m:rPr>
                           <m:nor/>
                         </m:rPr>
-                        <a:rPr lang="en-GB" sz="1600" dirty="0">
+                        <a:rPr lang="en-US" sz="1600" b="0" i="0" smtClean="0">
                           <a:solidFill>
                             <a:schemeClr val="tx1"/>
                           </a:solidFill>
-                          <a:latin typeface="Proxima Nova" panose="020B0604020202020204" charset="0"/>
+                          <a:latin typeface="Cambria Math" panose="02040503050406030204" pitchFamily="18" charset="0"/>
+                          <a:ea typeface="Cambria Math" panose="02040503050406030204" pitchFamily="18" charset="0"/>
+                        </a:rPr>
+                        <m:t> | </m:t>
+                      </m:r>
+                      <m:r>
+                        <m:rPr>
+                          <m:nor/>
+                        </m:rPr>
+                        <a:rPr lang="en-US" sz="1600" b="0" i="0" smtClean="0">
+                          <a:solidFill>
+                            <a:schemeClr val="tx1"/>
+                          </a:solidFill>
+                          <a:latin typeface="Cambria Math" panose="02040503050406030204" pitchFamily="18" charset="0"/>
                           <a:ea typeface="Cambria Math" panose="02040503050406030204" pitchFamily="18" charset="0"/>
                         </a:rPr>
                         <m:t>X</m:t>
@@ -16585,24 +16808,24 @@
                         <m:rPr>
                           <m:nor/>
                         </m:rPr>
-                        <a:rPr lang="en-GB" sz="1600" dirty="0">
+                        <a:rPr lang="en-US" sz="1600" b="0" i="0" smtClean="0">
                           <a:solidFill>
                             <a:schemeClr val="tx1"/>
                           </a:solidFill>
-                          <a:latin typeface="Proxima Nova" panose="020B0604020202020204" charset="0"/>
+                          <a:latin typeface="Cambria Math" panose="02040503050406030204" pitchFamily="18" charset="0"/>
                           <a:ea typeface="Cambria Math" panose="02040503050406030204" pitchFamily="18" charset="0"/>
                         </a:rPr>
-                        <m:t> = </m:t>
+                        <m:t>=</m:t>
                       </m:r>
                       <m:r>
                         <m:rPr>
                           <m:nor/>
                         </m:rPr>
-                        <a:rPr lang="en-GB" sz="1600" dirty="0">
+                        <a:rPr lang="en-US" sz="1600" b="0" i="0" smtClean="0">
                           <a:solidFill>
                             <a:schemeClr val="tx1"/>
                           </a:solidFill>
-                          <a:latin typeface="Proxima Nova" panose="020B0604020202020204" charset="0"/>
+                          <a:latin typeface="Cambria Math" panose="02040503050406030204" pitchFamily="18" charset="0"/>
                           <a:ea typeface="Cambria Math" panose="02040503050406030204" pitchFamily="18" charset="0"/>
                         </a:rPr>
                         <m:t>x</m:t>
@@ -16611,11 +16834,11 @@
                         <m:rPr>
                           <m:nor/>
                         </m:rPr>
-                        <a:rPr lang="en-GB" sz="1600" dirty="0">
+                        <a:rPr lang="en-US" sz="1600" b="0" i="0" smtClean="0">
                           <a:solidFill>
                             <a:schemeClr val="tx1"/>
                           </a:solidFill>
-                          <a:latin typeface="Proxima Nova" panose="020B0604020202020204" charset="0"/>
+                          <a:latin typeface="Cambria Math" panose="02040503050406030204" pitchFamily="18" charset="0"/>
                           <a:ea typeface="Cambria Math" panose="02040503050406030204" pitchFamily="18" charset="0"/>
                         </a:rPr>
                         <m:t>0)</m:t>
@@ -16820,7 +17043,7 @@
               <a:lstStyle/>
               <a:p>
                 <a:r>
-                  <a:rPr lang="es-AR">
+                  <a:rPr lang="en-US">
                     <a:noFill/>
                   </a:rPr>
                   <a:t> </a:t>
@@ -25057,6 +25280,1881 @@
               <a:buNone/>
             </a:pPr>
             <a:r>
+              <a:rPr lang="en-GB" dirty="0">
+                <a:latin typeface="Prima Nova"/>
+              </a:rPr>
+              <a:t>IX. </a:t>
+            </a:r>
+            <a:r>
+              <a:rPr lang="en-GB" dirty="0" err="1">
+                <a:latin typeface="Prima Nova"/>
+              </a:rPr>
+              <a:t>Ajuste</a:t>
+            </a:r>
+            <a:r>
+              <a:rPr lang="en-GB" dirty="0">
+                <a:latin typeface="Prima Nova"/>
+              </a:rPr>
+              <a:t> de hiperparámetros</a:t>
+            </a:r>
+            <a:endParaRPr dirty="0">
+              <a:latin typeface="Prima Nova"/>
+            </a:endParaRPr>
+          </a:p>
+        </p:txBody>
+      </p:sp>
+    </p:spTree>
+    <p:extLst>
+      <p:ext uri="{BB962C8B-B14F-4D97-AF65-F5344CB8AC3E}">
+        <p14:creationId xmlns:p14="http://schemas.microsoft.com/office/powerpoint/2010/main" val="622029009"/>
+      </p:ext>
+    </p:extLst>
+  </p:cSld>
+  <p:clrMapOvr>
+    <a:masterClrMapping/>
+  </p:clrMapOvr>
+</p:sld>
+</file>
+
+<file path=ppt/slides/slide33.xml><?xml version="1.0" encoding="utf-8"?>
+<p:sld xmlns:a="http://schemas.openxmlformats.org/drawingml/2006/main" xmlns:r="http://schemas.openxmlformats.org/officeDocument/2006/relationships" xmlns:p="http://schemas.openxmlformats.org/presentationml/2006/main">
+  <p:cSld>
+    <p:spTree>
+      <p:nvGrpSpPr>
+        <p:cNvPr id="1" name=""/>
+        <p:cNvGrpSpPr/>
+        <p:nvPr/>
+      </p:nvGrpSpPr>
+      <p:grpSpPr>
+        <a:xfrm>
+          <a:off x="0" y="0"/>
+          <a:ext cx="0" cy="0"/>
+          <a:chOff x="0" y="0"/>
+          <a:chExt cx="0" cy="0"/>
+        </a:xfrm>
+      </p:grpSpPr>
+      <p:sp>
+        <p:nvSpPr>
+          <p:cNvPr id="3" name="Rectangle 2">
+            <a:extLst>
+              <a:ext uri="{FF2B5EF4-FFF2-40B4-BE49-F238E27FC236}">
+                <a16:creationId xmlns:a16="http://schemas.microsoft.com/office/drawing/2014/main" id="{61AE8CA3-1474-0462-4FB3-AC44789AB93E}"/>
+              </a:ext>
+            </a:extLst>
+          </p:cNvPr>
+          <p:cNvSpPr/>
+          <p:nvPr/>
+        </p:nvSpPr>
+        <p:spPr>
+          <a:xfrm>
+            <a:off x="685800" y="1303020"/>
+            <a:ext cx="1821180" cy="632460"/>
+          </a:xfrm>
+          <a:prstGeom prst="rect">
+            <a:avLst/>
+          </a:prstGeom>
+        </p:spPr>
+        <p:style>
+          <a:lnRef idx="2">
+            <a:schemeClr val="accent1">
+              <a:shade val="15000"/>
+            </a:schemeClr>
+          </a:lnRef>
+          <a:fillRef idx="1">
+            <a:schemeClr val="accent1"/>
+          </a:fillRef>
+          <a:effectRef idx="0">
+            <a:schemeClr val="accent1"/>
+          </a:effectRef>
+          <a:fontRef idx="minor">
+            <a:schemeClr val="lt1"/>
+          </a:fontRef>
+        </p:style>
+        <p:txBody>
+          <a:bodyPr rtlCol="0" anchor="ctr"/>
+          <a:lstStyle/>
+          <a:p>
+            <a:pPr algn="ctr"/>
+            <a:r>
+              <a:rPr lang="en-US" dirty="0" err="1"/>
+              <a:t>Especificación</a:t>
+            </a:r>
+            <a:r>
+              <a:rPr lang="en-US" dirty="0"/>
+              <a:t> de un </a:t>
+            </a:r>
+            <a:r>
+              <a:rPr lang="en-US" dirty="0" err="1"/>
+              <a:t>modelo</a:t>
+            </a:r>
+            <a:endParaRPr lang="en-US" dirty="0"/>
+          </a:p>
+        </p:txBody>
+      </p:sp>
+      <p:sp>
+        <p:nvSpPr>
+          <p:cNvPr id="4" name="Rectangle 3">
+            <a:extLst>
+              <a:ext uri="{FF2B5EF4-FFF2-40B4-BE49-F238E27FC236}">
+                <a16:creationId xmlns:a16="http://schemas.microsoft.com/office/drawing/2014/main" id="{34B14F17-07BB-AA6F-5524-B2FD099C5A92}"/>
+              </a:ext>
+            </a:extLst>
+          </p:cNvPr>
+          <p:cNvSpPr/>
+          <p:nvPr/>
+        </p:nvSpPr>
+        <p:spPr>
+          <a:xfrm>
+            <a:off x="685800" y="2255520"/>
+            <a:ext cx="1821180" cy="632460"/>
+          </a:xfrm>
+          <a:prstGeom prst="rect">
+            <a:avLst/>
+          </a:prstGeom>
+          <a:solidFill>
+            <a:schemeClr val="bg1">
+              <a:lumMod val="95000"/>
+            </a:schemeClr>
+          </a:solidFill>
+          <a:effectLst/>
+        </p:spPr>
+        <p:style>
+          <a:lnRef idx="1">
+            <a:schemeClr val="accent4"/>
+          </a:lnRef>
+          <a:fillRef idx="2">
+            <a:schemeClr val="accent4"/>
+          </a:fillRef>
+          <a:effectRef idx="1">
+            <a:schemeClr val="accent4"/>
+          </a:effectRef>
+          <a:fontRef idx="minor">
+            <a:schemeClr val="dk1"/>
+          </a:fontRef>
+        </p:style>
+        <p:txBody>
+          <a:bodyPr rtlCol="0" anchor="ctr"/>
+          <a:lstStyle/>
+          <a:p>
+            <a:pPr algn="ctr"/>
+            <a:r>
+              <a:rPr lang="en-US" dirty="0"/>
+              <a:t>KNN (K=5)</a:t>
+            </a:r>
+          </a:p>
+        </p:txBody>
+      </p:sp>
+      <p:sp>
+        <p:nvSpPr>
+          <p:cNvPr id="5" name="Rectangle 4">
+            <a:extLst>
+              <a:ext uri="{FF2B5EF4-FFF2-40B4-BE49-F238E27FC236}">
+                <a16:creationId xmlns:a16="http://schemas.microsoft.com/office/drawing/2014/main" id="{7A10AD5C-676C-BBAD-3523-18F60EE7B3B3}"/>
+              </a:ext>
+            </a:extLst>
+          </p:cNvPr>
+          <p:cNvSpPr/>
+          <p:nvPr/>
+        </p:nvSpPr>
+        <p:spPr>
+          <a:xfrm>
+            <a:off x="685800" y="3040380"/>
+            <a:ext cx="1821180" cy="632460"/>
+          </a:xfrm>
+          <a:prstGeom prst="rect">
+            <a:avLst/>
+          </a:prstGeom>
+          <a:solidFill>
+            <a:schemeClr val="bg1">
+              <a:lumMod val="95000"/>
+            </a:schemeClr>
+          </a:solidFill>
+          <a:effectLst/>
+        </p:spPr>
+        <p:style>
+          <a:lnRef idx="1">
+            <a:schemeClr val="accent4"/>
+          </a:lnRef>
+          <a:fillRef idx="2">
+            <a:schemeClr val="accent4"/>
+          </a:fillRef>
+          <a:effectRef idx="1">
+            <a:schemeClr val="accent4"/>
+          </a:effectRef>
+          <a:fontRef idx="minor">
+            <a:schemeClr val="dk1"/>
+          </a:fontRef>
+        </p:style>
+        <p:txBody>
+          <a:bodyPr rtlCol="0" anchor="ctr"/>
+          <a:lstStyle/>
+          <a:p>
+            <a:pPr algn="ctr"/>
+            <a:r>
+              <a:rPr lang="en-US" dirty="0"/>
+              <a:t>KNN (K=10)</a:t>
+            </a:r>
+          </a:p>
+        </p:txBody>
+      </p:sp>
+      <p:sp>
+        <p:nvSpPr>
+          <p:cNvPr id="7" name="Rectangle 6">
+            <a:extLst>
+              <a:ext uri="{FF2B5EF4-FFF2-40B4-BE49-F238E27FC236}">
+                <a16:creationId xmlns:a16="http://schemas.microsoft.com/office/drawing/2014/main" id="{E4FAAD43-94FA-E4AE-4734-170A361BE091}"/>
+              </a:ext>
+            </a:extLst>
+          </p:cNvPr>
+          <p:cNvSpPr/>
+          <p:nvPr/>
+        </p:nvSpPr>
+        <p:spPr>
+          <a:xfrm>
+            <a:off x="3661410" y="1303020"/>
+            <a:ext cx="1821180" cy="632460"/>
+          </a:xfrm>
+          <a:prstGeom prst="rect">
+            <a:avLst/>
+          </a:prstGeom>
+        </p:spPr>
+        <p:style>
+          <a:lnRef idx="2">
+            <a:schemeClr val="accent1">
+              <a:shade val="15000"/>
+            </a:schemeClr>
+          </a:lnRef>
+          <a:fillRef idx="1">
+            <a:schemeClr val="accent1"/>
+          </a:fillRef>
+          <a:effectRef idx="0">
+            <a:schemeClr val="accent1"/>
+          </a:effectRef>
+          <a:fontRef idx="minor">
+            <a:schemeClr val="lt1"/>
+          </a:fontRef>
+        </p:style>
+        <p:txBody>
+          <a:bodyPr rtlCol="0" anchor="ctr"/>
+          <a:lstStyle/>
+          <a:p>
+            <a:pPr algn="ctr"/>
+            <a:r>
+              <a:rPr lang="en-US" dirty="0" err="1"/>
+              <a:t>Ajuste</a:t>
+            </a:r>
+            <a:endParaRPr lang="en-US" dirty="0"/>
+          </a:p>
+        </p:txBody>
+      </p:sp>
+      <p:sp>
+        <p:nvSpPr>
+          <p:cNvPr id="8" name="Rectangle 7">
+            <a:extLst>
+              <a:ext uri="{FF2B5EF4-FFF2-40B4-BE49-F238E27FC236}">
+                <a16:creationId xmlns:a16="http://schemas.microsoft.com/office/drawing/2014/main" id="{672D0A29-E8DC-1752-41B9-EA961B718C24}"/>
+              </a:ext>
+            </a:extLst>
+          </p:cNvPr>
+          <p:cNvSpPr/>
+          <p:nvPr/>
+        </p:nvSpPr>
+        <p:spPr>
+          <a:xfrm>
+            <a:off x="3661410" y="2251710"/>
+            <a:ext cx="1821180" cy="632460"/>
+          </a:xfrm>
+          <a:prstGeom prst="rect">
+            <a:avLst/>
+          </a:prstGeom>
+          <a:solidFill>
+            <a:schemeClr val="bg1">
+              <a:lumMod val="95000"/>
+            </a:schemeClr>
+          </a:solidFill>
+          <a:effectLst/>
+        </p:spPr>
+        <p:style>
+          <a:lnRef idx="1">
+            <a:schemeClr val="accent4"/>
+          </a:lnRef>
+          <a:fillRef idx="2">
+            <a:schemeClr val="accent4"/>
+          </a:fillRef>
+          <a:effectRef idx="1">
+            <a:schemeClr val="accent4"/>
+          </a:effectRef>
+          <a:fontRef idx="minor">
+            <a:schemeClr val="dk1"/>
+          </a:fontRef>
+        </p:style>
+        <p:txBody>
+          <a:bodyPr rtlCol="0" anchor="ctr"/>
+          <a:lstStyle/>
+          <a:p>
+            <a:pPr algn="ctr"/>
+            <a:r>
+              <a:rPr lang="en-US" dirty="0">
+                <a:sym typeface="Wingdings" panose="05000000000000000000" pitchFamily="2" charset="2"/>
+              </a:rPr>
+              <a:t>Accuracy = 0.8</a:t>
+            </a:r>
+            <a:endParaRPr lang="en-US" dirty="0"/>
+          </a:p>
+        </p:txBody>
+      </p:sp>
+      <p:sp>
+        <p:nvSpPr>
+          <p:cNvPr id="9" name="Rectangle 8">
+            <a:extLst>
+              <a:ext uri="{FF2B5EF4-FFF2-40B4-BE49-F238E27FC236}">
+                <a16:creationId xmlns:a16="http://schemas.microsoft.com/office/drawing/2014/main" id="{8B7BF6FA-FDA2-3C0F-76BD-F24C9A8E21B1}"/>
+              </a:ext>
+            </a:extLst>
+          </p:cNvPr>
+          <p:cNvSpPr/>
+          <p:nvPr/>
+        </p:nvSpPr>
+        <p:spPr>
+          <a:xfrm>
+            <a:off x="3661410" y="3040380"/>
+            <a:ext cx="1821180" cy="632460"/>
+          </a:xfrm>
+          <a:prstGeom prst="rect">
+            <a:avLst/>
+          </a:prstGeom>
+          <a:solidFill>
+            <a:schemeClr val="bg1">
+              <a:lumMod val="95000"/>
+            </a:schemeClr>
+          </a:solidFill>
+          <a:effectLst/>
+        </p:spPr>
+        <p:style>
+          <a:lnRef idx="1">
+            <a:schemeClr val="accent4"/>
+          </a:lnRef>
+          <a:fillRef idx="2">
+            <a:schemeClr val="accent4"/>
+          </a:fillRef>
+          <a:effectRef idx="1">
+            <a:schemeClr val="accent4"/>
+          </a:effectRef>
+          <a:fontRef idx="minor">
+            <a:schemeClr val="dk1"/>
+          </a:fontRef>
+        </p:style>
+        <p:txBody>
+          <a:bodyPr rtlCol="0" anchor="ctr"/>
+          <a:lstStyle/>
+          <a:p>
+            <a:pPr algn="ctr"/>
+            <a:r>
+              <a:rPr lang="en-US" dirty="0">
+                <a:sym typeface="Wingdings" panose="05000000000000000000" pitchFamily="2" charset="2"/>
+              </a:rPr>
+              <a:t>Accuracy = 0.9</a:t>
+            </a:r>
+            <a:endParaRPr lang="en-US" dirty="0"/>
+          </a:p>
+        </p:txBody>
+      </p:sp>
+      <p:sp>
+        <p:nvSpPr>
+          <p:cNvPr id="10" name="Rectangle 9">
+            <a:extLst>
+              <a:ext uri="{FF2B5EF4-FFF2-40B4-BE49-F238E27FC236}">
+                <a16:creationId xmlns:a16="http://schemas.microsoft.com/office/drawing/2014/main" id="{FCB9453F-EEBB-1C9D-8568-FBC44E885790}"/>
+              </a:ext>
+            </a:extLst>
+          </p:cNvPr>
+          <p:cNvSpPr/>
+          <p:nvPr/>
+        </p:nvSpPr>
+        <p:spPr>
+          <a:xfrm>
+            <a:off x="6637020" y="1303020"/>
+            <a:ext cx="1821180" cy="632460"/>
+          </a:xfrm>
+          <a:prstGeom prst="rect">
+            <a:avLst/>
+          </a:prstGeom>
+        </p:spPr>
+        <p:style>
+          <a:lnRef idx="2">
+            <a:schemeClr val="accent1">
+              <a:shade val="15000"/>
+            </a:schemeClr>
+          </a:lnRef>
+          <a:fillRef idx="1">
+            <a:schemeClr val="accent1"/>
+          </a:fillRef>
+          <a:effectRef idx="0">
+            <a:schemeClr val="accent1"/>
+          </a:effectRef>
+          <a:fontRef idx="minor">
+            <a:schemeClr val="lt1"/>
+          </a:fontRef>
+        </p:style>
+        <p:txBody>
+          <a:bodyPr rtlCol="0" anchor="ctr"/>
+          <a:lstStyle/>
+          <a:p>
+            <a:pPr algn="ctr"/>
+            <a:r>
+              <a:rPr lang="en-US" dirty="0" err="1"/>
+              <a:t>Selección</a:t>
+            </a:r>
+            <a:r>
+              <a:rPr lang="en-US" dirty="0"/>
+              <a:t> del </a:t>
+            </a:r>
+            <a:r>
+              <a:rPr lang="en-US" dirty="0" err="1"/>
+              <a:t>mejor</a:t>
+            </a:r>
+            <a:r>
+              <a:rPr lang="en-US" dirty="0"/>
+              <a:t> </a:t>
+            </a:r>
+            <a:r>
+              <a:rPr lang="en-US" dirty="0" err="1"/>
+              <a:t>modelo</a:t>
+            </a:r>
+            <a:endParaRPr lang="en-US" dirty="0"/>
+          </a:p>
+        </p:txBody>
+      </p:sp>
+      <p:sp>
+        <p:nvSpPr>
+          <p:cNvPr id="11" name="Rectangle 10">
+            <a:extLst>
+              <a:ext uri="{FF2B5EF4-FFF2-40B4-BE49-F238E27FC236}">
+                <a16:creationId xmlns:a16="http://schemas.microsoft.com/office/drawing/2014/main" id="{02A53AE6-C40D-62B1-55FC-BD9FE32EE8F5}"/>
+              </a:ext>
+            </a:extLst>
+          </p:cNvPr>
+          <p:cNvSpPr/>
+          <p:nvPr/>
+        </p:nvSpPr>
+        <p:spPr>
+          <a:xfrm>
+            <a:off x="6637020" y="2537460"/>
+            <a:ext cx="1821180" cy="632460"/>
+          </a:xfrm>
+          <a:prstGeom prst="rect">
+            <a:avLst/>
+          </a:prstGeom>
+          <a:solidFill>
+            <a:schemeClr val="bg1">
+              <a:lumMod val="95000"/>
+            </a:schemeClr>
+          </a:solidFill>
+          <a:effectLst/>
+        </p:spPr>
+        <p:style>
+          <a:lnRef idx="1">
+            <a:schemeClr val="accent4"/>
+          </a:lnRef>
+          <a:fillRef idx="2">
+            <a:schemeClr val="accent4"/>
+          </a:fillRef>
+          <a:effectRef idx="1">
+            <a:schemeClr val="accent4"/>
+          </a:effectRef>
+          <a:fontRef idx="minor">
+            <a:schemeClr val="dk1"/>
+          </a:fontRef>
+        </p:style>
+        <p:txBody>
+          <a:bodyPr rtlCol="0" anchor="ctr"/>
+          <a:lstStyle/>
+          <a:p>
+            <a:pPr algn="ctr"/>
+            <a:r>
+              <a:rPr lang="en-US" dirty="0"/>
+              <a:t>KNN (K=10)</a:t>
+            </a:r>
+          </a:p>
+        </p:txBody>
+      </p:sp>
+      <p:cxnSp>
+        <p:nvCxnSpPr>
+          <p:cNvPr id="13" name="Straight Arrow Connector 12">
+            <a:extLst>
+              <a:ext uri="{FF2B5EF4-FFF2-40B4-BE49-F238E27FC236}">
+                <a16:creationId xmlns:a16="http://schemas.microsoft.com/office/drawing/2014/main" id="{28CF6857-5E66-198F-A643-B8390782D400}"/>
+              </a:ext>
+            </a:extLst>
+          </p:cNvPr>
+          <p:cNvCxnSpPr>
+            <a:stCxn id="4" idx="3"/>
+            <a:endCxn id="8" idx="1"/>
+          </p:cNvCxnSpPr>
+          <p:nvPr/>
+        </p:nvCxnSpPr>
+        <p:spPr>
+          <a:xfrm flipV="1">
+            <a:off x="2506980" y="2567940"/>
+            <a:ext cx="1154430" cy="3810"/>
+          </a:xfrm>
+          <a:prstGeom prst="straightConnector1">
+            <a:avLst/>
+          </a:prstGeom>
+          <a:ln>
+            <a:tailEnd type="triangle"/>
+          </a:ln>
+          <a:effectLst/>
+        </p:spPr>
+        <p:style>
+          <a:lnRef idx="1">
+            <a:schemeClr val="accent4"/>
+          </a:lnRef>
+          <a:fillRef idx="2">
+            <a:schemeClr val="accent4"/>
+          </a:fillRef>
+          <a:effectRef idx="1">
+            <a:schemeClr val="accent4"/>
+          </a:effectRef>
+          <a:fontRef idx="minor">
+            <a:schemeClr val="dk1"/>
+          </a:fontRef>
+        </p:style>
+      </p:cxnSp>
+      <p:cxnSp>
+        <p:nvCxnSpPr>
+          <p:cNvPr id="14" name="Straight Arrow Connector 13">
+            <a:extLst>
+              <a:ext uri="{FF2B5EF4-FFF2-40B4-BE49-F238E27FC236}">
+                <a16:creationId xmlns:a16="http://schemas.microsoft.com/office/drawing/2014/main" id="{8C10F9C9-AB71-E146-9956-8504BFB348AB}"/>
+              </a:ext>
+            </a:extLst>
+          </p:cNvPr>
+          <p:cNvCxnSpPr>
+            <a:cxnSpLocks/>
+            <a:stCxn id="5" idx="3"/>
+            <a:endCxn id="9" idx="1"/>
+          </p:cNvCxnSpPr>
+          <p:nvPr/>
+        </p:nvCxnSpPr>
+        <p:spPr>
+          <a:xfrm>
+            <a:off x="2506980" y="3356610"/>
+            <a:ext cx="1154430" cy="0"/>
+          </a:xfrm>
+          <a:prstGeom prst="straightConnector1">
+            <a:avLst/>
+          </a:prstGeom>
+          <a:ln>
+            <a:tailEnd type="triangle"/>
+          </a:ln>
+          <a:effectLst/>
+        </p:spPr>
+        <p:style>
+          <a:lnRef idx="1">
+            <a:schemeClr val="accent4"/>
+          </a:lnRef>
+          <a:fillRef idx="2">
+            <a:schemeClr val="accent4"/>
+          </a:fillRef>
+          <a:effectRef idx="1">
+            <a:schemeClr val="accent4"/>
+          </a:effectRef>
+          <a:fontRef idx="minor">
+            <a:schemeClr val="dk1"/>
+          </a:fontRef>
+        </p:style>
+      </p:cxnSp>
+      <p:cxnSp>
+        <p:nvCxnSpPr>
+          <p:cNvPr id="18" name="Straight Arrow Connector 17">
+            <a:extLst>
+              <a:ext uri="{FF2B5EF4-FFF2-40B4-BE49-F238E27FC236}">
+                <a16:creationId xmlns:a16="http://schemas.microsoft.com/office/drawing/2014/main" id="{1F64F16E-4301-7EB5-E23D-D05874EB91AF}"/>
+              </a:ext>
+            </a:extLst>
+          </p:cNvPr>
+          <p:cNvCxnSpPr>
+            <a:cxnSpLocks/>
+            <a:stCxn id="8" idx="3"/>
+            <a:endCxn id="11" idx="1"/>
+          </p:cNvCxnSpPr>
+          <p:nvPr/>
+        </p:nvCxnSpPr>
+        <p:spPr>
+          <a:xfrm>
+            <a:off x="5482590" y="2567940"/>
+            <a:ext cx="1154430" cy="285750"/>
+          </a:xfrm>
+          <a:prstGeom prst="straightConnector1">
+            <a:avLst/>
+          </a:prstGeom>
+          <a:ln>
+            <a:tailEnd type="triangle"/>
+          </a:ln>
+          <a:effectLst/>
+        </p:spPr>
+        <p:style>
+          <a:lnRef idx="1">
+            <a:schemeClr val="accent4"/>
+          </a:lnRef>
+          <a:fillRef idx="2">
+            <a:schemeClr val="accent4"/>
+          </a:fillRef>
+          <a:effectRef idx="1">
+            <a:schemeClr val="accent4"/>
+          </a:effectRef>
+          <a:fontRef idx="minor">
+            <a:schemeClr val="dk1"/>
+          </a:fontRef>
+        </p:style>
+      </p:cxnSp>
+      <p:cxnSp>
+        <p:nvCxnSpPr>
+          <p:cNvPr id="21" name="Straight Arrow Connector 20">
+            <a:extLst>
+              <a:ext uri="{FF2B5EF4-FFF2-40B4-BE49-F238E27FC236}">
+                <a16:creationId xmlns:a16="http://schemas.microsoft.com/office/drawing/2014/main" id="{1163661D-55C1-0277-4CF9-851D147719FF}"/>
+              </a:ext>
+            </a:extLst>
+          </p:cNvPr>
+          <p:cNvCxnSpPr>
+            <a:cxnSpLocks/>
+            <a:stCxn id="9" idx="3"/>
+            <a:endCxn id="11" idx="1"/>
+          </p:cNvCxnSpPr>
+          <p:nvPr/>
+        </p:nvCxnSpPr>
+        <p:spPr>
+          <a:xfrm flipV="1">
+            <a:off x="5482590" y="2853690"/>
+            <a:ext cx="1154430" cy="502920"/>
+          </a:xfrm>
+          <a:prstGeom prst="straightConnector1">
+            <a:avLst/>
+          </a:prstGeom>
+          <a:ln>
+            <a:tailEnd type="triangle"/>
+          </a:ln>
+          <a:effectLst/>
+        </p:spPr>
+        <p:style>
+          <a:lnRef idx="1">
+            <a:schemeClr val="accent4"/>
+          </a:lnRef>
+          <a:fillRef idx="2">
+            <a:schemeClr val="accent4"/>
+          </a:fillRef>
+          <a:effectRef idx="1">
+            <a:schemeClr val="accent4"/>
+          </a:effectRef>
+          <a:fontRef idx="minor">
+            <a:schemeClr val="dk1"/>
+          </a:fontRef>
+        </p:style>
+      </p:cxnSp>
+      <p:sp>
+        <p:nvSpPr>
+          <p:cNvPr id="24" name="Arrow: Right 23">
+            <a:extLst>
+              <a:ext uri="{FF2B5EF4-FFF2-40B4-BE49-F238E27FC236}">
+                <a16:creationId xmlns:a16="http://schemas.microsoft.com/office/drawing/2014/main" id="{8E4EA514-5AA1-7FA8-DB45-8686653512A0}"/>
+              </a:ext>
+            </a:extLst>
+          </p:cNvPr>
+          <p:cNvSpPr/>
+          <p:nvPr/>
+        </p:nvSpPr>
+        <p:spPr>
+          <a:xfrm>
+            <a:off x="2748915" y="1497330"/>
+            <a:ext cx="670560" cy="243840"/>
+          </a:xfrm>
+          <a:prstGeom prst="rightArrow">
+            <a:avLst/>
+          </a:prstGeom>
+          <a:solidFill>
+            <a:schemeClr val="bg2"/>
+          </a:solidFill>
+          <a:ln>
+            <a:noFill/>
+          </a:ln>
+        </p:spPr>
+        <p:style>
+          <a:lnRef idx="2">
+            <a:schemeClr val="accent1">
+              <a:shade val="15000"/>
+            </a:schemeClr>
+          </a:lnRef>
+          <a:fillRef idx="1">
+            <a:schemeClr val="accent1"/>
+          </a:fillRef>
+          <a:effectRef idx="0">
+            <a:schemeClr val="accent1"/>
+          </a:effectRef>
+          <a:fontRef idx="minor">
+            <a:schemeClr val="lt1"/>
+          </a:fontRef>
+        </p:style>
+        <p:txBody>
+          <a:bodyPr rtlCol="0" anchor="ctr"/>
+          <a:lstStyle/>
+          <a:p>
+            <a:pPr algn="ctr"/>
+            <a:endParaRPr lang="en-US"/>
+          </a:p>
+        </p:txBody>
+      </p:sp>
+      <p:sp>
+        <p:nvSpPr>
+          <p:cNvPr id="25" name="Arrow: Right 24">
+            <a:extLst>
+              <a:ext uri="{FF2B5EF4-FFF2-40B4-BE49-F238E27FC236}">
+                <a16:creationId xmlns:a16="http://schemas.microsoft.com/office/drawing/2014/main" id="{86C1B59B-855E-25AA-5390-CB5F6AC3C5AA}"/>
+              </a:ext>
+            </a:extLst>
+          </p:cNvPr>
+          <p:cNvSpPr/>
+          <p:nvPr/>
+        </p:nvSpPr>
+        <p:spPr>
+          <a:xfrm>
+            <a:off x="5724525" y="1497330"/>
+            <a:ext cx="670560" cy="243840"/>
+          </a:xfrm>
+          <a:prstGeom prst="rightArrow">
+            <a:avLst/>
+          </a:prstGeom>
+          <a:solidFill>
+            <a:schemeClr val="bg2"/>
+          </a:solidFill>
+          <a:ln>
+            <a:noFill/>
+          </a:ln>
+        </p:spPr>
+        <p:style>
+          <a:lnRef idx="2">
+            <a:schemeClr val="accent1">
+              <a:shade val="15000"/>
+            </a:schemeClr>
+          </a:lnRef>
+          <a:fillRef idx="1">
+            <a:schemeClr val="accent1"/>
+          </a:fillRef>
+          <a:effectRef idx="0">
+            <a:schemeClr val="accent1"/>
+          </a:effectRef>
+          <a:fontRef idx="minor">
+            <a:schemeClr val="lt1"/>
+          </a:fontRef>
+        </p:style>
+        <p:txBody>
+          <a:bodyPr rtlCol="0" anchor="ctr"/>
+          <a:lstStyle/>
+          <a:p>
+            <a:pPr algn="ctr"/>
+            <a:endParaRPr lang="en-US"/>
+          </a:p>
+        </p:txBody>
+      </p:sp>
+      <p:sp>
+        <p:nvSpPr>
+          <p:cNvPr id="27" name="TextBox 26">
+            <a:extLst>
+              <a:ext uri="{FF2B5EF4-FFF2-40B4-BE49-F238E27FC236}">
+                <a16:creationId xmlns:a16="http://schemas.microsoft.com/office/drawing/2014/main" id="{A489F854-B7C7-14BC-C94F-CDA16A94DFD9}"/>
+              </a:ext>
+            </a:extLst>
+          </p:cNvPr>
+          <p:cNvSpPr txBox="1"/>
+          <p:nvPr/>
+        </p:nvSpPr>
+        <p:spPr>
+          <a:xfrm>
+            <a:off x="685800" y="525125"/>
+            <a:ext cx="4572000" cy="461665"/>
+          </a:xfrm>
+          <a:prstGeom prst="rect">
+            <a:avLst/>
+          </a:prstGeom>
+          <a:noFill/>
+        </p:spPr>
+        <p:txBody>
+          <a:bodyPr wrap="square">
+            <a:spAutoFit/>
+          </a:bodyPr>
+          <a:lstStyle/>
+          <a:p>
+            <a:r>
+              <a:rPr lang="es-MX" sz="2400" dirty="0"/>
+              <a:t>Ajuste de hiperparámetros</a:t>
+            </a:r>
+            <a:endParaRPr lang="en-US" sz="2400" dirty="0"/>
+          </a:p>
+        </p:txBody>
+      </p:sp>
+    </p:spTree>
+    <p:extLst>
+      <p:ext uri="{BB962C8B-B14F-4D97-AF65-F5344CB8AC3E}">
+        <p14:creationId xmlns:p14="http://schemas.microsoft.com/office/powerpoint/2010/main" val="2818923106"/>
+      </p:ext>
+    </p:extLst>
+  </p:cSld>
+  <p:clrMapOvr>
+    <a:masterClrMapping/>
+  </p:clrMapOvr>
+</p:sld>
+</file>
+
+<file path=ppt/slides/slide34.xml><?xml version="1.0" encoding="utf-8"?>
+<p:sld xmlns:a="http://schemas.openxmlformats.org/drawingml/2006/main" xmlns:r="http://schemas.openxmlformats.org/officeDocument/2006/relationships" xmlns:p="http://schemas.openxmlformats.org/presentationml/2006/main">
+  <p:cSld>
+    <p:spTree>
+      <p:nvGrpSpPr>
+        <p:cNvPr id="1" name=""/>
+        <p:cNvGrpSpPr/>
+        <p:nvPr/>
+      </p:nvGrpSpPr>
+      <p:grpSpPr>
+        <a:xfrm>
+          <a:off x="0" y="0"/>
+          <a:ext cx="0" cy="0"/>
+          <a:chOff x="0" y="0"/>
+          <a:chExt cx="0" cy="0"/>
+        </a:xfrm>
+      </p:grpSpPr>
+      <p:sp>
+        <p:nvSpPr>
+          <p:cNvPr id="3" name="Rectangle 2">
+            <a:extLst>
+              <a:ext uri="{FF2B5EF4-FFF2-40B4-BE49-F238E27FC236}">
+                <a16:creationId xmlns:a16="http://schemas.microsoft.com/office/drawing/2014/main" id="{61AE8CA3-1474-0462-4FB3-AC44789AB93E}"/>
+              </a:ext>
+            </a:extLst>
+          </p:cNvPr>
+          <p:cNvSpPr/>
+          <p:nvPr/>
+        </p:nvSpPr>
+        <p:spPr>
+          <a:xfrm>
+            <a:off x="685800" y="1303020"/>
+            <a:ext cx="1821180" cy="632460"/>
+          </a:xfrm>
+          <a:prstGeom prst="rect">
+            <a:avLst/>
+          </a:prstGeom>
+        </p:spPr>
+        <p:style>
+          <a:lnRef idx="2">
+            <a:schemeClr val="accent1">
+              <a:shade val="15000"/>
+            </a:schemeClr>
+          </a:lnRef>
+          <a:fillRef idx="1">
+            <a:schemeClr val="accent1"/>
+          </a:fillRef>
+          <a:effectRef idx="0">
+            <a:schemeClr val="accent1"/>
+          </a:effectRef>
+          <a:fontRef idx="minor">
+            <a:schemeClr val="lt1"/>
+          </a:fontRef>
+        </p:style>
+        <p:txBody>
+          <a:bodyPr rtlCol="0" anchor="ctr"/>
+          <a:lstStyle/>
+          <a:p>
+            <a:pPr algn="ctr"/>
+            <a:r>
+              <a:rPr lang="en-US" dirty="0" err="1"/>
+              <a:t>Especificación</a:t>
+            </a:r>
+            <a:r>
+              <a:rPr lang="en-US" dirty="0"/>
+              <a:t> de un </a:t>
+            </a:r>
+            <a:r>
+              <a:rPr lang="en-US" dirty="0" err="1"/>
+              <a:t>modelo</a:t>
+            </a:r>
+            <a:endParaRPr lang="en-US" dirty="0"/>
+          </a:p>
+        </p:txBody>
+      </p:sp>
+      <p:sp>
+        <p:nvSpPr>
+          <p:cNvPr id="4" name="Rectangle 3">
+            <a:extLst>
+              <a:ext uri="{FF2B5EF4-FFF2-40B4-BE49-F238E27FC236}">
+                <a16:creationId xmlns:a16="http://schemas.microsoft.com/office/drawing/2014/main" id="{34B14F17-07BB-AA6F-5524-B2FD099C5A92}"/>
+              </a:ext>
+            </a:extLst>
+          </p:cNvPr>
+          <p:cNvSpPr/>
+          <p:nvPr/>
+        </p:nvSpPr>
+        <p:spPr>
+          <a:xfrm>
+            <a:off x="685800" y="2255520"/>
+            <a:ext cx="1821180" cy="632460"/>
+          </a:xfrm>
+          <a:prstGeom prst="rect">
+            <a:avLst/>
+          </a:prstGeom>
+          <a:solidFill>
+            <a:schemeClr val="bg1">
+              <a:lumMod val="95000"/>
+            </a:schemeClr>
+          </a:solidFill>
+          <a:effectLst/>
+        </p:spPr>
+        <p:style>
+          <a:lnRef idx="1">
+            <a:schemeClr val="accent4"/>
+          </a:lnRef>
+          <a:fillRef idx="2">
+            <a:schemeClr val="accent4"/>
+          </a:fillRef>
+          <a:effectRef idx="1">
+            <a:schemeClr val="accent4"/>
+          </a:effectRef>
+          <a:fontRef idx="minor">
+            <a:schemeClr val="dk1"/>
+          </a:fontRef>
+        </p:style>
+        <p:txBody>
+          <a:bodyPr rtlCol="0" anchor="ctr"/>
+          <a:lstStyle/>
+          <a:p>
+            <a:pPr algn="ctr"/>
+            <a:r>
+              <a:rPr lang="en-US" dirty="0"/>
+              <a:t>KNN (K=5)</a:t>
+            </a:r>
+          </a:p>
+        </p:txBody>
+      </p:sp>
+      <p:sp>
+        <p:nvSpPr>
+          <p:cNvPr id="5" name="Rectangle 4">
+            <a:extLst>
+              <a:ext uri="{FF2B5EF4-FFF2-40B4-BE49-F238E27FC236}">
+                <a16:creationId xmlns:a16="http://schemas.microsoft.com/office/drawing/2014/main" id="{7A10AD5C-676C-BBAD-3523-18F60EE7B3B3}"/>
+              </a:ext>
+            </a:extLst>
+          </p:cNvPr>
+          <p:cNvSpPr/>
+          <p:nvPr/>
+        </p:nvSpPr>
+        <p:spPr>
+          <a:xfrm>
+            <a:off x="685800" y="3040380"/>
+            <a:ext cx="1821180" cy="632460"/>
+          </a:xfrm>
+          <a:prstGeom prst="rect">
+            <a:avLst/>
+          </a:prstGeom>
+          <a:solidFill>
+            <a:schemeClr val="bg1">
+              <a:lumMod val="95000"/>
+            </a:schemeClr>
+          </a:solidFill>
+          <a:effectLst/>
+        </p:spPr>
+        <p:style>
+          <a:lnRef idx="1">
+            <a:schemeClr val="accent4"/>
+          </a:lnRef>
+          <a:fillRef idx="2">
+            <a:schemeClr val="accent4"/>
+          </a:fillRef>
+          <a:effectRef idx="1">
+            <a:schemeClr val="accent4"/>
+          </a:effectRef>
+          <a:fontRef idx="minor">
+            <a:schemeClr val="dk1"/>
+          </a:fontRef>
+        </p:style>
+        <p:txBody>
+          <a:bodyPr rtlCol="0" anchor="ctr"/>
+          <a:lstStyle/>
+          <a:p>
+            <a:pPr algn="ctr"/>
+            <a:r>
+              <a:rPr lang="en-US" dirty="0"/>
+              <a:t>KNN (K=10)</a:t>
+            </a:r>
+          </a:p>
+        </p:txBody>
+      </p:sp>
+      <p:sp>
+        <p:nvSpPr>
+          <p:cNvPr id="27" name="TextBox 26">
+            <a:extLst>
+              <a:ext uri="{FF2B5EF4-FFF2-40B4-BE49-F238E27FC236}">
+                <a16:creationId xmlns:a16="http://schemas.microsoft.com/office/drawing/2014/main" id="{A489F854-B7C7-14BC-C94F-CDA16A94DFD9}"/>
+              </a:ext>
+            </a:extLst>
+          </p:cNvPr>
+          <p:cNvSpPr txBox="1"/>
+          <p:nvPr/>
+        </p:nvSpPr>
+        <p:spPr>
+          <a:xfrm>
+            <a:off x="685800" y="525125"/>
+            <a:ext cx="4572000" cy="461665"/>
+          </a:xfrm>
+          <a:prstGeom prst="rect">
+            <a:avLst/>
+          </a:prstGeom>
+          <a:noFill/>
+        </p:spPr>
+        <p:txBody>
+          <a:bodyPr wrap="square">
+            <a:spAutoFit/>
+          </a:bodyPr>
+          <a:lstStyle/>
+          <a:p>
+            <a:r>
+              <a:rPr lang="es-MX" sz="2400" dirty="0"/>
+              <a:t>Ajuste de hiperparámetros</a:t>
+            </a:r>
+            <a:endParaRPr lang="en-US" sz="2400" dirty="0"/>
+          </a:p>
+        </p:txBody>
+      </p:sp>
+      <p:sp>
+        <p:nvSpPr>
+          <p:cNvPr id="2" name="Right Brace 1">
+            <a:extLst>
+              <a:ext uri="{FF2B5EF4-FFF2-40B4-BE49-F238E27FC236}">
+                <a16:creationId xmlns:a16="http://schemas.microsoft.com/office/drawing/2014/main" id="{CBE8EE19-014A-4BC8-C018-781260A31FDD}"/>
+              </a:ext>
+            </a:extLst>
+          </p:cNvPr>
+          <p:cNvSpPr/>
+          <p:nvPr/>
+        </p:nvSpPr>
+        <p:spPr>
+          <a:xfrm>
+            <a:off x="2785110" y="2255520"/>
+            <a:ext cx="236220" cy="1363980"/>
+          </a:xfrm>
+          <a:prstGeom prst="rightBrace">
+            <a:avLst/>
+          </a:prstGeom>
+        </p:spPr>
+        <p:style>
+          <a:lnRef idx="1">
+            <a:schemeClr val="accent1"/>
+          </a:lnRef>
+          <a:fillRef idx="0">
+            <a:schemeClr val="accent1"/>
+          </a:fillRef>
+          <a:effectRef idx="0">
+            <a:schemeClr val="accent1"/>
+          </a:effectRef>
+          <a:fontRef idx="minor">
+            <a:schemeClr val="tx1"/>
+          </a:fontRef>
+        </p:style>
+        <p:txBody>
+          <a:bodyPr rtlCol="0" anchor="ctr"/>
+          <a:lstStyle/>
+          <a:p>
+            <a:pPr algn="ctr"/>
+            <a:endParaRPr lang="en-US"/>
+          </a:p>
+        </p:txBody>
+      </p:sp>
+      <p:sp>
+        <p:nvSpPr>
+          <p:cNvPr id="12" name="TextBox 11">
+            <a:extLst>
+              <a:ext uri="{FF2B5EF4-FFF2-40B4-BE49-F238E27FC236}">
+                <a16:creationId xmlns:a16="http://schemas.microsoft.com/office/drawing/2014/main" id="{5F3F97D2-1B2F-7918-3362-71C950DBCEF4}"/>
+              </a:ext>
+            </a:extLst>
+          </p:cNvPr>
+          <p:cNvSpPr txBox="1"/>
+          <p:nvPr/>
+        </p:nvSpPr>
+        <p:spPr>
+          <a:xfrm>
+            <a:off x="3048000" y="2568178"/>
+            <a:ext cx="2209800" cy="738664"/>
+          </a:xfrm>
+          <a:prstGeom prst="rect">
+            <a:avLst/>
+          </a:prstGeom>
+          <a:noFill/>
+        </p:spPr>
+        <p:txBody>
+          <a:bodyPr wrap="square">
+            <a:spAutoFit/>
+          </a:bodyPr>
+          <a:lstStyle/>
+          <a:p>
+            <a:r>
+              <a:rPr lang="en-US" dirty="0"/>
+              <a:t>K es un </a:t>
+            </a:r>
+            <a:r>
+              <a:rPr lang="en-US" dirty="0" err="1"/>
+              <a:t>hiperparámetro</a:t>
+            </a:r>
+            <a:r>
+              <a:rPr lang="en-US" dirty="0"/>
+              <a:t>, algo que se define </a:t>
+            </a:r>
+            <a:r>
+              <a:rPr lang="en-US" dirty="0" err="1"/>
+              <a:t>previo</a:t>
+            </a:r>
+            <a:r>
+              <a:rPr lang="en-US" dirty="0"/>
+              <a:t> al </a:t>
+            </a:r>
+            <a:r>
+              <a:rPr lang="en-US" dirty="0" err="1"/>
+              <a:t>ajuste</a:t>
+            </a:r>
+            <a:r>
+              <a:rPr lang="en-US" dirty="0"/>
+              <a:t> del </a:t>
+            </a:r>
+            <a:r>
+              <a:rPr lang="en-US" dirty="0" err="1"/>
+              <a:t>modelo</a:t>
+            </a:r>
+            <a:r>
+              <a:rPr lang="en-US" dirty="0"/>
+              <a:t>.</a:t>
+            </a:r>
+          </a:p>
+        </p:txBody>
+      </p:sp>
+    </p:spTree>
+    <p:extLst>
+      <p:ext uri="{BB962C8B-B14F-4D97-AF65-F5344CB8AC3E}">
+        <p14:creationId xmlns:p14="http://schemas.microsoft.com/office/powerpoint/2010/main" val="851952868"/>
+      </p:ext>
+    </p:extLst>
+  </p:cSld>
+  <p:clrMapOvr>
+    <a:masterClrMapping/>
+  </p:clrMapOvr>
+</p:sld>
+</file>
+
+<file path=ppt/slides/slide35.xml><?xml version="1.0" encoding="utf-8"?>
+<p:sld xmlns:a="http://schemas.openxmlformats.org/drawingml/2006/main" xmlns:r="http://schemas.openxmlformats.org/officeDocument/2006/relationships" xmlns:p="http://schemas.openxmlformats.org/presentationml/2006/main">
+  <p:cSld>
+    <p:spTree>
+      <p:nvGrpSpPr>
+        <p:cNvPr id="1" name="Shape 278"/>
+        <p:cNvGrpSpPr/>
+        <p:nvPr/>
+      </p:nvGrpSpPr>
+      <p:grpSpPr>
+        <a:xfrm>
+          <a:off x="0" y="0"/>
+          <a:ext cx="0" cy="0"/>
+          <a:chOff x="0" y="0"/>
+          <a:chExt cx="0" cy="0"/>
+        </a:xfrm>
+      </p:grpSpPr>
+      <p:sp>
+        <p:nvSpPr>
+          <p:cNvPr id="279" name="Google Shape;279;p48"/>
+          <p:cNvSpPr txBox="1">
+            <a:spLocks noGrp="1"/>
+          </p:cNvSpPr>
+          <p:nvPr>
+            <p:ph type="title"/>
+          </p:nvPr>
+        </p:nvSpPr>
+        <p:spPr>
+          <a:prstGeom prst="rect">
+            <a:avLst/>
+          </a:prstGeom>
+        </p:spPr>
+        <p:txBody>
+          <a:bodyPr spcFirstLastPara="1" wrap="square" lIns="91425" tIns="91425" rIns="91425" bIns="91425" anchor="b" anchorCtr="0">
+            <a:normAutofit/>
+          </a:bodyPr>
+          <a:lstStyle/>
+          <a:p>
+            <a:pPr marL="0" lvl="0" indent="0" algn="l" rtl="0">
+              <a:spcBef>
+                <a:spcPts val="0"/>
+              </a:spcBef>
+              <a:spcAft>
+                <a:spcPts val="0"/>
+              </a:spcAft>
+              <a:buNone/>
+            </a:pPr>
+            <a:r>
+              <a:rPr lang="en-GB" dirty="0">
+                <a:latin typeface="Prima Nova"/>
+              </a:rPr>
+              <a:t>X. Caso </a:t>
+            </a:r>
+            <a:r>
+              <a:rPr lang="en-GB" dirty="0" err="1">
+                <a:latin typeface="Prima Nova"/>
+              </a:rPr>
+              <a:t>integrador</a:t>
+            </a:r>
+            <a:r>
+              <a:rPr lang="en-GB" dirty="0">
+                <a:latin typeface="Prima Nova"/>
+              </a:rPr>
+              <a:t> (EPH)</a:t>
+            </a:r>
+            <a:endParaRPr dirty="0">
+              <a:latin typeface="Prima Nova"/>
+            </a:endParaRPr>
+          </a:p>
+        </p:txBody>
+      </p:sp>
+    </p:spTree>
+    <p:extLst>
+      <p:ext uri="{BB962C8B-B14F-4D97-AF65-F5344CB8AC3E}">
+        <p14:creationId xmlns:p14="http://schemas.microsoft.com/office/powerpoint/2010/main" val="1446992988"/>
+      </p:ext>
+    </p:extLst>
+  </p:cSld>
+  <p:clrMapOvr>
+    <a:masterClrMapping/>
+  </p:clrMapOvr>
+</p:sld>
+</file>
+
+<file path=ppt/slides/slide36.xml><?xml version="1.0" encoding="utf-8"?>
+<p:sld xmlns:a="http://schemas.openxmlformats.org/drawingml/2006/main" xmlns:r="http://schemas.openxmlformats.org/officeDocument/2006/relationships" xmlns:p="http://schemas.openxmlformats.org/presentationml/2006/main">
+  <p:cSld>
+    <p:spTree>
+      <p:nvGrpSpPr>
+        <p:cNvPr id="1" name=""/>
+        <p:cNvGrpSpPr/>
+        <p:nvPr/>
+      </p:nvGrpSpPr>
+      <p:grpSpPr>
+        <a:xfrm>
+          <a:off x="0" y="0"/>
+          <a:ext cx="0" cy="0"/>
+          <a:chOff x="0" y="0"/>
+          <a:chExt cx="0" cy="0"/>
+        </a:xfrm>
+      </p:grpSpPr>
+      <p:sp>
+        <p:nvSpPr>
+          <p:cNvPr id="27" name="TextBox 26">
+            <a:extLst>
+              <a:ext uri="{FF2B5EF4-FFF2-40B4-BE49-F238E27FC236}">
+                <a16:creationId xmlns:a16="http://schemas.microsoft.com/office/drawing/2014/main" id="{A489F854-B7C7-14BC-C94F-CDA16A94DFD9}"/>
+              </a:ext>
+            </a:extLst>
+          </p:cNvPr>
+          <p:cNvSpPr txBox="1"/>
+          <p:nvPr/>
+        </p:nvSpPr>
+        <p:spPr>
+          <a:xfrm>
+            <a:off x="685800" y="525125"/>
+            <a:ext cx="6995160" cy="461665"/>
+          </a:xfrm>
+          <a:prstGeom prst="rect">
+            <a:avLst/>
+          </a:prstGeom>
+          <a:noFill/>
+        </p:spPr>
+        <p:txBody>
+          <a:bodyPr wrap="square">
+            <a:spAutoFit/>
+          </a:bodyPr>
+          <a:lstStyle/>
+          <a:p>
+            <a:r>
+              <a:rPr lang="es-AR" sz="2400" dirty="0"/>
+              <a:t>Encuesta</a:t>
+            </a:r>
+            <a:r>
+              <a:rPr lang="en-US" sz="2400" dirty="0"/>
+              <a:t> permanente de hogares (EPH)</a:t>
+            </a:r>
+          </a:p>
+        </p:txBody>
+      </p:sp>
+      <p:pic>
+        <p:nvPicPr>
+          <p:cNvPr id="1026" name="Picture 2" descr="README">
+            <a:extLst>
+              <a:ext uri="{FF2B5EF4-FFF2-40B4-BE49-F238E27FC236}">
+                <a16:creationId xmlns:a16="http://schemas.microsoft.com/office/drawing/2014/main" id="{0379F552-A6C8-D918-445B-FA240B12F8D8}"/>
+              </a:ext>
+            </a:extLst>
+          </p:cNvPr>
+          <p:cNvPicPr>
+            <a:picLocks noChangeAspect="1" noChangeArrowheads="1"/>
+          </p:cNvPicPr>
+          <p:nvPr/>
+        </p:nvPicPr>
+        <p:blipFill>
+          <a:blip r:embed="rId2">
+            <a:extLst>
+              <a:ext uri="{28A0092B-C50C-407E-A947-70E740481C1C}">
+                <a14:useLocalDpi xmlns:a14="http://schemas.microsoft.com/office/drawing/2010/main" val="0"/>
+              </a:ext>
+            </a:extLst>
+          </a:blip>
+          <a:srcRect/>
+          <a:stretch>
+            <a:fillRect/>
+          </a:stretch>
+        </p:blipFill>
+        <p:spPr bwMode="auto">
+          <a:xfrm>
+            <a:off x="685800" y="1926806"/>
+            <a:ext cx="1133624" cy="1321678"/>
+          </a:xfrm>
+          <a:prstGeom prst="rect">
+            <a:avLst/>
+          </a:prstGeom>
+          <a:noFill/>
+          <a:extLst>
+            <a:ext uri="{909E8E84-426E-40DD-AFC4-6F175D3DCCD1}">
+              <a14:hiddenFill xmlns:a14="http://schemas.microsoft.com/office/drawing/2010/main">
+                <a:solidFill>
+                  <a:srgbClr val="FFFFFF"/>
+                </a:solidFill>
+              </a14:hiddenFill>
+            </a:ext>
+          </a:extLst>
+        </p:spPr>
+      </p:pic>
+      <p:sp>
+        <p:nvSpPr>
+          <p:cNvPr id="6" name="Cylinder 5">
+            <a:extLst>
+              <a:ext uri="{FF2B5EF4-FFF2-40B4-BE49-F238E27FC236}">
+                <a16:creationId xmlns:a16="http://schemas.microsoft.com/office/drawing/2014/main" id="{95682800-650F-D664-35B2-46E858743443}"/>
+              </a:ext>
+            </a:extLst>
+          </p:cNvPr>
+          <p:cNvSpPr/>
+          <p:nvPr/>
+        </p:nvSpPr>
+        <p:spPr>
+          <a:xfrm>
+            <a:off x="2590800" y="1979569"/>
+            <a:ext cx="914400" cy="1216152"/>
+          </a:xfrm>
+          <a:prstGeom prst="can">
+            <a:avLst/>
+          </a:prstGeom>
+        </p:spPr>
+        <p:style>
+          <a:lnRef idx="2">
+            <a:schemeClr val="accent1">
+              <a:shade val="15000"/>
+            </a:schemeClr>
+          </a:lnRef>
+          <a:fillRef idx="1">
+            <a:schemeClr val="accent1"/>
+          </a:fillRef>
+          <a:effectRef idx="0">
+            <a:schemeClr val="accent1"/>
+          </a:effectRef>
+          <a:fontRef idx="minor">
+            <a:schemeClr val="lt1"/>
+          </a:fontRef>
+        </p:style>
+        <p:txBody>
+          <a:bodyPr rtlCol="0" anchor="ctr"/>
+          <a:lstStyle/>
+          <a:p>
+            <a:pPr algn="ctr"/>
+            <a:r>
+              <a:rPr lang="en-US" dirty="0"/>
+              <a:t>Datos</a:t>
+            </a:r>
+          </a:p>
+        </p:txBody>
+      </p:sp>
+      <p:sp>
+        <p:nvSpPr>
+          <p:cNvPr id="7" name="Arrow: Right 6">
+            <a:extLst>
+              <a:ext uri="{FF2B5EF4-FFF2-40B4-BE49-F238E27FC236}">
+                <a16:creationId xmlns:a16="http://schemas.microsoft.com/office/drawing/2014/main" id="{56E7A6E5-70F0-614C-768A-3093859D0AEB}"/>
+              </a:ext>
+            </a:extLst>
+          </p:cNvPr>
+          <p:cNvSpPr/>
+          <p:nvPr/>
+        </p:nvSpPr>
+        <p:spPr>
+          <a:xfrm>
+            <a:off x="2004060" y="2491740"/>
+            <a:ext cx="434340" cy="213360"/>
+          </a:xfrm>
+          <a:prstGeom prst="rightArrow">
+            <a:avLst/>
+          </a:prstGeom>
+        </p:spPr>
+        <p:style>
+          <a:lnRef idx="2">
+            <a:schemeClr val="accent1">
+              <a:shade val="15000"/>
+            </a:schemeClr>
+          </a:lnRef>
+          <a:fillRef idx="1">
+            <a:schemeClr val="accent1"/>
+          </a:fillRef>
+          <a:effectRef idx="0">
+            <a:schemeClr val="accent1"/>
+          </a:effectRef>
+          <a:fontRef idx="minor">
+            <a:schemeClr val="lt1"/>
+          </a:fontRef>
+        </p:style>
+        <p:txBody>
+          <a:bodyPr rtlCol="0" anchor="ctr"/>
+          <a:lstStyle/>
+          <a:p>
+            <a:pPr algn="ctr"/>
+            <a:endParaRPr lang="en-US" dirty="0"/>
+          </a:p>
+        </p:txBody>
+      </p:sp>
+      <p:sp>
+        <p:nvSpPr>
+          <p:cNvPr id="8" name="Rectangle 7">
+            <a:extLst>
+              <a:ext uri="{FF2B5EF4-FFF2-40B4-BE49-F238E27FC236}">
+                <a16:creationId xmlns:a16="http://schemas.microsoft.com/office/drawing/2014/main" id="{4225FBC7-141B-BD5E-87AE-BC7AA61A62CF}"/>
+              </a:ext>
+            </a:extLst>
+          </p:cNvPr>
+          <p:cNvSpPr/>
+          <p:nvPr/>
+        </p:nvSpPr>
+        <p:spPr>
+          <a:xfrm>
+            <a:off x="4276576" y="2114550"/>
+            <a:ext cx="1741170" cy="967740"/>
+          </a:xfrm>
+          <a:prstGeom prst="rect">
+            <a:avLst/>
+          </a:prstGeom>
+        </p:spPr>
+        <p:style>
+          <a:lnRef idx="2">
+            <a:schemeClr val="accent1">
+              <a:shade val="15000"/>
+            </a:schemeClr>
+          </a:lnRef>
+          <a:fillRef idx="1">
+            <a:schemeClr val="accent1"/>
+          </a:fillRef>
+          <a:effectRef idx="0">
+            <a:schemeClr val="accent1"/>
+          </a:effectRef>
+          <a:fontRef idx="minor">
+            <a:schemeClr val="lt1"/>
+          </a:fontRef>
+        </p:style>
+        <p:txBody>
+          <a:bodyPr rtlCol="0" anchor="ctr"/>
+          <a:lstStyle/>
+          <a:p>
+            <a:pPr algn="ctr"/>
+            <a:r>
+              <a:rPr lang="en-US" dirty="0" err="1"/>
+              <a:t>Precariedad</a:t>
+            </a:r>
+            <a:r>
+              <a:rPr lang="en-US" dirty="0"/>
+              <a:t> = f(X)</a:t>
+            </a:r>
+          </a:p>
+        </p:txBody>
+      </p:sp>
+      <p:sp>
+        <p:nvSpPr>
+          <p:cNvPr id="9" name="Rectangle 8">
+            <a:extLst>
+              <a:ext uri="{FF2B5EF4-FFF2-40B4-BE49-F238E27FC236}">
+                <a16:creationId xmlns:a16="http://schemas.microsoft.com/office/drawing/2014/main" id="{E27649DA-BD4D-AC84-3786-3819222BA8C5}"/>
+              </a:ext>
+            </a:extLst>
+          </p:cNvPr>
+          <p:cNvSpPr/>
+          <p:nvPr/>
+        </p:nvSpPr>
+        <p:spPr>
+          <a:xfrm>
+            <a:off x="6416040" y="2114550"/>
+            <a:ext cx="2217420" cy="2579370"/>
+          </a:xfrm>
+          <a:prstGeom prst="rect">
+            <a:avLst/>
+          </a:prstGeom>
+          <a:solidFill>
+            <a:schemeClr val="bg1">
+              <a:lumMod val="95000"/>
+            </a:schemeClr>
+          </a:solidFill>
+          <a:ln>
+            <a:noFill/>
+          </a:ln>
+          <a:effectLst/>
+        </p:spPr>
+        <p:style>
+          <a:lnRef idx="1">
+            <a:schemeClr val="accent4"/>
+          </a:lnRef>
+          <a:fillRef idx="2">
+            <a:schemeClr val="accent4"/>
+          </a:fillRef>
+          <a:effectRef idx="1">
+            <a:schemeClr val="accent4"/>
+          </a:effectRef>
+          <a:fontRef idx="minor">
+            <a:schemeClr val="dk1"/>
+          </a:fontRef>
+        </p:style>
+        <p:txBody>
+          <a:bodyPr rtlCol="0" anchor="ctr"/>
+          <a:lstStyle/>
+          <a:p>
+            <a:pPr algn="ctr"/>
+            <a:r>
+              <a:rPr lang="en-US" sz="1600" dirty="0">
+                <a:solidFill>
+                  <a:schemeClr val="tx2">
+                    <a:lumMod val="50000"/>
+                  </a:schemeClr>
+                </a:solidFill>
+              </a:rPr>
+              <a:t>Variables (X)</a:t>
+            </a:r>
+          </a:p>
+          <a:p>
+            <a:endParaRPr lang="en-US" sz="1200" dirty="0"/>
+          </a:p>
+          <a:p>
+            <a:r>
+              <a:rPr lang="en-US" sz="1200" dirty="0"/>
+              <a:t>- </a:t>
+            </a:r>
+            <a:r>
+              <a:rPr lang="en-US" sz="1200" dirty="0" err="1"/>
+              <a:t>Tamaño</a:t>
+            </a:r>
+            <a:r>
+              <a:rPr lang="en-US" sz="1200" dirty="0"/>
+              <a:t> del establecimiento</a:t>
+            </a:r>
+          </a:p>
+          <a:p>
+            <a:r>
+              <a:rPr lang="en-US" sz="1200" dirty="0"/>
+              <a:t>- </a:t>
+            </a:r>
+            <a:r>
+              <a:rPr lang="en-US" sz="1200" dirty="0" err="1"/>
+              <a:t>Calificación</a:t>
+            </a:r>
+            <a:r>
+              <a:rPr lang="en-US" sz="1200" dirty="0"/>
+              <a:t> del </a:t>
+            </a:r>
+            <a:r>
+              <a:rPr lang="en-US" sz="1200" dirty="0" err="1"/>
+              <a:t>puesto</a:t>
+            </a:r>
+            <a:endParaRPr lang="en-US" sz="1200" dirty="0"/>
+          </a:p>
+          <a:p>
+            <a:r>
+              <a:rPr lang="en-US" sz="1200" dirty="0"/>
+              <a:t>- Entre </a:t>
+            </a:r>
+            <a:r>
+              <a:rPr lang="en-US" sz="1200" dirty="0" err="1"/>
+              <a:t>otras</a:t>
+            </a:r>
+            <a:endParaRPr lang="en-US" sz="1200" dirty="0"/>
+          </a:p>
+        </p:txBody>
+      </p:sp>
+      <p:sp>
+        <p:nvSpPr>
+          <p:cNvPr id="10" name="Arrow: Right 9">
+            <a:extLst>
+              <a:ext uri="{FF2B5EF4-FFF2-40B4-BE49-F238E27FC236}">
+                <a16:creationId xmlns:a16="http://schemas.microsoft.com/office/drawing/2014/main" id="{A59E099C-0CAD-C964-A680-C534E0D97BEE}"/>
+              </a:ext>
+            </a:extLst>
+          </p:cNvPr>
+          <p:cNvSpPr/>
+          <p:nvPr/>
+        </p:nvSpPr>
+        <p:spPr>
+          <a:xfrm>
+            <a:off x="3690134" y="2506912"/>
+            <a:ext cx="434340" cy="213360"/>
+          </a:xfrm>
+          <a:prstGeom prst="rightArrow">
+            <a:avLst/>
+          </a:prstGeom>
+        </p:spPr>
+        <p:style>
+          <a:lnRef idx="2">
+            <a:schemeClr val="accent1">
+              <a:shade val="15000"/>
+            </a:schemeClr>
+          </a:lnRef>
+          <a:fillRef idx="1">
+            <a:schemeClr val="accent1"/>
+          </a:fillRef>
+          <a:effectRef idx="0">
+            <a:schemeClr val="accent1"/>
+          </a:effectRef>
+          <a:fontRef idx="minor">
+            <a:schemeClr val="lt1"/>
+          </a:fontRef>
+        </p:style>
+        <p:txBody>
+          <a:bodyPr rtlCol="0" anchor="ctr"/>
+          <a:lstStyle/>
+          <a:p>
+            <a:pPr algn="ctr"/>
+            <a:endParaRPr lang="en-US"/>
+          </a:p>
+        </p:txBody>
+      </p:sp>
+      <p:sp>
+        <p:nvSpPr>
+          <p:cNvPr id="11" name="Rectangle 10">
+            <a:extLst>
+              <a:ext uri="{FF2B5EF4-FFF2-40B4-BE49-F238E27FC236}">
+                <a16:creationId xmlns:a16="http://schemas.microsoft.com/office/drawing/2014/main" id="{6D8C3601-6164-8A33-34DA-BFC8BDBC892A}"/>
+              </a:ext>
+            </a:extLst>
+          </p:cNvPr>
+          <p:cNvSpPr/>
+          <p:nvPr/>
+        </p:nvSpPr>
+        <p:spPr>
+          <a:xfrm>
+            <a:off x="4276576" y="3726180"/>
+            <a:ext cx="1741170" cy="967740"/>
+          </a:xfrm>
+          <a:prstGeom prst="rect">
+            <a:avLst/>
+          </a:prstGeom>
+        </p:spPr>
+        <p:style>
+          <a:lnRef idx="2">
+            <a:schemeClr val="accent1">
+              <a:shade val="15000"/>
+            </a:schemeClr>
+          </a:lnRef>
+          <a:fillRef idx="1">
+            <a:schemeClr val="accent1"/>
+          </a:fillRef>
+          <a:effectRef idx="0">
+            <a:schemeClr val="accent1"/>
+          </a:effectRef>
+          <a:fontRef idx="minor">
+            <a:schemeClr val="lt1"/>
+          </a:fontRef>
+        </p:style>
+        <p:txBody>
+          <a:bodyPr rtlCol="0" anchor="ctr"/>
+          <a:lstStyle/>
+          <a:p>
+            <a:pPr algn="ctr"/>
+            <a:r>
+              <a:rPr lang="en-US" dirty="0" err="1"/>
+              <a:t>Salario</a:t>
+            </a:r>
+            <a:r>
+              <a:rPr lang="en-US" dirty="0"/>
+              <a:t> = f(X)</a:t>
+            </a:r>
+          </a:p>
+        </p:txBody>
+      </p:sp>
+      <p:sp>
+        <p:nvSpPr>
+          <p:cNvPr id="13" name="Rectangle 12">
+            <a:extLst>
+              <a:ext uri="{FF2B5EF4-FFF2-40B4-BE49-F238E27FC236}">
+                <a16:creationId xmlns:a16="http://schemas.microsoft.com/office/drawing/2014/main" id="{FE661549-6604-549A-FDD8-B15E10A5690B}"/>
+              </a:ext>
+            </a:extLst>
+          </p:cNvPr>
+          <p:cNvSpPr/>
+          <p:nvPr/>
+        </p:nvSpPr>
+        <p:spPr>
+          <a:xfrm>
+            <a:off x="4271010" y="1748959"/>
+            <a:ext cx="1741170" cy="405017"/>
+          </a:xfrm>
+          <a:prstGeom prst="rect">
+            <a:avLst/>
+          </a:prstGeom>
+          <a:noFill/>
+          <a:ln>
+            <a:noFill/>
+          </a:ln>
+        </p:spPr>
+        <p:style>
+          <a:lnRef idx="0">
+            <a:scrgbClr r="0" g="0" b="0"/>
+          </a:lnRef>
+          <a:fillRef idx="0">
+            <a:scrgbClr r="0" g="0" b="0"/>
+          </a:fillRef>
+          <a:effectRef idx="0">
+            <a:scrgbClr r="0" g="0" b="0"/>
+          </a:effectRef>
+          <a:fontRef idx="minor">
+            <a:schemeClr val="accent3"/>
+          </a:fontRef>
+        </p:style>
+        <p:txBody>
+          <a:bodyPr rtlCol="0" anchor="ctr"/>
+          <a:lstStyle/>
+          <a:p>
+            <a:pPr algn="ctr"/>
+            <a:r>
+              <a:rPr lang="en-US" dirty="0" err="1"/>
+              <a:t>Clasificación</a:t>
+            </a:r>
+            <a:endParaRPr lang="en-US" dirty="0"/>
+          </a:p>
+        </p:txBody>
+      </p:sp>
+      <p:sp>
+        <p:nvSpPr>
+          <p:cNvPr id="14" name="Rectangle 13">
+            <a:extLst>
+              <a:ext uri="{FF2B5EF4-FFF2-40B4-BE49-F238E27FC236}">
+                <a16:creationId xmlns:a16="http://schemas.microsoft.com/office/drawing/2014/main" id="{624F2EB7-4350-EFE6-2FF2-9A0F1B5F62CF}"/>
+              </a:ext>
+            </a:extLst>
+          </p:cNvPr>
+          <p:cNvSpPr/>
+          <p:nvPr/>
+        </p:nvSpPr>
+        <p:spPr>
+          <a:xfrm>
+            <a:off x="4271010" y="3397362"/>
+            <a:ext cx="1741170" cy="405017"/>
+          </a:xfrm>
+          <a:prstGeom prst="rect">
+            <a:avLst/>
+          </a:prstGeom>
+          <a:noFill/>
+          <a:ln>
+            <a:noFill/>
+          </a:ln>
+        </p:spPr>
+        <p:style>
+          <a:lnRef idx="0">
+            <a:scrgbClr r="0" g="0" b="0"/>
+          </a:lnRef>
+          <a:fillRef idx="0">
+            <a:scrgbClr r="0" g="0" b="0"/>
+          </a:fillRef>
+          <a:effectRef idx="0">
+            <a:scrgbClr r="0" g="0" b="0"/>
+          </a:effectRef>
+          <a:fontRef idx="minor">
+            <a:schemeClr val="accent3"/>
+          </a:fontRef>
+        </p:style>
+        <p:txBody>
+          <a:bodyPr rtlCol="0" anchor="ctr"/>
+          <a:lstStyle/>
+          <a:p>
+            <a:pPr algn="ctr"/>
+            <a:r>
+              <a:rPr lang="en-US" dirty="0" err="1"/>
+              <a:t>Regresión</a:t>
+            </a:r>
+            <a:endParaRPr lang="en-US" dirty="0"/>
+          </a:p>
+        </p:txBody>
+      </p:sp>
+    </p:spTree>
+    <p:extLst>
+      <p:ext uri="{BB962C8B-B14F-4D97-AF65-F5344CB8AC3E}">
+        <p14:creationId xmlns:p14="http://schemas.microsoft.com/office/powerpoint/2010/main" val="1432955044"/>
+      </p:ext>
+    </p:extLst>
+  </p:cSld>
+  <p:clrMapOvr>
+    <a:masterClrMapping/>
+  </p:clrMapOvr>
+</p:sld>
+</file>
+
+<file path=ppt/slides/slide37.xml><?xml version="1.0" encoding="utf-8"?>
+<p:sld xmlns:a="http://schemas.openxmlformats.org/drawingml/2006/main" xmlns:r="http://schemas.openxmlformats.org/officeDocument/2006/relationships" xmlns:p="http://schemas.openxmlformats.org/presentationml/2006/main">
+  <p:cSld>
+    <p:spTree>
+      <p:nvGrpSpPr>
+        <p:cNvPr id="1" name="Shape 278"/>
+        <p:cNvGrpSpPr/>
+        <p:nvPr/>
+      </p:nvGrpSpPr>
+      <p:grpSpPr>
+        <a:xfrm>
+          <a:off x="0" y="0"/>
+          <a:ext cx="0" cy="0"/>
+          <a:chOff x="0" y="0"/>
+          <a:chExt cx="0" cy="0"/>
+        </a:xfrm>
+      </p:grpSpPr>
+      <p:sp>
+        <p:nvSpPr>
+          <p:cNvPr id="279" name="Google Shape;279;p48"/>
+          <p:cNvSpPr txBox="1">
+            <a:spLocks noGrp="1"/>
+          </p:cNvSpPr>
+          <p:nvPr>
+            <p:ph type="title"/>
+          </p:nvPr>
+        </p:nvSpPr>
+        <p:spPr>
+          <a:prstGeom prst="rect">
+            <a:avLst/>
+          </a:prstGeom>
+        </p:spPr>
+        <p:txBody>
+          <a:bodyPr spcFirstLastPara="1" wrap="square" lIns="91425" tIns="91425" rIns="91425" bIns="91425" anchor="b" anchorCtr="0">
+            <a:normAutofit/>
+          </a:bodyPr>
+          <a:lstStyle/>
+          <a:p>
+            <a:pPr marL="0" lvl="0" indent="0" algn="l" rtl="0">
+              <a:spcBef>
+                <a:spcPts val="0"/>
+              </a:spcBef>
+              <a:spcAft>
+                <a:spcPts val="0"/>
+              </a:spcAft>
+              <a:buNone/>
+            </a:pPr>
+            <a:r>
               <a:rPr lang="en-GB" dirty="0"/>
               <a:t>Anexos</a:t>
             </a:r>
@@ -25077,7 +27175,7 @@
 </p:sld>
 </file>
 
-<file path=ppt/slides/slide33.xml><?xml version="1.0" encoding="utf-8"?>
+<file path=ppt/slides/slide38.xml><?xml version="1.0" encoding="utf-8"?>
 <p:sld xmlns:a="http://schemas.openxmlformats.org/drawingml/2006/main" xmlns:r="http://schemas.openxmlformats.org/officeDocument/2006/relationships" xmlns:p="http://schemas.openxmlformats.org/presentationml/2006/main">
   <p:cSld>
     <p:spTree>
@@ -26060,7 +28158,7 @@
 </p:sld>
 </file>
 
-<file path=ppt/slides/slide34.xml><?xml version="1.0" encoding="utf-8"?>
+<file path=ppt/slides/slide39.xml><?xml version="1.0" encoding="utf-8"?>
 <p:sld xmlns:a="http://schemas.openxmlformats.org/drawingml/2006/main" xmlns:r="http://schemas.openxmlformats.org/officeDocument/2006/relationships" xmlns:p="http://schemas.openxmlformats.org/presentationml/2006/main">
   <p:cSld>
     <p:spTree>
